--- a/Final Project Data Analyst Program Hebrew University of Jerusalem Class No. 4 Group 2.pptx
+++ b/Final Project Data Analyst Program Hebrew University of Jerusalem Class No. 4 Group 2.pptx
@@ -5,7 +5,7 @@
     <p:sldMasterId id="2147483648" r:id="rId1"/>
   </p:sldMasterIdLst>
   <p:notesMasterIdLst>
-    <p:notesMasterId r:id="rId11"/>
+    <p:notesMasterId r:id="rId18"/>
   </p:notesMasterIdLst>
   <p:sldIdLst>
     <p:sldId id="274" r:id="rId2"/>
@@ -13,10 +13,17 @@
     <p:sldId id="268" r:id="rId4"/>
     <p:sldId id="270" r:id="rId5"/>
     <p:sldId id="271" r:id="rId6"/>
-    <p:sldId id="272" r:id="rId7"/>
-    <p:sldId id="273" r:id="rId8"/>
-    <p:sldId id="267" r:id="rId9"/>
-    <p:sldId id="269" r:id="rId10"/>
+    <p:sldId id="276" r:id="rId7"/>
+    <p:sldId id="272" r:id="rId8"/>
+    <p:sldId id="277" r:id="rId9"/>
+    <p:sldId id="278" r:id="rId10"/>
+    <p:sldId id="279" r:id="rId11"/>
+    <p:sldId id="283" r:id="rId12"/>
+    <p:sldId id="280" r:id="rId13"/>
+    <p:sldId id="281" r:id="rId14"/>
+    <p:sldId id="282" r:id="rId15"/>
+    <p:sldId id="267" r:id="rId16"/>
+    <p:sldId id="269" r:id="rId17"/>
   </p:sldIdLst>
   <p:sldSz cx="12192000" cy="6858000"/>
   <p:notesSz cx="6858000" cy="9144000"/>
@@ -126,13 +133,735 @@
 <file path=ppt/revisionInfo.xml><?xml version="1.0" encoding="utf-8"?>
 <p1510:revInfo xmlns:a="http://schemas.openxmlformats.org/drawingml/2006/main" xmlns:r="http://schemas.openxmlformats.org/officeDocument/2006/relationships" xmlns:p1510="http://schemas.microsoft.com/office/powerpoint/2015/10/main">
   <p1510:revLst>
-    <p1510:client id="{2B805E9A-1E52-47F1-B520-3D082B06BBBB}" v="78" dt="2023-11-26T22:13:27.672"/>
+    <p1510:client id="{9F74FB0C-EC1E-437D-8CDE-B518B384A0C5}" v="158" dt="2023-12-01T15:27:30.634"/>
   </p1510:revLst>
 </p1510:revInfo>
 </file>
 
 <file path=ppt/changesInfos/changesInfo1.xml><?xml version="1.0" encoding="utf-8"?>
 <pc:chgInfo xmlns:a="http://schemas.openxmlformats.org/drawingml/2006/main" xmlns:r="http://schemas.openxmlformats.org/officeDocument/2006/relationships" xmlns:ac="http://schemas.microsoft.com/office/drawing/2013/main/command" xmlns:pc="http://schemas.microsoft.com/office/powerpoint/2013/main/command">
+  <pc:docChgLst>
+    <pc:chgData name="שיר וולץ" userId="aefb9a7725becb63" providerId="LiveId" clId="{9F74FB0C-EC1E-437D-8CDE-B518B384A0C5}"/>
+    <pc:docChg chg="undo custSel addSld delSld modSld">
+      <pc:chgData name="שיר וולץ" userId="aefb9a7725becb63" providerId="LiveId" clId="{9F74FB0C-EC1E-437D-8CDE-B518B384A0C5}" dt="2023-12-01T15:28:11.555" v="1479" actId="20577"/>
+      <pc:docMkLst>
+        <pc:docMk/>
+      </pc:docMkLst>
+      <pc:sldChg chg="modSp mod">
+        <pc:chgData name="שיר וולץ" userId="aefb9a7725becb63" providerId="LiveId" clId="{9F74FB0C-EC1E-437D-8CDE-B518B384A0C5}" dt="2023-12-01T15:28:11.555" v="1479" actId="20577"/>
+        <pc:sldMkLst>
+          <pc:docMk/>
+          <pc:sldMk cId="4232584337" sldId="267"/>
+        </pc:sldMkLst>
+        <pc:spChg chg="mod">
+          <ac:chgData name="שיר וולץ" userId="aefb9a7725becb63" providerId="LiveId" clId="{9F74FB0C-EC1E-437D-8CDE-B518B384A0C5}" dt="2023-12-01T15:28:11.555" v="1479" actId="20577"/>
+          <ac:spMkLst>
+            <pc:docMk/>
+            <pc:sldMk cId="4232584337" sldId="267"/>
+            <ac:spMk id="3" creationId="{CD819408-1CBA-3D89-DF10-4E3D1647D6B8}"/>
+          </ac:spMkLst>
+        </pc:spChg>
+      </pc:sldChg>
+      <pc:sldChg chg="modSp mod">
+        <pc:chgData name="שיר וולץ" userId="aefb9a7725becb63" providerId="LiveId" clId="{9F74FB0C-EC1E-437D-8CDE-B518B384A0C5}" dt="2023-11-30T21:06:48.563" v="73" actId="120"/>
+        <pc:sldMkLst>
+          <pc:docMk/>
+          <pc:sldMk cId="2238981874" sldId="270"/>
+        </pc:sldMkLst>
+        <pc:spChg chg="mod">
+          <ac:chgData name="שיר וולץ" userId="aefb9a7725becb63" providerId="LiveId" clId="{9F74FB0C-EC1E-437D-8CDE-B518B384A0C5}" dt="2023-11-30T21:06:48.563" v="73" actId="120"/>
+          <ac:spMkLst>
+            <pc:docMk/>
+            <pc:sldMk cId="2238981874" sldId="270"/>
+            <ac:spMk id="4" creationId="{20D35749-7FF8-B5F9-1AFC-F6F892099519}"/>
+          </ac:spMkLst>
+        </pc:spChg>
+        <pc:spChg chg="mod">
+          <ac:chgData name="שיר וולץ" userId="aefb9a7725becb63" providerId="LiveId" clId="{9F74FB0C-EC1E-437D-8CDE-B518B384A0C5}" dt="2023-11-30T21:06:24.264" v="71" actId="6549"/>
+          <ac:spMkLst>
+            <pc:docMk/>
+            <pc:sldMk cId="2238981874" sldId="270"/>
+            <ac:spMk id="22" creationId="{72117225-5AEB-2E87-A7FD-085F8B330459}"/>
+          </ac:spMkLst>
+        </pc:spChg>
+      </pc:sldChg>
+      <pc:sldChg chg="addSp delSp modSp mod modAnim">
+        <pc:chgData name="שיר וולץ" userId="aefb9a7725becb63" providerId="LiveId" clId="{9F74FB0C-EC1E-437D-8CDE-B518B384A0C5}" dt="2023-12-01T14:41:14.600" v="1383"/>
+        <pc:sldMkLst>
+          <pc:docMk/>
+          <pc:sldMk cId="3979115751" sldId="271"/>
+        </pc:sldMkLst>
+        <pc:spChg chg="mod">
+          <ac:chgData name="שיר וולץ" userId="aefb9a7725becb63" providerId="LiveId" clId="{9F74FB0C-EC1E-437D-8CDE-B518B384A0C5}" dt="2023-11-30T21:11:16.234" v="102" actId="14100"/>
+          <ac:spMkLst>
+            <pc:docMk/>
+            <pc:sldMk cId="3979115751" sldId="271"/>
+            <ac:spMk id="2" creationId="{00000000-0000-0000-0000-000000000000}"/>
+          </ac:spMkLst>
+        </pc:spChg>
+        <pc:spChg chg="mod">
+          <ac:chgData name="שיר וולץ" userId="aefb9a7725becb63" providerId="LiveId" clId="{9F74FB0C-EC1E-437D-8CDE-B518B384A0C5}" dt="2023-12-01T11:51:26.905" v="528" actId="20577"/>
+          <ac:spMkLst>
+            <pc:docMk/>
+            <pc:sldMk cId="3979115751" sldId="271"/>
+            <ac:spMk id="5" creationId="{6A87851E-57F1-0ADA-ECE1-00AC36696523}"/>
+          </ac:spMkLst>
+        </pc:spChg>
+        <pc:spChg chg="add mod">
+          <ac:chgData name="שיר וולץ" userId="aefb9a7725becb63" providerId="LiveId" clId="{9F74FB0C-EC1E-437D-8CDE-B518B384A0C5}" dt="2023-11-30T21:25:52.508" v="329" actId="13822"/>
+          <ac:spMkLst>
+            <pc:docMk/>
+            <pc:sldMk cId="3979115751" sldId="271"/>
+            <ac:spMk id="14" creationId="{199A8AC6-66FD-1018-50DF-B697223D7836}"/>
+          </ac:spMkLst>
+        </pc:spChg>
+        <pc:spChg chg="add mod">
+          <ac:chgData name="שיר וולץ" userId="aefb9a7725becb63" providerId="LiveId" clId="{9F74FB0C-EC1E-437D-8CDE-B518B384A0C5}" dt="2023-12-01T14:39:18.828" v="1359" actId="164"/>
+          <ac:spMkLst>
+            <pc:docMk/>
+            <pc:sldMk cId="3979115751" sldId="271"/>
+            <ac:spMk id="17" creationId="{B7BE009E-07D3-37F3-E3F4-3FA8941583E1}"/>
+          </ac:spMkLst>
+        </pc:spChg>
+        <pc:grpChg chg="add mod">
+          <ac:chgData name="שיר וולץ" userId="aefb9a7725becb63" providerId="LiveId" clId="{9F74FB0C-EC1E-437D-8CDE-B518B384A0C5}" dt="2023-12-01T14:39:18.828" v="1359" actId="164"/>
+          <ac:grpSpMkLst>
+            <pc:docMk/>
+            <pc:sldMk cId="3979115751" sldId="271"/>
+            <ac:grpSpMk id="3" creationId="{F4A32983-DF18-2EF9-CD96-0A7A12E0578C}"/>
+          </ac:grpSpMkLst>
+        </pc:grpChg>
+        <pc:picChg chg="add del mod">
+          <ac:chgData name="שיר וולץ" userId="aefb9a7725becb63" providerId="LiveId" clId="{9F74FB0C-EC1E-437D-8CDE-B518B384A0C5}" dt="2023-11-30T21:17:56.994" v="313" actId="21"/>
+          <ac:picMkLst>
+            <pc:docMk/>
+            <pc:sldMk cId="3979115751" sldId="271"/>
+            <ac:picMk id="4" creationId="{7A7D4F24-4848-5075-703C-60EB7D7A70FE}"/>
+          </ac:picMkLst>
+        </pc:picChg>
+        <pc:picChg chg="del">
+          <ac:chgData name="שיר וולץ" userId="aefb9a7725becb63" providerId="LiveId" clId="{9F74FB0C-EC1E-437D-8CDE-B518B384A0C5}" dt="2023-11-30T21:09:49.479" v="75" actId="21"/>
+          <ac:picMkLst>
+            <pc:docMk/>
+            <pc:sldMk cId="3979115751" sldId="271"/>
+            <ac:picMk id="7" creationId="{1AA6979D-6FEC-BF14-3B44-732E12B33052}"/>
+          </ac:picMkLst>
+        </pc:picChg>
+        <pc:picChg chg="add mod">
+          <ac:chgData name="שיר וולץ" userId="aefb9a7725becb63" providerId="LiveId" clId="{9F74FB0C-EC1E-437D-8CDE-B518B384A0C5}" dt="2023-11-30T21:25:23.762" v="326" actId="1076"/>
+          <ac:picMkLst>
+            <pc:docMk/>
+            <pc:sldMk cId="3979115751" sldId="271"/>
+            <ac:picMk id="9" creationId="{60FE019A-7D46-E958-642D-7E38A7347BD0}"/>
+          </ac:picMkLst>
+        </pc:picChg>
+        <pc:picChg chg="add mod">
+          <ac:chgData name="שיר וולץ" userId="aefb9a7725becb63" providerId="LiveId" clId="{9F74FB0C-EC1E-437D-8CDE-B518B384A0C5}" dt="2023-11-30T21:24:05.049" v="320" actId="1076"/>
+          <ac:picMkLst>
+            <pc:docMk/>
+            <pc:sldMk cId="3979115751" sldId="271"/>
+            <ac:picMk id="11" creationId="{3C36CA63-E0FF-D349-741F-3D5612B1DFE9}"/>
+          </ac:picMkLst>
+        </pc:picChg>
+        <pc:picChg chg="add mod">
+          <ac:chgData name="שיר וולץ" userId="aefb9a7725becb63" providerId="LiveId" clId="{9F74FB0C-EC1E-437D-8CDE-B518B384A0C5}" dt="2023-11-30T21:25:22.834" v="325" actId="1076"/>
+          <ac:picMkLst>
+            <pc:docMk/>
+            <pc:sldMk cId="3979115751" sldId="271"/>
+            <ac:picMk id="13" creationId="{EEC44B3F-D26F-444C-97ED-D394691B143C}"/>
+          </ac:picMkLst>
+        </pc:picChg>
+        <pc:picChg chg="add mod">
+          <ac:chgData name="שיר וולץ" userId="aefb9a7725becb63" providerId="LiveId" clId="{9F74FB0C-EC1E-437D-8CDE-B518B384A0C5}" dt="2023-12-01T14:39:18.828" v="1359" actId="164"/>
+          <ac:picMkLst>
+            <pc:docMk/>
+            <pc:sldMk cId="3979115751" sldId="271"/>
+            <ac:picMk id="16" creationId="{D5C31AB6-35AA-B996-57C4-A960D9894FCB}"/>
+          </ac:picMkLst>
+        </pc:picChg>
+        <pc:picChg chg="add mod">
+          <ac:chgData name="שיר וולץ" userId="aefb9a7725becb63" providerId="LiveId" clId="{9F74FB0C-EC1E-437D-8CDE-B518B384A0C5}" dt="2023-12-01T14:39:18.828" v="1359" actId="164"/>
+          <ac:picMkLst>
+            <pc:docMk/>
+            <pc:sldMk cId="3979115751" sldId="271"/>
+            <ac:picMk id="19" creationId="{68E62EB7-FB10-0976-D1C3-C6AC97BBC1DA}"/>
+          </ac:picMkLst>
+        </pc:picChg>
+      </pc:sldChg>
+      <pc:sldChg chg="addSp delSp modSp add del mod">
+        <pc:chgData name="שיר וולץ" userId="aefb9a7725becb63" providerId="LiveId" clId="{9F74FB0C-EC1E-437D-8CDE-B518B384A0C5}" dt="2023-12-01T12:22:52.959" v="1205" actId="1076"/>
+        <pc:sldMkLst>
+          <pc:docMk/>
+          <pc:sldMk cId="632009448" sldId="272"/>
+        </pc:sldMkLst>
+        <pc:spChg chg="mod">
+          <ac:chgData name="שיר וולץ" userId="aefb9a7725becb63" providerId="LiveId" clId="{9F74FB0C-EC1E-437D-8CDE-B518B384A0C5}" dt="2023-12-01T11:52:46.449" v="556" actId="20577"/>
+          <ac:spMkLst>
+            <pc:docMk/>
+            <pc:sldMk cId="632009448" sldId="272"/>
+            <ac:spMk id="2" creationId="{00000000-0000-0000-0000-000000000000}"/>
+          </ac:spMkLst>
+        </pc:spChg>
+        <pc:spChg chg="add mod">
+          <ac:chgData name="שיר וולץ" userId="aefb9a7725becb63" providerId="LiveId" clId="{9F74FB0C-EC1E-437D-8CDE-B518B384A0C5}" dt="2023-12-01T12:22:48.041" v="1204" actId="20577"/>
+          <ac:spMkLst>
+            <pc:docMk/>
+            <pc:sldMk cId="632009448" sldId="272"/>
+            <ac:spMk id="4" creationId="{18C13FE4-332D-2C92-6AF2-2F31660F39AF}"/>
+          </ac:spMkLst>
+        </pc:spChg>
+        <pc:spChg chg="mod">
+          <ac:chgData name="שיר וולץ" userId="aefb9a7725becb63" providerId="LiveId" clId="{9F74FB0C-EC1E-437D-8CDE-B518B384A0C5}" dt="2023-11-30T21:10:01.565" v="80" actId="20577"/>
+          <ac:spMkLst>
+            <pc:docMk/>
+            <pc:sldMk cId="632009448" sldId="272"/>
+            <ac:spMk id="5" creationId="{6A87851E-57F1-0ADA-ECE1-00AC36696523}"/>
+          </ac:spMkLst>
+        </pc:spChg>
+        <pc:picChg chg="del">
+          <ac:chgData name="שיר וולץ" userId="aefb9a7725becb63" providerId="LiveId" clId="{9F74FB0C-EC1E-437D-8CDE-B518B384A0C5}" dt="2023-11-30T21:09:53.765" v="76" actId="478"/>
+          <ac:picMkLst>
+            <pc:docMk/>
+            <pc:sldMk cId="632009448" sldId="272"/>
+            <ac:picMk id="3" creationId="{4425DFB3-CDE6-B803-E9F6-E82939EC4E1B}"/>
+          </ac:picMkLst>
+        </pc:picChg>
+        <pc:picChg chg="add mod">
+          <ac:chgData name="שיר וולץ" userId="aefb9a7725becb63" providerId="LiveId" clId="{9F74FB0C-EC1E-437D-8CDE-B518B384A0C5}" dt="2023-12-01T12:22:52.959" v="1205" actId="1076"/>
+          <ac:picMkLst>
+            <pc:docMk/>
+            <pc:sldMk cId="632009448" sldId="272"/>
+            <ac:picMk id="7" creationId="{ADCE4600-A0AD-2092-5416-463BAF61AA64}"/>
+          </ac:picMkLst>
+        </pc:picChg>
+      </pc:sldChg>
+      <pc:sldChg chg="del">
+        <pc:chgData name="שיר וולץ" userId="aefb9a7725becb63" providerId="LiveId" clId="{9F74FB0C-EC1E-437D-8CDE-B518B384A0C5}" dt="2023-12-01T14:25:58.547" v="1322" actId="2696"/>
+        <pc:sldMkLst>
+          <pc:docMk/>
+          <pc:sldMk cId="3124295061" sldId="273"/>
+        </pc:sldMkLst>
+      </pc:sldChg>
+      <pc:sldChg chg="modSp mod">
+        <pc:chgData name="שיר וולץ" userId="aefb9a7725becb63" providerId="LiveId" clId="{9F74FB0C-EC1E-437D-8CDE-B518B384A0C5}" dt="2023-11-28T18:32:34.670" v="8" actId="20577"/>
+        <pc:sldMkLst>
+          <pc:docMk/>
+          <pc:sldMk cId="3358319154" sldId="274"/>
+        </pc:sldMkLst>
+        <pc:spChg chg="mod">
+          <ac:chgData name="שיר וולץ" userId="aefb9a7725becb63" providerId="LiveId" clId="{9F74FB0C-EC1E-437D-8CDE-B518B384A0C5}" dt="2023-11-28T18:32:34.670" v="8" actId="20577"/>
+          <ac:spMkLst>
+            <pc:docMk/>
+            <pc:sldMk cId="3358319154" sldId="274"/>
+            <ac:spMk id="3" creationId="{71200041-4D1E-4989-BD14-297CC7957621}"/>
+          </ac:spMkLst>
+        </pc:spChg>
+      </pc:sldChg>
+      <pc:sldChg chg="add del">
+        <pc:chgData name="שיר וולץ" userId="aefb9a7725becb63" providerId="LiveId" clId="{9F74FB0C-EC1E-437D-8CDE-B518B384A0C5}" dt="2023-12-01T11:45:36.896" v="342" actId="2696"/>
+        <pc:sldMkLst>
+          <pc:docMk/>
+          <pc:sldMk cId="3731893662" sldId="275"/>
+        </pc:sldMkLst>
+      </pc:sldChg>
+      <pc:sldChg chg="modSp add mod">
+        <pc:chgData name="שיר וולץ" userId="aefb9a7725becb63" providerId="LiveId" clId="{9F74FB0C-EC1E-437D-8CDE-B518B384A0C5}" dt="2023-12-01T11:49:40.601" v="520" actId="6549"/>
+        <pc:sldMkLst>
+          <pc:docMk/>
+          <pc:sldMk cId="246616096" sldId="276"/>
+        </pc:sldMkLst>
+        <pc:spChg chg="mod">
+          <ac:chgData name="שיר וולץ" userId="aefb9a7725becb63" providerId="LiveId" clId="{9F74FB0C-EC1E-437D-8CDE-B518B384A0C5}" dt="2023-11-30T21:15:00.775" v="206" actId="14100"/>
+          <ac:spMkLst>
+            <pc:docMk/>
+            <pc:sldMk cId="246616096" sldId="276"/>
+            <ac:spMk id="2" creationId="{00000000-0000-0000-0000-000000000000}"/>
+          </ac:spMkLst>
+        </pc:spChg>
+        <pc:spChg chg="mod">
+          <ac:chgData name="שיר וולץ" userId="aefb9a7725becb63" providerId="LiveId" clId="{9F74FB0C-EC1E-437D-8CDE-B518B384A0C5}" dt="2023-12-01T11:49:40.601" v="520" actId="6549"/>
+          <ac:spMkLst>
+            <pc:docMk/>
+            <pc:sldMk cId="246616096" sldId="276"/>
+            <ac:spMk id="5" creationId="{6A87851E-57F1-0ADA-ECE1-00AC36696523}"/>
+          </ac:spMkLst>
+        </pc:spChg>
+      </pc:sldChg>
+      <pc:sldChg chg="addSp delSp modSp add mod">
+        <pc:chgData name="שיר וולץ" userId="aefb9a7725becb63" providerId="LiveId" clId="{9F74FB0C-EC1E-437D-8CDE-B518B384A0C5}" dt="2023-12-01T12:22:15.914" v="1172" actId="1076"/>
+        <pc:sldMkLst>
+          <pc:docMk/>
+          <pc:sldMk cId="2396002602" sldId="277"/>
+        </pc:sldMkLst>
+        <pc:spChg chg="mod">
+          <ac:chgData name="שיר וולץ" userId="aefb9a7725becb63" providerId="LiveId" clId="{9F74FB0C-EC1E-437D-8CDE-B518B384A0C5}" dt="2023-12-01T12:22:15.914" v="1172" actId="1076"/>
+          <ac:spMkLst>
+            <pc:docMk/>
+            <pc:sldMk cId="2396002602" sldId="277"/>
+            <ac:spMk id="4" creationId="{18C13FE4-332D-2C92-6AF2-2F31660F39AF}"/>
+          </ac:spMkLst>
+        </pc:spChg>
+        <pc:picChg chg="del">
+          <ac:chgData name="שיר וולץ" userId="aefb9a7725becb63" providerId="LiveId" clId="{9F74FB0C-EC1E-437D-8CDE-B518B384A0C5}" dt="2023-12-01T11:59:26.061" v="787" actId="21"/>
+          <ac:picMkLst>
+            <pc:docMk/>
+            <pc:sldMk cId="2396002602" sldId="277"/>
+            <ac:picMk id="7" creationId="{ADCE4600-A0AD-2092-5416-463BAF61AA64}"/>
+          </ac:picMkLst>
+        </pc:picChg>
+        <pc:picChg chg="add mod">
+          <ac:chgData name="שיר וולץ" userId="aefb9a7725becb63" providerId="LiveId" clId="{9F74FB0C-EC1E-437D-8CDE-B518B384A0C5}" dt="2023-12-01T12:05:33.898" v="853" actId="14100"/>
+          <ac:picMkLst>
+            <pc:docMk/>
+            <pc:sldMk cId="2396002602" sldId="277"/>
+            <ac:picMk id="1026" creationId="{F999FCB8-C8F0-348D-0193-6C4DC817A784}"/>
+          </ac:picMkLst>
+        </pc:picChg>
+        <pc:picChg chg="add mod">
+          <ac:chgData name="שיר וולץ" userId="aefb9a7725becb63" providerId="LiveId" clId="{9F74FB0C-EC1E-437D-8CDE-B518B384A0C5}" dt="2023-12-01T12:05:30.986" v="852" actId="14100"/>
+          <ac:picMkLst>
+            <pc:docMk/>
+            <pc:sldMk cId="2396002602" sldId="277"/>
+            <ac:picMk id="1028" creationId="{BD202FC0-B5FE-2464-7A4B-5CD6871B4468}"/>
+          </ac:picMkLst>
+        </pc:picChg>
+        <pc:picChg chg="add mod">
+          <ac:chgData name="שיר וולץ" userId="aefb9a7725becb63" providerId="LiveId" clId="{9F74FB0C-EC1E-437D-8CDE-B518B384A0C5}" dt="2023-12-01T12:22:12.008" v="1171" actId="1076"/>
+          <ac:picMkLst>
+            <pc:docMk/>
+            <pc:sldMk cId="2396002602" sldId="277"/>
+            <ac:picMk id="1030" creationId="{93B45F09-2B69-8629-D79E-BFFB61DB7E85}"/>
+          </ac:picMkLst>
+        </pc:picChg>
+        <pc:picChg chg="add mod">
+          <ac:chgData name="שיר וולץ" userId="aefb9a7725becb63" providerId="LiveId" clId="{9F74FB0C-EC1E-437D-8CDE-B518B384A0C5}" dt="2023-12-01T12:05:36.449" v="854" actId="14100"/>
+          <ac:picMkLst>
+            <pc:docMk/>
+            <pc:sldMk cId="2396002602" sldId="277"/>
+            <ac:picMk id="1032" creationId="{C888E5F5-7F08-06F8-B91F-267DC469F344}"/>
+          </ac:picMkLst>
+        </pc:picChg>
+        <pc:picChg chg="add mod">
+          <ac:chgData name="שיר וולץ" userId="aefb9a7725becb63" providerId="LiveId" clId="{9F74FB0C-EC1E-437D-8CDE-B518B384A0C5}" dt="2023-12-01T12:05:18.781" v="847" actId="1076"/>
+          <ac:picMkLst>
+            <pc:docMk/>
+            <pc:sldMk cId="2396002602" sldId="277"/>
+            <ac:picMk id="1034" creationId="{92DC4BA1-E55D-F9C8-6C7D-2ABC293E10EE}"/>
+          </ac:picMkLst>
+        </pc:picChg>
+        <pc:picChg chg="add mod">
+          <ac:chgData name="שיר וולץ" userId="aefb9a7725becb63" providerId="LiveId" clId="{9F74FB0C-EC1E-437D-8CDE-B518B384A0C5}" dt="2023-12-01T12:05:20.421" v="848" actId="1076"/>
+          <ac:picMkLst>
+            <pc:docMk/>
+            <pc:sldMk cId="2396002602" sldId="277"/>
+            <ac:picMk id="1036" creationId="{B48CB4C8-966A-CBC8-082F-52F087D2D26F}"/>
+          </ac:picMkLst>
+        </pc:picChg>
+        <pc:picChg chg="add mod">
+          <ac:chgData name="שיר וולץ" userId="aefb9a7725becb63" providerId="LiveId" clId="{9F74FB0C-EC1E-437D-8CDE-B518B384A0C5}" dt="2023-12-01T12:05:22.061" v="849" actId="1076"/>
+          <ac:picMkLst>
+            <pc:docMk/>
+            <pc:sldMk cId="2396002602" sldId="277"/>
+            <ac:picMk id="1038" creationId="{542FA7CE-E891-F377-BB4E-68EB74574E51}"/>
+          </ac:picMkLst>
+        </pc:picChg>
+      </pc:sldChg>
+      <pc:sldChg chg="addSp delSp modSp add mod">
+        <pc:chgData name="שיר וולץ" userId="aefb9a7725becb63" providerId="LiveId" clId="{9F74FB0C-EC1E-437D-8CDE-B518B384A0C5}" dt="2023-12-01T12:21:48.536" v="1166" actId="255"/>
+        <pc:sldMkLst>
+          <pc:docMk/>
+          <pc:sldMk cId="2889183720" sldId="278"/>
+        </pc:sldMkLst>
+        <pc:spChg chg="mod">
+          <ac:chgData name="שיר וולץ" userId="aefb9a7725becb63" providerId="LiveId" clId="{9F74FB0C-EC1E-437D-8CDE-B518B384A0C5}" dt="2023-12-01T12:21:48.536" v="1166" actId="255"/>
+          <ac:spMkLst>
+            <pc:docMk/>
+            <pc:sldMk cId="2889183720" sldId="278"/>
+            <ac:spMk id="4" creationId="{18C13FE4-332D-2C92-6AF2-2F31660F39AF}"/>
+          </ac:spMkLst>
+        </pc:spChg>
+        <pc:graphicFrameChg chg="add del">
+          <ac:chgData name="שיר וולץ" userId="aefb9a7725becb63" providerId="LiveId" clId="{9F74FB0C-EC1E-437D-8CDE-B518B384A0C5}" dt="2023-12-01T12:07:10.397" v="864" actId="21"/>
+          <ac:graphicFrameMkLst>
+            <pc:docMk/>
+            <pc:sldMk cId="2889183720" sldId="278"/>
+            <ac:graphicFrameMk id="3" creationId="{8B21EFB1-5B5C-BD96-EE36-477B13851F89}"/>
+          </ac:graphicFrameMkLst>
+        </pc:graphicFrameChg>
+        <pc:graphicFrameChg chg="add mod modGraphic">
+          <ac:chgData name="שיר וולץ" userId="aefb9a7725becb63" providerId="LiveId" clId="{9F74FB0C-EC1E-437D-8CDE-B518B384A0C5}" dt="2023-12-01T12:20:06.857" v="1072" actId="207"/>
+          <ac:graphicFrameMkLst>
+            <pc:docMk/>
+            <pc:sldMk cId="2889183720" sldId="278"/>
+            <ac:graphicFrameMk id="6" creationId="{A1688815-74C7-03C3-DDE2-45AA286597BE}"/>
+          </ac:graphicFrameMkLst>
+        </pc:graphicFrameChg>
+        <pc:picChg chg="del">
+          <ac:chgData name="שיר וולץ" userId="aefb9a7725becb63" providerId="LiveId" clId="{9F74FB0C-EC1E-437D-8CDE-B518B384A0C5}" dt="2023-12-01T12:06:10.688" v="856" actId="21"/>
+          <ac:picMkLst>
+            <pc:docMk/>
+            <pc:sldMk cId="2889183720" sldId="278"/>
+            <ac:picMk id="1026" creationId="{F999FCB8-C8F0-348D-0193-6C4DC817A784}"/>
+          </ac:picMkLst>
+        </pc:picChg>
+        <pc:picChg chg="del">
+          <ac:chgData name="שיר וולץ" userId="aefb9a7725becb63" providerId="LiveId" clId="{9F74FB0C-EC1E-437D-8CDE-B518B384A0C5}" dt="2023-12-01T12:06:12.316" v="857" actId="21"/>
+          <ac:picMkLst>
+            <pc:docMk/>
+            <pc:sldMk cId="2889183720" sldId="278"/>
+            <ac:picMk id="1028" creationId="{BD202FC0-B5FE-2464-7A4B-5CD6871B4468}"/>
+          </ac:picMkLst>
+        </pc:picChg>
+        <pc:picChg chg="del">
+          <ac:chgData name="שיר וולץ" userId="aefb9a7725becb63" providerId="LiveId" clId="{9F74FB0C-EC1E-437D-8CDE-B518B384A0C5}" dt="2023-12-01T12:06:14.055" v="858" actId="21"/>
+          <ac:picMkLst>
+            <pc:docMk/>
+            <pc:sldMk cId="2889183720" sldId="278"/>
+            <ac:picMk id="1030" creationId="{93B45F09-2B69-8629-D79E-BFFB61DB7E85}"/>
+          </ac:picMkLst>
+        </pc:picChg>
+        <pc:picChg chg="del">
+          <ac:chgData name="שיר וולץ" userId="aefb9a7725becb63" providerId="LiveId" clId="{9F74FB0C-EC1E-437D-8CDE-B518B384A0C5}" dt="2023-12-01T12:06:15.613" v="859" actId="21"/>
+          <ac:picMkLst>
+            <pc:docMk/>
+            <pc:sldMk cId="2889183720" sldId="278"/>
+            <ac:picMk id="1032" creationId="{C888E5F5-7F08-06F8-B91F-267DC469F344}"/>
+          </ac:picMkLst>
+        </pc:picChg>
+        <pc:picChg chg="del">
+          <ac:chgData name="שיר וולץ" userId="aefb9a7725becb63" providerId="LiveId" clId="{9F74FB0C-EC1E-437D-8CDE-B518B384A0C5}" dt="2023-12-01T12:06:24.815" v="862" actId="21"/>
+          <ac:picMkLst>
+            <pc:docMk/>
+            <pc:sldMk cId="2889183720" sldId="278"/>
+            <ac:picMk id="1034" creationId="{92DC4BA1-E55D-F9C8-6C7D-2ABC293E10EE}"/>
+          </ac:picMkLst>
+        </pc:picChg>
+        <pc:picChg chg="del">
+          <ac:chgData name="שיר וולץ" userId="aefb9a7725becb63" providerId="LiveId" clId="{9F74FB0C-EC1E-437D-8CDE-B518B384A0C5}" dt="2023-12-01T12:06:22.443" v="861" actId="21"/>
+          <ac:picMkLst>
+            <pc:docMk/>
+            <pc:sldMk cId="2889183720" sldId="278"/>
+            <ac:picMk id="1036" creationId="{B48CB4C8-966A-CBC8-082F-52F087D2D26F}"/>
+          </ac:picMkLst>
+        </pc:picChg>
+        <pc:picChg chg="del">
+          <ac:chgData name="שיר וולץ" userId="aefb9a7725becb63" providerId="LiveId" clId="{9F74FB0C-EC1E-437D-8CDE-B518B384A0C5}" dt="2023-12-01T12:06:18.827" v="860" actId="21"/>
+          <ac:picMkLst>
+            <pc:docMk/>
+            <pc:sldMk cId="2889183720" sldId="278"/>
+            <ac:picMk id="1038" creationId="{542FA7CE-E891-F377-BB4E-68EB74574E51}"/>
+          </ac:picMkLst>
+        </pc:picChg>
+      </pc:sldChg>
+      <pc:sldChg chg="addSp delSp modSp add mod">
+        <pc:chgData name="שיר וולץ" userId="aefb9a7725becb63" providerId="LiveId" clId="{9F74FB0C-EC1E-437D-8CDE-B518B384A0C5}" dt="2023-12-01T15:16:52.370" v="1419" actId="208"/>
+        <pc:sldMkLst>
+          <pc:docMk/>
+          <pc:sldMk cId="3112131851" sldId="279"/>
+        </pc:sldMkLst>
+        <pc:spChg chg="mod">
+          <ac:chgData name="שיר וולץ" userId="aefb9a7725becb63" providerId="LiveId" clId="{9F74FB0C-EC1E-437D-8CDE-B518B384A0C5}" dt="2023-12-01T14:22:21.745" v="1306" actId="313"/>
+          <ac:spMkLst>
+            <pc:docMk/>
+            <pc:sldMk cId="3112131851" sldId="279"/>
+            <ac:spMk id="4" creationId="{18C13FE4-332D-2C92-6AF2-2F31660F39AF}"/>
+          </ac:spMkLst>
+        </pc:spChg>
+        <pc:spChg chg="add mod">
+          <ac:chgData name="שיר וולץ" userId="aefb9a7725becb63" providerId="LiveId" clId="{9F74FB0C-EC1E-437D-8CDE-B518B384A0C5}" dt="2023-12-01T14:29:36.039" v="1325" actId="692"/>
+          <ac:spMkLst>
+            <pc:docMk/>
+            <pc:sldMk cId="3112131851" sldId="279"/>
+            <ac:spMk id="9" creationId="{31C22BAA-1001-479E-9971-E279C3CE9891}"/>
+          </ac:spMkLst>
+        </pc:spChg>
+        <pc:spChg chg="add mod">
+          <ac:chgData name="שיר וולץ" userId="aefb9a7725becb63" providerId="LiveId" clId="{9F74FB0C-EC1E-437D-8CDE-B518B384A0C5}" dt="2023-12-01T15:09:06.887" v="1387" actId="208"/>
+          <ac:spMkLst>
+            <pc:docMk/>
+            <pc:sldMk cId="3112131851" sldId="279"/>
+            <ac:spMk id="10" creationId="{5AB75C87-6127-6890-3E26-2A64E04F9D50}"/>
+          </ac:spMkLst>
+        </pc:spChg>
+        <pc:spChg chg="add del mod">
+          <ac:chgData name="שיר וולץ" userId="aefb9a7725becb63" providerId="LiveId" clId="{9F74FB0C-EC1E-437D-8CDE-B518B384A0C5}" dt="2023-12-01T15:11:01.855" v="1389" actId="767"/>
+          <ac:spMkLst>
+            <pc:docMk/>
+            <pc:sldMk cId="3112131851" sldId="279"/>
+            <ac:spMk id="11" creationId="{F238D779-3542-2A41-F7FB-15F86672822F}"/>
+          </ac:spMkLst>
+        </pc:spChg>
+        <pc:spChg chg="add del mod">
+          <ac:chgData name="שיר וולץ" userId="aefb9a7725becb63" providerId="LiveId" clId="{9F74FB0C-EC1E-437D-8CDE-B518B384A0C5}" dt="2023-12-01T15:15:02.176" v="1393" actId="21"/>
+          <ac:spMkLst>
+            <pc:docMk/>
+            <pc:sldMk cId="3112131851" sldId="279"/>
+            <ac:spMk id="12" creationId="{0A2117DA-1C53-DDCC-D623-B84ABC343040}"/>
+          </ac:spMkLst>
+        </pc:spChg>
+        <pc:spChg chg="add mod">
+          <ac:chgData name="שיר וולץ" userId="aefb9a7725becb63" providerId="LiveId" clId="{9F74FB0C-EC1E-437D-8CDE-B518B384A0C5}" dt="2023-12-01T15:16:21.362" v="1414" actId="1076"/>
+          <ac:spMkLst>
+            <pc:docMk/>
+            <pc:sldMk cId="3112131851" sldId="279"/>
+            <ac:spMk id="13" creationId="{9041F4DF-359F-9630-12D8-DBA977BC78F0}"/>
+          </ac:spMkLst>
+        </pc:spChg>
+        <pc:graphicFrameChg chg="del">
+          <ac:chgData name="שיר וולץ" userId="aefb9a7725becb63" providerId="LiveId" clId="{9F74FB0C-EC1E-437D-8CDE-B518B384A0C5}" dt="2023-12-01T12:20:46.926" v="1074" actId="21"/>
+          <ac:graphicFrameMkLst>
+            <pc:docMk/>
+            <pc:sldMk cId="3112131851" sldId="279"/>
+            <ac:graphicFrameMk id="6" creationId="{A1688815-74C7-03C3-DDE2-45AA286597BE}"/>
+          </ac:graphicFrameMkLst>
+        </pc:graphicFrameChg>
+        <pc:picChg chg="add mod">
+          <ac:chgData name="שיר וולץ" userId="aefb9a7725becb63" providerId="LiveId" clId="{9F74FB0C-EC1E-437D-8CDE-B518B384A0C5}" dt="2023-12-01T14:21:51.976" v="1291" actId="1076"/>
+          <ac:picMkLst>
+            <pc:docMk/>
+            <pc:sldMk cId="3112131851" sldId="279"/>
+            <ac:picMk id="1026" creationId="{3B51BC27-0F12-1C9A-811D-60AC218BB492}"/>
+          </ac:picMkLst>
+        </pc:picChg>
+        <pc:cxnChg chg="add del mod">
+          <ac:chgData name="שיר וולץ" userId="aefb9a7725becb63" providerId="LiveId" clId="{9F74FB0C-EC1E-437D-8CDE-B518B384A0C5}" dt="2023-12-01T14:25:10.571" v="1320" actId="21"/>
+          <ac:cxnSpMkLst>
+            <pc:docMk/>
+            <pc:sldMk cId="3112131851" sldId="279"/>
+            <ac:cxnSpMk id="6" creationId="{D8B298B5-0D78-2E3D-9429-917850499055}"/>
+          </ac:cxnSpMkLst>
+        </pc:cxnChg>
+        <pc:cxnChg chg="add mod">
+          <ac:chgData name="שיר וולץ" userId="aefb9a7725becb63" providerId="LiveId" clId="{9F74FB0C-EC1E-437D-8CDE-B518B384A0C5}" dt="2023-12-01T14:25:13.519" v="1321" actId="1076"/>
+          <ac:cxnSpMkLst>
+            <pc:docMk/>
+            <pc:sldMk cId="3112131851" sldId="279"/>
+            <ac:cxnSpMk id="7" creationId="{F6B3E1C9-0FBD-4307-24CB-C4885784657B}"/>
+          </ac:cxnSpMkLst>
+        </pc:cxnChg>
+        <pc:cxnChg chg="add mod">
+          <ac:chgData name="שיר וולץ" userId="aefb9a7725becb63" providerId="LiveId" clId="{9F74FB0C-EC1E-437D-8CDE-B518B384A0C5}" dt="2023-12-01T15:16:52.370" v="1419" actId="208"/>
+          <ac:cxnSpMkLst>
+            <pc:docMk/>
+            <pc:sldMk cId="3112131851" sldId="279"/>
+            <ac:cxnSpMk id="15" creationId="{7774AAA3-DEA4-D493-FF5F-7C1EAE3EF8B9}"/>
+          </ac:cxnSpMkLst>
+        </pc:cxnChg>
+      </pc:sldChg>
+      <pc:sldChg chg="addSp delSp modSp add mod">
+        <pc:chgData name="שיר וולץ" userId="aefb9a7725becb63" providerId="LiveId" clId="{9F74FB0C-EC1E-437D-8CDE-B518B384A0C5}" dt="2023-12-01T15:23:29.956" v="1444" actId="1076"/>
+        <pc:sldMkLst>
+          <pc:docMk/>
+          <pc:sldMk cId="2080365302" sldId="280"/>
+        </pc:sldMkLst>
+        <pc:spChg chg="add mod ord">
+          <ac:chgData name="שיר וולץ" userId="aefb9a7725becb63" providerId="LiveId" clId="{9F74FB0C-EC1E-437D-8CDE-B518B384A0C5}" dt="2023-12-01T15:23:26.559" v="1443" actId="1076"/>
+          <ac:spMkLst>
+            <pc:docMk/>
+            <pc:sldMk cId="2080365302" sldId="280"/>
+            <ac:spMk id="9" creationId="{5F348188-86CF-27E6-C696-D57827BF0F69}"/>
+          </ac:spMkLst>
+        </pc:spChg>
+        <pc:picChg chg="del">
+          <ac:chgData name="שיר וולץ" userId="aefb9a7725becb63" providerId="LiveId" clId="{9F74FB0C-EC1E-437D-8CDE-B518B384A0C5}" dt="2023-12-01T14:24:08.670" v="1311" actId="478"/>
+          <ac:picMkLst>
+            <pc:docMk/>
+            <pc:sldMk cId="2080365302" sldId="280"/>
+            <ac:picMk id="1026" creationId="{3B51BC27-0F12-1C9A-811D-60AC218BB492}"/>
+          </ac:picMkLst>
+        </pc:picChg>
+        <pc:picChg chg="add del mod">
+          <ac:chgData name="שיר וולץ" userId="aefb9a7725becb63" providerId="LiveId" clId="{9F74FB0C-EC1E-437D-8CDE-B518B384A0C5}" dt="2023-12-01T15:21:19.450" v="1434" actId="21"/>
+          <ac:picMkLst>
+            <pc:docMk/>
+            <pc:sldMk cId="2080365302" sldId="280"/>
+            <ac:picMk id="2050" creationId="{3E601965-6994-D9C0-2E52-BC40C05F5D92}"/>
+          </ac:picMkLst>
+        </pc:picChg>
+        <pc:picChg chg="add mod">
+          <ac:chgData name="שיר וולץ" userId="aefb9a7725becb63" providerId="LiveId" clId="{9F74FB0C-EC1E-437D-8CDE-B518B384A0C5}" dt="2023-12-01T15:23:22.126" v="1442" actId="1076"/>
+          <ac:picMkLst>
+            <pc:docMk/>
+            <pc:sldMk cId="2080365302" sldId="280"/>
+            <ac:picMk id="2052" creationId="{8DDE973D-CEAF-E37B-D725-DBC20190DD89}"/>
+          </ac:picMkLst>
+        </pc:picChg>
+        <pc:cxnChg chg="add mod ord">
+          <ac:chgData name="שיר וולץ" userId="aefb9a7725becb63" providerId="LiveId" clId="{9F74FB0C-EC1E-437D-8CDE-B518B384A0C5}" dt="2023-12-01T15:23:29.956" v="1444" actId="1076"/>
+          <ac:cxnSpMkLst>
+            <pc:docMk/>
+            <pc:sldMk cId="2080365302" sldId="280"/>
+            <ac:cxnSpMk id="3" creationId="{5ED6FCA2-D19E-9F22-E3B8-1DD40ADD3A94}"/>
+          </ac:cxnSpMkLst>
+        </pc:cxnChg>
+        <pc:cxnChg chg="del">
+          <ac:chgData name="שיר וולץ" userId="aefb9a7725becb63" providerId="LiveId" clId="{9F74FB0C-EC1E-437D-8CDE-B518B384A0C5}" dt="2023-12-01T14:24:12.504" v="1312" actId="21"/>
+          <ac:cxnSpMkLst>
+            <pc:docMk/>
+            <pc:sldMk cId="2080365302" sldId="280"/>
+            <ac:cxnSpMk id="6" creationId="{D8B298B5-0D78-2E3D-9429-917850499055}"/>
+          </ac:cxnSpMkLst>
+        </pc:cxnChg>
+      </pc:sldChg>
+      <pc:sldChg chg="addSp delSp modSp add mod">
+        <pc:chgData name="שיר וולץ" userId="aefb9a7725becb63" providerId="LiveId" clId="{9F74FB0C-EC1E-437D-8CDE-B518B384A0C5}" dt="2023-12-01T15:24:55.817" v="1455" actId="1076"/>
+        <pc:sldMkLst>
+          <pc:docMk/>
+          <pc:sldMk cId="558379904" sldId="281"/>
+        </pc:sldMkLst>
+        <pc:spChg chg="mod ord">
+          <ac:chgData name="שיר וולץ" userId="aefb9a7725becb63" providerId="LiveId" clId="{9F74FB0C-EC1E-437D-8CDE-B518B384A0C5}" dt="2023-12-01T15:24:48.520" v="1453" actId="1076"/>
+          <ac:spMkLst>
+            <pc:docMk/>
+            <pc:sldMk cId="558379904" sldId="281"/>
+            <ac:spMk id="9" creationId="{5F348188-86CF-27E6-C696-D57827BF0F69}"/>
+          </ac:spMkLst>
+        </pc:spChg>
+        <pc:picChg chg="del">
+          <ac:chgData name="שיר וולץ" userId="aefb9a7725becb63" providerId="LiveId" clId="{9F74FB0C-EC1E-437D-8CDE-B518B384A0C5}" dt="2023-12-01T14:30:52.340" v="1329" actId="21"/>
+          <ac:picMkLst>
+            <pc:docMk/>
+            <pc:sldMk cId="558379904" sldId="281"/>
+            <ac:picMk id="2050" creationId="{3E601965-6994-D9C0-2E52-BC40C05F5D92}"/>
+          </ac:picMkLst>
+        </pc:picChg>
+        <pc:picChg chg="add del mod">
+          <ac:chgData name="שיר וולץ" userId="aefb9a7725becb63" providerId="LiveId" clId="{9F74FB0C-EC1E-437D-8CDE-B518B384A0C5}" dt="2023-12-01T15:23:48.228" v="1445" actId="21"/>
+          <ac:picMkLst>
+            <pc:docMk/>
+            <pc:sldMk cId="558379904" sldId="281"/>
+            <ac:picMk id="3074" creationId="{840AF7B7-F7FC-08E1-87C9-8FBDEAEA7F7D}"/>
+          </ac:picMkLst>
+        </pc:picChg>
+        <pc:picChg chg="add mod">
+          <ac:chgData name="שיר וולץ" userId="aefb9a7725becb63" providerId="LiveId" clId="{9F74FB0C-EC1E-437D-8CDE-B518B384A0C5}" dt="2023-12-01T15:24:39.269" v="1450" actId="1076"/>
+          <ac:picMkLst>
+            <pc:docMk/>
+            <pc:sldMk cId="558379904" sldId="281"/>
+            <ac:picMk id="3076" creationId="{76B932F3-0FBD-7C2B-D098-E3E489090A93}"/>
+          </ac:picMkLst>
+        </pc:picChg>
+        <pc:cxnChg chg="mod ord">
+          <ac:chgData name="שיר וולץ" userId="aefb9a7725becb63" providerId="LiveId" clId="{9F74FB0C-EC1E-437D-8CDE-B518B384A0C5}" dt="2023-12-01T15:24:55.817" v="1455" actId="1076"/>
+          <ac:cxnSpMkLst>
+            <pc:docMk/>
+            <pc:sldMk cId="558379904" sldId="281"/>
+            <ac:cxnSpMk id="3" creationId="{5ED6FCA2-D19E-9F22-E3B8-1DD40ADD3A94}"/>
+          </ac:cxnSpMkLst>
+        </pc:cxnChg>
+      </pc:sldChg>
+      <pc:sldChg chg="addSp delSp modSp add mod">
+        <pc:chgData name="שיר וולץ" userId="aefb9a7725becb63" providerId="LiveId" clId="{9F74FB0C-EC1E-437D-8CDE-B518B384A0C5}" dt="2023-12-01T15:28:01.811" v="1472" actId="21"/>
+        <pc:sldMkLst>
+          <pc:docMk/>
+          <pc:sldMk cId="3560181366" sldId="282"/>
+        </pc:sldMkLst>
+        <pc:spChg chg="mod ord">
+          <ac:chgData name="שיר וולץ" userId="aefb9a7725becb63" providerId="LiveId" clId="{9F74FB0C-EC1E-437D-8CDE-B518B384A0C5}" dt="2023-12-01T15:27:40.535" v="1467" actId="1076"/>
+          <ac:spMkLst>
+            <pc:docMk/>
+            <pc:sldMk cId="3560181366" sldId="282"/>
+            <ac:spMk id="9" creationId="{5F348188-86CF-27E6-C696-D57827BF0F69}"/>
+          </ac:spMkLst>
+        </pc:spChg>
+        <pc:picChg chg="del">
+          <ac:chgData name="שיר וולץ" userId="aefb9a7725becb63" providerId="LiveId" clId="{9F74FB0C-EC1E-437D-8CDE-B518B384A0C5}" dt="2023-12-01T14:33:35.151" v="1341" actId="21"/>
+          <ac:picMkLst>
+            <pc:docMk/>
+            <pc:sldMk cId="3560181366" sldId="282"/>
+            <ac:picMk id="3074" creationId="{840AF7B7-F7FC-08E1-87C9-8FBDEAEA7F7D}"/>
+          </ac:picMkLst>
+        </pc:picChg>
+        <pc:picChg chg="add del mod">
+          <ac:chgData name="שיר וולץ" userId="aefb9a7725becb63" providerId="LiveId" clId="{9F74FB0C-EC1E-437D-8CDE-B518B384A0C5}" dt="2023-12-01T15:25:24.650" v="1456" actId="478"/>
+          <ac:picMkLst>
+            <pc:docMk/>
+            <pc:sldMk cId="3560181366" sldId="282"/>
+            <ac:picMk id="4098" creationId="{E1417B43-2B0F-78C3-D500-326646F044D2}"/>
+          </ac:picMkLst>
+        </pc:picChg>
+        <pc:picChg chg="add mod">
+          <ac:chgData name="שיר וולץ" userId="aefb9a7725becb63" providerId="LiveId" clId="{9F74FB0C-EC1E-437D-8CDE-B518B384A0C5}" dt="2023-12-01T15:27:30.634" v="1464" actId="1076"/>
+          <ac:picMkLst>
+            <pc:docMk/>
+            <pc:sldMk cId="3560181366" sldId="282"/>
+            <ac:picMk id="4100" creationId="{9FB6DDFE-D9FF-269F-DF80-14FC5C24221E}"/>
+          </ac:picMkLst>
+        </pc:picChg>
+        <pc:cxnChg chg="del mod ord">
+          <ac:chgData name="שיר וולץ" userId="aefb9a7725becb63" providerId="LiveId" clId="{9F74FB0C-EC1E-437D-8CDE-B518B384A0C5}" dt="2023-12-01T15:28:01.811" v="1472" actId="21"/>
+          <ac:cxnSpMkLst>
+            <pc:docMk/>
+            <pc:sldMk cId="3560181366" sldId="282"/>
+            <ac:cxnSpMk id="3" creationId="{5ED6FCA2-D19E-9F22-E3B8-1DD40ADD3A94}"/>
+          </ac:cxnSpMkLst>
+        </pc:cxnChg>
+      </pc:sldChg>
+      <pc:sldChg chg="addSp delSp modSp add mod">
+        <pc:chgData name="שיר וולץ" userId="aefb9a7725becb63" providerId="LiveId" clId="{9F74FB0C-EC1E-437D-8CDE-B518B384A0C5}" dt="2023-12-01T15:18:21.234" v="1433" actId="1076"/>
+        <pc:sldMkLst>
+          <pc:docMk/>
+          <pc:sldMk cId="2365412575" sldId="283"/>
+        </pc:sldMkLst>
+        <pc:spChg chg="ord">
+          <ac:chgData name="שיר וולץ" userId="aefb9a7725becb63" providerId="LiveId" clId="{9F74FB0C-EC1E-437D-8CDE-B518B384A0C5}" dt="2023-12-01T15:18:02.330" v="1427" actId="166"/>
+          <ac:spMkLst>
+            <pc:docMk/>
+            <pc:sldMk cId="2365412575" sldId="283"/>
+            <ac:spMk id="9" creationId="{31C22BAA-1001-479E-9971-E279C3CE9891}"/>
+          </ac:spMkLst>
+        </pc:spChg>
+        <pc:spChg chg="del">
+          <ac:chgData name="שיר וולץ" userId="aefb9a7725becb63" providerId="LiveId" clId="{9F74FB0C-EC1E-437D-8CDE-B518B384A0C5}" dt="2023-12-01T15:17:27.410" v="1422" actId="21"/>
+          <ac:spMkLst>
+            <pc:docMk/>
+            <pc:sldMk cId="2365412575" sldId="283"/>
+            <ac:spMk id="10" creationId="{5AB75C87-6127-6890-3E26-2A64E04F9D50}"/>
+          </ac:spMkLst>
+        </pc:spChg>
+        <pc:spChg chg="del">
+          <ac:chgData name="שיר וולץ" userId="aefb9a7725becb63" providerId="LiveId" clId="{9F74FB0C-EC1E-437D-8CDE-B518B384A0C5}" dt="2023-12-01T15:17:30.385" v="1423" actId="21"/>
+          <ac:spMkLst>
+            <pc:docMk/>
+            <pc:sldMk cId="2365412575" sldId="283"/>
+            <ac:spMk id="13" creationId="{9041F4DF-359F-9630-12D8-DBA977BC78F0}"/>
+          </ac:spMkLst>
+        </pc:spChg>
+        <pc:picChg chg="del">
+          <ac:chgData name="שיר וולץ" userId="aefb9a7725becb63" providerId="LiveId" clId="{9F74FB0C-EC1E-437D-8CDE-B518B384A0C5}" dt="2023-12-01T15:17:23.990" v="1421" actId="21"/>
+          <ac:picMkLst>
+            <pc:docMk/>
+            <pc:sldMk cId="2365412575" sldId="283"/>
+            <ac:picMk id="1026" creationId="{3B51BC27-0F12-1C9A-811D-60AC218BB492}"/>
+          </ac:picMkLst>
+        </pc:picChg>
+        <pc:picChg chg="add mod">
+          <ac:chgData name="שיר וולץ" userId="aefb9a7725becb63" providerId="LiveId" clId="{9F74FB0C-EC1E-437D-8CDE-B518B384A0C5}" dt="2023-12-01T15:18:17.141" v="1432" actId="14100"/>
+          <ac:picMkLst>
+            <pc:docMk/>
+            <pc:sldMk cId="2365412575" sldId="283"/>
+            <ac:picMk id="5122" creationId="{394EB2A7-200B-C81C-9330-4A377C022766}"/>
+          </ac:picMkLst>
+        </pc:picChg>
+        <pc:cxnChg chg="mod ord">
+          <ac:chgData name="שיר וולץ" userId="aefb9a7725becb63" providerId="LiveId" clId="{9F74FB0C-EC1E-437D-8CDE-B518B384A0C5}" dt="2023-12-01T15:18:21.234" v="1433" actId="1076"/>
+          <ac:cxnSpMkLst>
+            <pc:docMk/>
+            <pc:sldMk cId="2365412575" sldId="283"/>
+            <ac:cxnSpMk id="7" creationId="{F6B3E1C9-0FBD-4307-24CB-C4885784657B}"/>
+          </ac:cxnSpMkLst>
+        </pc:cxnChg>
+        <pc:cxnChg chg="del">
+          <ac:chgData name="שיר וולץ" userId="aefb9a7725becb63" providerId="LiveId" clId="{9F74FB0C-EC1E-437D-8CDE-B518B384A0C5}" dt="2023-12-01T15:17:33.111" v="1424" actId="21"/>
+          <ac:cxnSpMkLst>
+            <pc:docMk/>
+            <pc:sldMk cId="2365412575" sldId="283"/>
+            <ac:cxnSpMk id="15" creationId="{7774AAA3-DEA4-D493-FF5F-7C1EAE3EF8B9}"/>
+          </ac:cxnSpMkLst>
+        </pc:cxnChg>
+      </pc:sldChg>
+    </pc:docChg>
+  </pc:docChgLst>
   <pc:docChgLst>
     <pc:chgData name="שיר וולץ" userId="aefb9a7725becb63" providerId="LiveId" clId="{3C1D2FA1-F37F-4B22-9416-0109067D85DA}"/>
     <pc:docChg chg="modSld">
@@ -983,7 +1712,7 @@
           <a:p>
             <a:fld id="{27F2CB4F-678B-4847-BCA7-E4F55087CAE7}" type="datetimeFigureOut">
               <a:rPr lang="en-IL" smtClean="0"/>
-              <a:t>11/27/2023</a:t>
+              <a:t>12/01/2023</a:t>
             </a:fld>
             <a:endParaRPr lang="en-IL"/>
           </a:p>
@@ -1335,6 +2064,174 @@
 </p:notes>
 </file>
 
+<file path=ppt/notesSlides/notesSlide10.xml><?xml version="1.0" encoding="utf-8"?>
+<p:notes xmlns:a="http://schemas.openxmlformats.org/drawingml/2006/main" xmlns:r="http://schemas.openxmlformats.org/officeDocument/2006/relationships" xmlns:p="http://schemas.openxmlformats.org/presentationml/2006/main">
+  <p:cSld>
+    <p:spTree>
+      <p:nvGrpSpPr>
+        <p:cNvPr id="1" name=""/>
+        <p:cNvGrpSpPr/>
+        <p:nvPr/>
+      </p:nvGrpSpPr>
+      <p:grpSpPr>
+        <a:xfrm>
+          <a:off x="0" y="0"/>
+          <a:ext cx="0" cy="0"/>
+          <a:chOff x="0" y="0"/>
+          <a:chExt cx="0" cy="0"/>
+        </a:xfrm>
+      </p:grpSpPr>
+      <p:sp>
+        <p:nvSpPr>
+          <p:cNvPr id="2" name="Slide Image Placeholder 1"/>
+          <p:cNvSpPr>
+            <a:spLocks noGrp="1" noRot="1" noChangeAspect="1"/>
+          </p:cNvSpPr>
+          <p:nvPr>
+            <p:ph type="sldImg"/>
+          </p:nvPr>
+        </p:nvSpPr>
+        <p:spPr/>
+      </p:sp>
+      <p:sp>
+        <p:nvSpPr>
+          <p:cNvPr id="3" name="Notes Placeholder 2"/>
+          <p:cNvSpPr>
+            <a:spLocks noGrp="1"/>
+          </p:cNvSpPr>
+          <p:nvPr>
+            <p:ph type="body" idx="1"/>
+          </p:nvPr>
+        </p:nvSpPr>
+        <p:spPr/>
+        <p:txBody>
+          <a:bodyPr/>
+          <a:lstStyle/>
+          <a:p>
+            <a:endParaRPr lang="en-US" dirty="0"/>
+          </a:p>
+        </p:txBody>
+      </p:sp>
+      <p:sp>
+        <p:nvSpPr>
+          <p:cNvPr id="4" name="Slide Number Placeholder 3"/>
+          <p:cNvSpPr>
+            <a:spLocks noGrp="1"/>
+          </p:cNvSpPr>
+          <p:nvPr>
+            <p:ph type="sldNum" sz="quarter" idx="5"/>
+          </p:nvPr>
+        </p:nvSpPr>
+        <p:spPr/>
+        <p:txBody>
+          <a:bodyPr/>
+          <a:lstStyle/>
+          <a:p>
+            <a:fld id="{E41CC7CA-F85B-FC46-9096-A03C9849DA1E}" type="slidenum">
+              <a:rPr lang="en-IL" smtClean="0"/>
+              <a:t>14</a:t>
+            </a:fld>
+            <a:endParaRPr lang="en-IL"/>
+          </a:p>
+        </p:txBody>
+      </p:sp>
+    </p:spTree>
+    <p:extLst>
+      <p:ext uri="{BB962C8B-B14F-4D97-AF65-F5344CB8AC3E}">
+        <p14:creationId xmlns:p14="http://schemas.microsoft.com/office/powerpoint/2010/main" val="2187810288"/>
+      </p:ext>
+    </p:extLst>
+  </p:cSld>
+  <p:clrMapOvr>
+    <a:masterClrMapping/>
+  </p:clrMapOvr>
+</p:notes>
+</file>
+
+<file path=ppt/notesSlides/notesSlide11.xml><?xml version="1.0" encoding="utf-8"?>
+<p:notes xmlns:a="http://schemas.openxmlformats.org/drawingml/2006/main" xmlns:r="http://schemas.openxmlformats.org/officeDocument/2006/relationships" xmlns:p="http://schemas.openxmlformats.org/presentationml/2006/main">
+  <p:cSld>
+    <p:spTree>
+      <p:nvGrpSpPr>
+        <p:cNvPr id="1" name=""/>
+        <p:cNvGrpSpPr/>
+        <p:nvPr/>
+      </p:nvGrpSpPr>
+      <p:grpSpPr>
+        <a:xfrm>
+          <a:off x="0" y="0"/>
+          <a:ext cx="0" cy="0"/>
+          <a:chOff x="0" y="0"/>
+          <a:chExt cx="0" cy="0"/>
+        </a:xfrm>
+      </p:grpSpPr>
+      <p:sp>
+        <p:nvSpPr>
+          <p:cNvPr id="2" name="Slide Image Placeholder 1"/>
+          <p:cNvSpPr>
+            <a:spLocks noGrp="1" noRot="1" noChangeAspect="1"/>
+          </p:cNvSpPr>
+          <p:nvPr>
+            <p:ph type="sldImg"/>
+          </p:nvPr>
+        </p:nvSpPr>
+        <p:spPr/>
+      </p:sp>
+      <p:sp>
+        <p:nvSpPr>
+          <p:cNvPr id="3" name="Notes Placeholder 2"/>
+          <p:cNvSpPr>
+            <a:spLocks noGrp="1"/>
+          </p:cNvSpPr>
+          <p:nvPr>
+            <p:ph type="body" idx="1"/>
+          </p:nvPr>
+        </p:nvSpPr>
+        <p:spPr/>
+        <p:txBody>
+          <a:bodyPr/>
+          <a:lstStyle/>
+          <a:p>
+            <a:endParaRPr lang="en-US" dirty="0"/>
+          </a:p>
+        </p:txBody>
+      </p:sp>
+      <p:sp>
+        <p:nvSpPr>
+          <p:cNvPr id="4" name="Slide Number Placeholder 3"/>
+          <p:cNvSpPr>
+            <a:spLocks noGrp="1"/>
+          </p:cNvSpPr>
+          <p:nvPr>
+            <p:ph type="sldNum" sz="quarter" idx="5"/>
+          </p:nvPr>
+        </p:nvSpPr>
+        <p:spPr/>
+        <p:txBody>
+          <a:bodyPr/>
+          <a:lstStyle/>
+          <a:p>
+            <a:fld id="{E41CC7CA-F85B-FC46-9096-A03C9849DA1E}" type="slidenum">
+              <a:rPr lang="en-IL" smtClean="0"/>
+              <a:t>15</a:t>
+            </a:fld>
+            <a:endParaRPr lang="en-IL"/>
+          </a:p>
+        </p:txBody>
+      </p:sp>
+    </p:spTree>
+    <p:extLst>
+      <p:ext uri="{BB962C8B-B14F-4D97-AF65-F5344CB8AC3E}">
+        <p14:creationId xmlns:p14="http://schemas.microsoft.com/office/powerpoint/2010/main" val="2195148597"/>
+      </p:ext>
+    </p:extLst>
+  </p:cSld>
+  <p:clrMapOvr>
+    <a:masterClrMapping/>
+  </p:clrMapOvr>
+</p:notes>
+</file>
+
 <file path=ppt/notesSlides/notesSlide2.xml><?xml version="1.0" encoding="utf-8"?>
 <p:notes xmlns:a="http://schemas.openxmlformats.org/drawingml/2006/main" xmlns:r="http://schemas.openxmlformats.org/officeDocument/2006/relationships" xmlns:p="http://schemas.openxmlformats.org/presentationml/2006/main">
   <p:cSld>
@@ -1400,7 +2297,7 @@
           <a:p>
             <a:fld id="{E41CC7CA-F85B-FC46-9096-A03C9849DA1E}" type="slidenum">
               <a:rPr lang="en-IL" smtClean="0"/>
-              <a:t>6</a:t>
+              <a:t>5</a:t>
             </a:fld>
             <a:endParaRPr lang="en-IL"/>
           </a:p>
@@ -1409,7 +2306,7 @@
     </p:spTree>
     <p:extLst>
       <p:ext uri="{BB962C8B-B14F-4D97-AF65-F5344CB8AC3E}">
-        <p14:creationId xmlns:p14="http://schemas.microsoft.com/office/powerpoint/2010/main" val="595603892"/>
+        <p14:creationId xmlns:p14="http://schemas.microsoft.com/office/powerpoint/2010/main" val="345582271"/>
       </p:ext>
     </p:extLst>
   </p:cSld>
@@ -1493,7 +2390,7 @@
     </p:spTree>
     <p:extLst>
       <p:ext uri="{BB962C8B-B14F-4D97-AF65-F5344CB8AC3E}">
-        <p14:creationId xmlns:p14="http://schemas.microsoft.com/office/powerpoint/2010/main" val="1638779824"/>
+        <p14:creationId xmlns:p14="http://schemas.microsoft.com/office/powerpoint/2010/main" val="595603892"/>
       </p:ext>
     </p:extLst>
   </p:cSld>
@@ -1577,7 +2474,427 @@
     </p:spTree>
     <p:extLst>
       <p:ext uri="{BB962C8B-B14F-4D97-AF65-F5344CB8AC3E}">
-        <p14:creationId xmlns:p14="http://schemas.microsoft.com/office/powerpoint/2010/main" val="2195148597"/>
+        <p14:creationId xmlns:p14="http://schemas.microsoft.com/office/powerpoint/2010/main" val="3133382793"/>
+      </p:ext>
+    </p:extLst>
+  </p:cSld>
+  <p:clrMapOvr>
+    <a:masterClrMapping/>
+  </p:clrMapOvr>
+</p:notes>
+</file>
+
+<file path=ppt/notesSlides/notesSlide5.xml><?xml version="1.0" encoding="utf-8"?>
+<p:notes xmlns:a="http://schemas.openxmlformats.org/drawingml/2006/main" xmlns:r="http://schemas.openxmlformats.org/officeDocument/2006/relationships" xmlns:p="http://schemas.openxmlformats.org/presentationml/2006/main">
+  <p:cSld>
+    <p:spTree>
+      <p:nvGrpSpPr>
+        <p:cNvPr id="1" name=""/>
+        <p:cNvGrpSpPr/>
+        <p:nvPr/>
+      </p:nvGrpSpPr>
+      <p:grpSpPr>
+        <a:xfrm>
+          <a:off x="0" y="0"/>
+          <a:ext cx="0" cy="0"/>
+          <a:chOff x="0" y="0"/>
+          <a:chExt cx="0" cy="0"/>
+        </a:xfrm>
+      </p:grpSpPr>
+      <p:sp>
+        <p:nvSpPr>
+          <p:cNvPr id="2" name="Slide Image Placeholder 1"/>
+          <p:cNvSpPr>
+            <a:spLocks noGrp="1" noRot="1" noChangeAspect="1"/>
+          </p:cNvSpPr>
+          <p:nvPr>
+            <p:ph type="sldImg"/>
+          </p:nvPr>
+        </p:nvSpPr>
+        <p:spPr/>
+      </p:sp>
+      <p:sp>
+        <p:nvSpPr>
+          <p:cNvPr id="3" name="Notes Placeholder 2"/>
+          <p:cNvSpPr>
+            <a:spLocks noGrp="1"/>
+          </p:cNvSpPr>
+          <p:nvPr>
+            <p:ph type="body" idx="1"/>
+          </p:nvPr>
+        </p:nvSpPr>
+        <p:spPr/>
+        <p:txBody>
+          <a:bodyPr/>
+          <a:lstStyle/>
+          <a:p>
+            <a:endParaRPr lang="en-US" dirty="0"/>
+          </a:p>
+        </p:txBody>
+      </p:sp>
+      <p:sp>
+        <p:nvSpPr>
+          <p:cNvPr id="4" name="Slide Number Placeholder 3"/>
+          <p:cNvSpPr>
+            <a:spLocks noGrp="1"/>
+          </p:cNvSpPr>
+          <p:nvPr>
+            <p:ph type="sldNum" sz="quarter" idx="5"/>
+          </p:nvPr>
+        </p:nvSpPr>
+        <p:spPr/>
+        <p:txBody>
+          <a:bodyPr/>
+          <a:lstStyle/>
+          <a:p>
+            <a:fld id="{E41CC7CA-F85B-FC46-9096-A03C9849DA1E}" type="slidenum">
+              <a:rPr lang="en-IL" smtClean="0"/>
+              <a:t>9</a:t>
+            </a:fld>
+            <a:endParaRPr lang="en-IL"/>
+          </a:p>
+        </p:txBody>
+      </p:sp>
+    </p:spTree>
+    <p:extLst>
+      <p:ext uri="{BB962C8B-B14F-4D97-AF65-F5344CB8AC3E}">
+        <p14:creationId xmlns:p14="http://schemas.microsoft.com/office/powerpoint/2010/main" val="1454446652"/>
+      </p:ext>
+    </p:extLst>
+  </p:cSld>
+  <p:clrMapOvr>
+    <a:masterClrMapping/>
+  </p:clrMapOvr>
+</p:notes>
+</file>
+
+<file path=ppt/notesSlides/notesSlide6.xml><?xml version="1.0" encoding="utf-8"?>
+<p:notes xmlns:a="http://schemas.openxmlformats.org/drawingml/2006/main" xmlns:r="http://schemas.openxmlformats.org/officeDocument/2006/relationships" xmlns:p="http://schemas.openxmlformats.org/presentationml/2006/main">
+  <p:cSld>
+    <p:spTree>
+      <p:nvGrpSpPr>
+        <p:cNvPr id="1" name=""/>
+        <p:cNvGrpSpPr/>
+        <p:nvPr/>
+      </p:nvGrpSpPr>
+      <p:grpSpPr>
+        <a:xfrm>
+          <a:off x="0" y="0"/>
+          <a:ext cx="0" cy="0"/>
+          <a:chOff x="0" y="0"/>
+          <a:chExt cx="0" cy="0"/>
+        </a:xfrm>
+      </p:grpSpPr>
+      <p:sp>
+        <p:nvSpPr>
+          <p:cNvPr id="2" name="Slide Image Placeholder 1"/>
+          <p:cNvSpPr>
+            <a:spLocks noGrp="1" noRot="1" noChangeAspect="1"/>
+          </p:cNvSpPr>
+          <p:nvPr>
+            <p:ph type="sldImg"/>
+          </p:nvPr>
+        </p:nvSpPr>
+        <p:spPr/>
+      </p:sp>
+      <p:sp>
+        <p:nvSpPr>
+          <p:cNvPr id="3" name="Notes Placeholder 2"/>
+          <p:cNvSpPr>
+            <a:spLocks noGrp="1"/>
+          </p:cNvSpPr>
+          <p:nvPr>
+            <p:ph type="body" idx="1"/>
+          </p:nvPr>
+        </p:nvSpPr>
+        <p:spPr/>
+        <p:txBody>
+          <a:bodyPr/>
+          <a:lstStyle/>
+          <a:p>
+            <a:endParaRPr lang="en-US" dirty="0"/>
+          </a:p>
+        </p:txBody>
+      </p:sp>
+      <p:sp>
+        <p:nvSpPr>
+          <p:cNvPr id="4" name="Slide Number Placeholder 3"/>
+          <p:cNvSpPr>
+            <a:spLocks noGrp="1"/>
+          </p:cNvSpPr>
+          <p:nvPr>
+            <p:ph type="sldNum" sz="quarter" idx="5"/>
+          </p:nvPr>
+        </p:nvSpPr>
+        <p:spPr/>
+        <p:txBody>
+          <a:bodyPr/>
+          <a:lstStyle/>
+          <a:p>
+            <a:fld id="{E41CC7CA-F85B-FC46-9096-A03C9849DA1E}" type="slidenum">
+              <a:rPr lang="en-IL" smtClean="0"/>
+              <a:t>10</a:t>
+            </a:fld>
+            <a:endParaRPr lang="en-IL"/>
+          </a:p>
+        </p:txBody>
+      </p:sp>
+    </p:spTree>
+    <p:extLst>
+      <p:ext uri="{BB962C8B-B14F-4D97-AF65-F5344CB8AC3E}">
+        <p14:creationId xmlns:p14="http://schemas.microsoft.com/office/powerpoint/2010/main" val="1779396678"/>
+      </p:ext>
+    </p:extLst>
+  </p:cSld>
+  <p:clrMapOvr>
+    <a:masterClrMapping/>
+  </p:clrMapOvr>
+</p:notes>
+</file>
+
+<file path=ppt/notesSlides/notesSlide7.xml><?xml version="1.0" encoding="utf-8"?>
+<p:notes xmlns:a="http://schemas.openxmlformats.org/drawingml/2006/main" xmlns:r="http://schemas.openxmlformats.org/officeDocument/2006/relationships" xmlns:p="http://schemas.openxmlformats.org/presentationml/2006/main">
+  <p:cSld>
+    <p:spTree>
+      <p:nvGrpSpPr>
+        <p:cNvPr id="1" name=""/>
+        <p:cNvGrpSpPr/>
+        <p:nvPr/>
+      </p:nvGrpSpPr>
+      <p:grpSpPr>
+        <a:xfrm>
+          <a:off x="0" y="0"/>
+          <a:ext cx="0" cy="0"/>
+          <a:chOff x="0" y="0"/>
+          <a:chExt cx="0" cy="0"/>
+        </a:xfrm>
+      </p:grpSpPr>
+      <p:sp>
+        <p:nvSpPr>
+          <p:cNvPr id="2" name="Slide Image Placeholder 1"/>
+          <p:cNvSpPr>
+            <a:spLocks noGrp="1" noRot="1" noChangeAspect="1"/>
+          </p:cNvSpPr>
+          <p:nvPr>
+            <p:ph type="sldImg"/>
+          </p:nvPr>
+        </p:nvSpPr>
+        <p:spPr/>
+      </p:sp>
+      <p:sp>
+        <p:nvSpPr>
+          <p:cNvPr id="3" name="Notes Placeholder 2"/>
+          <p:cNvSpPr>
+            <a:spLocks noGrp="1"/>
+          </p:cNvSpPr>
+          <p:nvPr>
+            <p:ph type="body" idx="1"/>
+          </p:nvPr>
+        </p:nvSpPr>
+        <p:spPr/>
+        <p:txBody>
+          <a:bodyPr/>
+          <a:lstStyle/>
+          <a:p>
+            <a:endParaRPr lang="en-US" dirty="0"/>
+          </a:p>
+        </p:txBody>
+      </p:sp>
+      <p:sp>
+        <p:nvSpPr>
+          <p:cNvPr id="4" name="Slide Number Placeholder 3"/>
+          <p:cNvSpPr>
+            <a:spLocks noGrp="1"/>
+          </p:cNvSpPr>
+          <p:nvPr>
+            <p:ph type="sldNum" sz="quarter" idx="5"/>
+          </p:nvPr>
+        </p:nvSpPr>
+        <p:spPr/>
+        <p:txBody>
+          <a:bodyPr/>
+          <a:lstStyle/>
+          <a:p>
+            <a:fld id="{E41CC7CA-F85B-FC46-9096-A03C9849DA1E}" type="slidenum">
+              <a:rPr lang="en-IL" smtClean="0"/>
+              <a:t>11</a:t>
+            </a:fld>
+            <a:endParaRPr lang="en-IL"/>
+          </a:p>
+        </p:txBody>
+      </p:sp>
+    </p:spTree>
+    <p:extLst>
+      <p:ext uri="{BB962C8B-B14F-4D97-AF65-F5344CB8AC3E}">
+        <p14:creationId xmlns:p14="http://schemas.microsoft.com/office/powerpoint/2010/main" val="3249672909"/>
+      </p:ext>
+    </p:extLst>
+  </p:cSld>
+  <p:clrMapOvr>
+    <a:masterClrMapping/>
+  </p:clrMapOvr>
+</p:notes>
+</file>
+
+<file path=ppt/notesSlides/notesSlide8.xml><?xml version="1.0" encoding="utf-8"?>
+<p:notes xmlns:a="http://schemas.openxmlformats.org/drawingml/2006/main" xmlns:r="http://schemas.openxmlformats.org/officeDocument/2006/relationships" xmlns:p="http://schemas.openxmlformats.org/presentationml/2006/main">
+  <p:cSld>
+    <p:spTree>
+      <p:nvGrpSpPr>
+        <p:cNvPr id="1" name=""/>
+        <p:cNvGrpSpPr/>
+        <p:nvPr/>
+      </p:nvGrpSpPr>
+      <p:grpSpPr>
+        <a:xfrm>
+          <a:off x="0" y="0"/>
+          <a:ext cx="0" cy="0"/>
+          <a:chOff x="0" y="0"/>
+          <a:chExt cx="0" cy="0"/>
+        </a:xfrm>
+      </p:grpSpPr>
+      <p:sp>
+        <p:nvSpPr>
+          <p:cNvPr id="2" name="Slide Image Placeholder 1"/>
+          <p:cNvSpPr>
+            <a:spLocks noGrp="1" noRot="1" noChangeAspect="1"/>
+          </p:cNvSpPr>
+          <p:nvPr>
+            <p:ph type="sldImg"/>
+          </p:nvPr>
+        </p:nvSpPr>
+        <p:spPr/>
+      </p:sp>
+      <p:sp>
+        <p:nvSpPr>
+          <p:cNvPr id="3" name="Notes Placeholder 2"/>
+          <p:cNvSpPr>
+            <a:spLocks noGrp="1"/>
+          </p:cNvSpPr>
+          <p:nvPr>
+            <p:ph type="body" idx="1"/>
+          </p:nvPr>
+        </p:nvSpPr>
+        <p:spPr/>
+        <p:txBody>
+          <a:bodyPr/>
+          <a:lstStyle/>
+          <a:p>
+            <a:endParaRPr lang="en-US" dirty="0"/>
+          </a:p>
+        </p:txBody>
+      </p:sp>
+      <p:sp>
+        <p:nvSpPr>
+          <p:cNvPr id="4" name="Slide Number Placeholder 3"/>
+          <p:cNvSpPr>
+            <a:spLocks noGrp="1"/>
+          </p:cNvSpPr>
+          <p:nvPr>
+            <p:ph type="sldNum" sz="quarter" idx="5"/>
+          </p:nvPr>
+        </p:nvSpPr>
+        <p:spPr/>
+        <p:txBody>
+          <a:bodyPr/>
+          <a:lstStyle/>
+          <a:p>
+            <a:fld id="{E41CC7CA-F85B-FC46-9096-A03C9849DA1E}" type="slidenum">
+              <a:rPr lang="en-IL" smtClean="0"/>
+              <a:t>12</a:t>
+            </a:fld>
+            <a:endParaRPr lang="en-IL"/>
+          </a:p>
+        </p:txBody>
+      </p:sp>
+    </p:spTree>
+    <p:extLst>
+      <p:ext uri="{BB962C8B-B14F-4D97-AF65-F5344CB8AC3E}">
+        <p14:creationId xmlns:p14="http://schemas.microsoft.com/office/powerpoint/2010/main" val="3309846017"/>
+      </p:ext>
+    </p:extLst>
+  </p:cSld>
+  <p:clrMapOvr>
+    <a:masterClrMapping/>
+  </p:clrMapOvr>
+</p:notes>
+</file>
+
+<file path=ppt/notesSlides/notesSlide9.xml><?xml version="1.0" encoding="utf-8"?>
+<p:notes xmlns:a="http://schemas.openxmlformats.org/drawingml/2006/main" xmlns:r="http://schemas.openxmlformats.org/officeDocument/2006/relationships" xmlns:p="http://schemas.openxmlformats.org/presentationml/2006/main">
+  <p:cSld>
+    <p:spTree>
+      <p:nvGrpSpPr>
+        <p:cNvPr id="1" name=""/>
+        <p:cNvGrpSpPr/>
+        <p:nvPr/>
+      </p:nvGrpSpPr>
+      <p:grpSpPr>
+        <a:xfrm>
+          <a:off x="0" y="0"/>
+          <a:ext cx="0" cy="0"/>
+          <a:chOff x="0" y="0"/>
+          <a:chExt cx="0" cy="0"/>
+        </a:xfrm>
+      </p:grpSpPr>
+      <p:sp>
+        <p:nvSpPr>
+          <p:cNvPr id="2" name="Slide Image Placeholder 1"/>
+          <p:cNvSpPr>
+            <a:spLocks noGrp="1" noRot="1" noChangeAspect="1"/>
+          </p:cNvSpPr>
+          <p:nvPr>
+            <p:ph type="sldImg"/>
+          </p:nvPr>
+        </p:nvSpPr>
+        <p:spPr/>
+      </p:sp>
+      <p:sp>
+        <p:nvSpPr>
+          <p:cNvPr id="3" name="Notes Placeholder 2"/>
+          <p:cNvSpPr>
+            <a:spLocks noGrp="1"/>
+          </p:cNvSpPr>
+          <p:nvPr>
+            <p:ph type="body" idx="1"/>
+          </p:nvPr>
+        </p:nvSpPr>
+        <p:spPr/>
+        <p:txBody>
+          <a:bodyPr/>
+          <a:lstStyle/>
+          <a:p>
+            <a:endParaRPr lang="en-US" dirty="0"/>
+          </a:p>
+        </p:txBody>
+      </p:sp>
+      <p:sp>
+        <p:nvSpPr>
+          <p:cNvPr id="4" name="Slide Number Placeholder 3"/>
+          <p:cNvSpPr>
+            <a:spLocks noGrp="1"/>
+          </p:cNvSpPr>
+          <p:nvPr>
+            <p:ph type="sldNum" sz="quarter" idx="5"/>
+          </p:nvPr>
+        </p:nvSpPr>
+        <p:spPr/>
+        <p:txBody>
+          <a:bodyPr/>
+          <a:lstStyle/>
+          <a:p>
+            <a:fld id="{E41CC7CA-F85B-FC46-9096-A03C9849DA1E}" type="slidenum">
+              <a:rPr lang="en-IL" smtClean="0"/>
+              <a:t>13</a:t>
+            </a:fld>
+            <a:endParaRPr lang="en-IL"/>
+          </a:p>
+        </p:txBody>
+      </p:sp>
+    </p:spTree>
+    <p:extLst>
+      <p:ext uri="{BB962C8B-B14F-4D97-AF65-F5344CB8AC3E}">
+        <p14:creationId xmlns:p14="http://schemas.microsoft.com/office/powerpoint/2010/main" val="122449399"/>
       </p:ext>
     </p:extLst>
   </p:cSld>
@@ -1718,7 +3035,7 @@
           <a:p>
             <a:fld id="{B7A24698-AE2D-43E6-BD25-8D09F11DD6B8}" type="datetimeFigureOut">
               <a:rPr lang="en-US" smtClean="0"/>
-              <a:t>11/27/2023</a:t>
+              <a:t>12/1/2023</a:t>
             </a:fld>
             <a:endParaRPr lang="en-US"/>
           </a:p>
@@ -1888,7 +3205,7 @@
           <a:p>
             <a:fld id="{B7A24698-AE2D-43E6-BD25-8D09F11DD6B8}" type="datetimeFigureOut">
               <a:rPr lang="en-US" smtClean="0"/>
-              <a:t>11/27/2023</a:t>
+              <a:t>12/1/2023</a:t>
             </a:fld>
             <a:endParaRPr lang="en-US"/>
           </a:p>
@@ -2068,7 +3385,7 @@
           <a:p>
             <a:fld id="{B7A24698-AE2D-43E6-BD25-8D09F11DD6B8}" type="datetimeFigureOut">
               <a:rPr lang="en-US" smtClean="0"/>
-              <a:t>11/27/2023</a:t>
+              <a:t>12/1/2023</a:t>
             </a:fld>
             <a:endParaRPr lang="en-US"/>
           </a:p>
@@ -2238,7 +3555,7 @@
           <a:p>
             <a:fld id="{B7A24698-AE2D-43E6-BD25-8D09F11DD6B8}" type="datetimeFigureOut">
               <a:rPr lang="en-US" smtClean="0"/>
-              <a:t>11/27/2023</a:t>
+              <a:t>12/1/2023</a:t>
             </a:fld>
             <a:endParaRPr lang="en-US"/>
           </a:p>
@@ -2484,7 +3801,7 @@
           <a:p>
             <a:fld id="{B7A24698-AE2D-43E6-BD25-8D09F11DD6B8}" type="datetimeFigureOut">
               <a:rPr lang="en-US" smtClean="0"/>
-              <a:t>11/27/2023</a:t>
+              <a:t>12/1/2023</a:t>
             </a:fld>
             <a:endParaRPr lang="en-US"/>
           </a:p>
@@ -2716,7 +4033,7 @@
           <a:p>
             <a:fld id="{B7A24698-AE2D-43E6-BD25-8D09F11DD6B8}" type="datetimeFigureOut">
               <a:rPr lang="en-US" smtClean="0"/>
-              <a:t>11/27/2023</a:t>
+              <a:t>12/1/2023</a:t>
             </a:fld>
             <a:endParaRPr lang="en-US"/>
           </a:p>
@@ -3083,7 +4400,7 @@
           <a:p>
             <a:fld id="{B7A24698-AE2D-43E6-BD25-8D09F11DD6B8}" type="datetimeFigureOut">
               <a:rPr lang="en-US" smtClean="0"/>
-              <a:t>11/27/2023</a:t>
+              <a:t>12/1/2023</a:t>
             </a:fld>
             <a:endParaRPr lang="en-US"/>
           </a:p>
@@ -3201,7 +4518,7 @@
           <a:p>
             <a:fld id="{B7A24698-AE2D-43E6-BD25-8D09F11DD6B8}" type="datetimeFigureOut">
               <a:rPr lang="en-US" smtClean="0"/>
-              <a:t>11/27/2023</a:t>
+              <a:t>12/1/2023</a:t>
             </a:fld>
             <a:endParaRPr lang="en-US"/>
           </a:p>
@@ -3296,7 +4613,7 @@
           <a:p>
             <a:fld id="{B7A24698-AE2D-43E6-BD25-8D09F11DD6B8}" type="datetimeFigureOut">
               <a:rPr lang="en-US" smtClean="0"/>
-              <a:t>11/27/2023</a:t>
+              <a:t>12/1/2023</a:t>
             </a:fld>
             <a:endParaRPr lang="en-US"/>
           </a:p>
@@ -3573,7 +4890,7 @@
           <a:p>
             <a:fld id="{B7A24698-AE2D-43E6-BD25-8D09F11DD6B8}" type="datetimeFigureOut">
               <a:rPr lang="en-US" smtClean="0"/>
-              <a:t>11/27/2023</a:t>
+              <a:t>12/1/2023</a:t>
             </a:fld>
             <a:endParaRPr lang="en-US"/>
           </a:p>
@@ -3826,7 +5143,7 @@
           <a:p>
             <a:fld id="{B7A24698-AE2D-43E6-BD25-8D09F11DD6B8}" type="datetimeFigureOut">
               <a:rPr lang="en-US" smtClean="0"/>
-              <a:t>11/27/2023</a:t>
+              <a:t>12/1/2023</a:t>
             </a:fld>
             <a:endParaRPr lang="en-US"/>
           </a:p>
@@ -4039,7 +5356,7 @@
           <a:p>
             <a:fld id="{B7A24698-AE2D-43E6-BD25-8D09F11DD6B8}" type="datetimeFigureOut">
               <a:rPr lang="en-US" smtClean="0"/>
-              <a:t>11/27/2023</a:t>
+              <a:t>12/1/2023</a:t>
             </a:fld>
             <a:endParaRPr lang="en-US"/>
           </a:p>
@@ -4555,15 +5872,7 @@
             <a:pPr algn="ctr" rtl="0"/>
             <a:r>
               <a:rPr lang="en-US" sz="6000" dirty="0"/>
-              <a:t>Class No. 4 </a:t>
-            </a:r>
-            <a:r>
-              <a:rPr lang="he-IL" sz="6000" dirty="0"/>
-              <a:t>)</a:t>
-            </a:r>
-            <a:r>
-              <a:rPr lang="en-US" sz="6000" dirty="0"/>
-              <a:t>Group 2)</a:t>
+              <a:t>Class 4, Group 2</a:t>
             </a:r>
           </a:p>
           <a:p>
@@ -4607,6 +5916,3256 @@
     <p:extLst>
       <p:ext uri="{BB962C8B-B14F-4D97-AF65-F5344CB8AC3E}">
         <p14:creationId xmlns:p14="http://schemas.microsoft.com/office/powerpoint/2010/main" val="3358319154"/>
+      </p:ext>
+    </p:extLst>
+  </p:cSld>
+  <p:clrMapOvr>
+    <a:masterClrMapping/>
+  </p:clrMapOvr>
+</p:sld>
+</file>
+
+<file path=ppt/slides/slide10.xml><?xml version="1.0" encoding="utf-8"?>
+<p:sld xmlns:a="http://schemas.openxmlformats.org/drawingml/2006/main" xmlns:r="http://schemas.openxmlformats.org/officeDocument/2006/relationships" xmlns:p="http://schemas.openxmlformats.org/presentationml/2006/main">
+  <p:cSld>
+    <p:spTree>
+      <p:nvGrpSpPr>
+        <p:cNvPr id="1" name=""/>
+        <p:cNvGrpSpPr/>
+        <p:nvPr/>
+      </p:nvGrpSpPr>
+      <p:grpSpPr>
+        <a:xfrm>
+          <a:off x="0" y="0"/>
+          <a:ext cx="0" cy="0"/>
+          <a:chOff x="0" y="0"/>
+          <a:chExt cx="0" cy="0"/>
+        </a:xfrm>
+      </p:grpSpPr>
+      <p:sp>
+        <p:nvSpPr>
+          <p:cNvPr id="2" name="כותרת 1"/>
+          <p:cNvSpPr>
+            <a:spLocks noGrp="1"/>
+          </p:cNvSpPr>
+          <p:nvPr>
+            <p:ph type="title"/>
+          </p:nvPr>
+        </p:nvSpPr>
+        <p:spPr>
+          <a:xfrm>
+            <a:off x="1334812" y="748962"/>
+            <a:ext cx="3846787" cy="788916"/>
+          </a:xfrm>
+        </p:spPr>
+        <p:txBody>
+          <a:bodyPr>
+            <a:noAutofit/>
+          </a:bodyPr>
+          <a:lstStyle/>
+          <a:p>
+            <a:pPr algn="l" rtl="0"/>
+            <a:r>
+              <a:rPr lang="en-US" sz="5100" b="1" dirty="0">
+                <a:cs typeface="+mn-cs"/>
+              </a:rPr>
+              <a:t>Data Analysis:</a:t>
+            </a:r>
+          </a:p>
+        </p:txBody>
+      </p:sp>
+      <p:pic>
+        <p:nvPicPr>
+          <p:cNvPr id="8" name="Picture 8" descr="File:Hebrew University Logo.svg - Wikimedia Commons"/>
+          <p:cNvPicPr>
+            <a:picLocks noChangeAspect="1" noChangeArrowheads="1"/>
+          </p:cNvPicPr>
+          <p:nvPr/>
+        </p:nvPicPr>
+        <p:blipFill>
+          <a:blip r:embed="rId3" cstate="print">
+            <a:extLst>
+              <a:ext uri="{28A0092B-C50C-407E-A947-70E740481C1C}">
+                <a14:useLocalDpi xmlns:a14="http://schemas.microsoft.com/office/drawing/2010/main" val="0"/>
+              </a:ext>
+            </a:extLst>
+          </a:blip>
+          <a:srcRect/>
+          <a:stretch>
+            <a:fillRect/>
+          </a:stretch>
+        </p:blipFill>
+        <p:spPr bwMode="auto">
+          <a:xfrm>
+            <a:off x="275404" y="156177"/>
+            <a:ext cx="721108" cy="1324434"/>
+          </a:xfrm>
+          <a:prstGeom prst="rect">
+            <a:avLst/>
+          </a:prstGeom>
+          <a:noFill/>
+          <a:extLst>
+            <a:ext uri="{909E8E84-426E-40DD-AFC4-6F175D3DCCD1}">
+              <a14:hiddenFill xmlns:a14="http://schemas.microsoft.com/office/drawing/2010/main">
+                <a:solidFill>
+                  <a:srgbClr val="FFFFFF"/>
+                </a:solidFill>
+              </a14:hiddenFill>
+            </a:ext>
+          </a:extLst>
+        </p:spPr>
+      </p:pic>
+      <p:sp>
+        <p:nvSpPr>
+          <p:cNvPr id="5" name="Content Placeholder 21">
+            <a:extLst>
+              <a:ext uri="{FF2B5EF4-FFF2-40B4-BE49-F238E27FC236}">
+                <a16:creationId xmlns:a16="http://schemas.microsoft.com/office/drawing/2014/main" id="{6A87851E-57F1-0ADA-ECE1-00AC36696523}"/>
+              </a:ext>
+            </a:extLst>
+          </p:cNvPr>
+          <p:cNvSpPr txBox="1">
+            <a:spLocks/>
+          </p:cNvSpPr>
+          <p:nvPr/>
+        </p:nvSpPr>
+        <p:spPr>
+          <a:xfrm>
+            <a:off x="1334812" y="1537878"/>
+            <a:ext cx="10226567" cy="4883943"/>
+          </a:xfrm>
+          <a:prstGeom prst="rect">
+            <a:avLst/>
+          </a:prstGeom>
+          <a:ln w="50800">
+            <a:solidFill>
+              <a:schemeClr val="accent1"/>
+            </a:solidFill>
+          </a:ln>
+        </p:spPr>
+        <p:txBody>
+          <a:bodyPr vert="horz" lIns="91440" tIns="45720" rIns="91440" bIns="45720" rtlCol="1">
+            <a:normAutofit/>
+          </a:bodyPr>
+          <a:lstStyle>
+            <a:lvl1pPr marL="228600" indent="-228600" algn="r" defTabSz="914400" rtl="1" eaLnBrk="1" latinLnBrk="0" hangingPunct="1">
+              <a:lnSpc>
+                <a:spcPct val="90000"/>
+              </a:lnSpc>
+              <a:spcBef>
+                <a:spcPts val="1000"/>
+              </a:spcBef>
+              <a:buFont typeface="Arial" panose="020B0604020202020204" pitchFamily="34" charset="0"/>
+              <a:buChar char="•"/>
+              <a:defRPr sz="2800" kern="1200">
+                <a:solidFill>
+                  <a:schemeClr val="tx1"/>
+                </a:solidFill>
+                <a:latin typeface="+mn-lt"/>
+                <a:ea typeface="+mn-ea"/>
+                <a:cs typeface="+mn-cs"/>
+              </a:defRPr>
+            </a:lvl1pPr>
+            <a:lvl2pPr marL="685800" indent="-228600" algn="r" defTabSz="914400" rtl="1" eaLnBrk="1" latinLnBrk="0" hangingPunct="1">
+              <a:lnSpc>
+                <a:spcPct val="90000"/>
+              </a:lnSpc>
+              <a:spcBef>
+                <a:spcPts val="500"/>
+              </a:spcBef>
+              <a:buFont typeface="Arial" panose="020B0604020202020204" pitchFamily="34" charset="0"/>
+              <a:buChar char="•"/>
+              <a:defRPr sz="2400" kern="1200">
+                <a:solidFill>
+                  <a:schemeClr val="tx1"/>
+                </a:solidFill>
+                <a:latin typeface="+mn-lt"/>
+                <a:ea typeface="+mn-ea"/>
+                <a:cs typeface="+mn-cs"/>
+              </a:defRPr>
+            </a:lvl2pPr>
+            <a:lvl3pPr marL="1143000" indent="-228600" algn="r" defTabSz="914400" rtl="1" eaLnBrk="1" latinLnBrk="0" hangingPunct="1">
+              <a:lnSpc>
+                <a:spcPct val="90000"/>
+              </a:lnSpc>
+              <a:spcBef>
+                <a:spcPts val="500"/>
+              </a:spcBef>
+              <a:buFont typeface="Arial" panose="020B0604020202020204" pitchFamily="34" charset="0"/>
+              <a:buChar char="•"/>
+              <a:defRPr sz="2000" kern="1200">
+                <a:solidFill>
+                  <a:schemeClr val="tx1"/>
+                </a:solidFill>
+                <a:latin typeface="+mn-lt"/>
+                <a:ea typeface="+mn-ea"/>
+                <a:cs typeface="+mn-cs"/>
+              </a:defRPr>
+            </a:lvl3pPr>
+            <a:lvl4pPr marL="1600200" indent="-228600" algn="r" defTabSz="914400" rtl="1" eaLnBrk="1" latinLnBrk="0" hangingPunct="1">
+              <a:lnSpc>
+                <a:spcPct val="90000"/>
+              </a:lnSpc>
+              <a:spcBef>
+                <a:spcPts val="500"/>
+              </a:spcBef>
+              <a:buFont typeface="Arial" panose="020B0604020202020204" pitchFamily="34" charset="0"/>
+              <a:buChar char="•"/>
+              <a:defRPr sz="1800" kern="1200">
+                <a:solidFill>
+                  <a:schemeClr val="tx1"/>
+                </a:solidFill>
+                <a:latin typeface="+mn-lt"/>
+                <a:ea typeface="+mn-ea"/>
+                <a:cs typeface="+mn-cs"/>
+              </a:defRPr>
+            </a:lvl4pPr>
+            <a:lvl5pPr marL="2057400" indent="-228600" algn="r" defTabSz="914400" rtl="1" eaLnBrk="1" latinLnBrk="0" hangingPunct="1">
+              <a:lnSpc>
+                <a:spcPct val="90000"/>
+              </a:lnSpc>
+              <a:spcBef>
+                <a:spcPts val="500"/>
+              </a:spcBef>
+              <a:buFont typeface="Arial" panose="020B0604020202020204" pitchFamily="34" charset="0"/>
+              <a:buChar char="•"/>
+              <a:defRPr sz="1800" kern="1200">
+                <a:solidFill>
+                  <a:schemeClr val="tx1"/>
+                </a:solidFill>
+                <a:latin typeface="+mn-lt"/>
+                <a:ea typeface="+mn-ea"/>
+                <a:cs typeface="+mn-cs"/>
+              </a:defRPr>
+            </a:lvl5pPr>
+            <a:lvl6pPr marL="2514600" indent="-228600" algn="r" defTabSz="914400" rtl="1" eaLnBrk="1" latinLnBrk="0" hangingPunct="1">
+              <a:lnSpc>
+                <a:spcPct val="90000"/>
+              </a:lnSpc>
+              <a:spcBef>
+                <a:spcPts val="500"/>
+              </a:spcBef>
+              <a:buFont typeface="Arial" panose="020B0604020202020204" pitchFamily="34" charset="0"/>
+              <a:buChar char="•"/>
+              <a:defRPr sz="1800" kern="1200">
+                <a:solidFill>
+                  <a:schemeClr val="tx1"/>
+                </a:solidFill>
+                <a:latin typeface="+mn-lt"/>
+                <a:ea typeface="+mn-ea"/>
+                <a:cs typeface="+mn-cs"/>
+              </a:defRPr>
+            </a:lvl6pPr>
+            <a:lvl7pPr marL="2971800" indent="-228600" algn="r" defTabSz="914400" rtl="1" eaLnBrk="1" latinLnBrk="0" hangingPunct="1">
+              <a:lnSpc>
+                <a:spcPct val="90000"/>
+              </a:lnSpc>
+              <a:spcBef>
+                <a:spcPts val="500"/>
+              </a:spcBef>
+              <a:buFont typeface="Arial" panose="020B0604020202020204" pitchFamily="34" charset="0"/>
+              <a:buChar char="•"/>
+              <a:defRPr sz="1800" kern="1200">
+                <a:solidFill>
+                  <a:schemeClr val="tx1"/>
+                </a:solidFill>
+                <a:latin typeface="+mn-lt"/>
+                <a:ea typeface="+mn-ea"/>
+                <a:cs typeface="+mn-cs"/>
+              </a:defRPr>
+            </a:lvl7pPr>
+            <a:lvl8pPr marL="3429000" indent="-228600" algn="r" defTabSz="914400" rtl="1" eaLnBrk="1" latinLnBrk="0" hangingPunct="1">
+              <a:lnSpc>
+                <a:spcPct val="90000"/>
+              </a:lnSpc>
+              <a:spcBef>
+                <a:spcPts val="500"/>
+              </a:spcBef>
+              <a:buFont typeface="Arial" panose="020B0604020202020204" pitchFamily="34" charset="0"/>
+              <a:buChar char="•"/>
+              <a:defRPr sz="1800" kern="1200">
+                <a:solidFill>
+                  <a:schemeClr val="tx1"/>
+                </a:solidFill>
+                <a:latin typeface="+mn-lt"/>
+                <a:ea typeface="+mn-ea"/>
+                <a:cs typeface="+mn-cs"/>
+              </a:defRPr>
+            </a:lvl8pPr>
+            <a:lvl9pPr marL="3886200" indent="-228600" algn="r" defTabSz="914400" rtl="1" eaLnBrk="1" latinLnBrk="0" hangingPunct="1">
+              <a:lnSpc>
+                <a:spcPct val="90000"/>
+              </a:lnSpc>
+              <a:spcBef>
+                <a:spcPts val="500"/>
+              </a:spcBef>
+              <a:buFont typeface="Arial" panose="020B0604020202020204" pitchFamily="34" charset="0"/>
+              <a:buChar char="•"/>
+              <a:defRPr sz="1800" kern="1200">
+                <a:solidFill>
+                  <a:schemeClr val="tx1"/>
+                </a:solidFill>
+                <a:latin typeface="+mn-lt"/>
+                <a:ea typeface="+mn-ea"/>
+                <a:cs typeface="+mn-cs"/>
+              </a:defRPr>
+            </a:lvl9pPr>
+          </a:lstStyle>
+          <a:p>
+            <a:pPr marL="0" indent="0" algn="l" rtl="0">
+              <a:lnSpc>
+                <a:spcPct val="100000"/>
+              </a:lnSpc>
+              <a:buFont typeface="Arial" panose="020B0604020202020204" pitchFamily="34" charset="0"/>
+              <a:buNone/>
+            </a:pPr>
+            <a:endParaRPr lang="he-IL" dirty="0"/>
+          </a:p>
+        </p:txBody>
+      </p:sp>
+      <p:sp>
+        <p:nvSpPr>
+          <p:cNvPr id="4" name="כותרת 1">
+            <a:extLst>
+              <a:ext uri="{FF2B5EF4-FFF2-40B4-BE49-F238E27FC236}">
+                <a16:creationId xmlns:a16="http://schemas.microsoft.com/office/drawing/2014/main" id="{18C13FE4-332D-2C92-6AF2-2F31660F39AF}"/>
+              </a:ext>
+            </a:extLst>
+          </p:cNvPr>
+          <p:cNvSpPr txBox="1">
+            <a:spLocks/>
+          </p:cNvSpPr>
+          <p:nvPr/>
+        </p:nvSpPr>
+        <p:spPr>
+          <a:xfrm>
+            <a:off x="1382108" y="1537878"/>
+            <a:ext cx="10131974" cy="788916"/>
+          </a:xfrm>
+          <a:prstGeom prst="rect">
+            <a:avLst/>
+          </a:prstGeom>
+        </p:spPr>
+        <p:txBody>
+          <a:bodyPr vert="horz" lIns="91440" tIns="45720" rIns="91440" bIns="45720" rtlCol="1" anchor="ctr">
+            <a:noAutofit/>
+          </a:bodyPr>
+          <a:lstStyle>
+            <a:lvl1pPr algn="r" defTabSz="914400" rtl="1" eaLnBrk="1" latinLnBrk="0" hangingPunct="1">
+              <a:lnSpc>
+                <a:spcPct val="90000"/>
+              </a:lnSpc>
+              <a:spcBef>
+                <a:spcPct val="0"/>
+              </a:spcBef>
+              <a:buNone/>
+              <a:defRPr sz="4400" kern="1200">
+                <a:solidFill>
+                  <a:schemeClr val="tx1"/>
+                </a:solidFill>
+                <a:latin typeface="+mj-lt"/>
+                <a:ea typeface="+mj-ea"/>
+                <a:cs typeface="+mj-cs"/>
+              </a:defRPr>
+            </a:lvl1pPr>
+          </a:lstStyle>
+          <a:p>
+            <a:pPr algn="l" rtl="0"/>
+            <a:r>
+              <a:rPr lang="en-US" sz="3200" b="1" dirty="0">
+                <a:cs typeface="+mn-cs"/>
+              </a:rPr>
+              <a:t>Stage B: Analyzing the entire filtered Properties’ population</a:t>
+            </a:r>
+          </a:p>
+          <a:p>
+            <a:pPr algn="l" rtl="0"/>
+            <a:r>
+              <a:rPr lang="en-US" sz="2000" b="1" u="sng" dirty="0">
+                <a:cs typeface="+mn-cs"/>
+              </a:rPr>
+              <a:t>Remark</a:t>
+            </a:r>
+            <a:r>
+              <a:rPr lang="en-US" sz="2000" b="1" dirty="0">
+                <a:cs typeface="+mn-cs"/>
+              </a:rPr>
+              <a:t>: The depended variable on the x-axis for convenience </a:t>
+            </a:r>
+          </a:p>
+        </p:txBody>
+      </p:sp>
+      <p:pic>
+        <p:nvPicPr>
+          <p:cNvPr id="1026" name="Picture 2">
+            <a:extLst>
+              <a:ext uri="{FF2B5EF4-FFF2-40B4-BE49-F238E27FC236}">
+                <a16:creationId xmlns:a16="http://schemas.microsoft.com/office/drawing/2014/main" id="{3B51BC27-0F12-1C9A-811D-60AC218BB492}"/>
+              </a:ext>
+            </a:extLst>
+          </p:cNvPr>
+          <p:cNvPicPr>
+            <a:picLocks noChangeAspect="1" noChangeArrowheads="1"/>
+          </p:cNvPicPr>
+          <p:nvPr/>
+        </p:nvPicPr>
+        <p:blipFill>
+          <a:blip r:embed="rId4">
+            <a:extLst>
+              <a:ext uri="{28A0092B-C50C-407E-A947-70E740481C1C}">
+                <a14:useLocalDpi xmlns:a14="http://schemas.microsoft.com/office/drawing/2010/main" val="0"/>
+              </a:ext>
+            </a:extLst>
+          </a:blip>
+          <a:srcRect/>
+          <a:stretch>
+            <a:fillRect/>
+          </a:stretch>
+        </p:blipFill>
+        <p:spPr bwMode="auto">
+          <a:xfrm>
+            <a:off x="2732313" y="2459442"/>
+            <a:ext cx="7004957" cy="3829730"/>
+          </a:xfrm>
+          <a:prstGeom prst="rect">
+            <a:avLst/>
+          </a:prstGeom>
+          <a:noFill/>
+          <a:extLst>
+            <a:ext uri="{909E8E84-426E-40DD-AFC4-6F175D3DCCD1}">
+              <a14:hiddenFill xmlns:a14="http://schemas.microsoft.com/office/drawing/2010/main">
+                <a:solidFill>
+                  <a:srgbClr val="FFFFFF"/>
+                </a:solidFill>
+              </a14:hiddenFill>
+            </a:ext>
+          </a:extLst>
+        </p:spPr>
+      </p:pic>
+      <p:cxnSp>
+        <p:nvCxnSpPr>
+          <p:cNvPr id="7" name="Straight Arrow Connector 6">
+            <a:extLst>
+              <a:ext uri="{FF2B5EF4-FFF2-40B4-BE49-F238E27FC236}">
+                <a16:creationId xmlns:a16="http://schemas.microsoft.com/office/drawing/2014/main" id="{F6B3E1C9-0FBD-4307-24CB-C4885784657B}"/>
+              </a:ext>
+            </a:extLst>
+          </p:cNvPr>
+          <p:cNvCxnSpPr>
+            <a:cxnSpLocks/>
+          </p:cNvCxnSpPr>
+          <p:nvPr/>
+        </p:nvCxnSpPr>
+        <p:spPr>
+          <a:xfrm flipV="1">
+            <a:off x="4550979" y="5797636"/>
+            <a:ext cx="119368" cy="311402"/>
+          </a:xfrm>
+          <a:prstGeom prst="straightConnector1">
+            <a:avLst/>
+          </a:prstGeom>
+          <a:ln w="9525" cap="flat" cmpd="sng" algn="ctr">
+            <a:solidFill>
+              <a:srgbClr val="FF0000"/>
+            </a:solidFill>
+            <a:prstDash val="solid"/>
+            <a:round/>
+            <a:headEnd type="none" w="med" len="med"/>
+            <a:tailEnd type="arrow" w="med" len="med"/>
+          </a:ln>
+        </p:spPr>
+        <p:style>
+          <a:lnRef idx="0">
+            <a:scrgbClr r="0" g="0" b="0"/>
+          </a:lnRef>
+          <a:fillRef idx="0">
+            <a:scrgbClr r="0" g="0" b="0"/>
+          </a:fillRef>
+          <a:effectRef idx="0">
+            <a:scrgbClr r="0" g="0" b="0"/>
+          </a:effectRef>
+          <a:fontRef idx="minor">
+            <a:schemeClr val="tx1"/>
+          </a:fontRef>
+        </p:style>
+      </p:cxnSp>
+      <p:sp>
+        <p:nvSpPr>
+          <p:cNvPr id="9" name="Oval 8">
+            <a:extLst>
+              <a:ext uri="{FF2B5EF4-FFF2-40B4-BE49-F238E27FC236}">
+                <a16:creationId xmlns:a16="http://schemas.microsoft.com/office/drawing/2014/main" id="{31C22BAA-1001-479E-9971-E279C3CE9891}"/>
+              </a:ext>
+            </a:extLst>
+          </p:cNvPr>
+          <p:cNvSpPr/>
+          <p:nvPr/>
+        </p:nvSpPr>
+        <p:spPr>
+          <a:xfrm>
+            <a:off x="2732313" y="3605048"/>
+            <a:ext cx="336708" cy="1219200"/>
+          </a:xfrm>
+          <a:prstGeom prst="ellipse">
+            <a:avLst/>
+          </a:prstGeom>
+          <a:noFill/>
+          <a:ln>
+            <a:solidFill>
+              <a:srgbClr val="FF0000"/>
+            </a:solidFill>
+          </a:ln>
+        </p:spPr>
+        <p:style>
+          <a:lnRef idx="2">
+            <a:schemeClr val="accent1">
+              <a:shade val="15000"/>
+            </a:schemeClr>
+          </a:lnRef>
+          <a:fillRef idx="1">
+            <a:schemeClr val="accent1"/>
+          </a:fillRef>
+          <a:effectRef idx="0">
+            <a:schemeClr val="accent1"/>
+          </a:effectRef>
+          <a:fontRef idx="minor">
+            <a:schemeClr val="lt1"/>
+          </a:fontRef>
+        </p:style>
+        <p:txBody>
+          <a:bodyPr rtlCol="0" anchor="ctr"/>
+          <a:lstStyle/>
+          <a:p>
+            <a:pPr algn="ctr"/>
+            <a:endParaRPr lang="en-US"/>
+          </a:p>
+        </p:txBody>
+      </p:sp>
+      <p:sp>
+        <p:nvSpPr>
+          <p:cNvPr id="10" name="Oval 9">
+            <a:extLst>
+              <a:ext uri="{FF2B5EF4-FFF2-40B4-BE49-F238E27FC236}">
+                <a16:creationId xmlns:a16="http://schemas.microsoft.com/office/drawing/2014/main" id="{5AB75C87-6127-6890-3E26-2A64E04F9D50}"/>
+              </a:ext>
+            </a:extLst>
+          </p:cNvPr>
+          <p:cNvSpPr/>
+          <p:nvPr/>
+        </p:nvSpPr>
+        <p:spPr>
+          <a:xfrm>
+            <a:off x="9307287" y="5465379"/>
+            <a:ext cx="304800" cy="332257"/>
+          </a:xfrm>
+          <a:prstGeom prst="ellipse">
+            <a:avLst/>
+          </a:prstGeom>
+          <a:noFill/>
+          <a:ln>
+            <a:solidFill>
+              <a:srgbClr val="FF0000"/>
+            </a:solidFill>
+          </a:ln>
+        </p:spPr>
+        <p:style>
+          <a:lnRef idx="2">
+            <a:schemeClr val="accent1">
+              <a:shade val="15000"/>
+            </a:schemeClr>
+          </a:lnRef>
+          <a:fillRef idx="1">
+            <a:schemeClr val="accent1"/>
+          </a:fillRef>
+          <a:effectRef idx="0">
+            <a:schemeClr val="accent1"/>
+          </a:effectRef>
+          <a:fontRef idx="minor">
+            <a:schemeClr val="lt1"/>
+          </a:fontRef>
+        </p:style>
+        <p:txBody>
+          <a:bodyPr rtlCol="0" anchor="ctr"/>
+          <a:lstStyle/>
+          <a:p>
+            <a:pPr algn="ctr"/>
+            <a:endParaRPr lang="en-US"/>
+          </a:p>
+        </p:txBody>
+      </p:sp>
+      <p:sp>
+        <p:nvSpPr>
+          <p:cNvPr id="13" name="TextBox 12">
+            <a:extLst>
+              <a:ext uri="{FF2B5EF4-FFF2-40B4-BE49-F238E27FC236}">
+                <a16:creationId xmlns:a16="http://schemas.microsoft.com/office/drawing/2014/main" id="{9041F4DF-359F-9630-12D8-DBA977BC78F0}"/>
+              </a:ext>
+            </a:extLst>
+          </p:cNvPr>
+          <p:cNvSpPr txBox="1"/>
+          <p:nvPr/>
+        </p:nvSpPr>
+        <p:spPr>
+          <a:xfrm>
+            <a:off x="8552637" y="4805115"/>
+            <a:ext cx="1014813" cy="369332"/>
+          </a:xfrm>
+          <a:prstGeom prst="rect">
+            <a:avLst/>
+          </a:prstGeom>
+          <a:noFill/>
+        </p:spPr>
+        <p:txBody>
+          <a:bodyPr wrap="square" rtlCol="0">
+            <a:spAutoFit/>
+          </a:bodyPr>
+          <a:lstStyle/>
+          <a:p>
+            <a:pPr algn="ctr"/>
+            <a:r>
+              <a:rPr lang="en-US" dirty="0"/>
+              <a:t>Outliers</a:t>
+            </a:r>
+          </a:p>
+        </p:txBody>
+      </p:sp>
+      <p:cxnSp>
+        <p:nvCxnSpPr>
+          <p:cNvPr id="15" name="Straight Arrow Connector 14">
+            <a:extLst>
+              <a:ext uri="{FF2B5EF4-FFF2-40B4-BE49-F238E27FC236}">
+                <a16:creationId xmlns:a16="http://schemas.microsoft.com/office/drawing/2014/main" id="{7774AAA3-DEA4-D493-FF5F-7C1EAE3EF8B9}"/>
+              </a:ext>
+            </a:extLst>
+          </p:cNvPr>
+          <p:cNvCxnSpPr>
+            <a:cxnSpLocks/>
+          </p:cNvCxnSpPr>
+          <p:nvPr/>
+        </p:nvCxnSpPr>
+        <p:spPr>
+          <a:xfrm>
+            <a:off x="9070930" y="5087733"/>
+            <a:ext cx="260163" cy="339590"/>
+          </a:xfrm>
+          <a:prstGeom prst="straightConnector1">
+            <a:avLst/>
+          </a:prstGeom>
+          <a:ln>
+            <a:solidFill>
+              <a:srgbClr val="FF0000"/>
+            </a:solidFill>
+            <a:tailEnd type="triangle"/>
+          </a:ln>
+        </p:spPr>
+        <p:style>
+          <a:lnRef idx="1">
+            <a:schemeClr val="dk1"/>
+          </a:lnRef>
+          <a:fillRef idx="0">
+            <a:schemeClr val="dk1"/>
+          </a:fillRef>
+          <a:effectRef idx="0">
+            <a:schemeClr val="dk1"/>
+          </a:effectRef>
+          <a:fontRef idx="minor">
+            <a:schemeClr val="tx1"/>
+          </a:fontRef>
+        </p:style>
+      </p:cxnSp>
+    </p:spTree>
+    <p:extLst>
+      <p:ext uri="{BB962C8B-B14F-4D97-AF65-F5344CB8AC3E}">
+        <p14:creationId xmlns:p14="http://schemas.microsoft.com/office/powerpoint/2010/main" val="3112131851"/>
+      </p:ext>
+    </p:extLst>
+  </p:cSld>
+  <p:clrMapOvr>
+    <a:masterClrMapping/>
+  </p:clrMapOvr>
+</p:sld>
+</file>
+
+<file path=ppt/slides/slide11.xml><?xml version="1.0" encoding="utf-8"?>
+<p:sld xmlns:a="http://schemas.openxmlformats.org/drawingml/2006/main" xmlns:r="http://schemas.openxmlformats.org/officeDocument/2006/relationships" xmlns:p="http://schemas.openxmlformats.org/presentationml/2006/main">
+  <p:cSld>
+    <p:spTree>
+      <p:nvGrpSpPr>
+        <p:cNvPr id="1" name=""/>
+        <p:cNvGrpSpPr/>
+        <p:nvPr/>
+      </p:nvGrpSpPr>
+      <p:grpSpPr>
+        <a:xfrm>
+          <a:off x="0" y="0"/>
+          <a:ext cx="0" cy="0"/>
+          <a:chOff x="0" y="0"/>
+          <a:chExt cx="0" cy="0"/>
+        </a:xfrm>
+      </p:grpSpPr>
+      <p:sp>
+        <p:nvSpPr>
+          <p:cNvPr id="2" name="כותרת 1"/>
+          <p:cNvSpPr>
+            <a:spLocks noGrp="1"/>
+          </p:cNvSpPr>
+          <p:nvPr>
+            <p:ph type="title"/>
+          </p:nvPr>
+        </p:nvSpPr>
+        <p:spPr>
+          <a:xfrm>
+            <a:off x="1334812" y="748962"/>
+            <a:ext cx="3846787" cy="788916"/>
+          </a:xfrm>
+        </p:spPr>
+        <p:txBody>
+          <a:bodyPr>
+            <a:noAutofit/>
+          </a:bodyPr>
+          <a:lstStyle/>
+          <a:p>
+            <a:pPr algn="l" rtl="0"/>
+            <a:r>
+              <a:rPr lang="en-US" sz="5100" b="1" dirty="0">
+                <a:cs typeface="+mn-cs"/>
+              </a:rPr>
+              <a:t>Data Analysis:</a:t>
+            </a:r>
+          </a:p>
+        </p:txBody>
+      </p:sp>
+      <p:pic>
+        <p:nvPicPr>
+          <p:cNvPr id="8" name="Picture 8" descr="File:Hebrew University Logo.svg - Wikimedia Commons"/>
+          <p:cNvPicPr>
+            <a:picLocks noChangeAspect="1" noChangeArrowheads="1"/>
+          </p:cNvPicPr>
+          <p:nvPr/>
+        </p:nvPicPr>
+        <p:blipFill>
+          <a:blip r:embed="rId3" cstate="print">
+            <a:extLst>
+              <a:ext uri="{28A0092B-C50C-407E-A947-70E740481C1C}">
+                <a14:useLocalDpi xmlns:a14="http://schemas.microsoft.com/office/drawing/2010/main" val="0"/>
+              </a:ext>
+            </a:extLst>
+          </a:blip>
+          <a:srcRect/>
+          <a:stretch>
+            <a:fillRect/>
+          </a:stretch>
+        </p:blipFill>
+        <p:spPr bwMode="auto">
+          <a:xfrm>
+            <a:off x="275404" y="156177"/>
+            <a:ext cx="721108" cy="1324434"/>
+          </a:xfrm>
+          <a:prstGeom prst="rect">
+            <a:avLst/>
+          </a:prstGeom>
+          <a:noFill/>
+          <a:extLst>
+            <a:ext uri="{909E8E84-426E-40DD-AFC4-6F175D3DCCD1}">
+              <a14:hiddenFill xmlns:a14="http://schemas.microsoft.com/office/drawing/2010/main">
+                <a:solidFill>
+                  <a:srgbClr val="FFFFFF"/>
+                </a:solidFill>
+              </a14:hiddenFill>
+            </a:ext>
+          </a:extLst>
+        </p:spPr>
+      </p:pic>
+      <p:sp>
+        <p:nvSpPr>
+          <p:cNvPr id="5" name="Content Placeholder 21">
+            <a:extLst>
+              <a:ext uri="{FF2B5EF4-FFF2-40B4-BE49-F238E27FC236}">
+                <a16:creationId xmlns:a16="http://schemas.microsoft.com/office/drawing/2014/main" id="{6A87851E-57F1-0ADA-ECE1-00AC36696523}"/>
+              </a:ext>
+            </a:extLst>
+          </p:cNvPr>
+          <p:cNvSpPr txBox="1">
+            <a:spLocks/>
+          </p:cNvSpPr>
+          <p:nvPr/>
+        </p:nvSpPr>
+        <p:spPr>
+          <a:xfrm>
+            <a:off x="1334812" y="1537878"/>
+            <a:ext cx="10226567" cy="4883943"/>
+          </a:xfrm>
+          <a:prstGeom prst="rect">
+            <a:avLst/>
+          </a:prstGeom>
+          <a:ln w="50800">
+            <a:solidFill>
+              <a:schemeClr val="accent1"/>
+            </a:solidFill>
+          </a:ln>
+        </p:spPr>
+        <p:txBody>
+          <a:bodyPr vert="horz" lIns="91440" tIns="45720" rIns="91440" bIns="45720" rtlCol="1">
+            <a:normAutofit/>
+          </a:bodyPr>
+          <a:lstStyle>
+            <a:lvl1pPr marL="228600" indent="-228600" algn="r" defTabSz="914400" rtl="1" eaLnBrk="1" latinLnBrk="0" hangingPunct="1">
+              <a:lnSpc>
+                <a:spcPct val="90000"/>
+              </a:lnSpc>
+              <a:spcBef>
+                <a:spcPts val="1000"/>
+              </a:spcBef>
+              <a:buFont typeface="Arial" panose="020B0604020202020204" pitchFamily="34" charset="0"/>
+              <a:buChar char="•"/>
+              <a:defRPr sz="2800" kern="1200">
+                <a:solidFill>
+                  <a:schemeClr val="tx1"/>
+                </a:solidFill>
+                <a:latin typeface="+mn-lt"/>
+                <a:ea typeface="+mn-ea"/>
+                <a:cs typeface="+mn-cs"/>
+              </a:defRPr>
+            </a:lvl1pPr>
+            <a:lvl2pPr marL="685800" indent="-228600" algn="r" defTabSz="914400" rtl="1" eaLnBrk="1" latinLnBrk="0" hangingPunct="1">
+              <a:lnSpc>
+                <a:spcPct val="90000"/>
+              </a:lnSpc>
+              <a:spcBef>
+                <a:spcPts val="500"/>
+              </a:spcBef>
+              <a:buFont typeface="Arial" panose="020B0604020202020204" pitchFamily="34" charset="0"/>
+              <a:buChar char="•"/>
+              <a:defRPr sz="2400" kern="1200">
+                <a:solidFill>
+                  <a:schemeClr val="tx1"/>
+                </a:solidFill>
+                <a:latin typeface="+mn-lt"/>
+                <a:ea typeface="+mn-ea"/>
+                <a:cs typeface="+mn-cs"/>
+              </a:defRPr>
+            </a:lvl2pPr>
+            <a:lvl3pPr marL="1143000" indent="-228600" algn="r" defTabSz="914400" rtl="1" eaLnBrk="1" latinLnBrk="0" hangingPunct="1">
+              <a:lnSpc>
+                <a:spcPct val="90000"/>
+              </a:lnSpc>
+              <a:spcBef>
+                <a:spcPts val="500"/>
+              </a:spcBef>
+              <a:buFont typeface="Arial" panose="020B0604020202020204" pitchFamily="34" charset="0"/>
+              <a:buChar char="•"/>
+              <a:defRPr sz="2000" kern="1200">
+                <a:solidFill>
+                  <a:schemeClr val="tx1"/>
+                </a:solidFill>
+                <a:latin typeface="+mn-lt"/>
+                <a:ea typeface="+mn-ea"/>
+                <a:cs typeface="+mn-cs"/>
+              </a:defRPr>
+            </a:lvl3pPr>
+            <a:lvl4pPr marL="1600200" indent="-228600" algn="r" defTabSz="914400" rtl="1" eaLnBrk="1" latinLnBrk="0" hangingPunct="1">
+              <a:lnSpc>
+                <a:spcPct val="90000"/>
+              </a:lnSpc>
+              <a:spcBef>
+                <a:spcPts val="500"/>
+              </a:spcBef>
+              <a:buFont typeface="Arial" panose="020B0604020202020204" pitchFamily="34" charset="0"/>
+              <a:buChar char="•"/>
+              <a:defRPr sz="1800" kern="1200">
+                <a:solidFill>
+                  <a:schemeClr val="tx1"/>
+                </a:solidFill>
+                <a:latin typeface="+mn-lt"/>
+                <a:ea typeface="+mn-ea"/>
+                <a:cs typeface="+mn-cs"/>
+              </a:defRPr>
+            </a:lvl4pPr>
+            <a:lvl5pPr marL="2057400" indent="-228600" algn="r" defTabSz="914400" rtl="1" eaLnBrk="1" latinLnBrk="0" hangingPunct="1">
+              <a:lnSpc>
+                <a:spcPct val="90000"/>
+              </a:lnSpc>
+              <a:spcBef>
+                <a:spcPts val="500"/>
+              </a:spcBef>
+              <a:buFont typeface="Arial" panose="020B0604020202020204" pitchFamily="34" charset="0"/>
+              <a:buChar char="•"/>
+              <a:defRPr sz="1800" kern="1200">
+                <a:solidFill>
+                  <a:schemeClr val="tx1"/>
+                </a:solidFill>
+                <a:latin typeface="+mn-lt"/>
+                <a:ea typeface="+mn-ea"/>
+                <a:cs typeface="+mn-cs"/>
+              </a:defRPr>
+            </a:lvl5pPr>
+            <a:lvl6pPr marL="2514600" indent="-228600" algn="r" defTabSz="914400" rtl="1" eaLnBrk="1" latinLnBrk="0" hangingPunct="1">
+              <a:lnSpc>
+                <a:spcPct val="90000"/>
+              </a:lnSpc>
+              <a:spcBef>
+                <a:spcPts val="500"/>
+              </a:spcBef>
+              <a:buFont typeface="Arial" panose="020B0604020202020204" pitchFamily="34" charset="0"/>
+              <a:buChar char="•"/>
+              <a:defRPr sz="1800" kern="1200">
+                <a:solidFill>
+                  <a:schemeClr val="tx1"/>
+                </a:solidFill>
+                <a:latin typeface="+mn-lt"/>
+                <a:ea typeface="+mn-ea"/>
+                <a:cs typeface="+mn-cs"/>
+              </a:defRPr>
+            </a:lvl6pPr>
+            <a:lvl7pPr marL="2971800" indent="-228600" algn="r" defTabSz="914400" rtl="1" eaLnBrk="1" latinLnBrk="0" hangingPunct="1">
+              <a:lnSpc>
+                <a:spcPct val="90000"/>
+              </a:lnSpc>
+              <a:spcBef>
+                <a:spcPts val="500"/>
+              </a:spcBef>
+              <a:buFont typeface="Arial" panose="020B0604020202020204" pitchFamily="34" charset="0"/>
+              <a:buChar char="•"/>
+              <a:defRPr sz="1800" kern="1200">
+                <a:solidFill>
+                  <a:schemeClr val="tx1"/>
+                </a:solidFill>
+                <a:latin typeface="+mn-lt"/>
+                <a:ea typeface="+mn-ea"/>
+                <a:cs typeface="+mn-cs"/>
+              </a:defRPr>
+            </a:lvl7pPr>
+            <a:lvl8pPr marL="3429000" indent="-228600" algn="r" defTabSz="914400" rtl="1" eaLnBrk="1" latinLnBrk="0" hangingPunct="1">
+              <a:lnSpc>
+                <a:spcPct val="90000"/>
+              </a:lnSpc>
+              <a:spcBef>
+                <a:spcPts val="500"/>
+              </a:spcBef>
+              <a:buFont typeface="Arial" panose="020B0604020202020204" pitchFamily="34" charset="0"/>
+              <a:buChar char="•"/>
+              <a:defRPr sz="1800" kern="1200">
+                <a:solidFill>
+                  <a:schemeClr val="tx1"/>
+                </a:solidFill>
+                <a:latin typeface="+mn-lt"/>
+                <a:ea typeface="+mn-ea"/>
+                <a:cs typeface="+mn-cs"/>
+              </a:defRPr>
+            </a:lvl8pPr>
+            <a:lvl9pPr marL="3886200" indent="-228600" algn="r" defTabSz="914400" rtl="1" eaLnBrk="1" latinLnBrk="0" hangingPunct="1">
+              <a:lnSpc>
+                <a:spcPct val="90000"/>
+              </a:lnSpc>
+              <a:spcBef>
+                <a:spcPts val="500"/>
+              </a:spcBef>
+              <a:buFont typeface="Arial" panose="020B0604020202020204" pitchFamily="34" charset="0"/>
+              <a:buChar char="•"/>
+              <a:defRPr sz="1800" kern="1200">
+                <a:solidFill>
+                  <a:schemeClr val="tx1"/>
+                </a:solidFill>
+                <a:latin typeface="+mn-lt"/>
+                <a:ea typeface="+mn-ea"/>
+                <a:cs typeface="+mn-cs"/>
+              </a:defRPr>
+            </a:lvl9pPr>
+          </a:lstStyle>
+          <a:p>
+            <a:pPr marL="0" indent="0" algn="l" rtl="0">
+              <a:lnSpc>
+                <a:spcPct val="100000"/>
+              </a:lnSpc>
+              <a:buFont typeface="Arial" panose="020B0604020202020204" pitchFamily="34" charset="0"/>
+              <a:buNone/>
+            </a:pPr>
+            <a:endParaRPr lang="he-IL" dirty="0"/>
+          </a:p>
+        </p:txBody>
+      </p:sp>
+      <p:sp>
+        <p:nvSpPr>
+          <p:cNvPr id="4" name="כותרת 1">
+            <a:extLst>
+              <a:ext uri="{FF2B5EF4-FFF2-40B4-BE49-F238E27FC236}">
+                <a16:creationId xmlns:a16="http://schemas.microsoft.com/office/drawing/2014/main" id="{18C13FE4-332D-2C92-6AF2-2F31660F39AF}"/>
+              </a:ext>
+            </a:extLst>
+          </p:cNvPr>
+          <p:cNvSpPr txBox="1">
+            <a:spLocks/>
+          </p:cNvSpPr>
+          <p:nvPr/>
+        </p:nvSpPr>
+        <p:spPr>
+          <a:xfrm>
+            <a:off x="1382108" y="1537878"/>
+            <a:ext cx="10131974" cy="788916"/>
+          </a:xfrm>
+          <a:prstGeom prst="rect">
+            <a:avLst/>
+          </a:prstGeom>
+        </p:spPr>
+        <p:txBody>
+          <a:bodyPr vert="horz" lIns="91440" tIns="45720" rIns="91440" bIns="45720" rtlCol="1" anchor="ctr">
+            <a:noAutofit/>
+          </a:bodyPr>
+          <a:lstStyle>
+            <a:lvl1pPr algn="r" defTabSz="914400" rtl="1" eaLnBrk="1" latinLnBrk="0" hangingPunct="1">
+              <a:lnSpc>
+                <a:spcPct val="90000"/>
+              </a:lnSpc>
+              <a:spcBef>
+                <a:spcPct val="0"/>
+              </a:spcBef>
+              <a:buNone/>
+              <a:defRPr sz="4400" kern="1200">
+                <a:solidFill>
+                  <a:schemeClr val="tx1"/>
+                </a:solidFill>
+                <a:latin typeface="+mj-lt"/>
+                <a:ea typeface="+mj-ea"/>
+                <a:cs typeface="+mj-cs"/>
+              </a:defRPr>
+            </a:lvl1pPr>
+          </a:lstStyle>
+          <a:p>
+            <a:pPr algn="l" rtl="0"/>
+            <a:r>
+              <a:rPr lang="en-US" sz="3200" b="1" dirty="0">
+                <a:cs typeface="+mn-cs"/>
+              </a:rPr>
+              <a:t>Stage B: Analyzing the entire filtered Properties’ population</a:t>
+            </a:r>
+          </a:p>
+          <a:p>
+            <a:pPr algn="l" rtl="0"/>
+            <a:r>
+              <a:rPr lang="en-US" sz="2000" b="1" u="sng" dirty="0">
+                <a:cs typeface="+mn-cs"/>
+              </a:rPr>
+              <a:t>Remark</a:t>
+            </a:r>
+            <a:r>
+              <a:rPr lang="en-US" sz="2000" b="1" dirty="0">
+                <a:cs typeface="+mn-cs"/>
+              </a:rPr>
+              <a:t>: The depended variable on the x-axis for convenience </a:t>
+            </a:r>
+          </a:p>
+        </p:txBody>
+      </p:sp>
+      <p:pic>
+        <p:nvPicPr>
+          <p:cNvPr id="5122" name="Picture 2">
+            <a:extLst>
+              <a:ext uri="{FF2B5EF4-FFF2-40B4-BE49-F238E27FC236}">
+                <a16:creationId xmlns:a16="http://schemas.microsoft.com/office/drawing/2014/main" id="{394EB2A7-200B-C81C-9330-4A377C022766}"/>
+              </a:ext>
+            </a:extLst>
+          </p:cNvPr>
+          <p:cNvPicPr>
+            <a:picLocks noChangeAspect="1" noChangeArrowheads="1"/>
+          </p:cNvPicPr>
+          <p:nvPr/>
+        </p:nvPicPr>
+        <p:blipFill>
+          <a:blip r:embed="rId4">
+            <a:extLst>
+              <a:ext uri="{28A0092B-C50C-407E-A947-70E740481C1C}">
+                <a14:useLocalDpi xmlns:a14="http://schemas.microsoft.com/office/drawing/2010/main" val="0"/>
+              </a:ext>
+            </a:extLst>
+          </a:blip>
+          <a:srcRect/>
+          <a:stretch>
+            <a:fillRect/>
+          </a:stretch>
+        </p:blipFill>
+        <p:spPr bwMode="auto">
+          <a:xfrm>
+            <a:off x="2732313" y="2326795"/>
+            <a:ext cx="7581900" cy="4000434"/>
+          </a:xfrm>
+          <a:prstGeom prst="rect">
+            <a:avLst/>
+          </a:prstGeom>
+          <a:noFill/>
+          <a:extLst>
+            <a:ext uri="{909E8E84-426E-40DD-AFC4-6F175D3DCCD1}">
+              <a14:hiddenFill xmlns:a14="http://schemas.microsoft.com/office/drawing/2010/main">
+                <a:solidFill>
+                  <a:srgbClr val="FFFFFF"/>
+                </a:solidFill>
+              </a14:hiddenFill>
+            </a:ext>
+          </a:extLst>
+        </p:spPr>
+      </p:pic>
+      <p:sp>
+        <p:nvSpPr>
+          <p:cNvPr id="9" name="Oval 8">
+            <a:extLst>
+              <a:ext uri="{FF2B5EF4-FFF2-40B4-BE49-F238E27FC236}">
+                <a16:creationId xmlns:a16="http://schemas.microsoft.com/office/drawing/2014/main" id="{31C22BAA-1001-479E-9971-E279C3CE9891}"/>
+              </a:ext>
+            </a:extLst>
+          </p:cNvPr>
+          <p:cNvSpPr/>
+          <p:nvPr/>
+        </p:nvSpPr>
+        <p:spPr>
+          <a:xfrm>
+            <a:off x="2732313" y="3605048"/>
+            <a:ext cx="336708" cy="1219200"/>
+          </a:xfrm>
+          <a:prstGeom prst="ellipse">
+            <a:avLst/>
+          </a:prstGeom>
+          <a:noFill/>
+          <a:ln>
+            <a:solidFill>
+              <a:srgbClr val="FF0000"/>
+            </a:solidFill>
+          </a:ln>
+        </p:spPr>
+        <p:style>
+          <a:lnRef idx="2">
+            <a:schemeClr val="accent1">
+              <a:shade val="15000"/>
+            </a:schemeClr>
+          </a:lnRef>
+          <a:fillRef idx="1">
+            <a:schemeClr val="accent1"/>
+          </a:fillRef>
+          <a:effectRef idx="0">
+            <a:schemeClr val="accent1"/>
+          </a:effectRef>
+          <a:fontRef idx="minor">
+            <a:schemeClr val="lt1"/>
+          </a:fontRef>
+        </p:style>
+        <p:txBody>
+          <a:bodyPr rtlCol="0" anchor="ctr"/>
+          <a:lstStyle/>
+          <a:p>
+            <a:pPr algn="ctr"/>
+            <a:endParaRPr lang="en-US"/>
+          </a:p>
+        </p:txBody>
+      </p:sp>
+      <p:cxnSp>
+        <p:nvCxnSpPr>
+          <p:cNvPr id="7" name="Straight Arrow Connector 6">
+            <a:extLst>
+              <a:ext uri="{FF2B5EF4-FFF2-40B4-BE49-F238E27FC236}">
+                <a16:creationId xmlns:a16="http://schemas.microsoft.com/office/drawing/2014/main" id="{F6B3E1C9-0FBD-4307-24CB-C4885784657B}"/>
+              </a:ext>
+            </a:extLst>
+          </p:cNvPr>
+          <p:cNvCxnSpPr>
+            <a:cxnSpLocks/>
+          </p:cNvCxnSpPr>
+          <p:nvPr/>
+        </p:nvCxnSpPr>
+        <p:spPr>
+          <a:xfrm flipV="1">
+            <a:off x="4456386" y="5797636"/>
+            <a:ext cx="119368" cy="311402"/>
+          </a:xfrm>
+          <a:prstGeom prst="straightConnector1">
+            <a:avLst/>
+          </a:prstGeom>
+          <a:ln w="9525" cap="flat" cmpd="sng" algn="ctr">
+            <a:solidFill>
+              <a:srgbClr val="FF0000"/>
+            </a:solidFill>
+            <a:prstDash val="solid"/>
+            <a:round/>
+            <a:headEnd type="none" w="med" len="med"/>
+            <a:tailEnd type="arrow" w="med" len="med"/>
+          </a:ln>
+        </p:spPr>
+        <p:style>
+          <a:lnRef idx="0">
+            <a:scrgbClr r="0" g="0" b="0"/>
+          </a:lnRef>
+          <a:fillRef idx="0">
+            <a:scrgbClr r="0" g="0" b="0"/>
+          </a:fillRef>
+          <a:effectRef idx="0">
+            <a:scrgbClr r="0" g="0" b="0"/>
+          </a:effectRef>
+          <a:fontRef idx="minor">
+            <a:schemeClr val="tx1"/>
+          </a:fontRef>
+        </p:style>
+      </p:cxnSp>
+    </p:spTree>
+    <p:extLst>
+      <p:ext uri="{BB962C8B-B14F-4D97-AF65-F5344CB8AC3E}">
+        <p14:creationId xmlns:p14="http://schemas.microsoft.com/office/powerpoint/2010/main" val="2365412575"/>
+      </p:ext>
+    </p:extLst>
+  </p:cSld>
+  <p:clrMapOvr>
+    <a:masterClrMapping/>
+  </p:clrMapOvr>
+</p:sld>
+</file>
+
+<file path=ppt/slides/slide12.xml><?xml version="1.0" encoding="utf-8"?>
+<p:sld xmlns:a="http://schemas.openxmlformats.org/drawingml/2006/main" xmlns:r="http://schemas.openxmlformats.org/officeDocument/2006/relationships" xmlns:p="http://schemas.openxmlformats.org/presentationml/2006/main">
+  <p:cSld>
+    <p:spTree>
+      <p:nvGrpSpPr>
+        <p:cNvPr id="1" name=""/>
+        <p:cNvGrpSpPr/>
+        <p:nvPr/>
+      </p:nvGrpSpPr>
+      <p:grpSpPr>
+        <a:xfrm>
+          <a:off x="0" y="0"/>
+          <a:ext cx="0" cy="0"/>
+          <a:chOff x="0" y="0"/>
+          <a:chExt cx="0" cy="0"/>
+        </a:xfrm>
+      </p:grpSpPr>
+      <p:sp>
+        <p:nvSpPr>
+          <p:cNvPr id="2" name="כותרת 1"/>
+          <p:cNvSpPr>
+            <a:spLocks noGrp="1"/>
+          </p:cNvSpPr>
+          <p:nvPr>
+            <p:ph type="title"/>
+          </p:nvPr>
+        </p:nvSpPr>
+        <p:spPr>
+          <a:xfrm>
+            <a:off x="1334812" y="748962"/>
+            <a:ext cx="3846787" cy="788916"/>
+          </a:xfrm>
+        </p:spPr>
+        <p:txBody>
+          <a:bodyPr>
+            <a:noAutofit/>
+          </a:bodyPr>
+          <a:lstStyle/>
+          <a:p>
+            <a:pPr algn="l" rtl="0"/>
+            <a:r>
+              <a:rPr lang="en-US" sz="5100" b="1" dirty="0">
+                <a:cs typeface="+mn-cs"/>
+              </a:rPr>
+              <a:t>Data Analysis:</a:t>
+            </a:r>
+          </a:p>
+        </p:txBody>
+      </p:sp>
+      <p:pic>
+        <p:nvPicPr>
+          <p:cNvPr id="8" name="Picture 8" descr="File:Hebrew University Logo.svg - Wikimedia Commons"/>
+          <p:cNvPicPr>
+            <a:picLocks noChangeAspect="1" noChangeArrowheads="1"/>
+          </p:cNvPicPr>
+          <p:nvPr/>
+        </p:nvPicPr>
+        <p:blipFill>
+          <a:blip r:embed="rId3" cstate="print">
+            <a:extLst>
+              <a:ext uri="{28A0092B-C50C-407E-A947-70E740481C1C}">
+                <a14:useLocalDpi xmlns:a14="http://schemas.microsoft.com/office/drawing/2010/main" val="0"/>
+              </a:ext>
+            </a:extLst>
+          </a:blip>
+          <a:srcRect/>
+          <a:stretch>
+            <a:fillRect/>
+          </a:stretch>
+        </p:blipFill>
+        <p:spPr bwMode="auto">
+          <a:xfrm>
+            <a:off x="275404" y="156177"/>
+            <a:ext cx="721108" cy="1324434"/>
+          </a:xfrm>
+          <a:prstGeom prst="rect">
+            <a:avLst/>
+          </a:prstGeom>
+          <a:noFill/>
+          <a:extLst>
+            <a:ext uri="{909E8E84-426E-40DD-AFC4-6F175D3DCCD1}">
+              <a14:hiddenFill xmlns:a14="http://schemas.microsoft.com/office/drawing/2010/main">
+                <a:solidFill>
+                  <a:srgbClr val="FFFFFF"/>
+                </a:solidFill>
+              </a14:hiddenFill>
+            </a:ext>
+          </a:extLst>
+        </p:spPr>
+      </p:pic>
+      <p:sp>
+        <p:nvSpPr>
+          <p:cNvPr id="5" name="Content Placeholder 21">
+            <a:extLst>
+              <a:ext uri="{FF2B5EF4-FFF2-40B4-BE49-F238E27FC236}">
+                <a16:creationId xmlns:a16="http://schemas.microsoft.com/office/drawing/2014/main" id="{6A87851E-57F1-0ADA-ECE1-00AC36696523}"/>
+              </a:ext>
+            </a:extLst>
+          </p:cNvPr>
+          <p:cNvSpPr txBox="1">
+            <a:spLocks/>
+          </p:cNvSpPr>
+          <p:nvPr/>
+        </p:nvSpPr>
+        <p:spPr>
+          <a:xfrm>
+            <a:off x="1334812" y="1537878"/>
+            <a:ext cx="10226567" cy="4883943"/>
+          </a:xfrm>
+          <a:prstGeom prst="rect">
+            <a:avLst/>
+          </a:prstGeom>
+          <a:ln w="50800">
+            <a:solidFill>
+              <a:schemeClr val="accent1"/>
+            </a:solidFill>
+          </a:ln>
+        </p:spPr>
+        <p:txBody>
+          <a:bodyPr vert="horz" lIns="91440" tIns="45720" rIns="91440" bIns="45720" rtlCol="1">
+            <a:normAutofit/>
+          </a:bodyPr>
+          <a:lstStyle>
+            <a:lvl1pPr marL="228600" indent="-228600" algn="r" defTabSz="914400" rtl="1" eaLnBrk="1" latinLnBrk="0" hangingPunct="1">
+              <a:lnSpc>
+                <a:spcPct val="90000"/>
+              </a:lnSpc>
+              <a:spcBef>
+                <a:spcPts val="1000"/>
+              </a:spcBef>
+              <a:buFont typeface="Arial" panose="020B0604020202020204" pitchFamily="34" charset="0"/>
+              <a:buChar char="•"/>
+              <a:defRPr sz="2800" kern="1200">
+                <a:solidFill>
+                  <a:schemeClr val="tx1"/>
+                </a:solidFill>
+                <a:latin typeface="+mn-lt"/>
+                <a:ea typeface="+mn-ea"/>
+                <a:cs typeface="+mn-cs"/>
+              </a:defRPr>
+            </a:lvl1pPr>
+            <a:lvl2pPr marL="685800" indent="-228600" algn="r" defTabSz="914400" rtl="1" eaLnBrk="1" latinLnBrk="0" hangingPunct="1">
+              <a:lnSpc>
+                <a:spcPct val="90000"/>
+              </a:lnSpc>
+              <a:spcBef>
+                <a:spcPts val="500"/>
+              </a:spcBef>
+              <a:buFont typeface="Arial" panose="020B0604020202020204" pitchFamily="34" charset="0"/>
+              <a:buChar char="•"/>
+              <a:defRPr sz="2400" kern="1200">
+                <a:solidFill>
+                  <a:schemeClr val="tx1"/>
+                </a:solidFill>
+                <a:latin typeface="+mn-lt"/>
+                <a:ea typeface="+mn-ea"/>
+                <a:cs typeface="+mn-cs"/>
+              </a:defRPr>
+            </a:lvl2pPr>
+            <a:lvl3pPr marL="1143000" indent="-228600" algn="r" defTabSz="914400" rtl="1" eaLnBrk="1" latinLnBrk="0" hangingPunct="1">
+              <a:lnSpc>
+                <a:spcPct val="90000"/>
+              </a:lnSpc>
+              <a:spcBef>
+                <a:spcPts val="500"/>
+              </a:spcBef>
+              <a:buFont typeface="Arial" panose="020B0604020202020204" pitchFamily="34" charset="0"/>
+              <a:buChar char="•"/>
+              <a:defRPr sz="2000" kern="1200">
+                <a:solidFill>
+                  <a:schemeClr val="tx1"/>
+                </a:solidFill>
+                <a:latin typeface="+mn-lt"/>
+                <a:ea typeface="+mn-ea"/>
+                <a:cs typeface="+mn-cs"/>
+              </a:defRPr>
+            </a:lvl3pPr>
+            <a:lvl4pPr marL="1600200" indent="-228600" algn="r" defTabSz="914400" rtl="1" eaLnBrk="1" latinLnBrk="0" hangingPunct="1">
+              <a:lnSpc>
+                <a:spcPct val="90000"/>
+              </a:lnSpc>
+              <a:spcBef>
+                <a:spcPts val="500"/>
+              </a:spcBef>
+              <a:buFont typeface="Arial" panose="020B0604020202020204" pitchFamily="34" charset="0"/>
+              <a:buChar char="•"/>
+              <a:defRPr sz="1800" kern="1200">
+                <a:solidFill>
+                  <a:schemeClr val="tx1"/>
+                </a:solidFill>
+                <a:latin typeface="+mn-lt"/>
+                <a:ea typeface="+mn-ea"/>
+                <a:cs typeface="+mn-cs"/>
+              </a:defRPr>
+            </a:lvl4pPr>
+            <a:lvl5pPr marL="2057400" indent="-228600" algn="r" defTabSz="914400" rtl="1" eaLnBrk="1" latinLnBrk="0" hangingPunct="1">
+              <a:lnSpc>
+                <a:spcPct val="90000"/>
+              </a:lnSpc>
+              <a:spcBef>
+                <a:spcPts val="500"/>
+              </a:spcBef>
+              <a:buFont typeface="Arial" panose="020B0604020202020204" pitchFamily="34" charset="0"/>
+              <a:buChar char="•"/>
+              <a:defRPr sz="1800" kern="1200">
+                <a:solidFill>
+                  <a:schemeClr val="tx1"/>
+                </a:solidFill>
+                <a:latin typeface="+mn-lt"/>
+                <a:ea typeface="+mn-ea"/>
+                <a:cs typeface="+mn-cs"/>
+              </a:defRPr>
+            </a:lvl5pPr>
+            <a:lvl6pPr marL="2514600" indent="-228600" algn="r" defTabSz="914400" rtl="1" eaLnBrk="1" latinLnBrk="0" hangingPunct="1">
+              <a:lnSpc>
+                <a:spcPct val="90000"/>
+              </a:lnSpc>
+              <a:spcBef>
+                <a:spcPts val="500"/>
+              </a:spcBef>
+              <a:buFont typeface="Arial" panose="020B0604020202020204" pitchFamily="34" charset="0"/>
+              <a:buChar char="•"/>
+              <a:defRPr sz="1800" kern="1200">
+                <a:solidFill>
+                  <a:schemeClr val="tx1"/>
+                </a:solidFill>
+                <a:latin typeface="+mn-lt"/>
+                <a:ea typeface="+mn-ea"/>
+                <a:cs typeface="+mn-cs"/>
+              </a:defRPr>
+            </a:lvl6pPr>
+            <a:lvl7pPr marL="2971800" indent="-228600" algn="r" defTabSz="914400" rtl="1" eaLnBrk="1" latinLnBrk="0" hangingPunct="1">
+              <a:lnSpc>
+                <a:spcPct val="90000"/>
+              </a:lnSpc>
+              <a:spcBef>
+                <a:spcPts val="500"/>
+              </a:spcBef>
+              <a:buFont typeface="Arial" panose="020B0604020202020204" pitchFamily="34" charset="0"/>
+              <a:buChar char="•"/>
+              <a:defRPr sz="1800" kern="1200">
+                <a:solidFill>
+                  <a:schemeClr val="tx1"/>
+                </a:solidFill>
+                <a:latin typeface="+mn-lt"/>
+                <a:ea typeface="+mn-ea"/>
+                <a:cs typeface="+mn-cs"/>
+              </a:defRPr>
+            </a:lvl7pPr>
+            <a:lvl8pPr marL="3429000" indent="-228600" algn="r" defTabSz="914400" rtl="1" eaLnBrk="1" latinLnBrk="0" hangingPunct="1">
+              <a:lnSpc>
+                <a:spcPct val="90000"/>
+              </a:lnSpc>
+              <a:spcBef>
+                <a:spcPts val="500"/>
+              </a:spcBef>
+              <a:buFont typeface="Arial" panose="020B0604020202020204" pitchFamily="34" charset="0"/>
+              <a:buChar char="•"/>
+              <a:defRPr sz="1800" kern="1200">
+                <a:solidFill>
+                  <a:schemeClr val="tx1"/>
+                </a:solidFill>
+                <a:latin typeface="+mn-lt"/>
+                <a:ea typeface="+mn-ea"/>
+                <a:cs typeface="+mn-cs"/>
+              </a:defRPr>
+            </a:lvl8pPr>
+            <a:lvl9pPr marL="3886200" indent="-228600" algn="r" defTabSz="914400" rtl="1" eaLnBrk="1" latinLnBrk="0" hangingPunct="1">
+              <a:lnSpc>
+                <a:spcPct val="90000"/>
+              </a:lnSpc>
+              <a:spcBef>
+                <a:spcPts val="500"/>
+              </a:spcBef>
+              <a:buFont typeface="Arial" panose="020B0604020202020204" pitchFamily="34" charset="0"/>
+              <a:buChar char="•"/>
+              <a:defRPr sz="1800" kern="1200">
+                <a:solidFill>
+                  <a:schemeClr val="tx1"/>
+                </a:solidFill>
+                <a:latin typeface="+mn-lt"/>
+                <a:ea typeface="+mn-ea"/>
+                <a:cs typeface="+mn-cs"/>
+              </a:defRPr>
+            </a:lvl9pPr>
+          </a:lstStyle>
+          <a:p>
+            <a:pPr marL="0" indent="0" algn="l" rtl="0">
+              <a:lnSpc>
+                <a:spcPct val="100000"/>
+              </a:lnSpc>
+              <a:buFont typeface="Arial" panose="020B0604020202020204" pitchFamily="34" charset="0"/>
+              <a:buNone/>
+            </a:pPr>
+            <a:endParaRPr lang="he-IL" dirty="0"/>
+          </a:p>
+        </p:txBody>
+      </p:sp>
+      <p:sp>
+        <p:nvSpPr>
+          <p:cNvPr id="4" name="כותרת 1">
+            <a:extLst>
+              <a:ext uri="{FF2B5EF4-FFF2-40B4-BE49-F238E27FC236}">
+                <a16:creationId xmlns:a16="http://schemas.microsoft.com/office/drawing/2014/main" id="{18C13FE4-332D-2C92-6AF2-2F31660F39AF}"/>
+              </a:ext>
+            </a:extLst>
+          </p:cNvPr>
+          <p:cNvSpPr txBox="1">
+            <a:spLocks/>
+          </p:cNvSpPr>
+          <p:nvPr/>
+        </p:nvSpPr>
+        <p:spPr>
+          <a:xfrm>
+            <a:off x="1382108" y="1537878"/>
+            <a:ext cx="10131974" cy="788916"/>
+          </a:xfrm>
+          <a:prstGeom prst="rect">
+            <a:avLst/>
+          </a:prstGeom>
+        </p:spPr>
+        <p:txBody>
+          <a:bodyPr vert="horz" lIns="91440" tIns="45720" rIns="91440" bIns="45720" rtlCol="1" anchor="ctr">
+            <a:noAutofit/>
+          </a:bodyPr>
+          <a:lstStyle>
+            <a:lvl1pPr algn="r" defTabSz="914400" rtl="1" eaLnBrk="1" latinLnBrk="0" hangingPunct="1">
+              <a:lnSpc>
+                <a:spcPct val="90000"/>
+              </a:lnSpc>
+              <a:spcBef>
+                <a:spcPct val="0"/>
+              </a:spcBef>
+              <a:buNone/>
+              <a:defRPr sz="4400" kern="1200">
+                <a:solidFill>
+                  <a:schemeClr val="tx1"/>
+                </a:solidFill>
+                <a:latin typeface="+mj-lt"/>
+                <a:ea typeface="+mj-ea"/>
+                <a:cs typeface="+mj-cs"/>
+              </a:defRPr>
+            </a:lvl1pPr>
+          </a:lstStyle>
+          <a:p>
+            <a:pPr algn="l" rtl="0"/>
+            <a:r>
+              <a:rPr lang="en-US" sz="3200" b="1" dirty="0">
+                <a:cs typeface="+mn-cs"/>
+              </a:rPr>
+              <a:t>Stage B: Analyzing the entire filtered Properties’ population</a:t>
+            </a:r>
+          </a:p>
+          <a:p>
+            <a:pPr algn="l" rtl="0"/>
+            <a:r>
+              <a:rPr lang="en-US" sz="2000" b="1" u="sng" dirty="0">
+                <a:cs typeface="+mn-cs"/>
+              </a:rPr>
+              <a:t>Remark</a:t>
+            </a:r>
+            <a:r>
+              <a:rPr lang="en-US" sz="2000" b="1" dirty="0">
+                <a:cs typeface="+mn-cs"/>
+              </a:rPr>
+              <a:t>: The depended variable on the x-axis for convenience </a:t>
+            </a:r>
+          </a:p>
+        </p:txBody>
+      </p:sp>
+      <p:pic>
+        <p:nvPicPr>
+          <p:cNvPr id="2052" name="Picture 4">
+            <a:extLst>
+              <a:ext uri="{FF2B5EF4-FFF2-40B4-BE49-F238E27FC236}">
+                <a16:creationId xmlns:a16="http://schemas.microsoft.com/office/drawing/2014/main" id="{8DDE973D-CEAF-E37B-D725-DBC20190DD89}"/>
+              </a:ext>
+            </a:extLst>
+          </p:cNvPr>
+          <p:cNvPicPr>
+            <a:picLocks noChangeAspect="1" noChangeArrowheads="1"/>
+          </p:cNvPicPr>
+          <p:nvPr/>
+        </p:nvPicPr>
+        <p:blipFill>
+          <a:blip r:embed="rId4">
+            <a:extLst>
+              <a:ext uri="{28A0092B-C50C-407E-A947-70E740481C1C}">
+                <a14:useLocalDpi xmlns:a14="http://schemas.microsoft.com/office/drawing/2010/main" val="0"/>
+              </a:ext>
+            </a:extLst>
+          </a:blip>
+          <a:srcRect/>
+          <a:stretch>
+            <a:fillRect/>
+          </a:stretch>
+        </p:blipFill>
+        <p:spPr bwMode="auto">
+          <a:xfrm>
+            <a:off x="2329215" y="2326794"/>
+            <a:ext cx="8763000" cy="3932002"/>
+          </a:xfrm>
+          <a:prstGeom prst="rect">
+            <a:avLst/>
+          </a:prstGeom>
+          <a:noFill/>
+          <a:extLst>
+            <a:ext uri="{909E8E84-426E-40DD-AFC4-6F175D3DCCD1}">
+              <a14:hiddenFill xmlns:a14="http://schemas.microsoft.com/office/drawing/2010/main">
+                <a:solidFill>
+                  <a:srgbClr val="FFFFFF"/>
+                </a:solidFill>
+              </a14:hiddenFill>
+            </a:ext>
+          </a:extLst>
+        </p:spPr>
+      </p:pic>
+      <p:cxnSp>
+        <p:nvCxnSpPr>
+          <p:cNvPr id="3" name="Straight Arrow Connector 2">
+            <a:extLst>
+              <a:ext uri="{FF2B5EF4-FFF2-40B4-BE49-F238E27FC236}">
+                <a16:creationId xmlns:a16="http://schemas.microsoft.com/office/drawing/2014/main" id="{5ED6FCA2-D19E-9F22-E3B8-1DD40ADD3A94}"/>
+              </a:ext>
+            </a:extLst>
+          </p:cNvPr>
+          <p:cNvCxnSpPr>
+            <a:cxnSpLocks/>
+          </p:cNvCxnSpPr>
+          <p:nvPr/>
+        </p:nvCxnSpPr>
+        <p:spPr>
+          <a:xfrm flipV="1">
+            <a:off x="3925612" y="5797636"/>
+            <a:ext cx="119368" cy="311402"/>
+          </a:xfrm>
+          <a:prstGeom prst="straightConnector1">
+            <a:avLst/>
+          </a:prstGeom>
+          <a:ln w="9525" cap="flat" cmpd="sng" algn="ctr">
+            <a:solidFill>
+              <a:srgbClr val="FF0000"/>
+            </a:solidFill>
+            <a:prstDash val="solid"/>
+            <a:round/>
+            <a:headEnd type="none" w="med" len="med"/>
+            <a:tailEnd type="arrow" w="med" len="med"/>
+          </a:ln>
+        </p:spPr>
+        <p:style>
+          <a:lnRef idx="0">
+            <a:scrgbClr r="0" g="0" b="0"/>
+          </a:lnRef>
+          <a:fillRef idx="0">
+            <a:scrgbClr r="0" g="0" b="0"/>
+          </a:fillRef>
+          <a:effectRef idx="0">
+            <a:scrgbClr r="0" g="0" b="0"/>
+          </a:effectRef>
+          <a:fontRef idx="minor">
+            <a:schemeClr val="tx1"/>
+          </a:fontRef>
+        </p:style>
+      </p:cxnSp>
+      <p:sp>
+        <p:nvSpPr>
+          <p:cNvPr id="9" name="Oval 8">
+            <a:extLst>
+              <a:ext uri="{FF2B5EF4-FFF2-40B4-BE49-F238E27FC236}">
+                <a16:creationId xmlns:a16="http://schemas.microsoft.com/office/drawing/2014/main" id="{5F348188-86CF-27E6-C696-D57827BF0F69}"/>
+              </a:ext>
+            </a:extLst>
+          </p:cNvPr>
+          <p:cNvSpPr/>
+          <p:nvPr/>
+        </p:nvSpPr>
+        <p:spPr>
+          <a:xfrm>
+            <a:off x="2329215" y="3538004"/>
+            <a:ext cx="336708" cy="1219200"/>
+          </a:xfrm>
+          <a:prstGeom prst="ellipse">
+            <a:avLst/>
+          </a:prstGeom>
+          <a:noFill/>
+          <a:ln>
+            <a:solidFill>
+              <a:srgbClr val="FF0000"/>
+            </a:solidFill>
+          </a:ln>
+        </p:spPr>
+        <p:style>
+          <a:lnRef idx="2">
+            <a:schemeClr val="accent1">
+              <a:shade val="15000"/>
+            </a:schemeClr>
+          </a:lnRef>
+          <a:fillRef idx="1">
+            <a:schemeClr val="accent1"/>
+          </a:fillRef>
+          <a:effectRef idx="0">
+            <a:schemeClr val="accent1"/>
+          </a:effectRef>
+          <a:fontRef idx="minor">
+            <a:schemeClr val="lt1"/>
+          </a:fontRef>
+        </p:style>
+        <p:txBody>
+          <a:bodyPr rtlCol="0" anchor="ctr"/>
+          <a:lstStyle/>
+          <a:p>
+            <a:pPr algn="ctr"/>
+            <a:endParaRPr lang="en-US"/>
+          </a:p>
+        </p:txBody>
+      </p:sp>
+    </p:spTree>
+    <p:extLst>
+      <p:ext uri="{BB962C8B-B14F-4D97-AF65-F5344CB8AC3E}">
+        <p14:creationId xmlns:p14="http://schemas.microsoft.com/office/powerpoint/2010/main" val="2080365302"/>
+      </p:ext>
+    </p:extLst>
+  </p:cSld>
+  <p:clrMapOvr>
+    <a:masterClrMapping/>
+  </p:clrMapOvr>
+</p:sld>
+</file>
+
+<file path=ppt/slides/slide13.xml><?xml version="1.0" encoding="utf-8"?>
+<p:sld xmlns:a="http://schemas.openxmlformats.org/drawingml/2006/main" xmlns:r="http://schemas.openxmlformats.org/officeDocument/2006/relationships" xmlns:p="http://schemas.openxmlformats.org/presentationml/2006/main">
+  <p:cSld>
+    <p:spTree>
+      <p:nvGrpSpPr>
+        <p:cNvPr id="1" name=""/>
+        <p:cNvGrpSpPr/>
+        <p:nvPr/>
+      </p:nvGrpSpPr>
+      <p:grpSpPr>
+        <a:xfrm>
+          <a:off x="0" y="0"/>
+          <a:ext cx="0" cy="0"/>
+          <a:chOff x="0" y="0"/>
+          <a:chExt cx="0" cy="0"/>
+        </a:xfrm>
+      </p:grpSpPr>
+      <p:sp>
+        <p:nvSpPr>
+          <p:cNvPr id="2" name="כותרת 1"/>
+          <p:cNvSpPr>
+            <a:spLocks noGrp="1"/>
+          </p:cNvSpPr>
+          <p:nvPr>
+            <p:ph type="title"/>
+          </p:nvPr>
+        </p:nvSpPr>
+        <p:spPr>
+          <a:xfrm>
+            <a:off x="1334812" y="748962"/>
+            <a:ext cx="3846787" cy="788916"/>
+          </a:xfrm>
+        </p:spPr>
+        <p:txBody>
+          <a:bodyPr>
+            <a:noAutofit/>
+          </a:bodyPr>
+          <a:lstStyle/>
+          <a:p>
+            <a:pPr algn="l" rtl="0"/>
+            <a:r>
+              <a:rPr lang="en-US" sz="5100" b="1" dirty="0">
+                <a:cs typeface="+mn-cs"/>
+              </a:rPr>
+              <a:t>Data Analysis:</a:t>
+            </a:r>
+          </a:p>
+        </p:txBody>
+      </p:sp>
+      <p:pic>
+        <p:nvPicPr>
+          <p:cNvPr id="8" name="Picture 8" descr="File:Hebrew University Logo.svg - Wikimedia Commons"/>
+          <p:cNvPicPr>
+            <a:picLocks noChangeAspect="1" noChangeArrowheads="1"/>
+          </p:cNvPicPr>
+          <p:nvPr/>
+        </p:nvPicPr>
+        <p:blipFill>
+          <a:blip r:embed="rId3" cstate="print">
+            <a:extLst>
+              <a:ext uri="{28A0092B-C50C-407E-A947-70E740481C1C}">
+                <a14:useLocalDpi xmlns:a14="http://schemas.microsoft.com/office/drawing/2010/main" val="0"/>
+              </a:ext>
+            </a:extLst>
+          </a:blip>
+          <a:srcRect/>
+          <a:stretch>
+            <a:fillRect/>
+          </a:stretch>
+        </p:blipFill>
+        <p:spPr bwMode="auto">
+          <a:xfrm>
+            <a:off x="275404" y="156177"/>
+            <a:ext cx="721108" cy="1324434"/>
+          </a:xfrm>
+          <a:prstGeom prst="rect">
+            <a:avLst/>
+          </a:prstGeom>
+          <a:noFill/>
+          <a:extLst>
+            <a:ext uri="{909E8E84-426E-40DD-AFC4-6F175D3DCCD1}">
+              <a14:hiddenFill xmlns:a14="http://schemas.microsoft.com/office/drawing/2010/main">
+                <a:solidFill>
+                  <a:srgbClr val="FFFFFF"/>
+                </a:solidFill>
+              </a14:hiddenFill>
+            </a:ext>
+          </a:extLst>
+        </p:spPr>
+      </p:pic>
+      <p:sp>
+        <p:nvSpPr>
+          <p:cNvPr id="5" name="Content Placeholder 21">
+            <a:extLst>
+              <a:ext uri="{FF2B5EF4-FFF2-40B4-BE49-F238E27FC236}">
+                <a16:creationId xmlns:a16="http://schemas.microsoft.com/office/drawing/2014/main" id="{6A87851E-57F1-0ADA-ECE1-00AC36696523}"/>
+              </a:ext>
+            </a:extLst>
+          </p:cNvPr>
+          <p:cNvSpPr txBox="1">
+            <a:spLocks/>
+          </p:cNvSpPr>
+          <p:nvPr/>
+        </p:nvSpPr>
+        <p:spPr>
+          <a:xfrm>
+            <a:off x="1334812" y="1537878"/>
+            <a:ext cx="10226567" cy="4883943"/>
+          </a:xfrm>
+          <a:prstGeom prst="rect">
+            <a:avLst/>
+          </a:prstGeom>
+          <a:ln w="50800">
+            <a:solidFill>
+              <a:schemeClr val="accent1"/>
+            </a:solidFill>
+          </a:ln>
+        </p:spPr>
+        <p:txBody>
+          <a:bodyPr vert="horz" lIns="91440" tIns="45720" rIns="91440" bIns="45720" rtlCol="1">
+            <a:normAutofit/>
+          </a:bodyPr>
+          <a:lstStyle>
+            <a:lvl1pPr marL="228600" indent="-228600" algn="r" defTabSz="914400" rtl="1" eaLnBrk="1" latinLnBrk="0" hangingPunct="1">
+              <a:lnSpc>
+                <a:spcPct val="90000"/>
+              </a:lnSpc>
+              <a:spcBef>
+                <a:spcPts val="1000"/>
+              </a:spcBef>
+              <a:buFont typeface="Arial" panose="020B0604020202020204" pitchFamily="34" charset="0"/>
+              <a:buChar char="•"/>
+              <a:defRPr sz="2800" kern="1200">
+                <a:solidFill>
+                  <a:schemeClr val="tx1"/>
+                </a:solidFill>
+                <a:latin typeface="+mn-lt"/>
+                <a:ea typeface="+mn-ea"/>
+                <a:cs typeface="+mn-cs"/>
+              </a:defRPr>
+            </a:lvl1pPr>
+            <a:lvl2pPr marL="685800" indent="-228600" algn="r" defTabSz="914400" rtl="1" eaLnBrk="1" latinLnBrk="0" hangingPunct="1">
+              <a:lnSpc>
+                <a:spcPct val="90000"/>
+              </a:lnSpc>
+              <a:spcBef>
+                <a:spcPts val="500"/>
+              </a:spcBef>
+              <a:buFont typeface="Arial" panose="020B0604020202020204" pitchFamily="34" charset="0"/>
+              <a:buChar char="•"/>
+              <a:defRPr sz="2400" kern="1200">
+                <a:solidFill>
+                  <a:schemeClr val="tx1"/>
+                </a:solidFill>
+                <a:latin typeface="+mn-lt"/>
+                <a:ea typeface="+mn-ea"/>
+                <a:cs typeface="+mn-cs"/>
+              </a:defRPr>
+            </a:lvl2pPr>
+            <a:lvl3pPr marL="1143000" indent="-228600" algn="r" defTabSz="914400" rtl="1" eaLnBrk="1" latinLnBrk="0" hangingPunct="1">
+              <a:lnSpc>
+                <a:spcPct val="90000"/>
+              </a:lnSpc>
+              <a:spcBef>
+                <a:spcPts val="500"/>
+              </a:spcBef>
+              <a:buFont typeface="Arial" panose="020B0604020202020204" pitchFamily="34" charset="0"/>
+              <a:buChar char="•"/>
+              <a:defRPr sz="2000" kern="1200">
+                <a:solidFill>
+                  <a:schemeClr val="tx1"/>
+                </a:solidFill>
+                <a:latin typeface="+mn-lt"/>
+                <a:ea typeface="+mn-ea"/>
+                <a:cs typeface="+mn-cs"/>
+              </a:defRPr>
+            </a:lvl3pPr>
+            <a:lvl4pPr marL="1600200" indent="-228600" algn="r" defTabSz="914400" rtl="1" eaLnBrk="1" latinLnBrk="0" hangingPunct="1">
+              <a:lnSpc>
+                <a:spcPct val="90000"/>
+              </a:lnSpc>
+              <a:spcBef>
+                <a:spcPts val="500"/>
+              </a:spcBef>
+              <a:buFont typeface="Arial" panose="020B0604020202020204" pitchFamily="34" charset="0"/>
+              <a:buChar char="•"/>
+              <a:defRPr sz="1800" kern="1200">
+                <a:solidFill>
+                  <a:schemeClr val="tx1"/>
+                </a:solidFill>
+                <a:latin typeface="+mn-lt"/>
+                <a:ea typeface="+mn-ea"/>
+                <a:cs typeface="+mn-cs"/>
+              </a:defRPr>
+            </a:lvl4pPr>
+            <a:lvl5pPr marL="2057400" indent="-228600" algn="r" defTabSz="914400" rtl="1" eaLnBrk="1" latinLnBrk="0" hangingPunct="1">
+              <a:lnSpc>
+                <a:spcPct val="90000"/>
+              </a:lnSpc>
+              <a:spcBef>
+                <a:spcPts val="500"/>
+              </a:spcBef>
+              <a:buFont typeface="Arial" panose="020B0604020202020204" pitchFamily="34" charset="0"/>
+              <a:buChar char="•"/>
+              <a:defRPr sz="1800" kern="1200">
+                <a:solidFill>
+                  <a:schemeClr val="tx1"/>
+                </a:solidFill>
+                <a:latin typeface="+mn-lt"/>
+                <a:ea typeface="+mn-ea"/>
+                <a:cs typeface="+mn-cs"/>
+              </a:defRPr>
+            </a:lvl5pPr>
+            <a:lvl6pPr marL="2514600" indent="-228600" algn="r" defTabSz="914400" rtl="1" eaLnBrk="1" latinLnBrk="0" hangingPunct="1">
+              <a:lnSpc>
+                <a:spcPct val="90000"/>
+              </a:lnSpc>
+              <a:spcBef>
+                <a:spcPts val="500"/>
+              </a:spcBef>
+              <a:buFont typeface="Arial" panose="020B0604020202020204" pitchFamily="34" charset="0"/>
+              <a:buChar char="•"/>
+              <a:defRPr sz="1800" kern="1200">
+                <a:solidFill>
+                  <a:schemeClr val="tx1"/>
+                </a:solidFill>
+                <a:latin typeface="+mn-lt"/>
+                <a:ea typeface="+mn-ea"/>
+                <a:cs typeface="+mn-cs"/>
+              </a:defRPr>
+            </a:lvl6pPr>
+            <a:lvl7pPr marL="2971800" indent="-228600" algn="r" defTabSz="914400" rtl="1" eaLnBrk="1" latinLnBrk="0" hangingPunct="1">
+              <a:lnSpc>
+                <a:spcPct val="90000"/>
+              </a:lnSpc>
+              <a:spcBef>
+                <a:spcPts val="500"/>
+              </a:spcBef>
+              <a:buFont typeface="Arial" panose="020B0604020202020204" pitchFamily="34" charset="0"/>
+              <a:buChar char="•"/>
+              <a:defRPr sz="1800" kern="1200">
+                <a:solidFill>
+                  <a:schemeClr val="tx1"/>
+                </a:solidFill>
+                <a:latin typeface="+mn-lt"/>
+                <a:ea typeface="+mn-ea"/>
+                <a:cs typeface="+mn-cs"/>
+              </a:defRPr>
+            </a:lvl7pPr>
+            <a:lvl8pPr marL="3429000" indent="-228600" algn="r" defTabSz="914400" rtl="1" eaLnBrk="1" latinLnBrk="0" hangingPunct="1">
+              <a:lnSpc>
+                <a:spcPct val="90000"/>
+              </a:lnSpc>
+              <a:spcBef>
+                <a:spcPts val="500"/>
+              </a:spcBef>
+              <a:buFont typeface="Arial" panose="020B0604020202020204" pitchFamily="34" charset="0"/>
+              <a:buChar char="•"/>
+              <a:defRPr sz="1800" kern="1200">
+                <a:solidFill>
+                  <a:schemeClr val="tx1"/>
+                </a:solidFill>
+                <a:latin typeface="+mn-lt"/>
+                <a:ea typeface="+mn-ea"/>
+                <a:cs typeface="+mn-cs"/>
+              </a:defRPr>
+            </a:lvl8pPr>
+            <a:lvl9pPr marL="3886200" indent="-228600" algn="r" defTabSz="914400" rtl="1" eaLnBrk="1" latinLnBrk="0" hangingPunct="1">
+              <a:lnSpc>
+                <a:spcPct val="90000"/>
+              </a:lnSpc>
+              <a:spcBef>
+                <a:spcPts val="500"/>
+              </a:spcBef>
+              <a:buFont typeface="Arial" panose="020B0604020202020204" pitchFamily="34" charset="0"/>
+              <a:buChar char="•"/>
+              <a:defRPr sz="1800" kern="1200">
+                <a:solidFill>
+                  <a:schemeClr val="tx1"/>
+                </a:solidFill>
+                <a:latin typeface="+mn-lt"/>
+                <a:ea typeface="+mn-ea"/>
+                <a:cs typeface="+mn-cs"/>
+              </a:defRPr>
+            </a:lvl9pPr>
+          </a:lstStyle>
+          <a:p>
+            <a:pPr marL="0" indent="0" algn="l" rtl="0">
+              <a:lnSpc>
+                <a:spcPct val="100000"/>
+              </a:lnSpc>
+              <a:buFont typeface="Arial" panose="020B0604020202020204" pitchFamily="34" charset="0"/>
+              <a:buNone/>
+            </a:pPr>
+            <a:endParaRPr lang="he-IL" dirty="0"/>
+          </a:p>
+        </p:txBody>
+      </p:sp>
+      <p:sp>
+        <p:nvSpPr>
+          <p:cNvPr id="4" name="כותרת 1">
+            <a:extLst>
+              <a:ext uri="{FF2B5EF4-FFF2-40B4-BE49-F238E27FC236}">
+                <a16:creationId xmlns:a16="http://schemas.microsoft.com/office/drawing/2014/main" id="{18C13FE4-332D-2C92-6AF2-2F31660F39AF}"/>
+              </a:ext>
+            </a:extLst>
+          </p:cNvPr>
+          <p:cNvSpPr txBox="1">
+            <a:spLocks/>
+          </p:cNvSpPr>
+          <p:nvPr/>
+        </p:nvSpPr>
+        <p:spPr>
+          <a:xfrm>
+            <a:off x="1382108" y="1537878"/>
+            <a:ext cx="10131974" cy="788916"/>
+          </a:xfrm>
+          <a:prstGeom prst="rect">
+            <a:avLst/>
+          </a:prstGeom>
+        </p:spPr>
+        <p:txBody>
+          <a:bodyPr vert="horz" lIns="91440" tIns="45720" rIns="91440" bIns="45720" rtlCol="1" anchor="ctr">
+            <a:noAutofit/>
+          </a:bodyPr>
+          <a:lstStyle>
+            <a:lvl1pPr algn="r" defTabSz="914400" rtl="1" eaLnBrk="1" latinLnBrk="0" hangingPunct="1">
+              <a:lnSpc>
+                <a:spcPct val="90000"/>
+              </a:lnSpc>
+              <a:spcBef>
+                <a:spcPct val="0"/>
+              </a:spcBef>
+              <a:buNone/>
+              <a:defRPr sz="4400" kern="1200">
+                <a:solidFill>
+                  <a:schemeClr val="tx1"/>
+                </a:solidFill>
+                <a:latin typeface="+mj-lt"/>
+                <a:ea typeface="+mj-ea"/>
+                <a:cs typeface="+mj-cs"/>
+              </a:defRPr>
+            </a:lvl1pPr>
+          </a:lstStyle>
+          <a:p>
+            <a:pPr algn="l" rtl="0"/>
+            <a:r>
+              <a:rPr lang="en-US" sz="3200" b="1" dirty="0">
+                <a:cs typeface="+mn-cs"/>
+              </a:rPr>
+              <a:t>Stage B: Analyzing the entire filtered Properties’ population</a:t>
+            </a:r>
+          </a:p>
+          <a:p>
+            <a:pPr algn="l" rtl="0"/>
+            <a:r>
+              <a:rPr lang="en-US" sz="2000" b="1" u="sng" dirty="0">
+                <a:cs typeface="+mn-cs"/>
+              </a:rPr>
+              <a:t>Remark</a:t>
+            </a:r>
+            <a:r>
+              <a:rPr lang="en-US" sz="2000" b="1" dirty="0">
+                <a:cs typeface="+mn-cs"/>
+              </a:rPr>
+              <a:t>: The depended variable on the x-axis for convenience </a:t>
+            </a:r>
+          </a:p>
+        </p:txBody>
+      </p:sp>
+      <p:pic>
+        <p:nvPicPr>
+          <p:cNvPr id="3076" name="Picture 4">
+            <a:extLst>
+              <a:ext uri="{FF2B5EF4-FFF2-40B4-BE49-F238E27FC236}">
+                <a16:creationId xmlns:a16="http://schemas.microsoft.com/office/drawing/2014/main" id="{76B932F3-0FBD-7C2B-D098-E3E489090A93}"/>
+              </a:ext>
+            </a:extLst>
+          </p:cNvPr>
+          <p:cNvPicPr>
+            <a:picLocks noChangeAspect="1" noChangeArrowheads="1"/>
+          </p:cNvPicPr>
+          <p:nvPr/>
+        </p:nvPicPr>
+        <p:blipFill>
+          <a:blip r:embed="rId4">
+            <a:extLst>
+              <a:ext uri="{28A0092B-C50C-407E-A947-70E740481C1C}">
+                <a14:useLocalDpi xmlns:a14="http://schemas.microsoft.com/office/drawing/2010/main" val="0"/>
+              </a:ext>
+            </a:extLst>
+          </a:blip>
+          <a:srcRect/>
+          <a:stretch>
+            <a:fillRect/>
+          </a:stretch>
+        </p:blipFill>
+        <p:spPr bwMode="auto">
+          <a:xfrm>
+            <a:off x="3547078" y="2274627"/>
+            <a:ext cx="6296025" cy="4124325"/>
+          </a:xfrm>
+          <a:prstGeom prst="rect">
+            <a:avLst/>
+          </a:prstGeom>
+          <a:noFill/>
+          <a:extLst>
+            <a:ext uri="{909E8E84-426E-40DD-AFC4-6F175D3DCCD1}">
+              <a14:hiddenFill xmlns:a14="http://schemas.microsoft.com/office/drawing/2010/main">
+                <a:solidFill>
+                  <a:srgbClr val="FFFFFF"/>
+                </a:solidFill>
+              </a14:hiddenFill>
+            </a:ext>
+          </a:extLst>
+        </p:spPr>
+      </p:pic>
+      <p:sp>
+        <p:nvSpPr>
+          <p:cNvPr id="9" name="Oval 8">
+            <a:extLst>
+              <a:ext uri="{FF2B5EF4-FFF2-40B4-BE49-F238E27FC236}">
+                <a16:creationId xmlns:a16="http://schemas.microsoft.com/office/drawing/2014/main" id="{5F348188-86CF-27E6-C696-D57827BF0F69}"/>
+              </a:ext>
+            </a:extLst>
+          </p:cNvPr>
+          <p:cNvSpPr/>
+          <p:nvPr/>
+        </p:nvSpPr>
+        <p:spPr>
+          <a:xfrm>
+            <a:off x="3547078" y="3569535"/>
+            <a:ext cx="336708" cy="1219200"/>
+          </a:xfrm>
+          <a:prstGeom prst="ellipse">
+            <a:avLst/>
+          </a:prstGeom>
+          <a:noFill/>
+          <a:ln>
+            <a:solidFill>
+              <a:srgbClr val="FF0000"/>
+            </a:solidFill>
+          </a:ln>
+        </p:spPr>
+        <p:style>
+          <a:lnRef idx="2">
+            <a:schemeClr val="accent1">
+              <a:shade val="15000"/>
+            </a:schemeClr>
+          </a:lnRef>
+          <a:fillRef idx="1">
+            <a:schemeClr val="accent1"/>
+          </a:fillRef>
+          <a:effectRef idx="0">
+            <a:schemeClr val="accent1"/>
+          </a:effectRef>
+          <a:fontRef idx="minor">
+            <a:schemeClr val="lt1"/>
+          </a:fontRef>
+        </p:style>
+        <p:txBody>
+          <a:bodyPr rtlCol="0" anchor="ctr"/>
+          <a:lstStyle/>
+          <a:p>
+            <a:pPr algn="ctr"/>
+            <a:endParaRPr lang="en-US"/>
+          </a:p>
+        </p:txBody>
+      </p:sp>
+      <p:cxnSp>
+        <p:nvCxnSpPr>
+          <p:cNvPr id="3" name="Straight Arrow Connector 2">
+            <a:extLst>
+              <a:ext uri="{FF2B5EF4-FFF2-40B4-BE49-F238E27FC236}">
+                <a16:creationId xmlns:a16="http://schemas.microsoft.com/office/drawing/2014/main" id="{5ED6FCA2-D19E-9F22-E3B8-1DD40ADD3A94}"/>
+              </a:ext>
+            </a:extLst>
+          </p:cNvPr>
+          <p:cNvCxnSpPr>
+            <a:cxnSpLocks/>
+          </p:cNvCxnSpPr>
+          <p:nvPr/>
+        </p:nvCxnSpPr>
+        <p:spPr>
+          <a:xfrm flipV="1">
+            <a:off x="4006491" y="5943284"/>
+            <a:ext cx="119368" cy="311402"/>
+          </a:xfrm>
+          <a:prstGeom prst="straightConnector1">
+            <a:avLst/>
+          </a:prstGeom>
+          <a:ln w="9525" cap="flat" cmpd="sng" algn="ctr">
+            <a:solidFill>
+              <a:srgbClr val="FF0000"/>
+            </a:solidFill>
+            <a:prstDash val="solid"/>
+            <a:round/>
+            <a:headEnd type="none" w="med" len="med"/>
+            <a:tailEnd type="arrow" w="med" len="med"/>
+          </a:ln>
+        </p:spPr>
+        <p:style>
+          <a:lnRef idx="0">
+            <a:scrgbClr r="0" g="0" b="0"/>
+          </a:lnRef>
+          <a:fillRef idx="0">
+            <a:scrgbClr r="0" g="0" b="0"/>
+          </a:fillRef>
+          <a:effectRef idx="0">
+            <a:scrgbClr r="0" g="0" b="0"/>
+          </a:effectRef>
+          <a:fontRef idx="minor">
+            <a:schemeClr val="tx1"/>
+          </a:fontRef>
+        </p:style>
+      </p:cxnSp>
+    </p:spTree>
+    <p:extLst>
+      <p:ext uri="{BB962C8B-B14F-4D97-AF65-F5344CB8AC3E}">
+        <p14:creationId xmlns:p14="http://schemas.microsoft.com/office/powerpoint/2010/main" val="558379904"/>
+      </p:ext>
+    </p:extLst>
+  </p:cSld>
+  <p:clrMapOvr>
+    <a:masterClrMapping/>
+  </p:clrMapOvr>
+</p:sld>
+</file>
+
+<file path=ppt/slides/slide14.xml><?xml version="1.0" encoding="utf-8"?>
+<p:sld xmlns:a="http://schemas.openxmlformats.org/drawingml/2006/main" xmlns:r="http://schemas.openxmlformats.org/officeDocument/2006/relationships" xmlns:p="http://schemas.openxmlformats.org/presentationml/2006/main">
+  <p:cSld>
+    <p:spTree>
+      <p:nvGrpSpPr>
+        <p:cNvPr id="1" name=""/>
+        <p:cNvGrpSpPr/>
+        <p:nvPr/>
+      </p:nvGrpSpPr>
+      <p:grpSpPr>
+        <a:xfrm>
+          <a:off x="0" y="0"/>
+          <a:ext cx="0" cy="0"/>
+          <a:chOff x="0" y="0"/>
+          <a:chExt cx="0" cy="0"/>
+        </a:xfrm>
+      </p:grpSpPr>
+      <p:sp>
+        <p:nvSpPr>
+          <p:cNvPr id="2" name="כותרת 1"/>
+          <p:cNvSpPr>
+            <a:spLocks noGrp="1"/>
+          </p:cNvSpPr>
+          <p:nvPr>
+            <p:ph type="title"/>
+          </p:nvPr>
+        </p:nvSpPr>
+        <p:spPr>
+          <a:xfrm>
+            <a:off x="1334812" y="748962"/>
+            <a:ext cx="3846787" cy="788916"/>
+          </a:xfrm>
+        </p:spPr>
+        <p:txBody>
+          <a:bodyPr>
+            <a:noAutofit/>
+          </a:bodyPr>
+          <a:lstStyle/>
+          <a:p>
+            <a:pPr algn="l" rtl="0"/>
+            <a:r>
+              <a:rPr lang="en-US" sz="5100" b="1" dirty="0">
+                <a:cs typeface="+mn-cs"/>
+              </a:rPr>
+              <a:t>Data Analysis:</a:t>
+            </a:r>
+          </a:p>
+        </p:txBody>
+      </p:sp>
+      <p:pic>
+        <p:nvPicPr>
+          <p:cNvPr id="8" name="Picture 8" descr="File:Hebrew University Logo.svg - Wikimedia Commons"/>
+          <p:cNvPicPr>
+            <a:picLocks noChangeAspect="1" noChangeArrowheads="1"/>
+          </p:cNvPicPr>
+          <p:nvPr/>
+        </p:nvPicPr>
+        <p:blipFill>
+          <a:blip r:embed="rId3" cstate="print">
+            <a:extLst>
+              <a:ext uri="{28A0092B-C50C-407E-A947-70E740481C1C}">
+                <a14:useLocalDpi xmlns:a14="http://schemas.microsoft.com/office/drawing/2010/main" val="0"/>
+              </a:ext>
+            </a:extLst>
+          </a:blip>
+          <a:srcRect/>
+          <a:stretch>
+            <a:fillRect/>
+          </a:stretch>
+        </p:blipFill>
+        <p:spPr bwMode="auto">
+          <a:xfrm>
+            <a:off x="275404" y="156177"/>
+            <a:ext cx="721108" cy="1324434"/>
+          </a:xfrm>
+          <a:prstGeom prst="rect">
+            <a:avLst/>
+          </a:prstGeom>
+          <a:noFill/>
+          <a:extLst>
+            <a:ext uri="{909E8E84-426E-40DD-AFC4-6F175D3DCCD1}">
+              <a14:hiddenFill xmlns:a14="http://schemas.microsoft.com/office/drawing/2010/main">
+                <a:solidFill>
+                  <a:srgbClr val="FFFFFF"/>
+                </a:solidFill>
+              </a14:hiddenFill>
+            </a:ext>
+          </a:extLst>
+        </p:spPr>
+      </p:pic>
+      <p:sp>
+        <p:nvSpPr>
+          <p:cNvPr id="5" name="Content Placeholder 21">
+            <a:extLst>
+              <a:ext uri="{FF2B5EF4-FFF2-40B4-BE49-F238E27FC236}">
+                <a16:creationId xmlns:a16="http://schemas.microsoft.com/office/drawing/2014/main" id="{6A87851E-57F1-0ADA-ECE1-00AC36696523}"/>
+              </a:ext>
+            </a:extLst>
+          </p:cNvPr>
+          <p:cNvSpPr txBox="1">
+            <a:spLocks/>
+          </p:cNvSpPr>
+          <p:nvPr/>
+        </p:nvSpPr>
+        <p:spPr>
+          <a:xfrm>
+            <a:off x="1334812" y="1537878"/>
+            <a:ext cx="10226567" cy="4883943"/>
+          </a:xfrm>
+          <a:prstGeom prst="rect">
+            <a:avLst/>
+          </a:prstGeom>
+          <a:ln w="50800">
+            <a:solidFill>
+              <a:schemeClr val="accent1"/>
+            </a:solidFill>
+          </a:ln>
+        </p:spPr>
+        <p:txBody>
+          <a:bodyPr vert="horz" lIns="91440" tIns="45720" rIns="91440" bIns="45720" rtlCol="1">
+            <a:normAutofit/>
+          </a:bodyPr>
+          <a:lstStyle>
+            <a:lvl1pPr marL="228600" indent="-228600" algn="r" defTabSz="914400" rtl="1" eaLnBrk="1" latinLnBrk="0" hangingPunct="1">
+              <a:lnSpc>
+                <a:spcPct val="90000"/>
+              </a:lnSpc>
+              <a:spcBef>
+                <a:spcPts val="1000"/>
+              </a:spcBef>
+              <a:buFont typeface="Arial" panose="020B0604020202020204" pitchFamily="34" charset="0"/>
+              <a:buChar char="•"/>
+              <a:defRPr sz="2800" kern="1200">
+                <a:solidFill>
+                  <a:schemeClr val="tx1"/>
+                </a:solidFill>
+                <a:latin typeface="+mn-lt"/>
+                <a:ea typeface="+mn-ea"/>
+                <a:cs typeface="+mn-cs"/>
+              </a:defRPr>
+            </a:lvl1pPr>
+            <a:lvl2pPr marL="685800" indent="-228600" algn="r" defTabSz="914400" rtl="1" eaLnBrk="1" latinLnBrk="0" hangingPunct="1">
+              <a:lnSpc>
+                <a:spcPct val="90000"/>
+              </a:lnSpc>
+              <a:spcBef>
+                <a:spcPts val="500"/>
+              </a:spcBef>
+              <a:buFont typeface="Arial" panose="020B0604020202020204" pitchFamily="34" charset="0"/>
+              <a:buChar char="•"/>
+              <a:defRPr sz="2400" kern="1200">
+                <a:solidFill>
+                  <a:schemeClr val="tx1"/>
+                </a:solidFill>
+                <a:latin typeface="+mn-lt"/>
+                <a:ea typeface="+mn-ea"/>
+                <a:cs typeface="+mn-cs"/>
+              </a:defRPr>
+            </a:lvl2pPr>
+            <a:lvl3pPr marL="1143000" indent="-228600" algn="r" defTabSz="914400" rtl="1" eaLnBrk="1" latinLnBrk="0" hangingPunct="1">
+              <a:lnSpc>
+                <a:spcPct val="90000"/>
+              </a:lnSpc>
+              <a:spcBef>
+                <a:spcPts val="500"/>
+              </a:spcBef>
+              <a:buFont typeface="Arial" panose="020B0604020202020204" pitchFamily="34" charset="0"/>
+              <a:buChar char="•"/>
+              <a:defRPr sz="2000" kern="1200">
+                <a:solidFill>
+                  <a:schemeClr val="tx1"/>
+                </a:solidFill>
+                <a:latin typeface="+mn-lt"/>
+                <a:ea typeface="+mn-ea"/>
+                <a:cs typeface="+mn-cs"/>
+              </a:defRPr>
+            </a:lvl3pPr>
+            <a:lvl4pPr marL="1600200" indent="-228600" algn="r" defTabSz="914400" rtl="1" eaLnBrk="1" latinLnBrk="0" hangingPunct="1">
+              <a:lnSpc>
+                <a:spcPct val="90000"/>
+              </a:lnSpc>
+              <a:spcBef>
+                <a:spcPts val="500"/>
+              </a:spcBef>
+              <a:buFont typeface="Arial" panose="020B0604020202020204" pitchFamily="34" charset="0"/>
+              <a:buChar char="•"/>
+              <a:defRPr sz="1800" kern="1200">
+                <a:solidFill>
+                  <a:schemeClr val="tx1"/>
+                </a:solidFill>
+                <a:latin typeface="+mn-lt"/>
+                <a:ea typeface="+mn-ea"/>
+                <a:cs typeface="+mn-cs"/>
+              </a:defRPr>
+            </a:lvl4pPr>
+            <a:lvl5pPr marL="2057400" indent="-228600" algn="r" defTabSz="914400" rtl="1" eaLnBrk="1" latinLnBrk="0" hangingPunct="1">
+              <a:lnSpc>
+                <a:spcPct val="90000"/>
+              </a:lnSpc>
+              <a:spcBef>
+                <a:spcPts val="500"/>
+              </a:spcBef>
+              <a:buFont typeface="Arial" panose="020B0604020202020204" pitchFamily="34" charset="0"/>
+              <a:buChar char="•"/>
+              <a:defRPr sz="1800" kern="1200">
+                <a:solidFill>
+                  <a:schemeClr val="tx1"/>
+                </a:solidFill>
+                <a:latin typeface="+mn-lt"/>
+                <a:ea typeface="+mn-ea"/>
+                <a:cs typeface="+mn-cs"/>
+              </a:defRPr>
+            </a:lvl5pPr>
+            <a:lvl6pPr marL="2514600" indent="-228600" algn="r" defTabSz="914400" rtl="1" eaLnBrk="1" latinLnBrk="0" hangingPunct="1">
+              <a:lnSpc>
+                <a:spcPct val="90000"/>
+              </a:lnSpc>
+              <a:spcBef>
+                <a:spcPts val="500"/>
+              </a:spcBef>
+              <a:buFont typeface="Arial" panose="020B0604020202020204" pitchFamily="34" charset="0"/>
+              <a:buChar char="•"/>
+              <a:defRPr sz="1800" kern="1200">
+                <a:solidFill>
+                  <a:schemeClr val="tx1"/>
+                </a:solidFill>
+                <a:latin typeface="+mn-lt"/>
+                <a:ea typeface="+mn-ea"/>
+                <a:cs typeface="+mn-cs"/>
+              </a:defRPr>
+            </a:lvl6pPr>
+            <a:lvl7pPr marL="2971800" indent="-228600" algn="r" defTabSz="914400" rtl="1" eaLnBrk="1" latinLnBrk="0" hangingPunct="1">
+              <a:lnSpc>
+                <a:spcPct val="90000"/>
+              </a:lnSpc>
+              <a:spcBef>
+                <a:spcPts val="500"/>
+              </a:spcBef>
+              <a:buFont typeface="Arial" panose="020B0604020202020204" pitchFamily="34" charset="0"/>
+              <a:buChar char="•"/>
+              <a:defRPr sz="1800" kern="1200">
+                <a:solidFill>
+                  <a:schemeClr val="tx1"/>
+                </a:solidFill>
+                <a:latin typeface="+mn-lt"/>
+                <a:ea typeface="+mn-ea"/>
+                <a:cs typeface="+mn-cs"/>
+              </a:defRPr>
+            </a:lvl7pPr>
+            <a:lvl8pPr marL="3429000" indent="-228600" algn="r" defTabSz="914400" rtl="1" eaLnBrk="1" latinLnBrk="0" hangingPunct="1">
+              <a:lnSpc>
+                <a:spcPct val="90000"/>
+              </a:lnSpc>
+              <a:spcBef>
+                <a:spcPts val="500"/>
+              </a:spcBef>
+              <a:buFont typeface="Arial" panose="020B0604020202020204" pitchFamily="34" charset="0"/>
+              <a:buChar char="•"/>
+              <a:defRPr sz="1800" kern="1200">
+                <a:solidFill>
+                  <a:schemeClr val="tx1"/>
+                </a:solidFill>
+                <a:latin typeface="+mn-lt"/>
+                <a:ea typeface="+mn-ea"/>
+                <a:cs typeface="+mn-cs"/>
+              </a:defRPr>
+            </a:lvl8pPr>
+            <a:lvl9pPr marL="3886200" indent="-228600" algn="r" defTabSz="914400" rtl="1" eaLnBrk="1" latinLnBrk="0" hangingPunct="1">
+              <a:lnSpc>
+                <a:spcPct val="90000"/>
+              </a:lnSpc>
+              <a:spcBef>
+                <a:spcPts val="500"/>
+              </a:spcBef>
+              <a:buFont typeface="Arial" panose="020B0604020202020204" pitchFamily="34" charset="0"/>
+              <a:buChar char="•"/>
+              <a:defRPr sz="1800" kern="1200">
+                <a:solidFill>
+                  <a:schemeClr val="tx1"/>
+                </a:solidFill>
+                <a:latin typeface="+mn-lt"/>
+                <a:ea typeface="+mn-ea"/>
+                <a:cs typeface="+mn-cs"/>
+              </a:defRPr>
+            </a:lvl9pPr>
+          </a:lstStyle>
+          <a:p>
+            <a:pPr marL="0" indent="0" algn="l" rtl="0">
+              <a:lnSpc>
+                <a:spcPct val="100000"/>
+              </a:lnSpc>
+              <a:buFont typeface="Arial" panose="020B0604020202020204" pitchFamily="34" charset="0"/>
+              <a:buNone/>
+            </a:pPr>
+            <a:endParaRPr lang="he-IL" dirty="0"/>
+          </a:p>
+        </p:txBody>
+      </p:sp>
+      <p:sp>
+        <p:nvSpPr>
+          <p:cNvPr id="4" name="כותרת 1">
+            <a:extLst>
+              <a:ext uri="{FF2B5EF4-FFF2-40B4-BE49-F238E27FC236}">
+                <a16:creationId xmlns:a16="http://schemas.microsoft.com/office/drawing/2014/main" id="{18C13FE4-332D-2C92-6AF2-2F31660F39AF}"/>
+              </a:ext>
+            </a:extLst>
+          </p:cNvPr>
+          <p:cNvSpPr txBox="1">
+            <a:spLocks/>
+          </p:cNvSpPr>
+          <p:nvPr/>
+        </p:nvSpPr>
+        <p:spPr>
+          <a:xfrm>
+            <a:off x="1382108" y="1537878"/>
+            <a:ext cx="10131974" cy="788916"/>
+          </a:xfrm>
+          <a:prstGeom prst="rect">
+            <a:avLst/>
+          </a:prstGeom>
+        </p:spPr>
+        <p:txBody>
+          <a:bodyPr vert="horz" lIns="91440" tIns="45720" rIns="91440" bIns="45720" rtlCol="1" anchor="ctr">
+            <a:noAutofit/>
+          </a:bodyPr>
+          <a:lstStyle>
+            <a:lvl1pPr algn="r" defTabSz="914400" rtl="1" eaLnBrk="1" latinLnBrk="0" hangingPunct="1">
+              <a:lnSpc>
+                <a:spcPct val="90000"/>
+              </a:lnSpc>
+              <a:spcBef>
+                <a:spcPct val="0"/>
+              </a:spcBef>
+              <a:buNone/>
+              <a:defRPr sz="4400" kern="1200">
+                <a:solidFill>
+                  <a:schemeClr val="tx1"/>
+                </a:solidFill>
+                <a:latin typeface="+mj-lt"/>
+                <a:ea typeface="+mj-ea"/>
+                <a:cs typeface="+mj-cs"/>
+              </a:defRPr>
+            </a:lvl1pPr>
+          </a:lstStyle>
+          <a:p>
+            <a:pPr algn="l" rtl="0"/>
+            <a:r>
+              <a:rPr lang="en-US" sz="3200" b="1" dirty="0">
+                <a:cs typeface="+mn-cs"/>
+              </a:rPr>
+              <a:t>Stage B: Analyzing the entire filtered Properties’ population</a:t>
+            </a:r>
+          </a:p>
+          <a:p>
+            <a:pPr algn="l" rtl="0"/>
+            <a:r>
+              <a:rPr lang="en-US" sz="2000" b="1" u="sng" dirty="0">
+                <a:cs typeface="+mn-cs"/>
+              </a:rPr>
+              <a:t>Remark</a:t>
+            </a:r>
+            <a:r>
+              <a:rPr lang="en-US" sz="2000" b="1" dirty="0">
+                <a:cs typeface="+mn-cs"/>
+              </a:rPr>
+              <a:t>: The depended variable on the x-axis for convenience </a:t>
+            </a:r>
+          </a:p>
+        </p:txBody>
+      </p:sp>
+      <p:pic>
+        <p:nvPicPr>
+          <p:cNvPr id="4100" name="Picture 4">
+            <a:extLst>
+              <a:ext uri="{FF2B5EF4-FFF2-40B4-BE49-F238E27FC236}">
+                <a16:creationId xmlns:a16="http://schemas.microsoft.com/office/drawing/2014/main" id="{9FB6DDFE-D9FF-269F-DF80-14FC5C24221E}"/>
+              </a:ext>
+            </a:extLst>
+          </p:cNvPr>
+          <p:cNvPicPr>
+            <a:picLocks noChangeAspect="1" noChangeArrowheads="1"/>
+          </p:cNvPicPr>
+          <p:nvPr/>
+        </p:nvPicPr>
+        <p:blipFill>
+          <a:blip r:embed="rId4">
+            <a:extLst>
+              <a:ext uri="{28A0092B-C50C-407E-A947-70E740481C1C}">
+                <a14:useLocalDpi xmlns:a14="http://schemas.microsoft.com/office/drawing/2010/main" val="0"/>
+              </a:ext>
+            </a:extLst>
+          </a:blip>
+          <a:srcRect/>
+          <a:stretch>
+            <a:fillRect/>
+          </a:stretch>
+        </p:blipFill>
+        <p:spPr bwMode="auto">
+          <a:xfrm>
+            <a:off x="3909599" y="2326794"/>
+            <a:ext cx="5400675" cy="3904101"/>
+          </a:xfrm>
+          <a:prstGeom prst="rect">
+            <a:avLst/>
+          </a:prstGeom>
+          <a:noFill/>
+          <a:extLst>
+            <a:ext uri="{909E8E84-426E-40DD-AFC4-6F175D3DCCD1}">
+              <a14:hiddenFill xmlns:a14="http://schemas.microsoft.com/office/drawing/2010/main">
+                <a:solidFill>
+                  <a:srgbClr val="FFFFFF"/>
+                </a:solidFill>
+              </a14:hiddenFill>
+            </a:ext>
+          </a:extLst>
+        </p:spPr>
+      </p:pic>
+      <p:sp>
+        <p:nvSpPr>
+          <p:cNvPr id="9" name="Oval 8">
+            <a:extLst>
+              <a:ext uri="{FF2B5EF4-FFF2-40B4-BE49-F238E27FC236}">
+                <a16:creationId xmlns:a16="http://schemas.microsoft.com/office/drawing/2014/main" id="{5F348188-86CF-27E6-C696-D57827BF0F69}"/>
+              </a:ext>
+            </a:extLst>
+          </p:cNvPr>
+          <p:cNvSpPr/>
+          <p:nvPr/>
+        </p:nvSpPr>
+        <p:spPr>
+          <a:xfrm>
+            <a:off x="3909599" y="3474769"/>
+            <a:ext cx="273269" cy="1219200"/>
+          </a:xfrm>
+          <a:prstGeom prst="ellipse">
+            <a:avLst/>
+          </a:prstGeom>
+          <a:noFill/>
+          <a:ln>
+            <a:solidFill>
+              <a:srgbClr val="FF0000"/>
+            </a:solidFill>
+          </a:ln>
+        </p:spPr>
+        <p:style>
+          <a:lnRef idx="2">
+            <a:schemeClr val="accent1">
+              <a:shade val="15000"/>
+            </a:schemeClr>
+          </a:lnRef>
+          <a:fillRef idx="1">
+            <a:schemeClr val="accent1"/>
+          </a:fillRef>
+          <a:effectRef idx="0">
+            <a:schemeClr val="accent1"/>
+          </a:effectRef>
+          <a:fontRef idx="minor">
+            <a:schemeClr val="lt1"/>
+          </a:fontRef>
+        </p:style>
+        <p:txBody>
+          <a:bodyPr rtlCol="0" anchor="ctr"/>
+          <a:lstStyle/>
+          <a:p>
+            <a:pPr algn="ctr"/>
+            <a:endParaRPr lang="en-US"/>
+          </a:p>
+        </p:txBody>
+      </p:sp>
+    </p:spTree>
+    <p:extLst>
+      <p:ext uri="{BB962C8B-B14F-4D97-AF65-F5344CB8AC3E}">
+        <p14:creationId xmlns:p14="http://schemas.microsoft.com/office/powerpoint/2010/main" val="3560181366"/>
+      </p:ext>
+    </p:extLst>
+  </p:cSld>
+  <p:clrMapOvr>
+    <a:masterClrMapping/>
+  </p:clrMapOvr>
+</p:sld>
+</file>
+
+<file path=ppt/slides/slide15.xml><?xml version="1.0" encoding="utf-8"?>
+<p:sld xmlns:a="http://schemas.openxmlformats.org/drawingml/2006/main" xmlns:r="http://schemas.openxmlformats.org/officeDocument/2006/relationships" xmlns:p="http://schemas.openxmlformats.org/presentationml/2006/main">
+  <p:cSld>
+    <p:spTree>
+      <p:nvGrpSpPr>
+        <p:cNvPr id="1" name=""/>
+        <p:cNvGrpSpPr/>
+        <p:nvPr/>
+      </p:nvGrpSpPr>
+      <p:grpSpPr>
+        <a:xfrm>
+          <a:off x="0" y="0"/>
+          <a:ext cx="0" cy="0"/>
+          <a:chOff x="0" y="0"/>
+          <a:chExt cx="0" cy="0"/>
+        </a:xfrm>
+      </p:grpSpPr>
+      <p:sp>
+        <p:nvSpPr>
+          <p:cNvPr id="2" name="כותרת 1"/>
+          <p:cNvSpPr>
+            <a:spLocks noGrp="1"/>
+          </p:cNvSpPr>
+          <p:nvPr>
+            <p:ph type="title"/>
+          </p:nvPr>
+        </p:nvSpPr>
+        <p:spPr>
+          <a:xfrm>
+            <a:off x="1187668" y="1480611"/>
+            <a:ext cx="3846787" cy="788916"/>
+          </a:xfrm>
+        </p:spPr>
+        <p:txBody>
+          <a:bodyPr>
+            <a:noAutofit/>
+          </a:bodyPr>
+          <a:lstStyle/>
+          <a:p>
+            <a:pPr algn="l" rtl="0"/>
+            <a:r>
+              <a:rPr lang="en-US" sz="5100" b="1" dirty="0">
+                <a:cs typeface="+mn-cs"/>
+              </a:rPr>
+              <a:t>Conclusion:</a:t>
+            </a:r>
+          </a:p>
+        </p:txBody>
+      </p:sp>
+      <p:pic>
+        <p:nvPicPr>
+          <p:cNvPr id="8" name="Picture 8" descr="File:Hebrew University Logo.svg - Wikimedia Commons"/>
+          <p:cNvPicPr>
+            <a:picLocks noChangeAspect="1" noChangeArrowheads="1"/>
+          </p:cNvPicPr>
+          <p:nvPr/>
+        </p:nvPicPr>
+        <p:blipFill>
+          <a:blip r:embed="rId3" cstate="print">
+            <a:extLst>
+              <a:ext uri="{28A0092B-C50C-407E-A947-70E740481C1C}">
+                <a14:useLocalDpi xmlns:a14="http://schemas.microsoft.com/office/drawing/2010/main" val="0"/>
+              </a:ext>
+            </a:extLst>
+          </a:blip>
+          <a:srcRect/>
+          <a:stretch>
+            <a:fillRect/>
+          </a:stretch>
+        </p:blipFill>
+        <p:spPr bwMode="auto">
+          <a:xfrm>
+            <a:off x="275404" y="156177"/>
+            <a:ext cx="721108" cy="1324434"/>
+          </a:xfrm>
+          <a:prstGeom prst="rect">
+            <a:avLst/>
+          </a:prstGeom>
+          <a:noFill/>
+          <a:extLst>
+            <a:ext uri="{909E8E84-426E-40DD-AFC4-6F175D3DCCD1}">
+              <a14:hiddenFill xmlns:a14="http://schemas.microsoft.com/office/drawing/2010/main">
+                <a:solidFill>
+                  <a:srgbClr val="FFFFFF"/>
+                </a:solidFill>
+              </a14:hiddenFill>
+            </a:ext>
+          </a:extLst>
+        </p:spPr>
+      </p:pic>
+      <p:sp>
+        <p:nvSpPr>
+          <p:cNvPr id="3" name="Content Placeholder 21">
+            <a:extLst>
+              <a:ext uri="{FF2B5EF4-FFF2-40B4-BE49-F238E27FC236}">
+                <a16:creationId xmlns:a16="http://schemas.microsoft.com/office/drawing/2014/main" id="{CD819408-1CBA-3D89-DF10-4E3D1647D6B8}"/>
+              </a:ext>
+            </a:extLst>
+          </p:cNvPr>
+          <p:cNvSpPr txBox="1">
+            <a:spLocks/>
+          </p:cNvSpPr>
+          <p:nvPr/>
+        </p:nvSpPr>
+        <p:spPr>
+          <a:xfrm>
+            <a:off x="1187668" y="2284586"/>
+            <a:ext cx="10260068" cy="2673605"/>
+          </a:xfrm>
+          <a:prstGeom prst="rect">
+            <a:avLst/>
+          </a:prstGeom>
+          <a:ln w="50800">
+            <a:solidFill>
+              <a:schemeClr val="accent1"/>
+            </a:solidFill>
+          </a:ln>
+        </p:spPr>
+        <p:txBody>
+          <a:bodyPr vert="horz" lIns="91440" tIns="45720" rIns="91440" bIns="45720" rtlCol="1">
+            <a:normAutofit fontScale="55000" lnSpcReduction="20000"/>
+          </a:bodyPr>
+          <a:lstStyle>
+            <a:lvl1pPr marL="228600" indent="-228600" algn="r" defTabSz="914400" rtl="1" eaLnBrk="1" latinLnBrk="0" hangingPunct="1">
+              <a:lnSpc>
+                <a:spcPct val="90000"/>
+              </a:lnSpc>
+              <a:spcBef>
+                <a:spcPts val="1000"/>
+              </a:spcBef>
+              <a:buFont typeface="Arial" panose="020B0604020202020204" pitchFamily="34" charset="0"/>
+              <a:buChar char="•"/>
+              <a:defRPr sz="2800" kern="1200">
+                <a:solidFill>
+                  <a:schemeClr val="tx1"/>
+                </a:solidFill>
+                <a:latin typeface="+mn-lt"/>
+                <a:ea typeface="+mn-ea"/>
+                <a:cs typeface="+mn-cs"/>
+              </a:defRPr>
+            </a:lvl1pPr>
+            <a:lvl2pPr marL="685800" indent="-228600" algn="r" defTabSz="914400" rtl="1" eaLnBrk="1" latinLnBrk="0" hangingPunct="1">
+              <a:lnSpc>
+                <a:spcPct val="90000"/>
+              </a:lnSpc>
+              <a:spcBef>
+                <a:spcPts val="500"/>
+              </a:spcBef>
+              <a:buFont typeface="Arial" panose="020B0604020202020204" pitchFamily="34" charset="0"/>
+              <a:buChar char="•"/>
+              <a:defRPr sz="2400" kern="1200">
+                <a:solidFill>
+                  <a:schemeClr val="tx1"/>
+                </a:solidFill>
+                <a:latin typeface="+mn-lt"/>
+                <a:ea typeface="+mn-ea"/>
+                <a:cs typeface="+mn-cs"/>
+              </a:defRPr>
+            </a:lvl2pPr>
+            <a:lvl3pPr marL="1143000" indent="-228600" algn="r" defTabSz="914400" rtl="1" eaLnBrk="1" latinLnBrk="0" hangingPunct="1">
+              <a:lnSpc>
+                <a:spcPct val="90000"/>
+              </a:lnSpc>
+              <a:spcBef>
+                <a:spcPts val="500"/>
+              </a:spcBef>
+              <a:buFont typeface="Arial" panose="020B0604020202020204" pitchFamily="34" charset="0"/>
+              <a:buChar char="•"/>
+              <a:defRPr sz="2000" kern="1200">
+                <a:solidFill>
+                  <a:schemeClr val="tx1"/>
+                </a:solidFill>
+                <a:latin typeface="+mn-lt"/>
+                <a:ea typeface="+mn-ea"/>
+                <a:cs typeface="+mn-cs"/>
+              </a:defRPr>
+            </a:lvl3pPr>
+            <a:lvl4pPr marL="1600200" indent="-228600" algn="r" defTabSz="914400" rtl="1" eaLnBrk="1" latinLnBrk="0" hangingPunct="1">
+              <a:lnSpc>
+                <a:spcPct val="90000"/>
+              </a:lnSpc>
+              <a:spcBef>
+                <a:spcPts val="500"/>
+              </a:spcBef>
+              <a:buFont typeface="Arial" panose="020B0604020202020204" pitchFamily="34" charset="0"/>
+              <a:buChar char="•"/>
+              <a:defRPr sz="1800" kern="1200">
+                <a:solidFill>
+                  <a:schemeClr val="tx1"/>
+                </a:solidFill>
+                <a:latin typeface="+mn-lt"/>
+                <a:ea typeface="+mn-ea"/>
+                <a:cs typeface="+mn-cs"/>
+              </a:defRPr>
+            </a:lvl4pPr>
+            <a:lvl5pPr marL="2057400" indent="-228600" algn="r" defTabSz="914400" rtl="1" eaLnBrk="1" latinLnBrk="0" hangingPunct="1">
+              <a:lnSpc>
+                <a:spcPct val="90000"/>
+              </a:lnSpc>
+              <a:spcBef>
+                <a:spcPts val="500"/>
+              </a:spcBef>
+              <a:buFont typeface="Arial" panose="020B0604020202020204" pitchFamily="34" charset="0"/>
+              <a:buChar char="•"/>
+              <a:defRPr sz="1800" kern="1200">
+                <a:solidFill>
+                  <a:schemeClr val="tx1"/>
+                </a:solidFill>
+                <a:latin typeface="+mn-lt"/>
+                <a:ea typeface="+mn-ea"/>
+                <a:cs typeface="+mn-cs"/>
+              </a:defRPr>
+            </a:lvl5pPr>
+            <a:lvl6pPr marL="2514600" indent="-228600" algn="r" defTabSz="914400" rtl="1" eaLnBrk="1" latinLnBrk="0" hangingPunct="1">
+              <a:lnSpc>
+                <a:spcPct val="90000"/>
+              </a:lnSpc>
+              <a:spcBef>
+                <a:spcPts val="500"/>
+              </a:spcBef>
+              <a:buFont typeface="Arial" panose="020B0604020202020204" pitchFamily="34" charset="0"/>
+              <a:buChar char="•"/>
+              <a:defRPr sz="1800" kern="1200">
+                <a:solidFill>
+                  <a:schemeClr val="tx1"/>
+                </a:solidFill>
+                <a:latin typeface="+mn-lt"/>
+                <a:ea typeface="+mn-ea"/>
+                <a:cs typeface="+mn-cs"/>
+              </a:defRPr>
+            </a:lvl6pPr>
+            <a:lvl7pPr marL="2971800" indent="-228600" algn="r" defTabSz="914400" rtl="1" eaLnBrk="1" latinLnBrk="0" hangingPunct="1">
+              <a:lnSpc>
+                <a:spcPct val="90000"/>
+              </a:lnSpc>
+              <a:spcBef>
+                <a:spcPts val="500"/>
+              </a:spcBef>
+              <a:buFont typeface="Arial" panose="020B0604020202020204" pitchFamily="34" charset="0"/>
+              <a:buChar char="•"/>
+              <a:defRPr sz="1800" kern="1200">
+                <a:solidFill>
+                  <a:schemeClr val="tx1"/>
+                </a:solidFill>
+                <a:latin typeface="+mn-lt"/>
+                <a:ea typeface="+mn-ea"/>
+                <a:cs typeface="+mn-cs"/>
+              </a:defRPr>
+            </a:lvl7pPr>
+            <a:lvl8pPr marL="3429000" indent="-228600" algn="r" defTabSz="914400" rtl="1" eaLnBrk="1" latinLnBrk="0" hangingPunct="1">
+              <a:lnSpc>
+                <a:spcPct val="90000"/>
+              </a:lnSpc>
+              <a:spcBef>
+                <a:spcPts val="500"/>
+              </a:spcBef>
+              <a:buFont typeface="Arial" panose="020B0604020202020204" pitchFamily="34" charset="0"/>
+              <a:buChar char="•"/>
+              <a:defRPr sz="1800" kern="1200">
+                <a:solidFill>
+                  <a:schemeClr val="tx1"/>
+                </a:solidFill>
+                <a:latin typeface="+mn-lt"/>
+                <a:ea typeface="+mn-ea"/>
+                <a:cs typeface="+mn-cs"/>
+              </a:defRPr>
+            </a:lvl8pPr>
+            <a:lvl9pPr marL="3886200" indent="-228600" algn="r" defTabSz="914400" rtl="1" eaLnBrk="1" latinLnBrk="0" hangingPunct="1">
+              <a:lnSpc>
+                <a:spcPct val="90000"/>
+              </a:lnSpc>
+              <a:spcBef>
+                <a:spcPts val="500"/>
+              </a:spcBef>
+              <a:buFont typeface="Arial" panose="020B0604020202020204" pitchFamily="34" charset="0"/>
+              <a:buChar char="•"/>
+              <a:defRPr sz="1800" kern="1200">
+                <a:solidFill>
+                  <a:schemeClr val="tx1"/>
+                </a:solidFill>
+                <a:latin typeface="+mn-lt"/>
+                <a:ea typeface="+mn-ea"/>
+                <a:cs typeface="+mn-cs"/>
+              </a:defRPr>
+            </a:lvl9pPr>
+          </a:lstStyle>
+          <a:p>
+            <a:pPr marL="0" indent="0" algn="just" rtl="0">
+              <a:lnSpc>
+                <a:spcPct val="170000"/>
+              </a:lnSpc>
+              <a:buFont typeface="Arial" panose="020B0604020202020204" pitchFamily="34" charset="0"/>
+              <a:buNone/>
+            </a:pPr>
+            <a:r>
+              <a:rPr lang="en-US" sz="5100" dirty="0"/>
+              <a:t>The properties with the highest Forecasted Revenue in Washington, United States in the coming year, according to Airbnb data are of </a:t>
+            </a:r>
+            <a:r>
+              <a:rPr lang="en-US" sz="5100" u="sng" dirty="0"/>
+              <a:t>Entire Home type, with Entire Home / Apartment room type, located in Seattle, and which are suitable to Accommodate 6 to 10 people</a:t>
+            </a:r>
+            <a:r>
+              <a:rPr lang="en-US" sz="5100" dirty="0"/>
+              <a:t>.</a:t>
+            </a:r>
+          </a:p>
+          <a:p>
+            <a:pPr marL="0" indent="0" algn="ctr">
+              <a:buFont typeface="Arial" panose="020B0604020202020204" pitchFamily="34" charset="0"/>
+              <a:buNone/>
+            </a:pPr>
+            <a:endParaRPr lang="he-IL" dirty="0"/>
+          </a:p>
+        </p:txBody>
+      </p:sp>
+    </p:spTree>
+    <p:extLst>
+      <p:ext uri="{BB962C8B-B14F-4D97-AF65-F5344CB8AC3E}">
+        <p14:creationId xmlns:p14="http://schemas.microsoft.com/office/powerpoint/2010/main" val="4232584337"/>
+      </p:ext>
+    </p:extLst>
+  </p:cSld>
+  <p:clrMapOvr>
+    <a:masterClrMapping/>
+  </p:clrMapOvr>
+</p:sld>
+</file>
+
+<file path=ppt/slides/slide16.xml><?xml version="1.0" encoding="utf-8"?>
+<p:sld xmlns:a="http://schemas.openxmlformats.org/drawingml/2006/main" xmlns:r="http://schemas.openxmlformats.org/officeDocument/2006/relationships" xmlns:p="http://schemas.openxmlformats.org/presentationml/2006/main">
+  <p:cSld>
+    <p:spTree>
+      <p:nvGrpSpPr>
+        <p:cNvPr id="1" name=""/>
+        <p:cNvGrpSpPr/>
+        <p:nvPr/>
+      </p:nvGrpSpPr>
+      <p:grpSpPr>
+        <a:xfrm>
+          <a:off x="0" y="0"/>
+          <a:ext cx="0" cy="0"/>
+          <a:chOff x="0" y="0"/>
+          <a:chExt cx="0" cy="0"/>
+        </a:xfrm>
+      </p:grpSpPr>
+      <p:pic>
+        <p:nvPicPr>
+          <p:cNvPr id="8" name="Picture 8" descr="File:Hebrew University Logo.svg - Wikimedia Commons"/>
+          <p:cNvPicPr>
+            <a:picLocks noChangeAspect="1" noChangeArrowheads="1"/>
+          </p:cNvPicPr>
+          <p:nvPr/>
+        </p:nvPicPr>
+        <p:blipFill>
+          <a:blip r:embed="rId2" cstate="print">
+            <a:extLst>
+              <a:ext uri="{28A0092B-C50C-407E-A947-70E740481C1C}">
+                <a14:useLocalDpi xmlns:a14="http://schemas.microsoft.com/office/drawing/2010/main" val="0"/>
+              </a:ext>
+            </a:extLst>
+          </a:blip>
+          <a:srcRect/>
+          <a:stretch>
+            <a:fillRect/>
+          </a:stretch>
+        </p:blipFill>
+        <p:spPr bwMode="auto">
+          <a:xfrm>
+            <a:off x="275404" y="156177"/>
+            <a:ext cx="721108" cy="1324434"/>
+          </a:xfrm>
+          <a:prstGeom prst="rect">
+            <a:avLst/>
+          </a:prstGeom>
+          <a:noFill/>
+          <a:extLst>
+            <a:ext uri="{909E8E84-426E-40DD-AFC4-6F175D3DCCD1}">
+              <a14:hiddenFill xmlns:a14="http://schemas.microsoft.com/office/drawing/2010/main">
+                <a:solidFill>
+                  <a:srgbClr val="FFFFFF"/>
+                </a:solidFill>
+              </a14:hiddenFill>
+            </a:ext>
+          </a:extLst>
+        </p:spPr>
+      </p:pic>
+      <p:sp>
+        <p:nvSpPr>
+          <p:cNvPr id="7" name="TextBox 6">
+            <a:extLst>
+              <a:ext uri="{FF2B5EF4-FFF2-40B4-BE49-F238E27FC236}">
+                <a16:creationId xmlns:a16="http://schemas.microsoft.com/office/drawing/2014/main" id="{D07B8255-2FE1-10E9-07CC-6AB3413267EA}"/>
+              </a:ext>
+            </a:extLst>
+          </p:cNvPr>
+          <p:cNvSpPr txBox="1"/>
+          <p:nvPr/>
+        </p:nvSpPr>
+        <p:spPr>
+          <a:xfrm>
+            <a:off x="1765739" y="2060901"/>
+            <a:ext cx="9659006" cy="1015663"/>
+          </a:xfrm>
+          <a:prstGeom prst="rect">
+            <a:avLst/>
+          </a:prstGeom>
+          <a:solidFill>
+            <a:schemeClr val="accent1">
+              <a:lumMod val="60000"/>
+              <a:lumOff val="40000"/>
+            </a:schemeClr>
+          </a:solidFill>
+        </p:spPr>
+        <p:txBody>
+          <a:bodyPr wrap="square" rtlCol="0">
+            <a:spAutoFit/>
+          </a:bodyPr>
+          <a:lstStyle>
+            <a:defPPr>
+              <a:defRPr lang="en-US"/>
+            </a:defPPr>
+            <a:lvl1pPr>
+              <a:defRPr sz="4400" b="1">
+                <a:solidFill>
+                  <a:schemeClr val="bg1"/>
+                </a:solidFill>
+                <a:effectLst>
+                  <a:outerShdw blurRad="38100" dist="38100" dir="2700000" algn="tl">
+                    <a:srgbClr val="000000">
+                      <a:alpha val="43137"/>
+                    </a:srgbClr>
+                  </a:outerShdw>
+                </a:effectLst>
+              </a:defRPr>
+            </a:lvl1pPr>
+          </a:lstStyle>
+          <a:p>
+            <a:pPr algn="ctr" rtl="0"/>
+            <a:r>
+              <a:rPr lang="en-US" sz="6000" dirty="0"/>
+              <a:t>Thank you for your attention!</a:t>
+            </a:r>
+            <a:endParaRPr lang="en-IL" sz="6000" dirty="0"/>
+          </a:p>
+        </p:txBody>
+      </p:sp>
+      <p:sp>
+        <p:nvSpPr>
+          <p:cNvPr id="9" name="TextBox 8">
+            <a:extLst>
+              <a:ext uri="{FF2B5EF4-FFF2-40B4-BE49-F238E27FC236}">
+                <a16:creationId xmlns:a16="http://schemas.microsoft.com/office/drawing/2014/main" id="{22BE6800-063D-BB92-65E5-D5723998ADE4}"/>
+              </a:ext>
+            </a:extLst>
+          </p:cNvPr>
+          <p:cNvSpPr txBox="1"/>
+          <p:nvPr/>
+        </p:nvSpPr>
+        <p:spPr>
+          <a:xfrm>
+            <a:off x="1765739" y="4430984"/>
+            <a:ext cx="9659006" cy="1015663"/>
+          </a:xfrm>
+          <a:prstGeom prst="rect">
+            <a:avLst/>
+          </a:prstGeom>
+          <a:solidFill>
+            <a:schemeClr val="accent1">
+              <a:lumMod val="60000"/>
+              <a:lumOff val="40000"/>
+            </a:schemeClr>
+          </a:solidFill>
+        </p:spPr>
+        <p:txBody>
+          <a:bodyPr wrap="square" rtlCol="0">
+            <a:spAutoFit/>
+          </a:bodyPr>
+          <a:lstStyle>
+            <a:defPPr>
+              <a:defRPr lang="en-US"/>
+            </a:defPPr>
+            <a:lvl1pPr>
+              <a:defRPr sz="4400" b="1">
+                <a:solidFill>
+                  <a:schemeClr val="bg1"/>
+                </a:solidFill>
+                <a:effectLst>
+                  <a:outerShdw blurRad="38100" dist="38100" dir="2700000" algn="tl">
+                    <a:srgbClr val="000000">
+                      <a:alpha val="43137"/>
+                    </a:srgbClr>
+                  </a:outerShdw>
+                </a:effectLst>
+              </a:defRPr>
+            </a:lvl1pPr>
+          </a:lstStyle>
+          <a:p>
+            <a:pPr algn="ctr" rtl="0"/>
+            <a:r>
+              <a:rPr lang="en-US" sz="6000" dirty="0"/>
+              <a:t>Any Questions?</a:t>
+            </a:r>
+            <a:endParaRPr lang="en-IL" sz="6000" dirty="0"/>
+          </a:p>
+        </p:txBody>
+      </p:sp>
+    </p:spTree>
+    <p:extLst>
+      <p:ext uri="{BB962C8B-B14F-4D97-AF65-F5344CB8AC3E}">
+        <p14:creationId xmlns:p14="http://schemas.microsoft.com/office/powerpoint/2010/main" val="2950196399"/>
       </p:ext>
     </p:extLst>
   </p:cSld>
@@ -5432,8 +9991,8 @@
           </a:ln>
         </p:spPr>
         <p:txBody>
-          <a:bodyPr>
-            <a:normAutofit fontScale="40000" lnSpcReduction="20000"/>
+          <a:bodyPr anchor="ctr">
+            <a:normAutofit fontScale="92500"/>
           </a:bodyPr>
           <a:lstStyle/>
           <a:p>
@@ -5444,26 +10003,9 @@
               <a:buNone/>
             </a:pPr>
             <a:r>
-              <a:rPr lang="en-US" sz="4800" dirty="0"/>
-              <a:t>Top 25% properties according to their Forecasted Revenue in the Coming year</a:t>
+              <a:rPr lang="en-US" sz="2800" dirty="0"/>
+              <a:t>Forecasted Revenue in the Coming year = Price x (365 - availability_365)</a:t>
             </a:r>
-          </a:p>
-          <a:p>
-            <a:pPr marL="0" indent="0" algn="ctr" rtl="0">
-              <a:lnSpc>
-                <a:spcPct val="120000"/>
-              </a:lnSpc>
-              <a:buNone/>
-            </a:pPr>
-            <a:r>
-              <a:rPr lang="en-US" sz="4800" dirty="0"/>
-              <a:t>= Price x (365 - availability_365)</a:t>
-            </a:r>
-          </a:p>
-          <a:p>
-            <a:pPr marL="0" indent="0" algn="ctr">
-              <a:buNone/>
-            </a:pPr>
             <a:endParaRPr lang="he-IL" dirty="0"/>
           </a:p>
         </p:txBody>
@@ -6121,7 +10663,7 @@
         <p:spPr>
           <a:xfrm>
             <a:off x="1334812" y="748962"/>
-            <a:ext cx="3846787" cy="788916"/>
+            <a:ext cx="4340774" cy="788916"/>
           </a:xfrm>
         </p:spPr>
         <p:txBody>
@@ -6135,7 +10677,660 @@
               <a:rPr lang="en-US" sz="5100" b="1" dirty="0">
                 <a:cs typeface="+mn-cs"/>
               </a:rPr>
-              <a:t>Results:</a:t>
+              <a:t>Data Cleaning:</a:t>
+            </a:r>
+          </a:p>
+        </p:txBody>
+      </p:sp>
+      <p:pic>
+        <p:nvPicPr>
+          <p:cNvPr id="8" name="Picture 8" descr="File:Hebrew University Logo.svg - Wikimedia Commons"/>
+          <p:cNvPicPr>
+            <a:picLocks noChangeAspect="1" noChangeArrowheads="1"/>
+          </p:cNvPicPr>
+          <p:nvPr/>
+        </p:nvPicPr>
+        <p:blipFill>
+          <a:blip r:embed="rId3" cstate="print">
+            <a:extLst>
+              <a:ext uri="{28A0092B-C50C-407E-A947-70E740481C1C}">
+                <a14:useLocalDpi xmlns:a14="http://schemas.microsoft.com/office/drawing/2010/main" val="0"/>
+              </a:ext>
+            </a:extLst>
+          </a:blip>
+          <a:srcRect/>
+          <a:stretch>
+            <a:fillRect/>
+          </a:stretch>
+        </p:blipFill>
+        <p:spPr bwMode="auto">
+          <a:xfrm>
+            <a:off x="275404" y="156177"/>
+            <a:ext cx="721108" cy="1324434"/>
+          </a:xfrm>
+          <a:prstGeom prst="rect">
+            <a:avLst/>
+          </a:prstGeom>
+          <a:noFill/>
+          <a:extLst>
+            <a:ext uri="{909E8E84-426E-40DD-AFC4-6F175D3DCCD1}">
+              <a14:hiddenFill xmlns:a14="http://schemas.microsoft.com/office/drawing/2010/main">
+                <a:solidFill>
+                  <a:srgbClr val="FFFFFF"/>
+                </a:solidFill>
+              </a14:hiddenFill>
+            </a:ext>
+          </a:extLst>
+        </p:spPr>
+      </p:pic>
+      <p:sp>
+        <p:nvSpPr>
+          <p:cNvPr id="5" name="Content Placeholder 21">
+            <a:extLst>
+              <a:ext uri="{FF2B5EF4-FFF2-40B4-BE49-F238E27FC236}">
+                <a16:creationId xmlns:a16="http://schemas.microsoft.com/office/drawing/2014/main" id="{6A87851E-57F1-0ADA-ECE1-00AC36696523}"/>
+              </a:ext>
+            </a:extLst>
+          </p:cNvPr>
+          <p:cNvSpPr txBox="1">
+            <a:spLocks/>
+          </p:cNvSpPr>
+          <p:nvPr/>
+        </p:nvSpPr>
+        <p:spPr>
+          <a:xfrm>
+            <a:off x="1334812" y="1537878"/>
+            <a:ext cx="10226567" cy="4883943"/>
+          </a:xfrm>
+          <a:prstGeom prst="rect">
+            <a:avLst/>
+          </a:prstGeom>
+          <a:ln w="50800">
+            <a:solidFill>
+              <a:schemeClr val="accent1"/>
+            </a:solidFill>
+          </a:ln>
+        </p:spPr>
+        <p:txBody>
+          <a:bodyPr vert="horz" lIns="91440" tIns="45720" rIns="91440" bIns="45720" rtlCol="1">
+            <a:normAutofit/>
+          </a:bodyPr>
+          <a:lstStyle>
+            <a:lvl1pPr marL="228600" indent="-228600" algn="r" defTabSz="914400" rtl="1" eaLnBrk="1" latinLnBrk="0" hangingPunct="1">
+              <a:lnSpc>
+                <a:spcPct val="90000"/>
+              </a:lnSpc>
+              <a:spcBef>
+                <a:spcPts val="1000"/>
+              </a:spcBef>
+              <a:buFont typeface="Arial" panose="020B0604020202020204" pitchFamily="34" charset="0"/>
+              <a:buChar char="•"/>
+              <a:defRPr sz="2800" kern="1200">
+                <a:solidFill>
+                  <a:schemeClr val="tx1"/>
+                </a:solidFill>
+                <a:latin typeface="+mn-lt"/>
+                <a:ea typeface="+mn-ea"/>
+                <a:cs typeface="+mn-cs"/>
+              </a:defRPr>
+            </a:lvl1pPr>
+            <a:lvl2pPr marL="685800" indent="-228600" algn="r" defTabSz="914400" rtl="1" eaLnBrk="1" latinLnBrk="0" hangingPunct="1">
+              <a:lnSpc>
+                <a:spcPct val="90000"/>
+              </a:lnSpc>
+              <a:spcBef>
+                <a:spcPts val="500"/>
+              </a:spcBef>
+              <a:buFont typeface="Arial" panose="020B0604020202020204" pitchFamily="34" charset="0"/>
+              <a:buChar char="•"/>
+              <a:defRPr sz="2400" kern="1200">
+                <a:solidFill>
+                  <a:schemeClr val="tx1"/>
+                </a:solidFill>
+                <a:latin typeface="+mn-lt"/>
+                <a:ea typeface="+mn-ea"/>
+                <a:cs typeface="+mn-cs"/>
+              </a:defRPr>
+            </a:lvl2pPr>
+            <a:lvl3pPr marL="1143000" indent="-228600" algn="r" defTabSz="914400" rtl="1" eaLnBrk="1" latinLnBrk="0" hangingPunct="1">
+              <a:lnSpc>
+                <a:spcPct val="90000"/>
+              </a:lnSpc>
+              <a:spcBef>
+                <a:spcPts val="500"/>
+              </a:spcBef>
+              <a:buFont typeface="Arial" panose="020B0604020202020204" pitchFamily="34" charset="0"/>
+              <a:buChar char="•"/>
+              <a:defRPr sz="2000" kern="1200">
+                <a:solidFill>
+                  <a:schemeClr val="tx1"/>
+                </a:solidFill>
+                <a:latin typeface="+mn-lt"/>
+                <a:ea typeface="+mn-ea"/>
+                <a:cs typeface="+mn-cs"/>
+              </a:defRPr>
+            </a:lvl3pPr>
+            <a:lvl4pPr marL="1600200" indent="-228600" algn="r" defTabSz="914400" rtl="1" eaLnBrk="1" latinLnBrk="0" hangingPunct="1">
+              <a:lnSpc>
+                <a:spcPct val="90000"/>
+              </a:lnSpc>
+              <a:spcBef>
+                <a:spcPts val="500"/>
+              </a:spcBef>
+              <a:buFont typeface="Arial" panose="020B0604020202020204" pitchFamily="34" charset="0"/>
+              <a:buChar char="•"/>
+              <a:defRPr sz="1800" kern="1200">
+                <a:solidFill>
+                  <a:schemeClr val="tx1"/>
+                </a:solidFill>
+                <a:latin typeface="+mn-lt"/>
+                <a:ea typeface="+mn-ea"/>
+                <a:cs typeface="+mn-cs"/>
+              </a:defRPr>
+            </a:lvl4pPr>
+            <a:lvl5pPr marL="2057400" indent="-228600" algn="r" defTabSz="914400" rtl="1" eaLnBrk="1" latinLnBrk="0" hangingPunct="1">
+              <a:lnSpc>
+                <a:spcPct val="90000"/>
+              </a:lnSpc>
+              <a:spcBef>
+                <a:spcPts val="500"/>
+              </a:spcBef>
+              <a:buFont typeface="Arial" panose="020B0604020202020204" pitchFamily="34" charset="0"/>
+              <a:buChar char="•"/>
+              <a:defRPr sz="1800" kern="1200">
+                <a:solidFill>
+                  <a:schemeClr val="tx1"/>
+                </a:solidFill>
+                <a:latin typeface="+mn-lt"/>
+                <a:ea typeface="+mn-ea"/>
+                <a:cs typeface="+mn-cs"/>
+              </a:defRPr>
+            </a:lvl5pPr>
+            <a:lvl6pPr marL="2514600" indent="-228600" algn="r" defTabSz="914400" rtl="1" eaLnBrk="1" latinLnBrk="0" hangingPunct="1">
+              <a:lnSpc>
+                <a:spcPct val="90000"/>
+              </a:lnSpc>
+              <a:spcBef>
+                <a:spcPts val="500"/>
+              </a:spcBef>
+              <a:buFont typeface="Arial" panose="020B0604020202020204" pitchFamily="34" charset="0"/>
+              <a:buChar char="•"/>
+              <a:defRPr sz="1800" kern="1200">
+                <a:solidFill>
+                  <a:schemeClr val="tx1"/>
+                </a:solidFill>
+                <a:latin typeface="+mn-lt"/>
+                <a:ea typeface="+mn-ea"/>
+                <a:cs typeface="+mn-cs"/>
+              </a:defRPr>
+            </a:lvl6pPr>
+            <a:lvl7pPr marL="2971800" indent="-228600" algn="r" defTabSz="914400" rtl="1" eaLnBrk="1" latinLnBrk="0" hangingPunct="1">
+              <a:lnSpc>
+                <a:spcPct val="90000"/>
+              </a:lnSpc>
+              <a:spcBef>
+                <a:spcPts val="500"/>
+              </a:spcBef>
+              <a:buFont typeface="Arial" panose="020B0604020202020204" pitchFamily="34" charset="0"/>
+              <a:buChar char="•"/>
+              <a:defRPr sz="1800" kern="1200">
+                <a:solidFill>
+                  <a:schemeClr val="tx1"/>
+                </a:solidFill>
+                <a:latin typeface="+mn-lt"/>
+                <a:ea typeface="+mn-ea"/>
+                <a:cs typeface="+mn-cs"/>
+              </a:defRPr>
+            </a:lvl7pPr>
+            <a:lvl8pPr marL="3429000" indent="-228600" algn="r" defTabSz="914400" rtl="1" eaLnBrk="1" latinLnBrk="0" hangingPunct="1">
+              <a:lnSpc>
+                <a:spcPct val="90000"/>
+              </a:lnSpc>
+              <a:spcBef>
+                <a:spcPts val="500"/>
+              </a:spcBef>
+              <a:buFont typeface="Arial" panose="020B0604020202020204" pitchFamily="34" charset="0"/>
+              <a:buChar char="•"/>
+              <a:defRPr sz="1800" kern="1200">
+                <a:solidFill>
+                  <a:schemeClr val="tx1"/>
+                </a:solidFill>
+                <a:latin typeface="+mn-lt"/>
+                <a:ea typeface="+mn-ea"/>
+                <a:cs typeface="+mn-cs"/>
+              </a:defRPr>
+            </a:lvl8pPr>
+            <a:lvl9pPr marL="3886200" indent="-228600" algn="r" defTabSz="914400" rtl="1" eaLnBrk="1" latinLnBrk="0" hangingPunct="1">
+              <a:lnSpc>
+                <a:spcPct val="90000"/>
+              </a:lnSpc>
+              <a:spcBef>
+                <a:spcPts val="500"/>
+              </a:spcBef>
+              <a:buFont typeface="Arial" panose="020B0604020202020204" pitchFamily="34" charset="0"/>
+              <a:buChar char="•"/>
+              <a:defRPr sz="1800" kern="1200">
+                <a:solidFill>
+                  <a:schemeClr val="tx1"/>
+                </a:solidFill>
+                <a:latin typeface="+mn-lt"/>
+                <a:ea typeface="+mn-ea"/>
+                <a:cs typeface="+mn-cs"/>
+              </a:defRPr>
+            </a:lvl9pPr>
+          </a:lstStyle>
+          <a:p>
+            <a:pPr marL="0" indent="0" algn="just" rtl="0">
+              <a:lnSpc>
+                <a:spcPct val="100000"/>
+              </a:lnSpc>
+              <a:buFont typeface="Arial" panose="020B0604020202020204" pitchFamily="34" charset="0"/>
+              <a:buNone/>
+            </a:pPr>
+            <a:r>
+              <a:rPr lang="en-US" sz="3600" dirty="0"/>
+              <a:t>1. Removing Duplicated records (rows) and irrelevant fields (columns) resulted also in null entries decrease:</a:t>
+            </a:r>
+            <a:endParaRPr lang="he-IL" dirty="0"/>
+          </a:p>
+        </p:txBody>
+      </p:sp>
+      <p:pic>
+        <p:nvPicPr>
+          <p:cNvPr id="9" name="Picture 8">
+            <a:extLst>
+              <a:ext uri="{FF2B5EF4-FFF2-40B4-BE49-F238E27FC236}">
+                <a16:creationId xmlns:a16="http://schemas.microsoft.com/office/drawing/2014/main" id="{60FE019A-7D46-E958-642D-7E38A7347BD0}"/>
+              </a:ext>
+            </a:extLst>
+          </p:cNvPr>
+          <p:cNvPicPr>
+            <a:picLocks noChangeAspect="1"/>
+          </p:cNvPicPr>
+          <p:nvPr/>
+        </p:nvPicPr>
+        <p:blipFill>
+          <a:blip r:embed="rId4"/>
+          <a:stretch>
+            <a:fillRect/>
+          </a:stretch>
+        </p:blipFill>
+        <p:spPr>
+          <a:xfrm>
+            <a:off x="2087480" y="2804538"/>
+            <a:ext cx="9236240" cy="3414056"/>
+          </a:xfrm>
+          <a:prstGeom prst="rect">
+            <a:avLst/>
+          </a:prstGeom>
+        </p:spPr>
+      </p:pic>
+      <p:pic>
+        <p:nvPicPr>
+          <p:cNvPr id="11" name="Picture 10">
+            <a:extLst>
+              <a:ext uri="{FF2B5EF4-FFF2-40B4-BE49-F238E27FC236}">
+                <a16:creationId xmlns:a16="http://schemas.microsoft.com/office/drawing/2014/main" id="{3C36CA63-E0FF-D349-741F-3D5612B1DFE9}"/>
+              </a:ext>
+            </a:extLst>
+          </p:cNvPr>
+          <p:cNvPicPr>
+            <a:picLocks noChangeAspect="1"/>
+          </p:cNvPicPr>
+          <p:nvPr/>
+        </p:nvPicPr>
+        <p:blipFill>
+          <a:blip r:embed="rId5"/>
+          <a:stretch>
+            <a:fillRect/>
+          </a:stretch>
+        </p:blipFill>
+        <p:spPr>
+          <a:xfrm>
+            <a:off x="1492469" y="3195932"/>
+            <a:ext cx="1676443" cy="1565943"/>
+          </a:xfrm>
+          <a:prstGeom prst="rect">
+            <a:avLst/>
+          </a:prstGeom>
+        </p:spPr>
+      </p:pic>
+      <p:pic>
+        <p:nvPicPr>
+          <p:cNvPr id="13" name="Picture 12">
+            <a:extLst>
+              <a:ext uri="{FF2B5EF4-FFF2-40B4-BE49-F238E27FC236}">
+                <a16:creationId xmlns:a16="http://schemas.microsoft.com/office/drawing/2014/main" id="{EEC44B3F-D26F-444C-97ED-D394691B143C}"/>
+              </a:ext>
+            </a:extLst>
+          </p:cNvPr>
+          <p:cNvPicPr>
+            <a:picLocks noChangeAspect="1"/>
+          </p:cNvPicPr>
+          <p:nvPr/>
+        </p:nvPicPr>
+        <p:blipFill>
+          <a:blip r:embed="rId6"/>
+          <a:stretch>
+            <a:fillRect/>
+          </a:stretch>
+        </p:blipFill>
+        <p:spPr>
+          <a:xfrm>
+            <a:off x="3619417" y="3272776"/>
+            <a:ext cx="1530694" cy="1489099"/>
+          </a:xfrm>
+          <a:prstGeom prst="rect">
+            <a:avLst/>
+          </a:prstGeom>
+        </p:spPr>
+      </p:pic>
+      <p:sp>
+        <p:nvSpPr>
+          <p:cNvPr id="14" name="Arrow: Right 13">
+            <a:extLst>
+              <a:ext uri="{FF2B5EF4-FFF2-40B4-BE49-F238E27FC236}">
+                <a16:creationId xmlns:a16="http://schemas.microsoft.com/office/drawing/2014/main" id="{199A8AC6-66FD-1018-50DF-B697223D7836}"/>
+              </a:ext>
+            </a:extLst>
+          </p:cNvPr>
+          <p:cNvSpPr/>
+          <p:nvPr/>
+        </p:nvSpPr>
+        <p:spPr>
+          <a:xfrm>
+            <a:off x="3247741" y="3989414"/>
+            <a:ext cx="292848" cy="144772"/>
+          </a:xfrm>
+          <a:prstGeom prst="rightArrow">
+            <a:avLst/>
+          </a:prstGeom>
+        </p:spPr>
+        <p:style>
+          <a:lnRef idx="2">
+            <a:schemeClr val="dk1">
+              <a:shade val="15000"/>
+            </a:schemeClr>
+          </a:lnRef>
+          <a:fillRef idx="1">
+            <a:schemeClr val="dk1"/>
+          </a:fillRef>
+          <a:effectRef idx="0">
+            <a:schemeClr val="dk1"/>
+          </a:effectRef>
+          <a:fontRef idx="minor">
+            <a:schemeClr val="lt1"/>
+          </a:fontRef>
+        </p:style>
+        <p:txBody>
+          <a:bodyPr rtlCol="0" anchor="ctr"/>
+          <a:lstStyle/>
+          <a:p>
+            <a:pPr algn="ctr"/>
+            <a:endParaRPr lang="en-US"/>
+          </a:p>
+        </p:txBody>
+      </p:sp>
+      <p:grpSp>
+        <p:nvGrpSpPr>
+          <p:cNvPr id="3" name="Group 2">
+            <a:extLst>
+              <a:ext uri="{FF2B5EF4-FFF2-40B4-BE49-F238E27FC236}">
+                <a16:creationId xmlns:a16="http://schemas.microsoft.com/office/drawing/2014/main" id="{F4A32983-DF18-2EF9-CD96-0A7A12E0578C}"/>
+              </a:ext>
+            </a:extLst>
+          </p:cNvPr>
+          <p:cNvGrpSpPr/>
+          <p:nvPr/>
+        </p:nvGrpSpPr>
+        <p:grpSpPr>
+          <a:xfrm>
+            <a:off x="1492469" y="4856594"/>
+            <a:ext cx="3657643" cy="1510615"/>
+            <a:chOff x="1492469" y="4856594"/>
+            <a:chExt cx="3657643" cy="1510615"/>
+          </a:xfrm>
+        </p:grpSpPr>
+        <p:pic>
+          <p:nvPicPr>
+            <p:cNvPr id="16" name="Picture 15">
+              <a:extLst>
+                <a:ext uri="{FF2B5EF4-FFF2-40B4-BE49-F238E27FC236}">
+                  <a16:creationId xmlns:a16="http://schemas.microsoft.com/office/drawing/2014/main" id="{D5C31AB6-35AA-B996-57C4-A960D9894FCB}"/>
+                </a:ext>
+              </a:extLst>
+            </p:cNvPr>
+            <p:cNvPicPr>
+              <a:picLocks noChangeAspect="1"/>
+            </p:cNvPicPr>
+            <p:nvPr/>
+          </p:nvPicPr>
+          <p:blipFill>
+            <a:blip r:embed="rId7"/>
+            <a:stretch>
+              <a:fillRect/>
+            </a:stretch>
+          </p:blipFill>
+          <p:spPr>
+            <a:xfrm>
+              <a:off x="1492469" y="4856594"/>
+              <a:ext cx="1676443" cy="1463614"/>
+            </a:xfrm>
+            <a:prstGeom prst="rect">
+              <a:avLst/>
+            </a:prstGeom>
+          </p:spPr>
+        </p:pic>
+        <p:sp>
+          <p:nvSpPr>
+            <p:cNvPr id="17" name="Arrow: Right 16">
+              <a:extLst>
+                <a:ext uri="{FF2B5EF4-FFF2-40B4-BE49-F238E27FC236}">
+                  <a16:creationId xmlns:a16="http://schemas.microsoft.com/office/drawing/2014/main" id="{B7BE009E-07D3-37F3-E3F4-3FA8941583E1}"/>
+                </a:ext>
+              </a:extLst>
+            </p:cNvPr>
+            <p:cNvSpPr/>
+            <p:nvPr/>
+          </p:nvSpPr>
+          <p:spPr>
+            <a:xfrm>
+              <a:off x="3247741" y="5588401"/>
+              <a:ext cx="292848" cy="144772"/>
+            </a:xfrm>
+            <a:prstGeom prst="rightArrow">
+              <a:avLst/>
+            </a:prstGeom>
+          </p:spPr>
+          <p:style>
+            <a:lnRef idx="2">
+              <a:schemeClr val="dk1">
+                <a:shade val="15000"/>
+              </a:schemeClr>
+            </a:lnRef>
+            <a:fillRef idx="1">
+              <a:schemeClr val="dk1"/>
+            </a:fillRef>
+            <a:effectRef idx="0">
+              <a:schemeClr val="dk1"/>
+            </a:effectRef>
+            <a:fontRef idx="minor">
+              <a:schemeClr val="lt1"/>
+            </a:fontRef>
+          </p:style>
+          <p:txBody>
+            <a:bodyPr rtlCol="0" anchor="ctr"/>
+            <a:lstStyle/>
+            <a:p>
+              <a:pPr algn="ctr"/>
+              <a:endParaRPr lang="en-US"/>
+            </a:p>
+          </p:txBody>
+        </p:sp>
+        <p:pic>
+          <p:nvPicPr>
+            <p:cNvPr id="19" name="Picture 18">
+              <a:extLst>
+                <a:ext uri="{FF2B5EF4-FFF2-40B4-BE49-F238E27FC236}">
+                  <a16:creationId xmlns:a16="http://schemas.microsoft.com/office/drawing/2014/main" id="{68E62EB7-FB10-0976-D1C3-C6AC97BBC1DA}"/>
+                </a:ext>
+              </a:extLst>
+            </p:cNvPr>
+            <p:cNvPicPr>
+              <a:picLocks noChangeAspect="1"/>
+            </p:cNvPicPr>
+            <p:nvPr/>
+          </p:nvPicPr>
+          <p:blipFill>
+            <a:blip r:embed="rId8"/>
+            <a:stretch>
+              <a:fillRect/>
+            </a:stretch>
+          </p:blipFill>
+          <p:spPr>
+            <a:xfrm>
+              <a:off x="3619418" y="4856594"/>
+              <a:ext cx="1530694" cy="1510615"/>
+            </a:xfrm>
+            <a:prstGeom prst="rect">
+              <a:avLst/>
+            </a:prstGeom>
+          </p:spPr>
+        </p:pic>
+      </p:grpSp>
+    </p:spTree>
+    <p:extLst>
+      <p:ext uri="{BB962C8B-B14F-4D97-AF65-F5344CB8AC3E}">
+        <p14:creationId xmlns:p14="http://schemas.microsoft.com/office/powerpoint/2010/main" val="3979115751"/>
+      </p:ext>
+    </p:extLst>
+  </p:cSld>
+  <p:clrMapOvr>
+    <a:masterClrMapping/>
+  </p:clrMapOvr>
+  <p:timing>
+    <p:tnLst>
+      <p:par>
+        <p:cTn id="1" dur="indefinite" restart="never" nodeType="tmRoot">
+          <p:childTnLst>
+            <p:seq concurrent="1" nextAc="seek">
+              <p:cTn id="2" dur="indefinite" nodeType="mainSeq">
+                <p:childTnLst>
+                  <p:par>
+                    <p:cTn id="3" fill="hold">
+                      <p:stCondLst>
+                        <p:cond delay="indefinite"/>
+                      </p:stCondLst>
+                      <p:childTnLst>
+                        <p:par>
+                          <p:cTn id="4" fill="hold">
+                            <p:stCondLst>
+                              <p:cond delay="0"/>
+                            </p:stCondLst>
+                            <p:childTnLst>
+                              <p:par>
+                                <p:cTn id="5" presetID="1" presetClass="entr" presetSubtype="0" fill="hold" nodeType="clickEffect">
+                                  <p:stCondLst>
+                                    <p:cond delay="0"/>
+                                  </p:stCondLst>
+                                  <p:childTnLst>
+                                    <p:set>
+                                      <p:cBhvr>
+                                        <p:cTn id="6" dur="1" fill="hold">
+                                          <p:stCondLst>
+                                            <p:cond delay="0"/>
+                                          </p:stCondLst>
+                                        </p:cTn>
+                                        <p:tgtEl>
+                                          <p:spTgt spid="3"/>
+                                        </p:tgtEl>
+                                        <p:attrNameLst>
+                                          <p:attrName>style.visibility</p:attrName>
+                                        </p:attrNameLst>
+                                      </p:cBhvr>
+                                      <p:to>
+                                        <p:strVal val="visible"/>
+                                      </p:to>
+                                    </p:set>
+                                  </p:childTnLst>
+                                </p:cTn>
+                              </p:par>
+                            </p:childTnLst>
+                          </p:cTn>
+                        </p:par>
+                      </p:childTnLst>
+                    </p:cTn>
+                  </p:par>
+                </p:childTnLst>
+              </p:cTn>
+              <p:prevCondLst>
+                <p:cond evt="onPrev" delay="0">
+                  <p:tgtEl>
+                    <p:sldTgt/>
+                  </p:tgtEl>
+                </p:cond>
+              </p:prevCondLst>
+              <p:nextCondLst>
+                <p:cond evt="onNext" delay="0">
+                  <p:tgtEl>
+                    <p:sldTgt/>
+                  </p:tgtEl>
+                </p:cond>
+              </p:nextCondLst>
+            </p:seq>
+          </p:childTnLst>
+        </p:cTn>
+      </p:par>
+    </p:tnLst>
+  </p:timing>
+</p:sld>
+</file>
+
+<file path=ppt/slides/slide6.xml><?xml version="1.0" encoding="utf-8"?>
+<p:sld xmlns:a="http://schemas.openxmlformats.org/drawingml/2006/main" xmlns:r="http://schemas.openxmlformats.org/officeDocument/2006/relationships" xmlns:p="http://schemas.openxmlformats.org/presentationml/2006/main">
+  <p:cSld>
+    <p:spTree>
+      <p:nvGrpSpPr>
+        <p:cNvPr id="1" name=""/>
+        <p:cNvGrpSpPr/>
+        <p:nvPr/>
+      </p:nvGrpSpPr>
+      <p:grpSpPr>
+        <a:xfrm>
+          <a:off x="0" y="0"/>
+          <a:ext cx="0" cy="0"/>
+          <a:chOff x="0" y="0"/>
+          <a:chExt cx="0" cy="0"/>
+        </a:xfrm>
+      </p:grpSpPr>
+      <p:sp>
+        <p:nvSpPr>
+          <p:cNvPr id="2" name="כותרת 1"/>
+          <p:cNvSpPr>
+            <a:spLocks noGrp="1"/>
+          </p:cNvSpPr>
+          <p:nvPr>
+            <p:ph type="title"/>
+          </p:nvPr>
+        </p:nvSpPr>
+        <p:spPr>
+          <a:xfrm>
+            <a:off x="1334812" y="748962"/>
+            <a:ext cx="5990898" cy="788916"/>
+          </a:xfrm>
+        </p:spPr>
+        <p:txBody>
+          <a:bodyPr>
+            <a:noAutofit/>
+          </a:bodyPr>
+          <a:lstStyle/>
+          <a:p>
+            <a:pPr algn="l" rtl="0"/>
+            <a:r>
+              <a:rPr lang="en-US" sz="5100" b="1" dirty="0">
+                <a:cs typeface="+mn-cs"/>
+              </a:rPr>
+              <a:t>Data Cleaning (cont.):</a:t>
             </a:r>
           </a:p>
         </p:txBody>
@@ -6387,68 +11582,68 @@
             </a:pPr>
             <a:r>
               <a:rPr lang="en-US" sz="3600" dirty="0"/>
-              <a:t>1. 25% (</a:t>
+              <a:t>2. Filtration of only properties which are located in the state of Washington, based on the ‘neighborhood’ filed:</a:t>
+            </a:r>
+          </a:p>
+          <a:p>
+            <a:pPr marL="0" indent="0" algn="just" rtl="0">
+              <a:lnSpc>
+                <a:spcPct val="100000"/>
+              </a:lnSpc>
+              <a:buFont typeface="Arial" panose="020B0604020202020204" pitchFamily="34" charset="0"/>
+              <a:buNone/>
+            </a:pPr>
+            <a:endParaRPr lang="en-US" sz="3600" dirty="0"/>
+          </a:p>
+          <a:p>
+            <a:pPr marL="0" indent="0" algn="just" rtl="0">
+              <a:lnSpc>
+                <a:spcPct val="100000"/>
+              </a:lnSpc>
+              <a:buFont typeface="Arial" panose="020B0604020202020204" pitchFamily="34" charset="0"/>
+              <a:buNone/>
+            </a:pPr>
+            <a:r>
+              <a:rPr lang="en-US" sz="1800" dirty="0"/>
+              <a:t>listings_clean_missing_values_Washington   </a:t>
+            </a:r>
+          </a:p>
+          <a:p>
+            <a:pPr marL="0" indent="0" algn="just" rtl="0">
+              <a:lnSpc>
+                <a:spcPct val="100000"/>
+              </a:lnSpc>
+              <a:buFont typeface="Arial" panose="020B0604020202020204" pitchFamily="34" charset="0"/>
+              <a:buNone/>
+            </a:pPr>
+            <a:r>
+              <a:rPr lang="en-US" sz="1800" dirty="0"/>
+              <a:t>= listings_clean_missing_values[listings_clean_missing_values['</a:t>
             </a:r>
             <a:r>
-              <a:rPr lang="en-US" sz="3600" u="sng" dirty="0"/>
-              <a:t>Q1</a:t>
+              <a:rPr lang="en-US" sz="1800" dirty="0" err="1"/>
+              <a:t>neighbourhood</a:t>
             </a:r>
             <a:r>
-              <a:rPr lang="en-US" sz="3600" dirty="0"/>
-              <a:t>) of the properties in Washington, United States are forecasted to have a Revenue between </a:t>
+              <a:rPr lang="en-US" sz="1800" dirty="0"/>
+              <a:t>'].</a:t>
             </a:r>
             <a:r>
-              <a:rPr lang="en-US" sz="3600" u="sng" dirty="0"/>
-              <a:t>55,927 USD to 2,190,000 USD</a:t>
+              <a:rPr lang="en-US" sz="1800" dirty="0" err="1"/>
+              <a:t>str.contains</a:t>
             </a:r>
             <a:r>
-              <a:rPr lang="en-US" sz="3600" dirty="0"/>
-              <a:t> in the Coming year.</a:t>
+              <a:rPr lang="en-US" sz="1800" dirty="0"/>
+              <a:t>("Washington")]</a:t>
             </a:r>
-          </a:p>
-          <a:p>
-            <a:pPr marL="0" indent="0" algn="ctr">
-              <a:buFont typeface="Arial" panose="020B0604020202020204" pitchFamily="34" charset="0"/>
-              <a:buNone/>
-            </a:pPr>
-            <a:endParaRPr lang="he-IL" dirty="0"/>
-          </a:p>
-        </p:txBody>
-      </p:sp>
-      <p:pic>
-        <p:nvPicPr>
-          <p:cNvPr id="7" name="Picture 6">
-            <a:extLst>
-              <a:ext uri="{FF2B5EF4-FFF2-40B4-BE49-F238E27FC236}">
-                <a16:creationId xmlns:a16="http://schemas.microsoft.com/office/drawing/2014/main" id="{1AA6979D-6FEC-BF14-3B44-732E12B33052}"/>
-              </a:ext>
-            </a:extLst>
-          </p:cNvPr>
-          <p:cNvPicPr>
-            <a:picLocks noChangeAspect="1"/>
-          </p:cNvPicPr>
-          <p:nvPr/>
-        </p:nvPicPr>
-        <p:blipFill>
-          <a:blip r:embed="rId3"/>
-          <a:stretch>
-            <a:fillRect/>
-          </a:stretch>
-        </p:blipFill>
-        <p:spPr>
-          <a:xfrm>
-            <a:off x="4847756" y="3757887"/>
-            <a:ext cx="4467280" cy="2180458"/>
-          </a:xfrm>
-          <a:prstGeom prst="rect">
-            <a:avLst/>
-          </a:prstGeom>
-        </p:spPr>
-      </p:pic>
+            <a:endParaRPr lang="he-IL" sz="1800" dirty="0"/>
+          </a:p>
+        </p:txBody>
+      </p:sp>
     </p:spTree>
     <p:extLst>
       <p:ext uri="{BB962C8B-B14F-4D97-AF65-F5344CB8AC3E}">
-        <p14:creationId xmlns:p14="http://schemas.microsoft.com/office/powerpoint/2010/main" val="3979115751"/>
+        <p14:creationId xmlns:p14="http://schemas.microsoft.com/office/powerpoint/2010/main" val="246616096"/>
       </p:ext>
     </p:extLst>
   </p:cSld>
@@ -6458,7 +11653,7 @@
 </p:sld>
 </file>
 
-<file path=ppt/slides/slide6.xml><?xml version="1.0" encoding="utf-8"?>
+<file path=ppt/slides/slide7.xml><?xml version="1.0" encoding="utf-8"?>
 <p:sld xmlns:a="http://schemas.openxmlformats.org/drawingml/2006/main" xmlns:r="http://schemas.openxmlformats.org/officeDocument/2006/relationships" xmlns:p="http://schemas.openxmlformats.org/presentationml/2006/main">
   <p:cSld>
     <p:spTree>
@@ -6502,7 +11697,7 @@
               <a:rPr lang="en-US" sz="5100" b="1" dirty="0">
                 <a:cs typeface="+mn-cs"/>
               </a:rPr>
-              <a:t>Results:</a:t>
+              <a:t>Data Analysis:</a:t>
             </a:r>
           </a:p>
         </p:txBody>
@@ -6752,34 +11947,73 @@
               <a:buFont typeface="Arial" panose="020B0604020202020204" pitchFamily="34" charset="0"/>
               <a:buNone/>
             </a:pPr>
+            <a:endParaRPr lang="he-IL" dirty="0"/>
+          </a:p>
+        </p:txBody>
+      </p:sp>
+      <p:sp>
+        <p:nvSpPr>
+          <p:cNvPr id="4" name="כותרת 1">
+            <a:extLst>
+              <a:ext uri="{FF2B5EF4-FFF2-40B4-BE49-F238E27FC236}">
+                <a16:creationId xmlns:a16="http://schemas.microsoft.com/office/drawing/2014/main" id="{18C13FE4-332D-2C92-6AF2-2F31660F39AF}"/>
+              </a:ext>
+            </a:extLst>
+          </p:cNvPr>
+          <p:cNvSpPr txBox="1">
+            <a:spLocks/>
+          </p:cNvSpPr>
+          <p:nvPr/>
+        </p:nvSpPr>
+        <p:spPr>
+          <a:xfrm>
+            <a:off x="1334812" y="1638046"/>
+            <a:ext cx="9948044" cy="788916"/>
+          </a:xfrm>
+          <a:prstGeom prst="rect">
+            <a:avLst/>
+          </a:prstGeom>
+        </p:spPr>
+        <p:txBody>
+          <a:bodyPr vert="horz" lIns="91440" tIns="45720" rIns="91440" bIns="45720" rtlCol="1" anchor="ctr">
+            <a:noAutofit/>
+          </a:bodyPr>
+          <a:lstStyle>
+            <a:lvl1pPr algn="r" defTabSz="914400" rtl="1" eaLnBrk="1" latinLnBrk="0" hangingPunct="1">
+              <a:lnSpc>
+                <a:spcPct val="90000"/>
+              </a:lnSpc>
+              <a:spcBef>
+                <a:spcPct val="0"/>
+              </a:spcBef>
+              <a:buNone/>
+              <a:defRPr sz="4400" kern="1200">
+                <a:solidFill>
+                  <a:schemeClr val="tx1"/>
+                </a:solidFill>
+                <a:latin typeface="+mj-lt"/>
+                <a:ea typeface="+mj-ea"/>
+                <a:cs typeface="+mj-cs"/>
+              </a:defRPr>
+            </a:lvl1pPr>
+          </a:lstStyle>
+          <a:p>
+            <a:pPr algn="l" rtl="0"/>
             <a:r>
-              <a:rPr lang="en-US" sz="3600" dirty="0"/>
-              <a:t>2. Significantly most of these Q1 properties’ type is </a:t>
+              <a:rPr lang="en-US" sz="3200" b="1" dirty="0">
+                <a:cs typeface="+mn-cs"/>
+              </a:rPr>
+              <a:t>Stage A: Trial to specify the KPI’s filtered properties population Top 25% (Q1) </a:t>
             </a:r>
-            <a:r>
-              <a:rPr lang="en-US" sz="3600" u="sng" dirty="0"/>
-              <a:t>Entire home</a:t>
-            </a:r>
-            <a:r>
-              <a:rPr lang="en-US" sz="3600" dirty="0"/>
-              <a:t>.</a:t>
-            </a:r>
-          </a:p>
-          <a:p>
-            <a:pPr marL="0" indent="0" algn="ctr">
-              <a:buFont typeface="Arial" panose="020B0604020202020204" pitchFamily="34" charset="0"/>
-              <a:buNone/>
-            </a:pPr>
-            <a:endParaRPr lang="he-IL" dirty="0"/>
           </a:p>
         </p:txBody>
       </p:sp>
       <p:pic>
         <p:nvPicPr>
-          <p:cNvPr id="3" name="Picture 2">
+          <p:cNvPr id="7" name="Picture 6">
             <a:extLst>
               <a:ext uri="{FF2B5EF4-FFF2-40B4-BE49-F238E27FC236}">
-                <a16:creationId xmlns:a16="http://schemas.microsoft.com/office/drawing/2014/main" id="{4425DFB3-CDE6-B803-E9F6-E82939EC4E1B}"/>
+                <a16:creationId xmlns:a16="http://schemas.microsoft.com/office/drawing/2014/main" id="{ADCE4600-A0AD-2092-5416-463BAF61AA64}"/>
               </a:ext>
             </a:extLst>
           </p:cNvPr>
@@ -6796,8 +12030,8 @@
         </p:blipFill>
         <p:spPr>
           <a:xfrm>
-            <a:off x="4719143" y="2182541"/>
-            <a:ext cx="6391681" cy="4123665"/>
+            <a:off x="1955194" y="3030987"/>
+            <a:ext cx="8707279" cy="2786808"/>
           </a:xfrm>
           <a:prstGeom prst="rect">
             <a:avLst/>
@@ -6817,7 +12051,7 @@
 </p:sld>
 </file>
 
-<file path=ppt/slides/slide7.xml><?xml version="1.0" encoding="utf-8"?>
+<file path=ppt/slides/slide8.xml><?xml version="1.0" encoding="utf-8"?>
 <p:sld xmlns:a="http://schemas.openxmlformats.org/drawingml/2006/main" xmlns:r="http://schemas.openxmlformats.org/officeDocument/2006/relationships" xmlns:p="http://schemas.openxmlformats.org/presentationml/2006/main">
   <p:cSld>
     <p:spTree>
@@ -6861,7 +12095,7 @@
               <a:rPr lang="en-US" sz="5100" b="1" dirty="0">
                 <a:cs typeface="+mn-cs"/>
               </a:rPr>
-              <a:t>Results:</a:t>
+              <a:t>Data Analysis:</a:t>
             </a:r>
           </a:p>
         </p:txBody>
@@ -6923,8 +12157,8 @@
         </p:nvSpPr>
         <p:spPr>
           <a:xfrm>
-            <a:off x="1334813" y="1537879"/>
-            <a:ext cx="10562898" cy="503014"/>
+            <a:off x="1334812" y="1537878"/>
+            <a:ext cx="10226567" cy="4883943"/>
           </a:xfrm>
           <a:prstGeom prst="rect">
             <a:avLst/>
@@ -6937,7 +12171,7 @@
         </p:spPr>
         <p:txBody>
           <a:bodyPr vert="horz" lIns="91440" tIns="45720" rIns="91440" bIns="45720" rtlCol="1">
-            <a:normAutofit lnSpcReduction="10000"/>
+            <a:normAutofit/>
           </a:bodyPr>
           <a:lstStyle>
             <a:lvl1pPr marL="228600" indent="-228600" algn="r" defTabSz="914400" rtl="1" eaLnBrk="1" latinLnBrk="0" hangingPunct="1">
@@ -7111,50 +12345,16 @@
               <a:buFont typeface="Arial" panose="020B0604020202020204" pitchFamily="34" charset="0"/>
               <a:buNone/>
             </a:pPr>
-            <a:r>
-              <a:rPr lang="en-US" dirty="0"/>
-              <a:t>3. All these </a:t>
-            </a:r>
-            <a:r>
-              <a:rPr lang="en-US" u="sng" dirty="0"/>
-              <a:t>Q1</a:t>
-            </a:r>
-            <a:r>
-              <a:rPr lang="en-US" dirty="0"/>
-              <a:t>/</a:t>
-            </a:r>
-            <a:r>
-              <a:rPr lang="en-US" u="sng" dirty="0"/>
-              <a:t>Entire </a:t>
-            </a:r>
-            <a:r>
-              <a:rPr lang="en-US" dirty="0"/>
-              <a:t>home Property Type are in </a:t>
-            </a:r>
-            <a:r>
-              <a:rPr lang="en-US" u="sng" dirty="0"/>
-              <a:t>Seattle</a:t>
-            </a:r>
-            <a:r>
-              <a:rPr lang="en-US" dirty="0"/>
-              <a:t>.</a:t>
-            </a:r>
-          </a:p>
-          <a:p>
-            <a:pPr marL="0" indent="0" algn="ctr">
-              <a:buFont typeface="Arial" panose="020B0604020202020204" pitchFamily="34" charset="0"/>
-              <a:buNone/>
-            </a:pPr>
             <a:endParaRPr lang="he-IL" dirty="0"/>
           </a:p>
         </p:txBody>
       </p:sp>
       <p:sp>
         <p:nvSpPr>
-          <p:cNvPr id="7" name="Content Placeholder 21">
+          <p:cNvPr id="4" name="כותרת 1">
             <a:extLst>
               <a:ext uri="{FF2B5EF4-FFF2-40B4-BE49-F238E27FC236}">
-                <a16:creationId xmlns:a16="http://schemas.microsoft.com/office/drawing/2014/main" id="{88E7C451-8226-DC8E-26F8-3FF4754BC144}"/>
+                <a16:creationId xmlns:a16="http://schemas.microsoft.com/office/drawing/2014/main" id="{18C13FE4-332D-2C92-6AF2-2F31660F39AF}"/>
               </a:ext>
             </a:extLst>
           </p:cNvPr>
@@ -7165,541 +12365,380 @@
         </p:nvSpPr>
         <p:spPr>
           <a:xfrm>
-            <a:off x="1334812" y="2229675"/>
-            <a:ext cx="10562898" cy="503014"/>
-          </a:xfrm>
-          <a:prstGeom prst="rect">
-            <a:avLst/>
-          </a:prstGeom>
-          <a:ln w="50800">
-            <a:solidFill>
-              <a:schemeClr val="accent1"/>
-            </a:solidFill>
-          </a:ln>
-        </p:spPr>
-        <p:txBody>
-          <a:bodyPr vert="horz" lIns="91440" tIns="45720" rIns="91440" bIns="45720" rtlCol="1">
-            <a:normAutofit fontScale="85000" lnSpcReduction="10000"/>
-          </a:bodyPr>
-          <a:lstStyle>
-            <a:lvl1pPr marL="228600" indent="-228600" algn="r" defTabSz="914400" rtl="1" eaLnBrk="1" latinLnBrk="0" hangingPunct="1">
-              <a:lnSpc>
-                <a:spcPct val="90000"/>
-              </a:lnSpc>
-              <a:spcBef>
-                <a:spcPts val="1000"/>
-              </a:spcBef>
-              <a:buFont typeface="Arial" panose="020B0604020202020204" pitchFamily="34" charset="0"/>
-              <a:buChar char="•"/>
-              <a:defRPr sz="2800" kern="1200">
-                <a:solidFill>
-                  <a:schemeClr val="tx1"/>
-                </a:solidFill>
-                <a:latin typeface="+mn-lt"/>
-                <a:ea typeface="+mn-ea"/>
-                <a:cs typeface="+mn-cs"/>
-              </a:defRPr>
-            </a:lvl1pPr>
-            <a:lvl2pPr marL="685800" indent="-228600" algn="r" defTabSz="914400" rtl="1" eaLnBrk="1" latinLnBrk="0" hangingPunct="1">
-              <a:lnSpc>
-                <a:spcPct val="90000"/>
-              </a:lnSpc>
-              <a:spcBef>
-                <a:spcPts val="500"/>
-              </a:spcBef>
-              <a:buFont typeface="Arial" panose="020B0604020202020204" pitchFamily="34" charset="0"/>
-              <a:buChar char="•"/>
-              <a:defRPr sz="2400" kern="1200">
-                <a:solidFill>
-                  <a:schemeClr val="tx1"/>
-                </a:solidFill>
-                <a:latin typeface="+mn-lt"/>
-                <a:ea typeface="+mn-ea"/>
-                <a:cs typeface="+mn-cs"/>
-              </a:defRPr>
-            </a:lvl2pPr>
-            <a:lvl3pPr marL="1143000" indent="-228600" algn="r" defTabSz="914400" rtl="1" eaLnBrk="1" latinLnBrk="0" hangingPunct="1">
-              <a:lnSpc>
-                <a:spcPct val="90000"/>
-              </a:lnSpc>
-              <a:spcBef>
-                <a:spcPts val="500"/>
-              </a:spcBef>
-              <a:buFont typeface="Arial" panose="020B0604020202020204" pitchFamily="34" charset="0"/>
-              <a:buChar char="•"/>
-              <a:defRPr sz="2000" kern="1200">
-                <a:solidFill>
-                  <a:schemeClr val="tx1"/>
-                </a:solidFill>
-                <a:latin typeface="+mn-lt"/>
-                <a:ea typeface="+mn-ea"/>
-                <a:cs typeface="+mn-cs"/>
-              </a:defRPr>
-            </a:lvl3pPr>
-            <a:lvl4pPr marL="1600200" indent="-228600" algn="r" defTabSz="914400" rtl="1" eaLnBrk="1" latinLnBrk="0" hangingPunct="1">
-              <a:lnSpc>
-                <a:spcPct val="90000"/>
-              </a:lnSpc>
-              <a:spcBef>
-                <a:spcPts val="500"/>
-              </a:spcBef>
-              <a:buFont typeface="Arial" panose="020B0604020202020204" pitchFamily="34" charset="0"/>
-              <a:buChar char="•"/>
-              <a:defRPr sz="1800" kern="1200">
-                <a:solidFill>
-                  <a:schemeClr val="tx1"/>
-                </a:solidFill>
-                <a:latin typeface="+mn-lt"/>
-                <a:ea typeface="+mn-ea"/>
-                <a:cs typeface="+mn-cs"/>
-              </a:defRPr>
-            </a:lvl4pPr>
-            <a:lvl5pPr marL="2057400" indent="-228600" algn="r" defTabSz="914400" rtl="1" eaLnBrk="1" latinLnBrk="0" hangingPunct="1">
-              <a:lnSpc>
-                <a:spcPct val="90000"/>
-              </a:lnSpc>
-              <a:spcBef>
-                <a:spcPts val="500"/>
-              </a:spcBef>
-              <a:buFont typeface="Arial" panose="020B0604020202020204" pitchFamily="34" charset="0"/>
-              <a:buChar char="•"/>
-              <a:defRPr sz="1800" kern="1200">
-                <a:solidFill>
-                  <a:schemeClr val="tx1"/>
-                </a:solidFill>
-                <a:latin typeface="+mn-lt"/>
-                <a:ea typeface="+mn-ea"/>
-                <a:cs typeface="+mn-cs"/>
-              </a:defRPr>
-            </a:lvl5pPr>
-            <a:lvl6pPr marL="2514600" indent="-228600" algn="r" defTabSz="914400" rtl="1" eaLnBrk="1" latinLnBrk="0" hangingPunct="1">
-              <a:lnSpc>
-                <a:spcPct val="90000"/>
-              </a:lnSpc>
-              <a:spcBef>
-                <a:spcPts val="500"/>
-              </a:spcBef>
-              <a:buFont typeface="Arial" panose="020B0604020202020204" pitchFamily="34" charset="0"/>
-              <a:buChar char="•"/>
-              <a:defRPr sz="1800" kern="1200">
-                <a:solidFill>
-                  <a:schemeClr val="tx1"/>
-                </a:solidFill>
-                <a:latin typeface="+mn-lt"/>
-                <a:ea typeface="+mn-ea"/>
-                <a:cs typeface="+mn-cs"/>
-              </a:defRPr>
-            </a:lvl6pPr>
-            <a:lvl7pPr marL="2971800" indent="-228600" algn="r" defTabSz="914400" rtl="1" eaLnBrk="1" latinLnBrk="0" hangingPunct="1">
-              <a:lnSpc>
-                <a:spcPct val="90000"/>
-              </a:lnSpc>
-              <a:spcBef>
-                <a:spcPts val="500"/>
-              </a:spcBef>
-              <a:buFont typeface="Arial" panose="020B0604020202020204" pitchFamily="34" charset="0"/>
-              <a:buChar char="•"/>
-              <a:defRPr sz="1800" kern="1200">
-                <a:solidFill>
-                  <a:schemeClr val="tx1"/>
-                </a:solidFill>
-                <a:latin typeface="+mn-lt"/>
-                <a:ea typeface="+mn-ea"/>
-                <a:cs typeface="+mn-cs"/>
-              </a:defRPr>
-            </a:lvl7pPr>
-            <a:lvl8pPr marL="3429000" indent="-228600" algn="r" defTabSz="914400" rtl="1" eaLnBrk="1" latinLnBrk="0" hangingPunct="1">
-              <a:lnSpc>
-                <a:spcPct val="90000"/>
-              </a:lnSpc>
-              <a:spcBef>
-                <a:spcPts val="500"/>
-              </a:spcBef>
-              <a:buFont typeface="Arial" panose="020B0604020202020204" pitchFamily="34" charset="0"/>
-              <a:buChar char="•"/>
-              <a:defRPr sz="1800" kern="1200">
-                <a:solidFill>
-                  <a:schemeClr val="tx1"/>
-                </a:solidFill>
-                <a:latin typeface="+mn-lt"/>
-                <a:ea typeface="+mn-ea"/>
-                <a:cs typeface="+mn-cs"/>
-              </a:defRPr>
-            </a:lvl8pPr>
-            <a:lvl9pPr marL="3886200" indent="-228600" algn="r" defTabSz="914400" rtl="1" eaLnBrk="1" latinLnBrk="0" hangingPunct="1">
-              <a:lnSpc>
-                <a:spcPct val="90000"/>
-              </a:lnSpc>
-              <a:spcBef>
-                <a:spcPts val="500"/>
-              </a:spcBef>
-              <a:buFont typeface="Arial" panose="020B0604020202020204" pitchFamily="34" charset="0"/>
-              <a:buChar char="•"/>
-              <a:defRPr sz="1800" kern="1200">
-                <a:solidFill>
-                  <a:schemeClr val="tx1"/>
-                </a:solidFill>
-                <a:latin typeface="+mn-lt"/>
-                <a:ea typeface="+mn-ea"/>
-                <a:cs typeface="+mn-cs"/>
-              </a:defRPr>
-            </a:lvl9pPr>
-          </a:lstStyle>
-          <a:p>
-            <a:pPr marL="0" indent="0" algn="l" rtl="0">
-              <a:lnSpc>
-                <a:spcPct val="100000"/>
-              </a:lnSpc>
-              <a:buFont typeface="Arial" panose="020B0604020202020204" pitchFamily="34" charset="0"/>
-              <a:buNone/>
-            </a:pPr>
-            <a:r>
-              <a:rPr lang="en-US" dirty="0"/>
-              <a:t>4. All these </a:t>
-            </a:r>
-            <a:r>
-              <a:rPr lang="en-US" u="sng" dirty="0"/>
-              <a:t>Q1</a:t>
-            </a:r>
-            <a:r>
-              <a:rPr lang="en-US" dirty="0"/>
-              <a:t>/</a:t>
-            </a:r>
-            <a:r>
-              <a:rPr lang="en-US" u="sng" dirty="0"/>
-              <a:t>Entire home</a:t>
-            </a:r>
-            <a:r>
-              <a:rPr lang="en-US" dirty="0"/>
-              <a:t>/</a:t>
-            </a:r>
-            <a:r>
-              <a:rPr lang="en-US" u="sng" dirty="0"/>
-              <a:t>Seattle</a:t>
-            </a:r>
-            <a:r>
-              <a:rPr lang="en-US" dirty="0"/>
-              <a:t> properties’ Room Type is </a:t>
-            </a:r>
-            <a:r>
-              <a:rPr lang="en-US" u="sng" dirty="0"/>
-              <a:t>Entire home/apt</a:t>
-            </a:r>
-            <a:r>
-              <a:rPr lang="en-US" dirty="0"/>
-              <a:t>.</a:t>
-            </a:r>
-          </a:p>
-          <a:p>
-            <a:pPr marL="0" indent="0" algn="ctr">
-              <a:buFont typeface="Arial" panose="020B0604020202020204" pitchFamily="34" charset="0"/>
-              <a:buNone/>
-            </a:pPr>
-            <a:endParaRPr lang="he-IL" dirty="0"/>
-          </a:p>
-        </p:txBody>
-      </p:sp>
-      <p:sp>
-        <p:nvSpPr>
-          <p:cNvPr id="9" name="Content Placeholder 21">
-            <a:extLst>
-              <a:ext uri="{FF2B5EF4-FFF2-40B4-BE49-F238E27FC236}">
-                <a16:creationId xmlns:a16="http://schemas.microsoft.com/office/drawing/2014/main" id="{06525356-D9EF-16DE-A4A4-B0E938A35276}"/>
-              </a:ext>
-            </a:extLst>
-          </p:cNvPr>
-          <p:cNvSpPr txBox="1">
-            <a:spLocks/>
-          </p:cNvSpPr>
-          <p:nvPr/>
-        </p:nvSpPr>
-        <p:spPr>
-          <a:xfrm>
-            <a:off x="1334812" y="2937236"/>
-            <a:ext cx="10562898" cy="3694791"/>
-          </a:xfrm>
-          <a:prstGeom prst="rect">
-            <a:avLst/>
-          </a:prstGeom>
-          <a:ln w="50800">
-            <a:solidFill>
-              <a:schemeClr val="accent1"/>
-            </a:solidFill>
-          </a:ln>
-        </p:spPr>
-        <p:txBody>
-          <a:bodyPr vert="horz" lIns="91440" tIns="45720" rIns="91440" bIns="45720" rtlCol="1">
-            <a:normAutofit/>
-          </a:bodyPr>
-          <a:lstStyle>
-            <a:lvl1pPr marL="228600" indent="-228600" algn="r" defTabSz="914400" rtl="1" eaLnBrk="1" latinLnBrk="0" hangingPunct="1">
-              <a:lnSpc>
-                <a:spcPct val="90000"/>
-              </a:lnSpc>
-              <a:spcBef>
-                <a:spcPts val="1000"/>
-              </a:spcBef>
-              <a:buFont typeface="Arial" panose="020B0604020202020204" pitchFamily="34" charset="0"/>
-              <a:buChar char="•"/>
-              <a:defRPr sz="2800" kern="1200">
-                <a:solidFill>
-                  <a:schemeClr val="tx1"/>
-                </a:solidFill>
-                <a:latin typeface="+mn-lt"/>
-                <a:ea typeface="+mn-ea"/>
-                <a:cs typeface="+mn-cs"/>
-              </a:defRPr>
-            </a:lvl1pPr>
-            <a:lvl2pPr marL="685800" indent="-228600" algn="r" defTabSz="914400" rtl="1" eaLnBrk="1" latinLnBrk="0" hangingPunct="1">
-              <a:lnSpc>
-                <a:spcPct val="90000"/>
-              </a:lnSpc>
-              <a:spcBef>
-                <a:spcPts val="500"/>
-              </a:spcBef>
-              <a:buFont typeface="Arial" panose="020B0604020202020204" pitchFamily="34" charset="0"/>
-              <a:buChar char="•"/>
-              <a:defRPr sz="2400" kern="1200">
-                <a:solidFill>
-                  <a:schemeClr val="tx1"/>
-                </a:solidFill>
-                <a:latin typeface="+mn-lt"/>
-                <a:ea typeface="+mn-ea"/>
-                <a:cs typeface="+mn-cs"/>
-              </a:defRPr>
-            </a:lvl2pPr>
-            <a:lvl3pPr marL="1143000" indent="-228600" algn="r" defTabSz="914400" rtl="1" eaLnBrk="1" latinLnBrk="0" hangingPunct="1">
-              <a:lnSpc>
-                <a:spcPct val="90000"/>
-              </a:lnSpc>
-              <a:spcBef>
-                <a:spcPts val="500"/>
-              </a:spcBef>
-              <a:buFont typeface="Arial" panose="020B0604020202020204" pitchFamily="34" charset="0"/>
-              <a:buChar char="•"/>
-              <a:defRPr sz="2000" kern="1200">
-                <a:solidFill>
-                  <a:schemeClr val="tx1"/>
-                </a:solidFill>
-                <a:latin typeface="+mn-lt"/>
-                <a:ea typeface="+mn-ea"/>
-                <a:cs typeface="+mn-cs"/>
-              </a:defRPr>
-            </a:lvl3pPr>
-            <a:lvl4pPr marL="1600200" indent="-228600" algn="r" defTabSz="914400" rtl="1" eaLnBrk="1" latinLnBrk="0" hangingPunct="1">
-              <a:lnSpc>
-                <a:spcPct val="90000"/>
-              </a:lnSpc>
-              <a:spcBef>
-                <a:spcPts val="500"/>
-              </a:spcBef>
-              <a:buFont typeface="Arial" panose="020B0604020202020204" pitchFamily="34" charset="0"/>
-              <a:buChar char="•"/>
-              <a:defRPr sz="1800" kern="1200">
-                <a:solidFill>
-                  <a:schemeClr val="tx1"/>
-                </a:solidFill>
-                <a:latin typeface="+mn-lt"/>
-                <a:ea typeface="+mn-ea"/>
-                <a:cs typeface="+mn-cs"/>
-              </a:defRPr>
-            </a:lvl4pPr>
-            <a:lvl5pPr marL="2057400" indent="-228600" algn="r" defTabSz="914400" rtl="1" eaLnBrk="1" latinLnBrk="0" hangingPunct="1">
-              <a:lnSpc>
-                <a:spcPct val="90000"/>
-              </a:lnSpc>
-              <a:spcBef>
-                <a:spcPts val="500"/>
-              </a:spcBef>
-              <a:buFont typeface="Arial" panose="020B0604020202020204" pitchFamily="34" charset="0"/>
-              <a:buChar char="•"/>
-              <a:defRPr sz="1800" kern="1200">
-                <a:solidFill>
-                  <a:schemeClr val="tx1"/>
-                </a:solidFill>
-                <a:latin typeface="+mn-lt"/>
-                <a:ea typeface="+mn-ea"/>
-                <a:cs typeface="+mn-cs"/>
-              </a:defRPr>
-            </a:lvl5pPr>
-            <a:lvl6pPr marL="2514600" indent="-228600" algn="r" defTabSz="914400" rtl="1" eaLnBrk="1" latinLnBrk="0" hangingPunct="1">
-              <a:lnSpc>
-                <a:spcPct val="90000"/>
-              </a:lnSpc>
-              <a:spcBef>
-                <a:spcPts val="500"/>
-              </a:spcBef>
-              <a:buFont typeface="Arial" panose="020B0604020202020204" pitchFamily="34" charset="0"/>
-              <a:buChar char="•"/>
-              <a:defRPr sz="1800" kern="1200">
-                <a:solidFill>
-                  <a:schemeClr val="tx1"/>
-                </a:solidFill>
-                <a:latin typeface="+mn-lt"/>
-                <a:ea typeface="+mn-ea"/>
-                <a:cs typeface="+mn-cs"/>
-              </a:defRPr>
-            </a:lvl6pPr>
-            <a:lvl7pPr marL="2971800" indent="-228600" algn="r" defTabSz="914400" rtl="1" eaLnBrk="1" latinLnBrk="0" hangingPunct="1">
-              <a:lnSpc>
-                <a:spcPct val="90000"/>
-              </a:lnSpc>
-              <a:spcBef>
-                <a:spcPts val="500"/>
-              </a:spcBef>
-              <a:buFont typeface="Arial" panose="020B0604020202020204" pitchFamily="34" charset="0"/>
-              <a:buChar char="•"/>
-              <a:defRPr sz="1800" kern="1200">
-                <a:solidFill>
-                  <a:schemeClr val="tx1"/>
-                </a:solidFill>
-                <a:latin typeface="+mn-lt"/>
-                <a:ea typeface="+mn-ea"/>
-                <a:cs typeface="+mn-cs"/>
-              </a:defRPr>
-            </a:lvl7pPr>
-            <a:lvl8pPr marL="3429000" indent="-228600" algn="r" defTabSz="914400" rtl="1" eaLnBrk="1" latinLnBrk="0" hangingPunct="1">
-              <a:lnSpc>
-                <a:spcPct val="90000"/>
-              </a:lnSpc>
-              <a:spcBef>
-                <a:spcPts val="500"/>
-              </a:spcBef>
-              <a:buFont typeface="Arial" panose="020B0604020202020204" pitchFamily="34" charset="0"/>
-              <a:buChar char="•"/>
-              <a:defRPr sz="1800" kern="1200">
-                <a:solidFill>
-                  <a:schemeClr val="tx1"/>
-                </a:solidFill>
-                <a:latin typeface="+mn-lt"/>
-                <a:ea typeface="+mn-ea"/>
-                <a:cs typeface="+mn-cs"/>
-              </a:defRPr>
-            </a:lvl8pPr>
-            <a:lvl9pPr marL="3886200" indent="-228600" algn="r" defTabSz="914400" rtl="1" eaLnBrk="1" latinLnBrk="0" hangingPunct="1">
-              <a:lnSpc>
-                <a:spcPct val="90000"/>
-              </a:lnSpc>
-              <a:spcBef>
-                <a:spcPts val="500"/>
-              </a:spcBef>
-              <a:buFont typeface="Arial" panose="020B0604020202020204" pitchFamily="34" charset="0"/>
-              <a:buChar char="•"/>
-              <a:defRPr sz="1800" kern="1200">
-                <a:solidFill>
-                  <a:schemeClr val="tx1"/>
-                </a:solidFill>
-                <a:latin typeface="+mn-lt"/>
-                <a:ea typeface="+mn-ea"/>
-                <a:cs typeface="+mn-cs"/>
-              </a:defRPr>
-            </a:lvl9pPr>
-          </a:lstStyle>
-          <a:p>
-            <a:pPr marL="0" indent="0" algn="l" rtl="0">
-              <a:lnSpc>
-                <a:spcPct val="100000"/>
-              </a:lnSpc>
-              <a:buFont typeface="Arial" panose="020B0604020202020204" pitchFamily="34" charset="0"/>
-              <a:buNone/>
-            </a:pPr>
-            <a:r>
-              <a:rPr lang="en-US" dirty="0"/>
-              <a:t>5. Significantly most common </a:t>
-            </a:r>
-            <a:r>
-              <a:rPr lang="en-US" u="sng" dirty="0"/>
-              <a:t>Q1</a:t>
-            </a:r>
-            <a:r>
-              <a:rPr lang="en-US" dirty="0"/>
-              <a:t> / </a:t>
-            </a:r>
-            <a:r>
-              <a:rPr lang="en-US" u="sng" dirty="0"/>
-              <a:t>Entire home</a:t>
-            </a:r>
-            <a:r>
-              <a:rPr lang="en-US" dirty="0"/>
-              <a:t> / </a:t>
-            </a:r>
-            <a:r>
-              <a:rPr lang="en-US" u="sng" dirty="0"/>
-              <a:t>Seattle</a:t>
-            </a:r>
-            <a:r>
-              <a:rPr lang="en-US" dirty="0"/>
-              <a:t> / </a:t>
-            </a:r>
-            <a:r>
-              <a:rPr lang="en-US" u="sng" dirty="0"/>
-              <a:t>Entire home/apt</a:t>
-            </a:r>
-            <a:r>
-              <a:rPr lang="en-US" dirty="0"/>
-              <a:t> properties are suitable to </a:t>
-            </a:r>
-          </a:p>
-          <a:p>
-            <a:pPr marL="0" indent="0" algn="l" rtl="0">
-              <a:lnSpc>
-                <a:spcPct val="100000"/>
-              </a:lnSpc>
-              <a:buFont typeface="Arial" panose="020B0604020202020204" pitchFamily="34" charset="0"/>
-              <a:buNone/>
-            </a:pPr>
-            <a:r>
-              <a:rPr lang="en-US" u="sng" dirty="0"/>
-              <a:t>Accommodate</a:t>
-            </a:r>
-            <a:r>
-              <a:rPr lang="en-US" dirty="0"/>
-              <a:t> 6 people.</a:t>
-            </a:r>
-          </a:p>
-          <a:p>
-            <a:pPr marL="0" indent="0" algn="ctr">
-              <a:buFont typeface="Arial" panose="020B0604020202020204" pitchFamily="34" charset="0"/>
-              <a:buNone/>
-            </a:pPr>
-            <a:endParaRPr lang="he-IL" dirty="0"/>
-          </a:p>
-        </p:txBody>
-      </p:sp>
-      <p:pic>
-        <p:nvPicPr>
-          <p:cNvPr id="3" name="Picture 2">
-            <a:extLst>
-              <a:ext uri="{FF2B5EF4-FFF2-40B4-BE49-F238E27FC236}">
-                <a16:creationId xmlns:a16="http://schemas.microsoft.com/office/drawing/2014/main" id="{5974D7CC-A46C-BCE4-A962-2F27880D0BBA}"/>
-              </a:ext>
-            </a:extLst>
-          </p:cNvPr>
-          <p:cNvPicPr>
-            <a:picLocks noChangeAspect="1"/>
-          </p:cNvPicPr>
-          <p:nvPr/>
-        </p:nvPicPr>
-        <p:blipFill>
-          <a:blip r:embed="rId4"/>
-          <a:stretch>
-            <a:fillRect/>
-          </a:stretch>
-        </p:blipFill>
-        <p:spPr>
-          <a:xfrm>
-            <a:off x="7282543" y="3582473"/>
-            <a:ext cx="4506686" cy="2948956"/>
+            <a:off x="1334812" y="1547312"/>
+            <a:ext cx="9948044" cy="788916"/>
           </a:xfrm>
           <a:prstGeom prst="rect">
             <a:avLst/>
           </a:prstGeom>
         </p:spPr>
+        <p:txBody>
+          <a:bodyPr vert="horz" lIns="91440" tIns="45720" rIns="91440" bIns="45720" rtlCol="1" anchor="ctr">
+            <a:noAutofit/>
+          </a:bodyPr>
+          <a:lstStyle>
+            <a:lvl1pPr algn="r" defTabSz="914400" rtl="1" eaLnBrk="1" latinLnBrk="0" hangingPunct="1">
+              <a:lnSpc>
+                <a:spcPct val="90000"/>
+              </a:lnSpc>
+              <a:spcBef>
+                <a:spcPct val="0"/>
+              </a:spcBef>
+              <a:buNone/>
+              <a:defRPr sz="4400" kern="1200">
+                <a:solidFill>
+                  <a:schemeClr val="tx1"/>
+                </a:solidFill>
+                <a:latin typeface="+mj-lt"/>
+                <a:ea typeface="+mj-ea"/>
+                <a:cs typeface="+mj-cs"/>
+              </a:defRPr>
+            </a:lvl1pPr>
+          </a:lstStyle>
+          <a:p>
+            <a:pPr algn="l" rtl="0"/>
+            <a:r>
+              <a:rPr lang="en-US" sz="3200" b="1" dirty="0">
+                <a:cs typeface="+mn-cs"/>
+              </a:rPr>
+              <a:t>Stage A: resulted in insignificant outcomes </a:t>
+            </a:r>
+          </a:p>
+        </p:txBody>
+      </p:sp>
+      <p:pic>
+        <p:nvPicPr>
+          <p:cNvPr id="1026" name="Picture 2">
+            <a:extLst>
+              <a:ext uri="{FF2B5EF4-FFF2-40B4-BE49-F238E27FC236}">
+                <a16:creationId xmlns:a16="http://schemas.microsoft.com/office/drawing/2014/main" id="{F999FCB8-C8F0-348D-0193-6C4DC817A784}"/>
+              </a:ext>
+            </a:extLst>
+          </p:cNvPr>
+          <p:cNvPicPr>
+            <a:picLocks noChangeAspect="1" noChangeArrowheads="1"/>
+          </p:cNvPicPr>
+          <p:nvPr/>
+        </p:nvPicPr>
+        <p:blipFill>
+          <a:blip r:embed="rId4">
+            <a:extLst>
+              <a:ext uri="{28A0092B-C50C-407E-A947-70E740481C1C}">
+                <a14:useLocalDpi xmlns:a14="http://schemas.microsoft.com/office/drawing/2010/main" val="0"/>
+              </a:ext>
+            </a:extLst>
+          </a:blip>
+          <a:srcRect/>
+          <a:stretch>
+            <a:fillRect/>
+          </a:stretch>
+        </p:blipFill>
+        <p:spPr bwMode="auto">
+          <a:xfrm>
+            <a:off x="1512909" y="2326794"/>
+            <a:ext cx="2498757" cy="1814282"/>
+          </a:xfrm>
+          <a:prstGeom prst="rect">
+            <a:avLst/>
+          </a:prstGeom>
+          <a:noFill/>
+          <a:extLst>
+            <a:ext uri="{909E8E84-426E-40DD-AFC4-6F175D3DCCD1}">
+              <a14:hiddenFill xmlns:a14="http://schemas.microsoft.com/office/drawing/2010/main">
+                <a:solidFill>
+                  <a:srgbClr val="FFFFFF"/>
+                </a:solidFill>
+              </a14:hiddenFill>
+            </a:ext>
+          </a:extLst>
+        </p:spPr>
+      </p:pic>
+      <p:pic>
+        <p:nvPicPr>
+          <p:cNvPr id="1028" name="Picture 4">
+            <a:extLst>
+              <a:ext uri="{FF2B5EF4-FFF2-40B4-BE49-F238E27FC236}">
+                <a16:creationId xmlns:a16="http://schemas.microsoft.com/office/drawing/2014/main" id="{BD202FC0-B5FE-2464-7A4B-5CD6871B4468}"/>
+              </a:ext>
+            </a:extLst>
+          </p:cNvPr>
+          <p:cNvPicPr>
+            <a:picLocks noChangeAspect="1" noChangeArrowheads="1"/>
+          </p:cNvPicPr>
+          <p:nvPr/>
+        </p:nvPicPr>
+        <p:blipFill>
+          <a:blip r:embed="rId5">
+            <a:extLst>
+              <a:ext uri="{28A0092B-C50C-407E-A947-70E740481C1C}">
+                <a14:useLocalDpi xmlns:a14="http://schemas.microsoft.com/office/drawing/2010/main" val="0"/>
+              </a:ext>
+            </a:extLst>
+          </a:blip>
+          <a:srcRect/>
+          <a:stretch>
+            <a:fillRect/>
+          </a:stretch>
+        </p:blipFill>
+        <p:spPr bwMode="auto">
+          <a:xfrm>
+            <a:off x="4125331" y="2314106"/>
+            <a:ext cx="2301750" cy="1826970"/>
+          </a:xfrm>
+          <a:prstGeom prst="rect">
+            <a:avLst/>
+          </a:prstGeom>
+          <a:noFill/>
+          <a:extLst>
+            <a:ext uri="{909E8E84-426E-40DD-AFC4-6F175D3DCCD1}">
+              <a14:hiddenFill xmlns:a14="http://schemas.microsoft.com/office/drawing/2010/main">
+                <a:solidFill>
+                  <a:srgbClr val="FFFFFF"/>
+                </a:solidFill>
+              </a14:hiddenFill>
+            </a:ext>
+          </a:extLst>
+        </p:spPr>
+      </p:pic>
+      <p:pic>
+        <p:nvPicPr>
+          <p:cNvPr id="1030" name="Picture 6">
+            <a:extLst>
+              <a:ext uri="{FF2B5EF4-FFF2-40B4-BE49-F238E27FC236}">
+                <a16:creationId xmlns:a16="http://schemas.microsoft.com/office/drawing/2014/main" id="{93B45F09-2B69-8629-D79E-BFFB61DB7E85}"/>
+              </a:ext>
+            </a:extLst>
+          </p:cNvPr>
+          <p:cNvPicPr>
+            <a:picLocks noChangeAspect="1" noChangeArrowheads="1"/>
+          </p:cNvPicPr>
+          <p:nvPr/>
+        </p:nvPicPr>
+        <p:blipFill>
+          <a:blip r:embed="rId6">
+            <a:extLst>
+              <a:ext uri="{28A0092B-C50C-407E-A947-70E740481C1C}">
+                <a14:useLocalDpi xmlns:a14="http://schemas.microsoft.com/office/drawing/2010/main" val="0"/>
+              </a:ext>
+            </a:extLst>
+          </a:blip>
+          <a:srcRect/>
+          <a:stretch>
+            <a:fillRect/>
+          </a:stretch>
+        </p:blipFill>
+        <p:spPr bwMode="auto">
+          <a:xfrm>
+            <a:off x="6540746" y="2314106"/>
+            <a:ext cx="2265472" cy="1826970"/>
+          </a:xfrm>
+          <a:prstGeom prst="rect">
+            <a:avLst/>
+          </a:prstGeom>
+          <a:noFill/>
+          <a:extLst>
+            <a:ext uri="{909E8E84-426E-40DD-AFC4-6F175D3DCCD1}">
+              <a14:hiddenFill xmlns:a14="http://schemas.microsoft.com/office/drawing/2010/main">
+                <a:solidFill>
+                  <a:srgbClr val="FFFFFF"/>
+                </a:solidFill>
+              </a14:hiddenFill>
+            </a:ext>
+          </a:extLst>
+        </p:spPr>
+      </p:pic>
+      <p:pic>
+        <p:nvPicPr>
+          <p:cNvPr id="1032" name="Picture 8">
+            <a:extLst>
+              <a:ext uri="{FF2B5EF4-FFF2-40B4-BE49-F238E27FC236}">
+                <a16:creationId xmlns:a16="http://schemas.microsoft.com/office/drawing/2014/main" id="{C888E5F5-7F08-06F8-B91F-267DC469F344}"/>
+              </a:ext>
+            </a:extLst>
+          </p:cNvPr>
+          <p:cNvPicPr>
+            <a:picLocks noChangeAspect="1" noChangeArrowheads="1"/>
+          </p:cNvPicPr>
+          <p:nvPr/>
+        </p:nvPicPr>
+        <p:blipFill>
+          <a:blip r:embed="rId7">
+            <a:extLst>
+              <a:ext uri="{28A0092B-C50C-407E-A947-70E740481C1C}">
+                <a14:useLocalDpi xmlns:a14="http://schemas.microsoft.com/office/drawing/2010/main" val="0"/>
+              </a:ext>
+            </a:extLst>
+          </a:blip>
+          <a:srcRect/>
+          <a:stretch>
+            <a:fillRect/>
+          </a:stretch>
+        </p:blipFill>
+        <p:spPr bwMode="auto">
+          <a:xfrm>
+            <a:off x="8823314" y="2301522"/>
+            <a:ext cx="2550237" cy="1839554"/>
+          </a:xfrm>
+          <a:prstGeom prst="rect">
+            <a:avLst/>
+          </a:prstGeom>
+          <a:noFill/>
+          <a:extLst>
+            <a:ext uri="{909E8E84-426E-40DD-AFC4-6F175D3DCCD1}">
+              <a14:hiddenFill xmlns:a14="http://schemas.microsoft.com/office/drawing/2010/main">
+                <a:solidFill>
+                  <a:srgbClr val="FFFFFF"/>
+                </a:solidFill>
+              </a14:hiddenFill>
+            </a:ext>
+          </a:extLst>
+        </p:spPr>
+      </p:pic>
+      <p:pic>
+        <p:nvPicPr>
+          <p:cNvPr id="1034" name="Picture 10">
+            <a:extLst>
+              <a:ext uri="{FF2B5EF4-FFF2-40B4-BE49-F238E27FC236}">
+                <a16:creationId xmlns:a16="http://schemas.microsoft.com/office/drawing/2014/main" id="{92DC4BA1-E55D-F9C8-6C7D-2ABC293E10EE}"/>
+              </a:ext>
+            </a:extLst>
+          </p:cNvPr>
+          <p:cNvPicPr>
+            <a:picLocks noChangeAspect="1" noChangeArrowheads="1"/>
+          </p:cNvPicPr>
+          <p:nvPr/>
+        </p:nvPicPr>
+        <p:blipFill>
+          <a:blip r:embed="rId8">
+            <a:extLst>
+              <a:ext uri="{28A0092B-C50C-407E-A947-70E740481C1C}">
+                <a14:useLocalDpi xmlns:a14="http://schemas.microsoft.com/office/drawing/2010/main" val="0"/>
+              </a:ext>
+            </a:extLst>
+          </a:blip>
+          <a:srcRect/>
+          <a:stretch>
+            <a:fillRect/>
+          </a:stretch>
+        </p:blipFill>
+        <p:spPr bwMode="auto">
+          <a:xfrm>
+            <a:off x="1508148" y="4579579"/>
+            <a:ext cx="3102703" cy="1624931"/>
+          </a:xfrm>
+          <a:prstGeom prst="rect">
+            <a:avLst/>
+          </a:prstGeom>
+          <a:noFill/>
+          <a:extLst>
+            <a:ext uri="{909E8E84-426E-40DD-AFC4-6F175D3DCCD1}">
+              <a14:hiddenFill xmlns:a14="http://schemas.microsoft.com/office/drawing/2010/main">
+                <a:solidFill>
+                  <a:srgbClr val="FFFFFF"/>
+                </a:solidFill>
+              </a14:hiddenFill>
+            </a:ext>
+          </a:extLst>
+        </p:spPr>
+      </p:pic>
+      <p:pic>
+        <p:nvPicPr>
+          <p:cNvPr id="1036" name="Picture 12">
+            <a:extLst>
+              <a:ext uri="{FF2B5EF4-FFF2-40B4-BE49-F238E27FC236}">
+                <a16:creationId xmlns:a16="http://schemas.microsoft.com/office/drawing/2014/main" id="{B48CB4C8-966A-CBC8-082F-52F087D2D26F}"/>
+              </a:ext>
+            </a:extLst>
+          </p:cNvPr>
+          <p:cNvPicPr>
+            <a:picLocks noChangeAspect="1" noChangeArrowheads="1"/>
+          </p:cNvPicPr>
+          <p:nvPr/>
+        </p:nvPicPr>
+        <p:blipFill>
+          <a:blip r:embed="rId9">
+            <a:extLst>
+              <a:ext uri="{28A0092B-C50C-407E-A947-70E740481C1C}">
+                <a14:useLocalDpi xmlns:a14="http://schemas.microsoft.com/office/drawing/2010/main" val="0"/>
+              </a:ext>
+            </a:extLst>
+          </a:blip>
+          <a:srcRect/>
+          <a:stretch>
+            <a:fillRect/>
+          </a:stretch>
+        </p:blipFill>
+        <p:spPr bwMode="auto">
+          <a:xfrm>
+            <a:off x="4916814" y="4627757"/>
+            <a:ext cx="2784039" cy="1593317"/>
+          </a:xfrm>
+          <a:prstGeom prst="rect">
+            <a:avLst/>
+          </a:prstGeom>
+          <a:noFill/>
+          <a:extLst>
+            <a:ext uri="{909E8E84-426E-40DD-AFC4-6F175D3DCCD1}">
+              <a14:hiddenFill xmlns:a14="http://schemas.microsoft.com/office/drawing/2010/main">
+                <a:solidFill>
+                  <a:srgbClr val="FFFFFF"/>
+                </a:solidFill>
+              </a14:hiddenFill>
+            </a:ext>
+          </a:extLst>
+        </p:spPr>
+      </p:pic>
+      <p:pic>
+        <p:nvPicPr>
+          <p:cNvPr id="1038" name="Picture 14">
+            <a:extLst>
+              <a:ext uri="{FF2B5EF4-FFF2-40B4-BE49-F238E27FC236}">
+                <a16:creationId xmlns:a16="http://schemas.microsoft.com/office/drawing/2014/main" id="{542FA7CE-E891-F377-BB4E-68EB74574E51}"/>
+              </a:ext>
+            </a:extLst>
+          </p:cNvPr>
+          <p:cNvPicPr>
+            <a:picLocks noChangeAspect="1" noChangeArrowheads="1"/>
+          </p:cNvPicPr>
+          <p:nvPr/>
+        </p:nvPicPr>
+        <p:blipFill>
+          <a:blip r:embed="rId10">
+            <a:extLst>
+              <a:ext uri="{28A0092B-C50C-407E-A947-70E740481C1C}">
+                <a14:useLocalDpi xmlns:a14="http://schemas.microsoft.com/office/drawing/2010/main" val="0"/>
+              </a:ext>
+            </a:extLst>
+          </a:blip>
+          <a:srcRect/>
+          <a:stretch>
+            <a:fillRect/>
+          </a:stretch>
+        </p:blipFill>
+        <p:spPr bwMode="auto">
+          <a:xfrm>
+            <a:off x="7906487" y="4701088"/>
+            <a:ext cx="3449258" cy="1593317"/>
+          </a:xfrm>
+          <a:prstGeom prst="rect">
+            <a:avLst/>
+          </a:prstGeom>
+          <a:noFill/>
+          <a:extLst>
+            <a:ext uri="{909E8E84-426E-40DD-AFC4-6F175D3DCCD1}">
+              <a14:hiddenFill xmlns:a14="http://schemas.microsoft.com/office/drawing/2010/main">
+                <a:solidFill>
+                  <a:srgbClr val="FFFFFF"/>
+                </a:solidFill>
+              </a14:hiddenFill>
+            </a:ext>
+          </a:extLst>
+        </p:spPr>
       </p:pic>
     </p:spTree>
     <p:extLst>
       <p:ext uri="{BB962C8B-B14F-4D97-AF65-F5344CB8AC3E}">
-        <p14:creationId xmlns:p14="http://schemas.microsoft.com/office/powerpoint/2010/main" val="3124295061"/>
+        <p14:creationId xmlns:p14="http://schemas.microsoft.com/office/powerpoint/2010/main" val="2396002602"/>
       </p:ext>
     </p:extLst>
   </p:cSld>
@@ -7709,7 +12748,7 @@
 </p:sld>
 </file>
 
-<file path=ppt/slides/slide8.xml><?xml version="1.0" encoding="utf-8"?>
+<file path=ppt/slides/slide9.xml><?xml version="1.0" encoding="utf-8"?>
 <p:sld xmlns:a="http://schemas.openxmlformats.org/drawingml/2006/main" xmlns:r="http://schemas.openxmlformats.org/officeDocument/2006/relationships" xmlns:p="http://schemas.openxmlformats.org/presentationml/2006/main">
   <p:cSld>
     <p:spTree>
@@ -7738,7 +12777,7 @@
         </p:nvSpPr>
         <p:spPr>
           <a:xfrm>
-            <a:off x="1187668" y="1480611"/>
+            <a:off x="1334812" y="748962"/>
             <a:ext cx="3846787" cy="788916"/>
           </a:xfrm>
         </p:spPr>
@@ -7753,7 +12792,7 @@
               <a:rPr lang="en-US" sz="5100" b="1" dirty="0">
                 <a:cs typeface="+mn-cs"/>
               </a:rPr>
-              <a:t>Conclusion:</a:t>
+              <a:t>Data Analysis:</a:t>
             </a:r>
           </a:p>
         </p:txBody>
@@ -7801,10 +12840,10 @@
       </p:pic>
       <p:sp>
         <p:nvSpPr>
-          <p:cNvPr id="3" name="Content Placeholder 21">
+          <p:cNvPr id="5" name="Content Placeholder 21">
             <a:extLst>
               <a:ext uri="{FF2B5EF4-FFF2-40B4-BE49-F238E27FC236}">
-                <a16:creationId xmlns:a16="http://schemas.microsoft.com/office/drawing/2014/main" id="{CD819408-1CBA-3D89-DF10-4E3D1647D6B8}"/>
+                <a16:creationId xmlns:a16="http://schemas.microsoft.com/office/drawing/2014/main" id="{6A87851E-57F1-0ADA-ECE1-00AC36696523}"/>
               </a:ext>
             </a:extLst>
           </p:cNvPr>
@@ -7815,8 +12854,8 @@
         </p:nvSpPr>
         <p:spPr>
           <a:xfrm>
-            <a:off x="1187668" y="2284586"/>
-            <a:ext cx="10260068" cy="2673605"/>
+            <a:off x="1334812" y="1537878"/>
+            <a:ext cx="10226567" cy="4883943"/>
           </a:xfrm>
           <a:prstGeom prst="rect">
             <a:avLst/>
@@ -7829,7 +12868,7 @@
         </p:spPr>
         <p:txBody>
           <a:bodyPr vert="horz" lIns="91440" tIns="45720" rIns="91440" bIns="45720" rtlCol="1">
-            <a:normAutofit fontScale="55000" lnSpcReduction="20000"/>
+            <a:normAutofit/>
           </a:bodyPr>
           <a:lstStyle>
             <a:lvl1pPr marL="228600" indent="-228600" algn="r" defTabSz="914400" rtl="1" eaLnBrk="1" latinLnBrk="0" hangingPunct="1">
@@ -7996,36 +13035,10 @@
             </a:lvl9pPr>
           </a:lstStyle>
           <a:p>
-            <a:pPr marL="0" indent="0" algn="just" rtl="0">
-              <a:lnSpc>
-                <a:spcPct val="170000"/>
-              </a:lnSpc>
-              <a:buFont typeface="Arial" panose="020B0604020202020204" pitchFamily="34" charset="0"/>
-              <a:buNone/>
-            </a:pPr>
-            <a:r>
-              <a:rPr lang="en-US" sz="5100" dirty="0"/>
-              <a:t>The properties with the highest Forecasted Revenue in Washington, United States in the coming year, according to Airbnb data are of </a:t>
-            </a:r>
-            <a:r>
-              <a:rPr lang="en-US" sz="5100" u="sng" dirty="0"/>
-              <a:t>Entire Home type, with Entire Home / Apartment room type, located in Seattle, and which are suitable </a:t>
-            </a:r>
-            <a:r>
-              <a:rPr lang="en-US" sz="5100" u="sng"/>
-              <a:t>to Accommodate </a:t>
-            </a:r>
-            <a:r>
-              <a:rPr lang="en-US" sz="5100" u="sng" dirty="0"/>
-              <a:t>6 people</a:t>
-            </a:r>
-            <a:r>
-              <a:rPr lang="en-US" sz="5100" dirty="0"/>
-              <a:t>.</a:t>
-            </a:r>
-          </a:p>
-          <a:p>
-            <a:pPr marL="0" indent="0" algn="ctr">
+            <a:pPr marL="0" indent="0" algn="l" rtl="0">
+              <a:lnSpc>
+                <a:spcPct val="100000"/>
+              </a:lnSpc>
               <a:buFont typeface="Arial" panose="020B0604020202020204" pitchFamily="34" charset="0"/>
               <a:buNone/>
             </a:pPr>
@@ -8033,201 +13046,599 @@
           </a:p>
         </p:txBody>
       </p:sp>
-    </p:spTree>
-    <p:extLst>
-      <p:ext uri="{BB962C8B-B14F-4D97-AF65-F5344CB8AC3E}">
-        <p14:creationId xmlns:p14="http://schemas.microsoft.com/office/powerpoint/2010/main" val="4232584337"/>
-      </p:ext>
-    </p:extLst>
-  </p:cSld>
-  <p:clrMapOvr>
-    <a:masterClrMapping/>
-  </p:clrMapOvr>
-</p:sld>
-</file>
-
-<file path=ppt/slides/slide9.xml><?xml version="1.0" encoding="utf-8"?>
-<p:sld xmlns:a="http://schemas.openxmlformats.org/drawingml/2006/main" xmlns:r="http://schemas.openxmlformats.org/officeDocument/2006/relationships" xmlns:p="http://schemas.openxmlformats.org/presentationml/2006/main">
-  <p:cSld>
-    <p:spTree>
-      <p:nvGrpSpPr>
-        <p:cNvPr id="1" name=""/>
-        <p:cNvGrpSpPr/>
-        <p:nvPr/>
-      </p:nvGrpSpPr>
-      <p:grpSpPr>
-        <a:xfrm>
-          <a:off x="0" y="0"/>
-          <a:ext cx="0" cy="0"/>
-          <a:chOff x="0" y="0"/>
-          <a:chExt cx="0" cy="0"/>
-        </a:xfrm>
-      </p:grpSpPr>
-      <p:pic>
-        <p:nvPicPr>
-          <p:cNvPr id="8" name="Picture 8" descr="File:Hebrew University Logo.svg - Wikimedia Commons"/>
-          <p:cNvPicPr>
-            <a:picLocks noChangeAspect="1" noChangeArrowheads="1"/>
-          </p:cNvPicPr>
-          <p:nvPr/>
-        </p:nvPicPr>
-        <p:blipFill>
-          <a:blip r:embed="rId2" cstate="print">
+      <p:sp>
+        <p:nvSpPr>
+          <p:cNvPr id="4" name="כותרת 1">
             <a:extLst>
-              <a:ext uri="{28A0092B-C50C-407E-A947-70E740481C1C}">
-                <a14:useLocalDpi xmlns:a14="http://schemas.microsoft.com/office/drawing/2010/main" val="0"/>
+              <a:ext uri="{FF2B5EF4-FFF2-40B4-BE49-F238E27FC236}">
+                <a16:creationId xmlns:a16="http://schemas.microsoft.com/office/drawing/2014/main" id="{18C13FE4-332D-2C92-6AF2-2F31660F39AF}"/>
               </a:ext>
             </a:extLst>
-          </a:blip>
-          <a:srcRect/>
-          <a:stretch>
-            <a:fillRect/>
-          </a:stretch>
-        </p:blipFill>
-        <p:spPr bwMode="auto">
+          </p:cNvPr>
+          <p:cNvSpPr txBox="1">
+            <a:spLocks/>
+          </p:cNvSpPr>
+          <p:nvPr/>
+        </p:nvSpPr>
+        <p:spPr>
           <a:xfrm>
-            <a:off x="275404" y="156177"/>
-            <a:ext cx="721108" cy="1324434"/>
+            <a:off x="1334812" y="1638046"/>
+            <a:ext cx="9948044" cy="788916"/>
           </a:xfrm>
           <a:prstGeom prst="rect">
             <a:avLst/>
           </a:prstGeom>
-          <a:noFill/>
-          <a:extLst>
-            <a:ext uri="{909E8E84-426E-40DD-AFC4-6F175D3DCCD1}">
-              <a14:hiddenFill xmlns:a14="http://schemas.microsoft.com/office/drawing/2010/main">
-                <a:solidFill>
-                  <a:srgbClr val="FFFFFF"/>
-                </a:solidFill>
-              </a14:hiddenFill>
-            </a:ext>
-          </a:extLst>
         </p:spPr>
-      </p:pic>
-      <p:sp>
-        <p:nvSpPr>
-          <p:cNvPr id="7" name="TextBox 6">
+        <p:txBody>
+          <a:bodyPr vert="horz" lIns="91440" tIns="45720" rIns="91440" bIns="45720" rtlCol="1" anchor="ctr">
+            <a:noAutofit/>
+          </a:bodyPr>
+          <a:lstStyle>
+            <a:lvl1pPr algn="r" defTabSz="914400" rtl="1" eaLnBrk="1" latinLnBrk="0" hangingPunct="1">
+              <a:lnSpc>
+                <a:spcPct val="90000"/>
+              </a:lnSpc>
+              <a:spcBef>
+                <a:spcPct val="0"/>
+              </a:spcBef>
+              <a:buNone/>
+              <a:defRPr sz="4400" kern="1200">
+                <a:solidFill>
+                  <a:schemeClr val="tx1"/>
+                </a:solidFill>
+                <a:latin typeface="+mj-lt"/>
+                <a:ea typeface="+mj-ea"/>
+                <a:cs typeface="+mj-cs"/>
+              </a:defRPr>
+            </a:lvl1pPr>
+          </a:lstStyle>
+          <a:p>
+            <a:pPr algn="l" rtl="0"/>
+            <a:r>
+              <a:rPr lang="en-US" sz="3200" b="1" dirty="0">
+                <a:cs typeface="+mn-cs"/>
+              </a:rPr>
+              <a:t>Stage A: resulted in insignificant outcomes </a:t>
+            </a:r>
+          </a:p>
+        </p:txBody>
+      </p:sp>
+      <p:graphicFrame>
+        <p:nvGraphicFramePr>
+          <p:cNvPr id="6" name="Table 5">
             <a:extLst>
               <a:ext uri="{FF2B5EF4-FFF2-40B4-BE49-F238E27FC236}">
-                <a16:creationId xmlns:a16="http://schemas.microsoft.com/office/drawing/2014/main" id="{D07B8255-2FE1-10E9-07CC-6AB3413267EA}"/>
+                <a16:creationId xmlns:a16="http://schemas.microsoft.com/office/drawing/2014/main" id="{A1688815-74C7-03C3-DDE2-45AA286597BE}"/>
               </a:ext>
             </a:extLst>
           </p:cNvPr>
-          <p:cNvSpPr txBox="1"/>
-          <p:nvPr/>
-        </p:nvSpPr>
-        <p:spPr>
-          <a:xfrm>
-            <a:off x="1765739" y="2060901"/>
-            <a:ext cx="9659006" cy="1015663"/>
-          </a:xfrm>
-          <a:prstGeom prst="rect">
-            <a:avLst/>
-          </a:prstGeom>
-          <a:solidFill>
-            <a:schemeClr val="accent1">
-              <a:lumMod val="60000"/>
-              <a:lumOff val="40000"/>
-            </a:schemeClr>
-          </a:solidFill>
-        </p:spPr>
-        <p:txBody>
-          <a:bodyPr wrap="square" rtlCol="0">
-            <a:spAutoFit/>
-          </a:bodyPr>
-          <a:lstStyle>
-            <a:defPPr>
-              <a:defRPr lang="en-US"/>
-            </a:defPPr>
-            <a:lvl1pPr>
-              <a:defRPr sz="4400" b="1">
-                <a:solidFill>
-                  <a:schemeClr val="bg1"/>
-                </a:solidFill>
-                <a:effectLst>
-                  <a:outerShdw blurRad="38100" dist="38100" dir="2700000" algn="tl">
-                    <a:srgbClr val="000000">
-                      <a:alpha val="43137"/>
-                    </a:srgbClr>
-                  </a:outerShdw>
-                </a:effectLst>
-              </a:defRPr>
-            </a:lvl1pPr>
-          </a:lstStyle>
-          <a:p>
-            <a:pPr algn="ctr" rtl="0"/>
-            <a:r>
-              <a:rPr lang="en-US" sz="6000" dirty="0"/>
-              <a:t>Thank you for your attention!</a:t>
-            </a:r>
-            <a:endParaRPr lang="en-IL" sz="6000" dirty="0"/>
-          </a:p>
-        </p:txBody>
-      </p:sp>
-      <p:sp>
-        <p:nvSpPr>
-          <p:cNvPr id="9" name="TextBox 8">
-            <a:extLst>
-              <a:ext uri="{FF2B5EF4-FFF2-40B4-BE49-F238E27FC236}">
-                <a16:creationId xmlns:a16="http://schemas.microsoft.com/office/drawing/2014/main" id="{22BE6800-063D-BB92-65E5-D5723998ADE4}"/>
-              </a:ext>
-            </a:extLst>
-          </p:cNvPr>
-          <p:cNvSpPr txBox="1"/>
-          <p:nvPr/>
-        </p:nvSpPr>
-        <p:spPr>
-          <a:xfrm>
-            <a:off x="1765739" y="4430984"/>
-            <a:ext cx="9659006" cy="1015663"/>
-          </a:xfrm>
-          <a:prstGeom prst="rect">
-            <a:avLst/>
-          </a:prstGeom>
-          <a:solidFill>
-            <a:schemeClr val="accent1">
-              <a:lumMod val="60000"/>
-              <a:lumOff val="40000"/>
-            </a:schemeClr>
-          </a:solidFill>
-        </p:spPr>
-        <p:txBody>
-          <a:bodyPr wrap="square" rtlCol="0">
-            <a:spAutoFit/>
-          </a:bodyPr>
-          <a:lstStyle>
-            <a:defPPr>
-              <a:defRPr lang="en-US"/>
-            </a:defPPr>
-            <a:lvl1pPr>
-              <a:defRPr sz="4400" b="1">
-                <a:solidFill>
-                  <a:schemeClr val="bg1"/>
-                </a:solidFill>
-                <a:effectLst>
-                  <a:outerShdw blurRad="38100" dist="38100" dir="2700000" algn="tl">
-                    <a:srgbClr val="000000">
-                      <a:alpha val="43137"/>
-                    </a:srgbClr>
-                  </a:outerShdw>
-                </a:effectLst>
-              </a:defRPr>
-            </a:lvl1pPr>
-          </a:lstStyle>
-          <a:p>
-            <a:pPr algn="ctr" rtl="0"/>
-            <a:r>
-              <a:rPr lang="en-US" sz="6000" dirty="0"/>
-              <a:t>Any Questions?</a:t>
-            </a:r>
-            <a:endParaRPr lang="en-IL" sz="6000" dirty="0"/>
-          </a:p>
-        </p:txBody>
-      </p:sp>
+          <p:cNvGraphicFramePr>
+            <a:graphicFrameLocks noGrp="1"/>
+          </p:cNvGraphicFramePr>
+          <p:nvPr>
+            <p:extLst>
+              <p:ext uri="{D42A27DB-BD31-4B8C-83A1-F6EECF244321}">
+                <p14:modId xmlns:p14="http://schemas.microsoft.com/office/powerpoint/2010/main" val="3538800812"/>
+              </p:ext>
+            </p:extLst>
+          </p:nvPr>
+        </p:nvGraphicFramePr>
+        <p:xfrm>
+          <a:off x="2401616" y="2702799"/>
+          <a:ext cx="8881240" cy="2984676"/>
+        </p:xfrm>
+        <a:graphic>
+          <a:graphicData uri="http://schemas.openxmlformats.org/drawingml/2006/table">
+            <a:tbl>
+              <a:tblPr firstRow="1" bandRow="1">
+                <a:tableStyleId>{5C22544A-7EE6-4342-B048-85BDC9FD1C3A}</a:tableStyleId>
+              </a:tblPr>
+              <a:tblGrid>
+                <a:gridCol w="1618594">
+                  <a:extLst>
+                    <a:ext uri="{9D8B030D-6E8A-4147-A177-3AD203B41FA5}">
+                      <a16:colId xmlns:a16="http://schemas.microsoft.com/office/drawing/2014/main" val="3926741695"/>
+                    </a:ext>
+                  </a:extLst>
+                </a:gridCol>
+                <a:gridCol w="1755228">
+                  <a:extLst>
+                    <a:ext uri="{9D8B030D-6E8A-4147-A177-3AD203B41FA5}">
+                      <a16:colId xmlns:a16="http://schemas.microsoft.com/office/drawing/2014/main" val="4273390761"/>
+                    </a:ext>
+                  </a:extLst>
+                </a:gridCol>
+                <a:gridCol w="1891862">
+                  <a:extLst>
+                    <a:ext uri="{9D8B030D-6E8A-4147-A177-3AD203B41FA5}">
+                      <a16:colId xmlns:a16="http://schemas.microsoft.com/office/drawing/2014/main" val="851118952"/>
+                    </a:ext>
+                  </a:extLst>
+                </a:gridCol>
+                <a:gridCol w="1797269">
+                  <a:extLst>
+                    <a:ext uri="{9D8B030D-6E8A-4147-A177-3AD203B41FA5}">
+                      <a16:colId xmlns:a16="http://schemas.microsoft.com/office/drawing/2014/main" val="899351367"/>
+                    </a:ext>
+                  </a:extLst>
+                </a:gridCol>
+                <a:gridCol w="1818287">
+                  <a:extLst>
+                    <a:ext uri="{9D8B030D-6E8A-4147-A177-3AD203B41FA5}">
+                      <a16:colId xmlns:a16="http://schemas.microsoft.com/office/drawing/2014/main" val="2416177908"/>
+                    </a:ext>
+                  </a:extLst>
+                </a:gridCol>
+              </a:tblGrid>
+              <a:tr h="586149">
+                <a:tc>
+                  <a:txBody>
+                    <a:bodyPr/>
+                    <a:lstStyle/>
+                    <a:p>
+                      <a:pPr algn="ctr"/>
+                      <a:endParaRPr lang="en-US" dirty="0"/>
+                    </a:p>
+                  </a:txBody>
+                  <a:tcPr anchor="ctr"/>
+                </a:tc>
+                <a:tc>
+                  <a:txBody>
+                    <a:bodyPr/>
+                    <a:lstStyle/>
+                    <a:p>
+                      <a:pPr algn="ctr" rtl="0"/>
+                      <a:r>
+                        <a:rPr lang="en-US" sz="3600" dirty="0"/>
+                        <a:t>Q1</a:t>
+                      </a:r>
+                    </a:p>
+                  </a:txBody>
+                  <a:tcPr anchor="ctr"/>
+                </a:tc>
+                <a:tc>
+                  <a:txBody>
+                    <a:bodyPr/>
+                    <a:lstStyle/>
+                    <a:p>
+                      <a:pPr algn="ctr" rtl="0"/>
+                      <a:r>
+                        <a:rPr lang="en-US" sz="3600" dirty="0"/>
+                        <a:t>Q2</a:t>
+                      </a:r>
+                    </a:p>
+                  </a:txBody>
+                  <a:tcPr anchor="ctr"/>
+                </a:tc>
+                <a:tc>
+                  <a:txBody>
+                    <a:bodyPr/>
+                    <a:lstStyle/>
+                    <a:p>
+                      <a:pPr algn="ctr" rtl="0"/>
+                      <a:r>
+                        <a:rPr lang="en-US" sz="3600" dirty="0"/>
+                        <a:t>Q3</a:t>
+                      </a:r>
+                    </a:p>
+                  </a:txBody>
+                  <a:tcPr anchor="ctr"/>
+                </a:tc>
+                <a:tc>
+                  <a:txBody>
+                    <a:bodyPr/>
+                    <a:lstStyle/>
+                    <a:p>
+                      <a:pPr algn="ctr" rtl="0"/>
+                      <a:r>
+                        <a:rPr lang="en-US" sz="3600" dirty="0"/>
+                        <a:t>Q4</a:t>
+                      </a:r>
+                    </a:p>
+                  </a:txBody>
+                  <a:tcPr anchor="ctr"/>
+                </a:tc>
+                <a:extLst>
+                  <a:ext uri="{0D108BD9-81ED-4DB2-BD59-A6C34878D82A}">
+                    <a16:rowId xmlns:a16="http://schemas.microsoft.com/office/drawing/2014/main" val="3745580272"/>
+                  </a:ext>
+                </a:extLst>
+              </a:tr>
+              <a:tr h="586149">
+                <a:tc>
+                  <a:txBody>
+                    <a:bodyPr/>
+                    <a:lstStyle/>
+                    <a:p>
+                      <a:pPr algn="l" rtl="0"/>
+                      <a:r>
+                        <a:rPr lang="en-US" dirty="0"/>
+                        <a:t>Property Type</a:t>
+                      </a:r>
+                    </a:p>
+                  </a:txBody>
+                  <a:tcPr anchor="ctr"/>
+                </a:tc>
+                <a:tc>
+                  <a:txBody>
+                    <a:bodyPr/>
+                    <a:lstStyle/>
+                    <a:p>
+                      <a:pPr algn="ctr" rtl="0"/>
+                      <a:r>
+                        <a:rPr lang="en-US" dirty="0"/>
+                        <a:t>Entire home</a:t>
+                      </a:r>
+                    </a:p>
+                  </a:txBody>
+                  <a:tcPr anchor="ctr"/>
+                </a:tc>
+                <a:tc>
+                  <a:txBody>
+                    <a:bodyPr/>
+                    <a:lstStyle/>
+                    <a:p>
+                      <a:pPr algn="ctr" rtl="0"/>
+                      <a:r>
+                        <a:rPr lang="en-US" dirty="0"/>
+                        <a:t>Entire home</a:t>
+                      </a:r>
+                    </a:p>
+                  </a:txBody>
+                  <a:tcPr anchor="ctr"/>
+                </a:tc>
+                <a:tc>
+                  <a:txBody>
+                    <a:bodyPr/>
+                    <a:lstStyle/>
+                    <a:p>
+                      <a:pPr algn="ctr" rtl="0"/>
+                      <a:r>
+                        <a:rPr lang="en-US" dirty="0"/>
+                        <a:t>Entire home</a:t>
+                      </a:r>
+                    </a:p>
+                  </a:txBody>
+                  <a:tcPr anchor="ctr"/>
+                </a:tc>
+                <a:tc>
+                  <a:txBody>
+                    <a:bodyPr/>
+                    <a:lstStyle/>
+                    <a:p>
+                      <a:pPr algn="ctr" rtl="0"/>
+                      <a:r>
+                        <a:rPr lang="en-US" dirty="0">
+                          <a:solidFill>
+                            <a:srgbClr val="FF0000"/>
+                          </a:solidFill>
+                        </a:rPr>
+                        <a:t>Entire rental unit</a:t>
+                      </a:r>
+                    </a:p>
+                  </a:txBody>
+                  <a:tcPr anchor="ctr"/>
+                </a:tc>
+                <a:extLst>
+                  <a:ext uri="{0D108BD9-81ED-4DB2-BD59-A6C34878D82A}">
+                    <a16:rowId xmlns:a16="http://schemas.microsoft.com/office/drawing/2014/main" val="4085152986"/>
+                  </a:ext>
+                </a:extLst>
+              </a:tr>
+              <a:tr h="586149">
+                <a:tc>
+                  <a:txBody>
+                    <a:bodyPr/>
+                    <a:lstStyle/>
+                    <a:p>
+                      <a:pPr algn="l" rtl="0"/>
+                      <a:r>
+                        <a:rPr lang="en-US" dirty="0"/>
+                        <a:t>Room Type</a:t>
+                      </a:r>
+                    </a:p>
+                  </a:txBody>
+                  <a:tcPr anchor="ctr"/>
+                </a:tc>
+                <a:tc>
+                  <a:txBody>
+                    <a:bodyPr/>
+                    <a:lstStyle/>
+                    <a:p>
+                      <a:pPr algn="ctr" rtl="0"/>
+                      <a:r>
+                        <a:rPr lang="en-US" dirty="0"/>
+                        <a:t>Entire home/apt</a:t>
+                      </a:r>
+                    </a:p>
+                  </a:txBody>
+                  <a:tcPr anchor="ctr"/>
+                </a:tc>
+                <a:tc>
+                  <a:txBody>
+                    <a:bodyPr/>
+                    <a:lstStyle/>
+                    <a:p>
+                      <a:pPr marL="0" marR="0" lvl="0" indent="0" algn="ctr" defTabSz="914400" rtl="0" eaLnBrk="1" fontAlgn="auto" latinLnBrk="0" hangingPunct="1">
+                        <a:lnSpc>
+                          <a:spcPct val="100000"/>
+                        </a:lnSpc>
+                        <a:spcBef>
+                          <a:spcPts val="0"/>
+                        </a:spcBef>
+                        <a:spcAft>
+                          <a:spcPts val="0"/>
+                        </a:spcAft>
+                        <a:buClrTx/>
+                        <a:buSzTx/>
+                        <a:buFontTx/>
+                        <a:buNone/>
+                        <a:tabLst/>
+                        <a:defRPr/>
+                      </a:pPr>
+                      <a:r>
+                        <a:rPr lang="en-US" dirty="0"/>
+                        <a:t>Entire home/apt</a:t>
+                      </a:r>
+                    </a:p>
+                  </a:txBody>
+                  <a:tcPr anchor="ctr"/>
+                </a:tc>
+                <a:tc>
+                  <a:txBody>
+                    <a:bodyPr/>
+                    <a:lstStyle/>
+                    <a:p>
+                      <a:pPr marL="0" marR="0" lvl="0" indent="0" algn="ctr" defTabSz="914400" rtl="0" eaLnBrk="1" fontAlgn="auto" latinLnBrk="0" hangingPunct="1">
+                        <a:lnSpc>
+                          <a:spcPct val="100000"/>
+                        </a:lnSpc>
+                        <a:spcBef>
+                          <a:spcPts val="0"/>
+                        </a:spcBef>
+                        <a:spcAft>
+                          <a:spcPts val="0"/>
+                        </a:spcAft>
+                        <a:buClrTx/>
+                        <a:buSzTx/>
+                        <a:buFontTx/>
+                        <a:buNone/>
+                        <a:tabLst/>
+                        <a:defRPr/>
+                      </a:pPr>
+                      <a:r>
+                        <a:rPr lang="en-US" dirty="0"/>
+                        <a:t>Entire home/apt</a:t>
+                      </a:r>
+                    </a:p>
+                  </a:txBody>
+                  <a:tcPr anchor="ctr"/>
+                </a:tc>
+                <a:tc>
+                  <a:txBody>
+                    <a:bodyPr/>
+                    <a:lstStyle/>
+                    <a:p>
+                      <a:pPr algn="ctr" rtl="0"/>
+                      <a:endParaRPr lang="en-US" dirty="0"/>
+                    </a:p>
+                  </a:txBody>
+                  <a:tcPr anchor="ctr"/>
+                </a:tc>
+                <a:extLst>
+                  <a:ext uri="{0D108BD9-81ED-4DB2-BD59-A6C34878D82A}">
+                    <a16:rowId xmlns:a16="http://schemas.microsoft.com/office/drawing/2014/main" val="1749103767"/>
+                  </a:ext>
+                </a:extLst>
+              </a:tr>
+              <a:tr h="586149">
+                <a:tc>
+                  <a:txBody>
+                    <a:bodyPr/>
+                    <a:lstStyle/>
+                    <a:p>
+                      <a:pPr marL="0" marR="0" lvl="0" indent="0" algn="l" defTabSz="914400" rtl="0" eaLnBrk="1" fontAlgn="auto" latinLnBrk="0" hangingPunct="1">
+                        <a:lnSpc>
+                          <a:spcPct val="100000"/>
+                        </a:lnSpc>
+                        <a:spcBef>
+                          <a:spcPts val="0"/>
+                        </a:spcBef>
+                        <a:spcAft>
+                          <a:spcPts val="0"/>
+                        </a:spcAft>
+                        <a:buClrTx/>
+                        <a:buSzTx/>
+                        <a:buFontTx/>
+                        <a:buNone/>
+                        <a:tabLst/>
+                        <a:defRPr/>
+                      </a:pPr>
+                      <a:r>
+                        <a:rPr lang="en-US" dirty="0"/>
+                        <a:t>Neighborhood</a:t>
+                      </a:r>
+                    </a:p>
+                  </a:txBody>
+                  <a:tcPr anchor="ctr"/>
+                </a:tc>
+                <a:tc>
+                  <a:txBody>
+                    <a:bodyPr/>
+                    <a:lstStyle/>
+                    <a:p>
+                      <a:pPr algn="ctr" rtl="0"/>
+                      <a:r>
+                        <a:rPr lang="en-US" dirty="0"/>
+                        <a:t>Seattle</a:t>
+                      </a:r>
+                    </a:p>
+                  </a:txBody>
+                  <a:tcPr anchor="ctr"/>
+                </a:tc>
+                <a:tc>
+                  <a:txBody>
+                    <a:bodyPr/>
+                    <a:lstStyle/>
+                    <a:p>
+                      <a:pPr marL="0" marR="0" lvl="0" indent="0" algn="ctr" defTabSz="914400" rtl="0" eaLnBrk="1" fontAlgn="auto" latinLnBrk="0" hangingPunct="1">
+                        <a:lnSpc>
+                          <a:spcPct val="100000"/>
+                        </a:lnSpc>
+                        <a:spcBef>
+                          <a:spcPts val="0"/>
+                        </a:spcBef>
+                        <a:spcAft>
+                          <a:spcPts val="0"/>
+                        </a:spcAft>
+                        <a:buClrTx/>
+                        <a:buSzTx/>
+                        <a:buFontTx/>
+                        <a:buNone/>
+                        <a:tabLst/>
+                        <a:defRPr/>
+                      </a:pPr>
+                      <a:r>
+                        <a:rPr lang="en-US" dirty="0"/>
+                        <a:t>Seattle</a:t>
+                      </a:r>
+                    </a:p>
+                  </a:txBody>
+                  <a:tcPr anchor="ctr"/>
+                </a:tc>
+                <a:tc>
+                  <a:txBody>
+                    <a:bodyPr/>
+                    <a:lstStyle/>
+                    <a:p>
+                      <a:pPr marL="0" marR="0" lvl="0" indent="0" algn="ctr" defTabSz="914400" rtl="0" eaLnBrk="1" fontAlgn="auto" latinLnBrk="0" hangingPunct="1">
+                        <a:lnSpc>
+                          <a:spcPct val="100000"/>
+                        </a:lnSpc>
+                        <a:spcBef>
+                          <a:spcPts val="0"/>
+                        </a:spcBef>
+                        <a:spcAft>
+                          <a:spcPts val="0"/>
+                        </a:spcAft>
+                        <a:buClrTx/>
+                        <a:buSzTx/>
+                        <a:buFontTx/>
+                        <a:buNone/>
+                        <a:tabLst/>
+                        <a:defRPr/>
+                      </a:pPr>
+                      <a:r>
+                        <a:rPr lang="en-US" dirty="0"/>
+                        <a:t>Seattle</a:t>
+                      </a:r>
+                    </a:p>
+                  </a:txBody>
+                  <a:tcPr anchor="ctr"/>
+                </a:tc>
+                <a:tc>
+                  <a:txBody>
+                    <a:bodyPr/>
+                    <a:lstStyle/>
+                    <a:p>
+                      <a:pPr algn="ctr" rtl="0"/>
+                      <a:endParaRPr lang="en-US" dirty="0"/>
+                    </a:p>
+                  </a:txBody>
+                  <a:tcPr anchor="ctr"/>
+                </a:tc>
+                <a:extLst>
+                  <a:ext uri="{0D108BD9-81ED-4DB2-BD59-A6C34878D82A}">
+                    <a16:rowId xmlns:a16="http://schemas.microsoft.com/office/drawing/2014/main" val="1365730346"/>
+                  </a:ext>
+                </a:extLst>
+              </a:tr>
+              <a:tr h="586149">
+                <a:tc>
+                  <a:txBody>
+                    <a:bodyPr/>
+                    <a:lstStyle/>
+                    <a:p>
+                      <a:pPr algn="l" rtl="0"/>
+                      <a:r>
+                        <a:rPr lang="en-US" dirty="0"/>
+                        <a:t>Accommodates</a:t>
+                      </a:r>
+                    </a:p>
+                  </a:txBody>
+                  <a:tcPr anchor="ctr"/>
+                </a:tc>
+                <a:tc>
+                  <a:txBody>
+                    <a:bodyPr/>
+                    <a:lstStyle/>
+                    <a:p>
+                      <a:pPr algn="ctr" rtl="0"/>
+                      <a:r>
+                        <a:rPr lang="en-US" dirty="0"/>
+                        <a:t>6</a:t>
+                      </a:r>
+                    </a:p>
+                  </a:txBody>
+                  <a:tcPr anchor="ctr"/>
+                </a:tc>
+                <a:tc>
+                  <a:txBody>
+                    <a:bodyPr/>
+                    <a:lstStyle/>
+                    <a:p>
+                      <a:pPr algn="ctr" rtl="0"/>
+                      <a:r>
+                        <a:rPr lang="en-US" dirty="0"/>
+                        <a:t>6</a:t>
+                      </a:r>
+                    </a:p>
+                  </a:txBody>
+                  <a:tcPr anchor="ctr"/>
+                </a:tc>
+                <a:tc>
+                  <a:txBody>
+                    <a:bodyPr/>
+                    <a:lstStyle/>
+                    <a:p>
+                      <a:pPr algn="ctr" rtl="0"/>
+                      <a:r>
+                        <a:rPr lang="en-US" dirty="0">
+                          <a:solidFill>
+                            <a:srgbClr val="FF0000"/>
+                          </a:solidFill>
+                        </a:rPr>
+                        <a:t>4</a:t>
+                      </a:r>
+                    </a:p>
+                  </a:txBody>
+                  <a:tcPr anchor="ctr"/>
+                </a:tc>
+                <a:tc>
+                  <a:txBody>
+                    <a:bodyPr/>
+                    <a:lstStyle/>
+                    <a:p>
+                      <a:pPr algn="ctr" rtl="0"/>
+                      <a:endParaRPr lang="en-US" dirty="0"/>
+                    </a:p>
+                  </a:txBody>
+                  <a:tcPr anchor="ctr"/>
+                </a:tc>
+                <a:extLst>
+                  <a:ext uri="{0D108BD9-81ED-4DB2-BD59-A6C34878D82A}">
+                    <a16:rowId xmlns:a16="http://schemas.microsoft.com/office/drawing/2014/main" val="84070144"/>
+                  </a:ext>
+                </a:extLst>
+              </a:tr>
+            </a:tbl>
+          </a:graphicData>
+        </a:graphic>
+      </p:graphicFrame>
     </p:spTree>
     <p:extLst>
       <p:ext uri="{BB962C8B-B14F-4D97-AF65-F5344CB8AC3E}">
-        <p14:creationId xmlns:p14="http://schemas.microsoft.com/office/powerpoint/2010/main" val="2950196399"/>
+        <p14:creationId xmlns:p14="http://schemas.microsoft.com/office/powerpoint/2010/main" val="2889183720"/>
       </p:ext>
     </p:extLst>
   </p:cSld>

--- a/Final Project Data Analyst Program Hebrew University of Jerusalem Class No. 4 Group 2.pptx
+++ b/Final Project Data Analyst Program Hebrew University of Jerusalem Class No. 4 Group 2.pptx
@@ -133,7 +133,7 @@
 <file path=ppt/revisionInfo.xml><?xml version="1.0" encoding="utf-8"?>
 <p1510:revInfo xmlns:a="http://schemas.openxmlformats.org/drawingml/2006/main" xmlns:r="http://schemas.openxmlformats.org/officeDocument/2006/relationships" xmlns:p1510="http://schemas.microsoft.com/office/powerpoint/2015/10/main">
   <p1510:revLst>
-    <p1510:client id="{9F74FB0C-EC1E-437D-8CDE-B518B384A0C5}" v="158" dt="2023-12-01T15:27:30.634"/>
+    <p1510:client id="{5D952ADB-1579-4CB5-A5D8-2E248B0950CA}" v="10" dt="2023-12-02T14:59:11.888"/>
   </p1510:revLst>
 </p1510:revInfo>
 </file>
@@ -141,1489 +141,210 @@
 <file path=ppt/changesInfos/changesInfo1.xml><?xml version="1.0" encoding="utf-8"?>
 <pc:chgInfo xmlns:a="http://schemas.openxmlformats.org/drawingml/2006/main" xmlns:r="http://schemas.openxmlformats.org/officeDocument/2006/relationships" xmlns:ac="http://schemas.microsoft.com/office/drawing/2013/main/command" xmlns:pc="http://schemas.microsoft.com/office/powerpoint/2013/main/command">
   <pc:docChgLst>
-    <pc:chgData name="שיר וולץ" userId="aefb9a7725becb63" providerId="LiveId" clId="{9F74FB0C-EC1E-437D-8CDE-B518B384A0C5}"/>
-    <pc:docChg chg="undo custSel addSld delSld modSld">
-      <pc:chgData name="שיר וולץ" userId="aefb9a7725becb63" providerId="LiveId" clId="{9F74FB0C-EC1E-437D-8CDE-B518B384A0C5}" dt="2023-12-01T15:28:11.555" v="1479" actId="20577"/>
+    <pc:chgData name="שיר וולץ" userId="aefb9a7725becb63" providerId="LiveId" clId="{5D952ADB-1579-4CB5-A5D8-2E248B0950CA}"/>
+    <pc:docChg chg="undo custSel modSld">
+      <pc:chgData name="שיר וולץ" userId="aefb9a7725becb63" providerId="LiveId" clId="{5D952ADB-1579-4CB5-A5D8-2E248B0950CA}" dt="2023-12-02T15:00:26.245" v="212" actId="6549"/>
       <pc:docMkLst>
         <pc:docMk/>
       </pc:docMkLst>
-      <pc:sldChg chg="modSp mod">
-        <pc:chgData name="שיר וולץ" userId="aefb9a7725becb63" providerId="LiveId" clId="{9F74FB0C-EC1E-437D-8CDE-B518B384A0C5}" dt="2023-12-01T15:28:11.555" v="1479" actId="20577"/>
-        <pc:sldMkLst>
-          <pc:docMk/>
-          <pc:sldMk cId="4232584337" sldId="267"/>
-        </pc:sldMkLst>
-        <pc:spChg chg="mod">
-          <ac:chgData name="שיר וולץ" userId="aefb9a7725becb63" providerId="LiveId" clId="{9F74FB0C-EC1E-437D-8CDE-B518B384A0C5}" dt="2023-12-01T15:28:11.555" v="1479" actId="20577"/>
-          <ac:spMkLst>
-            <pc:docMk/>
-            <pc:sldMk cId="4232584337" sldId="267"/>
-            <ac:spMk id="3" creationId="{CD819408-1CBA-3D89-DF10-4E3D1647D6B8}"/>
-          </ac:spMkLst>
-        </pc:spChg>
-      </pc:sldChg>
-      <pc:sldChg chg="modSp mod">
-        <pc:chgData name="שיר וולץ" userId="aefb9a7725becb63" providerId="LiveId" clId="{9F74FB0C-EC1E-437D-8CDE-B518B384A0C5}" dt="2023-11-30T21:06:48.563" v="73" actId="120"/>
-        <pc:sldMkLst>
-          <pc:docMk/>
-          <pc:sldMk cId="2238981874" sldId="270"/>
-        </pc:sldMkLst>
-        <pc:spChg chg="mod">
-          <ac:chgData name="שיר וולץ" userId="aefb9a7725becb63" providerId="LiveId" clId="{9F74FB0C-EC1E-437D-8CDE-B518B384A0C5}" dt="2023-11-30T21:06:48.563" v="73" actId="120"/>
-          <ac:spMkLst>
-            <pc:docMk/>
-            <pc:sldMk cId="2238981874" sldId="270"/>
-            <ac:spMk id="4" creationId="{20D35749-7FF8-B5F9-1AFC-F6F892099519}"/>
-          </ac:spMkLst>
-        </pc:spChg>
-        <pc:spChg chg="mod">
-          <ac:chgData name="שיר וולץ" userId="aefb9a7725becb63" providerId="LiveId" clId="{9F74FB0C-EC1E-437D-8CDE-B518B384A0C5}" dt="2023-11-30T21:06:24.264" v="71" actId="6549"/>
-          <ac:spMkLst>
-            <pc:docMk/>
-            <pc:sldMk cId="2238981874" sldId="270"/>
-            <ac:spMk id="22" creationId="{72117225-5AEB-2E87-A7FD-085F8B330459}"/>
-          </ac:spMkLst>
-        </pc:spChg>
-      </pc:sldChg>
-      <pc:sldChg chg="addSp delSp modSp mod modAnim">
-        <pc:chgData name="שיר וולץ" userId="aefb9a7725becb63" providerId="LiveId" clId="{9F74FB0C-EC1E-437D-8CDE-B518B384A0C5}" dt="2023-12-01T14:41:14.600" v="1383"/>
+      <pc:sldChg chg="addSp modSp mod modAnim">
+        <pc:chgData name="שיר וולץ" userId="aefb9a7725becb63" providerId="LiveId" clId="{5D952ADB-1579-4CB5-A5D8-2E248B0950CA}" dt="2023-12-02T14:05:28.119" v="17"/>
         <pc:sldMkLst>
           <pc:docMk/>
           <pc:sldMk cId="3979115751" sldId="271"/>
         </pc:sldMkLst>
-        <pc:spChg chg="mod">
-          <ac:chgData name="שיר וולץ" userId="aefb9a7725becb63" providerId="LiveId" clId="{9F74FB0C-EC1E-437D-8CDE-B518B384A0C5}" dt="2023-11-30T21:11:16.234" v="102" actId="14100"/>
+        <pc:spChg chg="add mod">
+          <ac:chgData name="שיר וולץ" userId="aefb9a7725becb63" providerId="LiveId" clId="{5D952ADB-1579-4CB5-A5D8-2E248B0950CA}" dt="2023-12-02T14:03:41.021" v="7" actId="1076"/>
           <ac:spMkLst>
             <pc:docMk/>
             <pc:sldMk cId="3979115751" sldId="271"/>
-            <ac:spMk id="2" creationId="{00000000-0000-0000-0000-000000000000}"/>
+            <ac:spMk id="4" creationId="{BA6DED7E-03A3-44FA-0A99-97940350ACBD}"/>
           </ac:spMkLst>
         </pc:spChg>
-        <pc:spChg chg="mod">
-          <ac:chgData name="שיר וולץ" userId="aefb9a7725becb63" providerId="LiveId" clId="{9F74FB0C-EC1E-437D-8CDE-B518B384A0C5}" dt="2023-12-01T11:51:26.905" v="528" actId="20577"/>
+        <pc:spChg chg="add mod">
+          <ac:chgData name="שיר וולץ" userId="aefb9a7725becb63" providerId="LiveId" clId="{5D952ADB-1579-4CB5-A5D8-2E248B0950CA}" dt="2023-12-02T14:05:21.010" v="16" actId="164"/>
           <ac:spMkLst>
             <pc:docMk/>
             <pc:sldMk cId="3979115751" sldId="271"/>
-            <ac:spMk id="5" creationId="{6A87851E-57F1-0ADA-ECE1-00AC36696523}"/>
+            <ac:spMk id="6" creationId="{4E46FCE6-3013-F356-E566-EA730F64D1ED}"/>
           </ac:spMkLst>
         </pc:spChg>
-        <pc:spChg chg="add mod">
-          <ac:chgData name="שיר וולץ" userId="aefb9a7725becb63" providerId="LiveId" clId="{9F74FB0C-EC1E-437D-8CDE-B518B384A0C5}" dt="2023-11-30T21:25:52.508" v="329" actId="13822"/>
-          <ac:spMkLst>
-            <pc:docMk/>
-            <pc:sldMk cId="3979115751" sldId="271"/>
-            <ac:spMk id="14" creationId="{199A8AC6-66FD-1018-50DF-B697223D7836}"/>
-          </ac:spMkLst>
-        </pc:spChg>
-        <pc:spChg chg="add mod">
-          <ac:chgData name="שיר וולץ" userId="aefb9a7725becb63" providerId="LiveId" clId="{9F74FB0C-EC1E-437D-8CDE-B518B384A0C5}" dt="2023-12-01T14:39:18.828" v="1359" actId="164"/>
-          <ac:spMkLst>
-            <pc:docMk/>
-            <pc:sldMk cId="3979115751" sldId="271"/>
-            <ac:spMk id="17" creationId="{B7BE009E-07D3-37F3-E3F4-3FA8941583E1}"/>
-          </ac:spMkLst>
-        </pc:spChg>
-        <pc:grpChg chg="add mod">
-          <ac:chgData name="שיר וולץ" userId="aefb9a7725becb63" providerId="LiveId" clId="{9F74FB0C-EC1E-437D-8CDE-B518B384A0C5}" dt="2023-12-01T14:39:18.828" v="1359" actId="164"/>
+        <pc:grpChg chg="mod">
+          <ac:chgData name="שיר וולץ" userId="aefb9a7725becb63" providerId="LiveId" clId="{5D952ADB-1579-4CB5-A5D8-2E248B0950CA}" dt="2023-12-02T14:05:21.010" v="16" actId="164"/>
           <ac:grpSpMkLst>
             <pc:docMk/>
             <pc:sldMk cId="3979115751" sldId="271"/>
             <ac:grpSpMk id="3" creationId="{F4A32983-DF18-2EF9-CD96-0A7A12E0578C}"/>
           </ac:grpSpMkLst>
         </pc:grpChg>
-        <pc:picChg chg="add del mod">
-          <ac:chgData name="שיר וולץ" userId="aefb9a7725becb63" providerId="LiveId" clId="{9F74FB0C-EC1E-437D-8CDE-B518B384A0C5}" dt="2023-11-30T21:17:56.994" v="313" actId="21"/>
-          <ac:picMkLst>
+        <pc:grpChg chg="add mod">
+          <ac:chgData name="שיר וולץ" userId="aefb9a7725becb63" providerId="LiveId" clId="{5D952ADB-1579-4CB5-A5D8-2E248B0950CA}" dt="2023-12-02T14:05:21.010" v="16" actId="164"/>
+          <ac:grpSpMkLst>
             <pc:docMk/>
             <pc:sldMk cId="3979115751" sldId="271"/>
-            <ac:picMk id="4" creationId="{7A7D4F24-4848-5075-703C-60EB7D7A70FE}"/>
-          </ac:picMkLst>
-        </pc:picChg>
-        <pc:picChg chg="del">
-          <ac:chgData name="שיר וולץ" userId="aefb9a7725becb63" providerId="LiveId" clId="{9F74FB0C-EC1E-437D-8CDE-B518B384A0C5}" dt="2023-11-30T21:09:49.479" v="75" actId="21"/>
-          <ac:picMkLst>
-            <pc:docMk/>
-            <pc:sldMk cId="3979115751" sldId="271"/>
-            <ac:picMk id="7" creationId="{1AA6979D-6FEC-BF14-3B44-732E12B33052}"/>
-          </ac:picMkLst>
-        </pc:picChg>
-        <pc:picChg chg="add mod">
-          <ac:chgData name="שיר וולץ" userId="aefb9a7725becb63" providerId="LiveId" clId="{9F74FB0C-EC1E-437D-8CDE-B518B384A0C5}" dt="2023-11-30T21:25:23.762" v="326" actId="1076"/>
-          <ac:picMkLst>
-            <pc:docMk/>
-            <pc:sldMk cId="3979115751" sldId="271"/>
-            <ac:picMk id="9" creationId="{60FE019A-7D46-E958-642D-7E38A7347BD0}"/>
-          </ac:picMkLst>
-        </pc:picChg>
-        <pc:picChg chg="add mod">
-          <ac:chgData name="שיר וולץ" userId="aefb9a7725becb63" providerId="LiveId" clId="{9F74FB0C-EC1E-437D-8CDE-B518B384A0C5}" dt="2023-11-30T21:24:05.049" v="320" actId="1076"/>
-          <ac:picMkLst>
-            <pc:docMk/>
-            <pc:sldMk cId="3979115751" sldId="271"/>
-            <ac:picMk id="11" creationId="{3C36CA63-E0FF-D349-741F-3D5612B1DFE9}"/>
-          </ac:picMkLst>
-        </pc:picChg>
-        <pc:picChg chg="add mod">
-          <ac:chgData name="שיר וולץ" userId="aefb9a7725becb63" providerId="LiveId" clId="{9F74FB0C-EC1E-437D-8CDE-B518B384A0C5}" dt="2023-11-30T21:25:22.834" v="325" actId="1076"/>
-          <ac:picMkLst>
-            <pc:docMk/>
-            <pc:sldMk cId="3979115751" sldId="271"/>
-            <ac:picMk id="13" creationId="{EEC44B3F-D26F-444C-97ED-D394691B143C}"/>
-          </ac:picMkLst>
-        </pc:picChg>
-        <pc:picChg chg="add mod">
-          <ac:chgData name="שיר וולץ" userId="aefb9a7725becb63" providerId="LiveId" clId="{9F74FB0C-EC1E-437D-8CDE-B518B384A0C5}" dt="2023-12-01T14:39:18.828" v="1359" actId="164"/>
-          <ac:picMkLst>
-            <pc:docMk/>
-            <pc:sldMk cId="3979115751" sldId="271"/>
-            <ac:picMk id="16" creationId="{D5C31AB6-35AA-B996-57C4-A960D9894FCB}"/>
-          </ac:picMkLst>
-        </pc:picChg>
-        <pc:picChg chg="add mod">
-          <ac:chgData name="שיר וולץ" userId="aefb9a7725becb63" providerId="LiveId" clId="{9F74FB0C-EC1E-437D-8CDE-B518B384A0C5}" dt="2023-12-01T14:39:18.828" v="1359" actId="164"/>
-          <ac:picMkLst>
-            <pc:docMk/>
-            <pc:sldMk cId="3979115751" sldId="271"/>
-            <ac:picMk id="19" creationId="{68E62EB7-FB10-0976-D1C3-C6AC97BBC1DA}"/>
-          </ac:picMkLst>
-        </pc:picChg>
+            <ac:grpSpMk id="7" creationId="{8210F35F-7C60-9FB9-2771-AA9D492A7F43}"/>
+          </ac:grpSpMkLst>
+        </pc:grpChg>
       </pc:sldChg>
-      <pc:sldChg chg="addSp delSp modSp add del mod">
-        <pc:chgData name="שיר וולץ" userId="aefb9a7725becb63" providerId="LiveId" clId="{9F74FB0C-EC1E-437D-8CDE-B518B384A0C5}" dt="2023-12-01T12:22:52.959" v="1205" actId="1076"/>
+      <pc:sldChg chg="modSp mod">
+        <pc:chgData name="שיר וולץ" userId="aefb9a7725becb63" providerId="LiveId" clId="{5D952ADB-1579-4CB5-A5D8-2E248B0950CA}" dt="2023-12-02T14:54:14.738" v="63" actId="1076"/>
         <pc:sldMkLst>
           <pc:docMk/>
           <pc:sldMk cId="632009448" sldId="272"/>
         </pc:sldMkLst>
         <pc:spChg chg="mod">
-          <ac:chgData name="שיר וולץ" userId="aefb9a7725becb63" providerId="LiveId" clId="{9F74FB0C-EC1E-437D-8CDE-B518B384A0C5}" dt="2023-12-01T11:52:46.449" v="556" actId="20577"/>
-          <ac:spMkLst>
-            <pc:docMk/>
-            <pc:sldMk cId="632009448" sldId="272"/>
-            <ac:spMk id="2" creationId="{00000000-0000-0000-0000-000000000000}"/>
-          </ac:spMkLst>
-        </pc:spChg>
-        <pc:spChg chg="add mod">
-          <ac:chgData name="שיר וולץ" userId="aefb9a7725becb63" providerId="LiveId" clId="{9F74FB0C-EC1E-437D-8CDE-B518B384A0C5}" dt="2023-12-01T12:22:48.041" v="1204" actId="20577"/>
+          <ac:chgData name="שיר וולץ" userId="aefb9a7725becb63" providerId="LiveId" clId="{5D952ADB-1579-4CB5-A5D8-2E248B0950CA}" dt="2023-12-02T14:54:14.738" v="63" actId="1076"/>
           <ac:spMkLst>
             <pc:docMk/>
             <pc:sldMk cId="632009448" sldId="272"/>
             <ac:spMk id="4" creationId="{18C13FE4-332D-2C92-6AF2-2F31660F39AF}"/>
           </ac:spMkLst>
         </pc:spChg>
-        <pc:spChg chg="mod">
-          <ac:chgData name="שיר וולץ" userId="aefb9a7725becb63" providerId="LiveId" clId="{9F74FB0C-EC1E-437D-8CDE-B518B384A0C5}" dt="2023-11-30T21:10:01.565" v="80" actId="20577"/>
-          <ac:spMkLst>
-            <pc:docMk/>
-            <pc:sldMk cId="632009448" sldId="272"/>
-            <ac:spMk id="5" creationId="{6A87851E-57F1-0ADA-ECE1-00AC36696523}"/>
-          </ac:spMkLst>
-        </pc:spChg>
-        <pc:picChg chg="del">
-          <ac:chgData name="שיר וולץ" userId="aefb9a7725becb63" providerId="LiveId" clId="{9F74FB0C-EC1E-437D-8CDE-B518B384A0C5}" dt="2023-11-30T21:09:53.765" v="76" actId="478"/>
-          <ac:picMkLst>
-            <pc:docMk/>
-            <pc:sldMk cId="632009448" sldId="272"/>
-            <ac:picMk id="3" creationId="{4425DFB3-CDE6-B803-E9F6-E82939EC4E1B}"/>
-          </ac:picMkLst>
-        </pc:picChg>
-        <pc:picChg chg="add mod">
-          <ac:chgData name="שיר וולץ" userId="aefb9a7725becb63" providerId="LiveId" clId="{9F74FB0C-EC1E-437D-8CDE-B518B384A0C5}" dt="2023-12-01T12:22:52.959" v="1205" actId="1076"/>
-          <ac:picMkLst>
-            <pc:docMk/>
-            <pc:sldMk cId="632009448" sldId="272"/>
-            <ac:picMk id="7" creationId="{ADCE4600-A0AD-2092-5416-463BAF61AA64}"/>
-          </ac:picMkLst>
-        </pc:picChg>
-      </pc:sldChg>
-      <pc:sldChg chg="del">
-        <pc:chgData name="שיר וולץ" userId="aefb9a7725becb63" providerId="LiveId" clId="{9F74FB0C-EC1E-437D-8CDE-B518B384A0C5}" dt="2023-12-01T14:25:58.547" v="1322" actId="2696"/>
-        <pc:sldMkLst>
-          <pc:docMk/>
-          <pc:sldMk cId="3124295061" sldId="273"/>
-        </pc:sldMkLst>
       </pc:sldChg>
       <pc:sldChg chg="modSp mod">
-        <pc:chgData name="שיר וולץ" userId="aefb9a7725becb63" providerId="LiveId" clId="{9F74FB0C-EC1E-437D-8CDE-B518B384A0C5}" dt="2023-11-28T18:32:34.670" v="8" actId="20577"/>
-        <pc:sldMkLst>
-          <pc:docMk/>
-          <pc:sldMk cId="3358319154" sldId="274"/>
-        </pc:sldMkLst>
-        <pc:spChg chg="mod">
-          <ac:chgData name="שיר וולץ" userId="aefb9a7725becb63" providerId="LiveId" clId="{9F74FB0C-EC1E-437D-8CDE-B518B384A0C5}" dt="2023-11-28T18:32:34.670" v="8" actId="20577"/>
-          <ac:spMkLst>
-            <pc:docMk/>
-            <pc:sldMk cId="3358319154" sldId="274"/>
-            <ac:spMk id="3" creationId="{71200041-4D1E-4989-BD14-297CC7957621}"/>
-          </ac:spMkLst>
-        </pc:spChg>
-      </pc:sldChg>
-      <pc:sldChg chg="add del">
-        <pc:chgData name="שיר וולץ" userId="aefb9a7725becb63" providerId="LiveId" clId="{9F74FB0C-EC1E-437D-8CDE-B518B384A0C5}" dt="2023-12-01T11:45:36.896" v="342" actId="2696"/>
-        <pc:sldMkLst>
-          <pc:docMk/>
-          <pc:sldMk cId="3731893662" sldId="275"/>
-        </pc:sldMkLst>
-      </pc:sldChg>
-      <pc:sldChg chg="modSp add mod">
-        <pc:chgData name="שיר וולץ" userId="aefb9a7725becb63" providerId="LiveId" clId="{9F74FB0C-EC1E-437D-8CDE-B518B384A0C5}" dt="2023-12-01T11:49:40.601" v="520" actId="6549"/>
-        <pc:sldMkLst>
-          <pc:docMk/>
-          <pc:sldMk cId="246616096" sldId="276"/>
-        </pc:sldMkLst>
-        <pc:spChg chg="mod">
-          <ac:chgData name="שיר וולץ" userId="aefb9a7725becb63" providerId="LiveId" clId="{9F74FB0C-EC1E-437D-8CDE-B518B384A0C5}" dt="2023-11-30T21:15:00.775" v="206" actId="14100"/>
-          <ac:spMkLst>
-            <pc:docMk/>
-            <pc:sldMk cId="246616096" sldId="276"/>
-            <ac:spMk id="2" creationId="{00000000-0000-0000-0000-000000000000}"/>
-          </ac:spMkLst>
-        </pc:spChg>
-        <pc:spChg chg="mod">
-          <ac:chgData name="שיר וולץ" userId="aefb9a7725becb63" providerId="LiveId" clId="{9F74FB0C-EC1E-437D-8CDE-B518B384A0C5}" dt="2023-12-01T11:49:40.601" v="520" actId="6549"/>
-          <ac:spMkLst>
-            <pc:docMk/>
-            <pc:sldMk cId="246616096" sldId="276"/>
-            <ac:spMk id="5" creationId="{6A87851E-57F1-0ADA-ECE1-00AC36696523}"/>
-          </ac:spMkLst>
-        </pc:spChg>
-      </pc:sldChg>
-      <pc:sldChg chg="addSp delSp modSp add mod">
-        <pc:chgData name="שיר וולץ" userId="aefb9a7725becb63" providerId="LiveId" clId="{9F74FB0C-EC1E-437D-8CDE-B518B384A0C5}" dt="2023-12-01T12:22:15.914" v="1172" actId="1076"/>
+        <pc:chgData name="שיר וולץ" userId="aefb9a7725becb63" providerId="LiveId" clId="{5D952ADB-1579-4CB5-A5D8-2E248B0950CA}" dt="2023-12-02T14:55:03.843" v="81" actId="20577"/>
         <pc:sldMkLst>
           <pc:docMk/>
           <pc:sldMk cId="2396002602" sldId="277"/>
         </pc:sldMkLst>
         <pc:spChg chg="mod">
-          <ac:chgData name="שיר וולץ" userId="aefb9a7725becb63" providerId="LiveId" clId="{9F74FB0C-EC1E-437D-8CDE-B518B384A0C5}" dt="2023-12-01T12:22:15.914" v="1172" actId="1076"/>
+          <ac:chgData name="שיר וולץ" userId="aefb9a7725becb63" providerId="LiveId" clId="{5D952ADB-1579-4CB5-A5D8-2E248B0950CA}" dt="2023-12-02T14:55:03.843" v="81" actId="20577"/>
           <ac:spMkLst>
             <pc:docMk/>
             <pc:sldMk cId="2396002602" sldId="277"/>
             <ac:spMk id="4" creationId="{18C13FE4-332D-2C92-6AF2-2F31660F39AF}"/>
           </ac:spMkLst>
         </pc:spChg>
-        <pc:picChg chg="del">
-          <ac:chgData name="שיר וולץ" userId="aefb9a7725becb63" providerId="LiveId" clId="{9F74FB0C-EC1E-437D-8CDE-B518B384A0C5}" dt="2023-12-01T11:59:26.061" v="787" actId="21"/>
-          <ac:picMkLst>
-            <pc:docMk/>
-            <pc:sldMk cId="2396002602" sldId="277"/>
-            <ac:picMk id="7" creationId="{ADCE4600-A0AD-2092-5416-463BAF61AA64}"/>
-          </ac:picMkLst>
-        </pc:picChg>
-        <pc:picChg chg="add mod">
-          <ac:chgData name="שיר וולץ" userId="aefb9a7725becb63" providerId="LiveId" clId="{9F74FB0C-EC1E-437D-8CDE-B518B384A0C5}" dt="2023-12-01T12:05:33.898" v="853" actId="14100"/>
-          <ac:picMkLst>
-            <pc:docMk/>
-            <pc:sldMk cId="2396002602" sldId="277"/>
-            <ac:picMk id="1026" creationId="{F999FCB8-C8F0-348D-0193-6C4DC817A784}"/>
-          </ac:picMkLst>
-        </pc:picChg>
-        <pc:picChg chg="add mod">
-          <ac:chgData name="שיר וולץ" userId="aefb9a7725becb63" providerId="LiveId" clId="{9F74FB0C-EC1E-437D-8CDE-B518B384A0C5}" dt="2023-12-01T12:05:30.986" v="852" actId="14100"/>
-          <ac:picMkLst>
-            <pc:docMk/>
-            <pc:sldMk cId="2396002602" sldId="277"/>
-            <ac:picMk id="1028" creationId="{BD202FC0-B5FE-2464-7A4B-5CD6871B4468}"/>
-          </ac:picMkLst>
-        </pc:picChg>
-        <pc:picChg chg="add mod">
-          <ac:chgData name="שיר וולץ" userId="aefb9a7725becb63" providerId="LiveId" clId="{9F74FB0C-EC1E-437D-8CDE-B518B384A0C5}" dt="2023-12-01T12:22:12.008" v="1171" actId="1076"/>
-          <ac:picMkLst>
-            <pc:docMk/>
-            <pc:sldMk cId="2396002602" sldId="277"/>
-            <ac:picMk id="1030" creationId="{93B45F09-2B69-8629-D79E-BFFB61DB7E85}"/>
-          </ac:picMkLst>
-        </pc:picChg>
-        <pc:picChg chg="add mod">
-          <ac:chgData name="שיר וולץ" userId="aefb9a7725becb63" providerId="LiveId" clId="{9F74FB0C-EC1E-437D-8CDE-B518B384A0C5}" dt="2023-12-01T12:05:36.449" v="854" actId="14100"/>
-          <ac:picMkLst>
-            <pc:docMk/>
-            <pc:sldMk cId="2396002602" sldId="277"/>
-            <ac:picMk id="1032" creationId="{C888E5F5-7F08-06F8-B91F-267DC469F344}"/>
-          </ac:picMkLst>
-        </pc:picChg>
-        <pc:picChg chg="add mod">
-          <ac:chgData name="שיר וולץ" userId="aefb9a7725becb63" providerId="LiveId" clId="{9F74FB0C-EC1E-437D-8CDE-B518B384A0C5}" dt="2023-12-01T12:05:18.781" v="847" actId="1076"/>
-          <ac:picMkLst>
-            <pc:docMk/>
-            <pc:sldMk cId="2396002602" sldId="277"/>
-            <ac:picMk id="1034" creationId="{92DC4BA1-E55D-F9C8-6C7D-2ABC293E10EE}"/>
-          </ac:picMkLst>
-        </pc:picChg>
-        <pc:picChg chg="add mod">
-          <ac:chgData name="שיר וולץ" userId="aefb9a7725becb63" providerId="LiveId" clId="{9F74FB0C-EC1E-437D-8CDE-B518B384A0C5}" dt="2023-12-01T12:05:20.421" v="848" actId="1076"/>
-          <ac:picMkLst>
-            <pc:docMk/>
-            <pc:sldMk cId="2396002602" sldId="277"/>
-            <ac:picMk id="1036" creationId="{B48CB4C8-966A-CBC8-082F-52F087D2D26F}"/>
-          </ac:picMkLst>
-        </pc:picChg>
-        <pc:picChg chg="add mod">
-          <ac:chgData name="שיר וולץ" userId="aefb9a7725becb63" providerId="LiveId" clId="{9F74FB0C-EC1E-437D-8CDE-B518B384A0C5}" dt="2023-12-01T12:05:22.061" v="849" actId="1076"/>
-          <ac:picMkLst>
-            <pc:docMk/>
-            <pc:sldMk cId="2396002602" sldId="277"/>
-            <ac:picMk id="1038" creationId="{542FA7CE-E891-F377-BB4E-68EB74574E51}"/>
-          </ac:picMkLst>
-        </pc:picChg>
       </pc:sldChg>
-      <pc:sldChg chg="addSp delSp modSp add mod">
-        <pc:chgData name="שיר וולץ" userId="aefb9a7725becb63" providerId="LiveId" clId="{9F74FB0C-EC1E-437D-8CDE-B518B384A0C5}" dt="2023-12-01T12:21:48.536" v="1166" actId="255"/>
+      <pc:sldChg chg="modSp mod">
+        <pc:chgData name="שיר וולץ" userId="aefb9a7725becb63" providerId="LiveId" clId="{5D952ADB-1579-4CB5-A5D8-2E248B0950CA}" dt="2023-12-02T14:59:53.946" v="210" actId="20577"/>
         <pc:sldMkLst>
           <pc:docMk/>
           <pc:sldMk cId="2889183720" sldId="278"/>
         </pc:sldMkLst>
         <pc:spChg chg="mod">
-          <ac:chgData name="שיר וולץ" userId="aefb9a7725becb63" providerId="LiveId" clId="{9F74FB0C-EC1E-437D-8CDE-B518B384A0C5}" dt="2023-12-01T12:21:48.536" v="1166" actId="255"/>
+          <ac:chgData name="שיר וולץ" userId="aefb9a7725becb63" providerId="LiveId" clId="{5D952ADB-1579-4CB5-A5D8-2E248B0950CA}" dt="2023-12-02T14:59:53.946" v="210" actId="20577"/>
           <ac:spMkLst>
             <pc:docMk/>
             <pc:sldMk cId="2889183720" sldId="278"/>
             <ac:spMk id="4" creationId="{18C13FE4-332D-2C92-6AF2-2F31660F39AF}"/>
           </ac:spMkLst>
         </pc:spChg>
-        <pc:graphicFrameChg chg="add del">
-          <ac:chgData name="שיר וולץ" userId="aefb9a7725becb63" providerId="LiveId" clId="{9F74FB0C-EC1E-437D-8CDE-B518B384A0C5}" dt="2023-12-01T12:07:10.397" v="864" actId="21"/>
-          <ac:graphicFrameMkLst>
-            <pc:docMk/>
-            <pc:sldMk cId="2889183720" sldId="278"/>
-            <ac:graphicFrameMk id="3" creationId="{8B21EFB1-5B5C-BD96-EE36-477B13851F89}"/>
-          </ac:graphicFrameMkLst>
-        </pc:graphicFrameChg>
-        <pc:graphicFrameChg chg="add mod modGraphic">
-          <ac:chgData name="שיר וולץ" userId="aefb9a7725becb63" providerId="LiveId" clId="{9F74FB0C-EC1E-437D-8CDE-B518B384A0C5}" dt="2023-12-01T12:20:06.857" v="1072" actId="207"/>
-          <ac:graphicFrameMkLst>
-            <pc:docMk/>
-            <pc:sldMk cId="2889183720" sldId="278"/>
-            <ac:graphicFrameMk id="6" creationId="{A1688815-74C7-03C3-DDE2-45AA286597BE}"/>
-          </ac:graphicFrameMkLst>
-        </pc:graphicFrameChg>
-        <pc:picChg chg="del">
-          <ac:chgData name="שיר וולץ" userId="aefb9a7725becb63" providerId="LiveId" clId="{9F74FB0C-EC1E-437D-8CDE-B518B384A0C5}" dt="2023-12-01T12:06:10.688" v="856" actId="21"/>
-          <ac:picMkLst>
-            <pc:docMk/>
-            <pc:sldMk cId="2889183720" sldId="278"/>
-            <ac:picMk id="1026" creationId="{F999FCB8-C8F0-348D-0193-6C4DC817A784}"/>
-          </ac:picMkLst>
-        </pc:picChg>
-        <pc:picChg chg="del">
-          <ac:chgData name="שיר וולץ" userId="aefb9a7725becb63" providerId="LiveId" clId="{9F74FB0C-EC1E-437D-8CDE-B518B384A0C5}" dt="2023-12-01T12:06:12.316" v="857" actId="21"/>
-          <ac:picMkLst>
-            <pc:docMk/>
-            <pc:sldMk cId="2889183720" sldId="278"/>
-            <ac:picMk id="1028" creationId="{BD202FC0-B5FE-2464-7A4B-5CD6871B4468}"/>
-          </ac:picMkLst>
-        </pc:picChg>
-        <pc:picChg chg="del">
-          <ac:chgData name="שיר וולץ" userId="aefb9a7725becb63" providerId="LiveId" clId="{9F74FB0C-EC1E-437D-8CDE-B518B384A0C5}" dt="2023-12-01T12:06:14.055" v="858" actId="21"/>
-          <ac:picMkLst>
-            <pc:docMk/>
-            <pc:sldMk cId="2889183720" sldId="278"/>
-            <ac:picMk id="1030" creationId="{93B45F09-2B69-8629-D79E-BFFB61DB7E85}"/>
-          </ac:picMkLst>
-        </pc:picChg>
-        <pc:picChg chg="del">
-          <ac:chgData name="שיר וולץ" userId="aefb9a7725becb63" providerId="LiveId" clId="{9F74FB0C-EC1E-437D-8CDE-B518B384A0C5}" dt="2023-12-01T12:06:15.613" v="859" actId="21"/>
-          <ac:picMkLst>
-            <pc:docMk/>
-            <pc:sldMk cId="2889183720" sldId="278"/>
-            <ac:picMk id="1032" creationId="{C888E5F5-7F08-06F8-B91F-267DC469F344}"/>
-          </ac:picMkLst>
-        </pc:picChg>
-        <pc:picChg chg="del">
-          <ac:chgData name="שיר וולץ" userId="aefb9a7725becb63" providerId="LiveId" clId="{9F74FB0C-EC1E-437D-8CDE-B518B384A0C5}" dt="2023-12-01T12:06:24.815" v="862" actId="21"/>
-          <ac:picMkLst>
-            <pc:docMk/>
-            <pc:sldMk cId="2889183720" sldId="278"/>
-            <ac:picMk id="1034" creationId="{92DC4BA1-E55D-F9C8-6C7D-2ABC293E10EE}"/>
-          </ac:picMkLst>
-        </pc:picChg>
-        <pc:picChg chg="del">
-          <ac:chgData name="שיר וולץ" userId="aefb9a7725becb63" providerId="LiveId" clId="{9F74FB0C-EC1E-437D-8CDE-B518B384A0C5}" dt="2023-12-01T12:06:22.443" v="861" actId="21"/>
-          <ac:picMkLst>
-            <pc:docMk/>
-            <pc:sldMk cId="2889183720" sldId="278"/>
-            <ac:picMk id="1036" creationId="{B48CB4C8-966A-CBC8-082F-52F087D2D26F}"/>
-          </ac:picMkLst>
-        </pc:picChg>
-        <pc:picChg chg="del">
-          <ac:chgData name="שיר וולץ" userId="aefb9a7725becb63" providerId="LiveId" clId="{9F74FB0C-EC1E-437D-8CDE-B518B384A0C5}" dt="2023-12-01T12:06:18.827" v="860" actId="21"/>
-          <ac:picMkLst>
-            <pc:docMk/>
-            <pc:sldMk cId="2889183720" sldId="278"/>
-            <ac:picMk id="1038" creationId="{542FA7CE-E891-F377-BB4E-68EB74574E51}"/>
-          </ac:picMkLst>
-        </pc:picChg>
       </pc:sldChg>
-      <pc:sldChg chg="addSp delSp modSp add mod">
-        <pc:chgData name="שיר וולץ" userId="aefb9a7725becb63" providerId="LiveId" clId="{9F74FB0C-EC1E-437D-8CDE-B518B384A0C5}" dt="2023-12-01T15:16:52.370" v="1419" actId="208"/>
+      <pc:sldChg chg="modSp mod">
+        <pc:chgData name="שיר וולץ" userId="aefb9a7725becb63" providerId="LiveId" clId="{5D952ADB-1579-4CB5-A5D8-2E248B0950CA}" dt="2023-12-02T14:56:26.720" v="100" actId="1076"/>
         <pc:sldMkLst>
           <pc:docMk/>
           <pc:sldMk cId="3112131851" sldId="279"/>
         </pc:sldMkLst>
         <pc:spChg chg="mod">
-          <ac:chgData name="שיר וולץ" userId="aefb9a7725becb63" providerId="LiveId" clId="{9F74FB0C-EC1E-437D-8CDE-B518B384A0C5}" dt="2023-12-01T14:22:21.745" v="1306" actId="313"/>
+          <ac:chgData name="שיר וולץ" userId="aefb9a7725becb63" providerId="LiveId" clId="{5D952ADB-1579-4CB5-A5D8-2E248B0950CA}" dt="2023-12-02T14:56:26.720" v="100" actId="1076"/>
           <ac:spMkLst>
             <pc:docMk/>
             <pc:sldMk cId="3112131851" sldId="279"/>
             <ac:spMk id="4" creationId="{18C13FE4-332D-2C92-6AF2-2F31660F39AF}"/>
           </ac:spMkLst>
         </pc:spChg>
-        <pc:spChg chg="add mod">
-          <ac:chgData name="שיר וולץ" userId="aefb9a7725becb63" providerId="LiveId" clId="{9F74FB0C-EC1E-437D-8CDE-B518B384A0C5}" dt="2023-12-01T14:29:36.039" v="1325" actId="692"/>
-          <ac:spMkLst>
-            <pc:docMk/>
-            <pc:sldMk cId="3112131851" sldId="279"/>
-            <ac:spMk id="9" creationId="{31C22BAA-1001-479E-9971-E279C3CE9891}"/>
-          </ac:spMkLst>
-        </pc:spChg>
-        <pc:spChg chg="add mod">
-          <ac:chgData name="שיר וולץ" userId="aefb9a7725becb63" providerId="LiveId" clId="{9F74FB0C-EC1E-437D-8CDE-B518B384A0C5}" dt="2023-12-01T15:09:06.887" v="1387" actId="208"/>
-          <ac:spMkLst>
-            <pc:docMk/>
-            <pc:sldMk cId="3112131851" sldId="279"/>
-            <ac:spMk id="10" creationId="{5AB75C87-6127-6890-3E26-2A64E04F9D50}"/>
-          </ac:spMkLst>
-        </pc:spChg>
-        <pc:spChg chg="add del mod">
-          <ac:chgData name="שיר וולץ" userId="aefb9a7725becb63" providerId="LiveId" clId="{9F74FB0C-EC1E-437D-8CDE-B518B384A0C5}" dt="2023-12-01T15:11:01.855" v="1389" actId="767"/>
-          <ac:spMkLst>
-            <pc:docMk/>
-            <pc:sldMk cId="3112131851" sldId="279"/>
-            <ac:spMk id="11" creationId="{F238D779-3542-2A41-F7FB-15F86672822F}"/>
-          </ac:spMkLst>
-        </pc:spChg>
-        <pc:spChg chg="add del mod">
-          <ac:chgData name="שיר וולץ" userId="aefb9a7725becb63" providerId="LiveId" clId="{9F74FB0C-EC1E-437D-8CDE-B518B384A0C5}" dt="2023-12-01T15:15:02.176" v="1393" actId="21"/>
-          <ac:spMkLst>
-            <pc:docMk/>
-            <pc:sldMk cId="3112131851" sldId="279"/>
-            <ac:spMk id="12" creationId="{0A2117DA-1C53-DDCC-D623-B84ABC343040}"/>
-          </ac:spMkLst>
-        </pc:spChg>
-        <pc:spChg chg="add mod">
-          <ac:chgData name="שיר וולץ" userId="aefb9a7725becb63" providerId="LiveId" clId="{9F74FB0C-EC1E-437D-8CDE-B518B384A0C5}" dt="2023-12-01T15:16:21.362" v="1414" actId="1076"/>
-          <ac:spMkLst>
-            <pc:docMk/>
-            <pc:sldMk cId="3112131851" sldId="279"/>
-            <ac:spMk id="13" creationId="{9041F4DF-359F-9630-12D8-DBA977BC78F0}"/>
-          </ac:spMkLst>
-        </pc:spChg>
-        <pc:graphicFrameChg chg="del">
-          <ac:chgData name="שיר וולץ" userId="aefb9a7725becb63" providerId="LiveId" clId="{9F74FB0C-EC1E-437D-8CDE-B518B384A0C5}" dt="2023-12-01T12:20:46.926" v="1074" actId="21"/>
-          <ac:graphicFrameMkLst>
-            <pc:docMk/>
-            <pc:sldMk cId="3112131851" sldId="279"/>
-            <ac:graphicFrameMk id="6" creationId="{A1688815-74C7-03C3-DDE2-45AA286597BE}"/>
-          </ac:graphicFrameMkLst>
-        </pc:graphicFrameChg>
-        <pc:picChg chg="add mod">
-          <ac:chgData name="שיר וולץ" userId="aefb9a7725becb63" providerId="LiveId" clId="{9F74FB0C-EC1E-437D-8CDE-B518B384A0C5}" dt="2023-12-01T14:21:51.976" v="1291" actId="1076"/>
+        <pc:picChg chg="mod">
+          <ac:chgData name="שיר וולץ" userId="aefb9a7725becb63" providerId="LiveId" clId="{5D952ADB-1579-4CB5-A5D8-2E248B0950CA}" dt="2023-12-02T14:56:09.605" v="98" actId="14100"/>
           <ac:picMkLst>
             <pc:docMk/>
             <pc:sldMk cId="3112131851" sldId="279"/>
             <ac:picMk id="1026" creationId="{3B51BC27-0F12-1C9A-811D-60AC218BB492}"/>
           </ac:picMkLst>
         </pc:picChg>
-        <pc:cxnChg chg="add del mod">
-          <ac:chgData name="שיר וולץ" userId="aefb9a7725becb63" providerId="LiveId" clId="{9F74FB0C-EC1E-437D-8CDE-B518B384A0C5}" dt="2023-12-01T14:25:10.571" v="1320" actId="21"/>
-          <ac:cxnSpMkLst>
-            <pc:docMk/>
-            <pc:sldMk cId="3112131851" sldId="279"/>
-            <ac:cxnSpMk id="6" creationId="{D8B298B5-0D78-2E3D-9429-917850499055}"/>
-          </ac:cxnSpMkLst>
-        </pc:cxnChg>
-        <pc:cxnChg chg="add mod">
-          <ac:chgData name="שיר וולץ" userId="aefb9a7725becb63" providerId="LiveId" clId="{9F74FB0C-EC1E-437D-8CDE-B518B384A0C5}" dt="2023-12-01T14:25:13.519" v="1321" actId="1076"/>
-          <ac:cxnSpMkLst>
-            <pc:docMk/>
-            <pc:sldMk cId="3112131851" sldId="279"/>
-            <ac:cxnSpMk id="7" creationId="{F6B3E1C9-0FBD-4307-24CB-C4885784657B}"/>
-          </ac:cxnSpMkLst>
-        </pc:cxnChg>
-        <pc:cxnChg chg="add mod">
-          <ac:chgData name="שיר וולץ" userId="aefb9a7725becb63" providerId="LiveId" clId="{9F74FB0C-EC1E-437D-8CDE-B518B384A0C5}" dt="2023-12-01T15:16:52.370" v="1419" actId="208"/>
-          <ac:cxnSpMkLst>
-            <pc:docMk/>
-            <pc:sldMk cId="3112131851" sldId="279"/>
-            <ac:cxnSpMk id="15" creationId="{7774AAA3-DEA4-D493-FF5F-7C1EAE3EF8B9}"/>
-          </ac:cxnSpMkLst>
-        </pc:cxnChg>
       </pc:sldChg>
-      <pc:sldChg chg="addSp delSp modSp add mod">
-        <pc:chgData name="שיר וולץ" userId="aefb9a7725becb63" providerId="LiveId" clId="{9F74FB0C-EC1E-437D-8CDE-B518B384A0C5}" dt="2023-12-01T15:23:29.956" v="1444" actId="1076"/>
+      <pc:sldChg chg="modSp mod">
+        <pc:chgData name="שיר וולץ" userId="aefb9a7725becb63" providerId="LiveId" clId="{5D952ADB-1579-4CB5-A5D8-2E248B0950CA}" dt="2023-12-02T14:57:46.657" v="128" actId="1076"/>
         <pc:sldMkLst>
           <pc:docMk/>
           <pc:sldMk cId="2080365302" sldId="280"/>
         </pc:sldMkLst>
-        <pc:spChg chg="add mod ord">
-          <ac:chgData name="שיר וולץ" userId="aefb9a7725becb63" providerId="LiveId" clId="{9F74FB0C-EC1E-437D-8CDE-B518B384A0C5}" dt="2023-12-01T15:23:26.559" v="1443" actId="1076"/>
+        <pc:spChg chg="mod">
+          <ac:chgData name="שיר וולץ" userId="aefb9a7725becb63" providerId="LiveId" clId="{5D952ADB-1579-4CB5-A5D8-2E248B0950CA}" dt="2023-12-02T14:57:46.657" v="128" actId="1076"/>
           <ac:spMkLst>
             <pc:docMk/>
             <pc:sldMk cId="2080365302" sldId="280"/>
-            <ac:spMk id="9" creationId="{5F348188-86CF-27E6-C696-D57827BF0F69}"/>
+            <ac:spMk id="4" creationId="{18C13FE4-332D-2C92-6AF2-2F31660F39AF}"/>
           </ac:spMkLst>
         </pc:spChg>
-        <pc:picChg chg="del">
-          <ac:chgData name="שיר וולץ" userId="aefb9a7725becb63" providerId="LiveId" clId="{9F74FB0C-EC1E-437D-8CDE-B518B384A0C5}" dt="2023-12-01T14:24:08.670" v="1311" actId="478"/>
-          <ac:picMkLst>
-            <pc:docMk/>
-            <pc:sldMk cId="2080365302" sldId="280"/>
-            <ac:picMk id="1026" creationId="{3B51BC27-0F12-1C9A-811D-60AC218BB492}"/>
-          </ac:picMkLst>
-        </pc:picChg>
-        <pc:picChg chg="add del mod">
-          <ac:chgData name="שיר וולץ" userId="aefb9a7725becb63" providerId="LiveId" clId="{9F74FB0C-EC1E-437D-8CDE-B518B384A0C5}" dt="2023-12-01T15:21:19.450" v="1434" actId="21"/>
-          <ac:picMkLst>
-            <pc:docMk/>
-            <pc:sldMk cId="2080365302" sldId="280"/>
-            <ac:picMk id="2050" creationId="{3E601965-6994-D9C0-2E52-BC40C05F5D92}"/>
-          </ac:picMkLst>
-        </pc:picChg>
-        <pc:picChg chg="add mod">
-          <ac:chgData name="שיר וולץ" userId="aefb9a7725becb63" providerId="LiveId" clId="{9F74FB0C-EC1E-437D-8CDE-B518B384A0C5}" dt="2023-12-01T15:23:22.126" v="1442" actId="1076"/>
+        <pc:picChg chg="mod">
+          <ac:chgData name="שיר וולץ" userId="aefb9a7725becb63" providerId="LiveId" clId="{5D952ADB-1579-4CB5-A5D8-2E248B0950CA}" dt="2023-12-02T14:57:41.345" v="127" actId="14100"/>
           <ac:picMkLst>
             <pc:docMk/>
             <pc:sldMk cId="2080365302" sldId="280"/>
             <ac:picMk id="2052" creationId="{8DDE973D-CEAF-E37B-D725-DBC20190DD89}"/>
           </ac:picMkLst>
         </pc:picChg>
-        <pc:cxnChg chg="add mod ord">
-          <ac:chgData name="שיר וולץ" userId="aefb9a7725becb63" providerId="LiveId" clId="{9F74FB0C-EC1E-437D-8CDE-B518B384A0C5}" dt="2023-12-01T15:23:29.956" v="1444" actId="1076"/>
-          <ac:cxnSpMkLst>
-            <pc:docMk/>
-            <pc:sldMk cId="2080365302" sldId="280"/>
-            <ac:cxnSpMk id="3" creationId="{5ED6FCA2-D19E-9F22-E3B8-1DD40ADD3A94}"/>
-          </ac:cxnSpMkLst>
-        </pc:cxnChg>
-        <pc:cxnChg chg="del">
-          <ac:chgData name="שיר וולץ" userId="aefb9a7725becb63" providerId="LiveId" clId="{9F74FB0C-EC1E-437D-8CDE-B518B384A0C5}" dt="2023-12-01T14:24:12.504" v="1312" actId="21"/>
-          <ac:cxnSpMkLst>
-            <pc:docMk/>
-            <pc:sldMk cId="2080365302" sldId="280"/>
-            <ac:cxnSpMk id="6" creationId="{D8B298B5-0D78-2E3D-9429-917850499055}"/>
-          </ac:cxnSpMkLst>
-        </pc:cxnChg>
       </pc:sldChg>
-      <pc:sldChg chg="addSp delSp modSp add mod">
-        <pc:chgData name="שיר וולץ" userId="aefb9a7725becb63" providerId="LiveId" clId="{9F74FB0C-EC1E-437D-8CDE-B518B384A0C5}" dt="2023-12-01T15:24:55.817" v="1455" actId="1076"/>
+      <pc:sldChg chg="modSp mod">
+        <pc:chgData name="שיר וולץ" userId="aefb9a7725becb63" providerId="LiveId" clId="{5D952ADB-1579-4CB5-A5D8-2E248B0950CA}" dt="2023-12-02T14:59:11.888" v="161" actId="14100"/>
         <pc:sldMkLst>
           <pc:docMk/>
           <pc:sldMk cId="558379904" sldId="281"/>
         </pc:sldMkLst>
-        <pc:spChg chg="mod ord">
-          <ac:chgData name="שיר וולץ" userId="aefb9a7725becb63" providerId="LiveId" clId="{9F74FB0C-EC1E-437D-8CDE-B518B384A0C5}" dt="2023-12-01T15:24:48.520" v="1453" actId="1076"/>
+        <pc:spChg chg="mod">
+          <ac:chgData name="שיר וולץ" userId="aefb9a7725becb63" providerId="LiveId" clId="{5D952ADB-1579-4CB5-A5D8-2E248B0950CA}" dt="2023-12-02T14:59:10.186" v="160" actId="1076"/>
           <ac:spMkLst>
             <pc:docMk/>
             <pc:sldMk cId="558379904" sldId="281"/>
-            <ac:spMk id="9" creationId="{5F348188-86CF-27E6-C696-D57827BF0F69}"/>
+            <ac:spMk id="4" creationId="{18C13FE4-332D-2C92-6AF2-2F31660F39AF}"/>
           </ac:spMkLst>
         </pc:spChg>
-        <pc:picChg chg="del">
-          <ac:chgData name="שיר וולץ" userId="aefb9a7725becb63" providerId="LiveId" clId="{9F74FB0C-EC1E-437D-8CDE-B518B384A0C5}" dt="2023-12-01T14:30:52.340" v="1329" actId="21"/>
-          <ac:picMkLst>
-            <pc:docMk/>
-            <pc:sldMk cId="558379904" sldId="281"/>
-            <ac:picMk id="2050" creationId="{3E601965-6994-D9C0-2E52-BC40C05F5D92}"/>
-          </ac:picMkLst>
-        </pc:picChg>
-        <pc:picChg chg="add del mod">
-          <ac:chgData name="שיר וולץ" userId="aefb9a7725becb63" providerId="LiveId" clId="{9F74FB0C-EC1E-437D-8CDE-B518B384A0C5}" dt="2023-12-01T15:23:48.228" v="1445" actId="21"/>
-          <ac:picMkLst>
-            <pc:docMk/>
-            <pc:sldMk cId="558379904" sldId="281"/>
-            <ac:picMk id="3074" creationId="{840AF7B7-F7FC-08E1-87C9-8FBDEAEA7F7D}"/>
-          </ac:picMkLst>
-        </pc:picChg>
-        <pc:picChg chg="add mod">
-          <ac:chgData name="שיר וולץ" userId="aefb9a7725becb63" providerId="LiveId" clId="{9F74FB0C-EC1E-437D-8CDE-B518B384A0C5}" dt="2023-12-01T15:24:39.269" v="1450" actId="1076"/>
+        <pc:picChg chg="mod">
+          <ac:chgData name="שיר וולץ" userId="aefb9a7725becb63" providerId="LiveId" clId="{5D952ADB-1579-4CB5-A5D8-2E248B0950CA}" dt="2023-12-02T14:59:11.888" v="161" actId="14100"/>
           <ac:picMkLst>
             <pc:docMk/>
             <pc:sldMk cId="558379904" sldId="281"/>
             <ac:picMk id="3076" creationId="{76B932F3-0FBD-7C2B-D098-E3E489090A93}"/>
           </ac:picMkLst>
         </pc:picChg>
-        <pc:cxnChg chg="mod ord">
-          <ac:chgData name="שיר וולץ" userId="aefb9a7725becb63" providerId="LiveId" clId="{9F74FB0C-EC1E-437D-8CDE-B518B384A0C5}" dt="2023-12-01T15:24:55.817" v="1455" actId="1076"/>
-          <ac:cxnSpMkLst>
-            <pc:docMk/>
-            <pc:sldMk cId="558379904" sldId="281"/>
-            <ac:cxnSpMk id="3" creationId="{5ED6FCA2-D19E-9F22-E3B8-1DD40ADD3A94}"/>
-          </ac:cxnSpMkLst>
-        </pc:cxnChg>
       </pc:sldChg>
-      <pc:sldChg chg="addSp delSp modSp add mod">
-        <pc:chgData name="שיר וולץ" userId="aefb9a7725becb63" providerId="LiveId" clId="{9F74FB0C-EC1E-437D-8CDE-B518B384A0C5}" dt="2023-12-01T15:28:01.811" v="1472" actId="21"/>
+      <pc:sldChg chg="modSp mod">
+        <pc:chgData name="שיר וולץ" userId="aefb9a7725becb63" providerId="LiveId" clId="{5D952ADB-1579-4CB5-A5D8-2E248B0950CA}" dt="2023-12-02T15:00:26.245" v="212" actId="6549"/>
         <pc:sldMkLst>
           <pc:docMk/>
           <pc:sldMk cId="3560181366" sldId="282"/>
         </pc:sldMkLst>
-        <pc:spChg chg="mod ord">
-          <ac:chgData name="שיר וולץ" userId="aefb9a7725becb63" providerId="LiveId" clId="{9F74FB0C-EC1E-437D-8CDE-B518B384A0C5}" dt="2023-12-01T15:27:40.535" v="1467" actId="1076"/>
+        <pc:spChg chg="mod">
+          <ac:chgData name="שיר וולץ" userId="aefb9a7725becb63" providerId="LiveId" clId="{5D952ADB-1579-4CB5-A5D8-2E248B0950CA}" dt="2023-12-02T15:00:26.245" v="212" actId="6549"/>
           <ac:spMkLst>
             <pc:docMk/>
             <pc:sldMk cId="3560181366" sldId="282"/>
-            <ac:spMk id="9" creationId="{5F348188-86CF-27E6-C696-D57827BF0F69}"/>
+            <ac:spMk id="4" creationId="{18C13FE4-332D-2C92-6AF2-2F31660F39AF}"/>
           </ac:spMkLst>
         </pc:spChg>
-        <pc:picChg chg="del">
-          <ac:chgData name="שיר וולץ" userId="aefb9a7725becb63" providerId="LiveId" clId="{9F74FB0C-EC1E-437D-8CDE-B518B384A0C5}" dt="2023-12-01T14:33:35.151" v="1341" actId="21"/>
-          <ac:picMkLst>
-            <pc:docMk/>
-            <pc:sldMk cId="3560181366" sldId="282"/>
-            <ac:picMk id="3074" creationId="{840AF7B7-F7FC-08E1-87C9-8FBDEAEA7F7D}"/>
-          </ac:picMkLst>
-        </pc:picChg>
-        <pc:picChg chg="add del mod">
-          <ac:chgData name="שיר וולץ" userId="aefb9a7725becb63" providerId="LiveId" clId="{9F74FB0C-EC1E-437D-8CDE-B518B384A0C5}" dt="2023-12-01T15:25:24.650" v="1456" actId="478"/>
-          <ac:picMkLst>
-            <pc:docMk/>
-            <pc:sldMk cId="3560181366" sldId="282"/>
-            <ac:picMk id="4098" creationId="{E1417B43-2B0F-78C3-D500-326646F044D2}"/>
-          </ac:picMkLst>
-        </pc:picChg>
-        <pc:picChg chg="add mod">
-          <ac:chgData name="שיר וולץ" userId="aefb9a7725becb63" providerId="LiveId" clId="{9F74FB0C-EC1E-437D-8CDE-B518B384A0C5}" dt="2023-12-01T15:27:30.634" v="1464" actId="1076"/>
+        <pc:picChg chg="mod">
+          <ac:chgData name="שיר וולץ" userId="aefb9a7725becb63" providerId="LiveId" clId="{5D952ADB-1579-4CB5-A5D8-2E248B0950CA}" dt="2023-12-02T14:58:30.507" v="143" actId="14100"/>
           <ac:picMkLst>
             <pc:docMk/>
             <pc:sldMk cId="3560181366" sldId="282"/>
             <ac:picMk id="4100" creationId="{9FB6DDFE-D9FF-269F-DF80-14FC5C24221E}"/>
           </ac:picMkLst>
         </pc:picChg>
-        <pc:cxnChg chg="del mod ord">
-          <ac:chgData name="שיר וולץ" userId="aefb9a7725becb63" providerId="LiveId" clId="{9F74FB0C-EC1E-437D-8CDE-B518B384A0C5}" dt="2023-12-01T15:28:01.811" v="1472" actId="21"/>
-          <ac:cxnSpMkLst>
-            <pc:docMk/>
-            <pc:sldMk cId="3560181366" sldId="282"/>
-            <ac:cxnSpMk id="3" creationId="{5ED6FCA2-D19E-9F22-E3B8-1DD40ADD3A94}"/>
-          </ac:cxnSpMkLst>
-        </pc:cxnChg>
       </pc:sldChg>
-      <pc:sldChg chg="addSp delSp modSp add mod">
-        <pc:chgData name="שיר וולץ" userId="aefb9a7725becb63" providerId="LiveId" clId="{9F74FB0C-EC1E-437D-8CDE-B518B384A0C5}" dt="2023-12-01T15:18:21.234" v="1433" actId="1076"/>
+      <pc:sldChg chg="modSp mod">
+        <pc:chgData name="שיר וולץ" userId="aefb9a7725becb63" providerId="LiveId" clId="{5D952ADB-1579-4CB5-A5D8-2E248B0950CA}" dt="2023-12-02T14:57:09.876" v="114" actId="20577"/>
         <pc:sldMkLst>
           <pc:docMk/>
           <pc:sldMk cId="2365412575" sldId="283"/>
         </pc:sldMkLst>
-        <pc:spChg chg="ord">
-          <ac:chgData name="שיר וולץ" userId="aefb9a7725becb63" providerId="LiveId" clId="{9F74FB0C-EC1E-437D-8CDE-B518B384A0C5}" dt="2023-12-01T15:18:02.330" v="1427" actId="166"/>
+        <pc:spChg chg="mod">
+          <ac:chgData name="שיר וולץ" userId="aefb9a7725becb63" providerId="LiveId" clId="{5D952ADB-1579-4CB5-A5D8-2E248B0950CA}" dt="2023-12-02T14:57:09.876" v="114" actId="20577"/>
           <ac:spMkLst>
             <pc:docMk/>
             <pc:sldMk cId="2365412575" sldId="283"/>
-            <ac:spMk id="9" creationId="{31C22BAA-1001-479E-9971-E279C3CE9891}"/>
+            <ac:spMk id="4" creationId="{18C13FE4-332D-2C92-6AF2-2F31660F39AF}"/>
           </ac:spMkLst>
         </pc:spChg>
-        <pc:spChg chg="del">
-          <ac:chgData name="שיר וולץ" userId="aefb9a7725becb63" providerId="LiveId" clId="{9F74FB0C-EC1E-437D-8CDE-B518B384A0C5}" dt="2023-12-01T15:17:27.410" v="1422" actId="21"/>
-          <ac:spMkLst>
-            <pc:docMk/>
-            <pc:sldMk cId="2365412575" sldId="283"/>
-            <ac:spMk id="10" creationId="{5AB75C87-6127-6890-3E26-2A64E04F9D50}"/>
-          </ac:spMkLst>
-        </pc:spChg>
-        <pc:spChg chg="del">
-          <ac:chgData name="שיר וולץ" userId="aefb9a7725becb63" providerId="LiveId" clId="{9F74FB0C-EC1E-437D-8CDE-B518B384A0C5}" dt="2023-12-01T15:17:30.385" v="1423" actId="21"/>
-          <ac:spMkLst>
-            <pc:docMk/>
-            <pc:sldMk cId="2365412575" sldId="283"/>
-            <ac:spMk id="13" creationId="{9041F4DF-359F-9630-12D8-DBA977BC78F0}"/>
-          </ac:spMkLst>
-        </pc:spChg>
-        <pc:picChg chg="del">
-          <ac:chgData name="שיר וולץ" userId="aefb9a7725becb63" providerId="LiveId" clId="{9F74FB0C-EC1E-437D-8CDE-B518B384A0C5}" dt="2023-12-01T15:17:23.990" v="1421" actId="21"/>
-          <ac:picMkLst>
-            <pc:docMk/>
-            <pc:sldMk cId="2365412575" sldId="283"/>
-            <ac:picMk id="1026" creationId="{3B51BC27-0F12-1C9A-811D-60AC218BB492}"/>
-          </ac:picMkLst>
-        </pc:picChg>
-        <pc:picChg chg="add mod">
-          <ac:chgData name="שיר וולץ" userId="aefb9a7725becb63" providerId="LiveId" clId="{9F74FB0C-EC1E-437D-8CDE-B518B384A0C5}" dt="2023-12-01T15:18:17.141" v="1432" actId="14100"/>
+        <pc:picChg chg="mod">
+          <ac:chgData name="שיר וולץ" userId="aefb9a7725becb63" providerId="LiveId" clId="{5D952ADB-1579-4CB5-A5D8-2E248B0950CA}" dt="2023-12-02T14:56:54.608" v="104" actId="14100"/>
           <ac:picMkLst>
             <pc:docMk/>
             <pc:sldMk cId="2365412575" sldId="283"/>
             <ac:picMk id="5122" creationId="{394EB2A7-200B-C81C-9330-4A377C022766}"/>
           </ac:picMkLst>
         </pc:picChg>
-        <pc:cxnChg chg="mod ord">
-          <ac:chgData name="שיר וולץ" userId="aefb9a7725becb63" providerId="LiveId" clId="{9F74FB0C-EC1E-437D-8CDE-B518B384A0C5}" dt="2023-12-01T15:18:21.234" v="1433" actId="1076"/>
-          <ac:cxnSpMkLst>
-            <pc:docMk/>
-            <pc:sldMk cId="2365412575" sldId="283"/>
-            <ac:cxnSpMk id="7" creationId="{F6B3E1C9-0FBD-4307-24CB-C4885784657B}"/>
-          </ac:cxnSpMkLst>
-        </pc:cxnChg>
-        <pc:cxnChg chg="del">
-          <ac:chgData name="שיר וולץ" userId="aefb9a7725becb63" providerId="LiveId" clId="{9F74FB0C-EC1E-437D-8CDE-B518B384A0C5}" dt="2023-12-01T15:17:33.111" v="1424" actId="21"/>
-          <ac:cxnSpMkLst>
-            <pc:docMk/>
-            <pc:sldMk cId="2365412575" sldId="283"/>
-            <ac:cxnSpMk id="15" creationId="{7774AAA3-DEA4-D493-FF5F-7C1EAE3EF8B9}"/>
-          </ac:cxnSpMkLst>
-        </pc:cxnChg>
-      </pc:sldChg>
-    </pc:docChg>
-  </pc:docChgLst>
-  <pc:docChgLst>
-    <pc:chgData name="שיר וולץ" userId="aefb9a7725becb63" providerId="LiveId" clId="{3C1D2FA1-F37F-4B22-9416-0109067D85DA}"/>
-    <pc:docChg chg="modSld">
-      <pc:chgData name="שיר וולץ" userId="aefb9a7725becb63" providerId="LiveId" clId="{3C1D2FA1-F37F-4B22-9416-0109067D85DA}" dt="2023-11-27T06:39:34.568" v="41" actId="20577"/>
-      <pc:docMkLst>
-        <pc:docMk/>
-      </pc:docMkLst>
-      <pc:sldChg chg="modSp mod">
-        <pc:chgData name="שיר וולץ" userId="aefb9a7725becb63" providerId="LiveId" clId="{3C1D2FA1-F37F-4B22-9416-0109067D85DA}" dt="2023-11-27T06:39:34.568" v="41" actId="20577"/>
-        <pc:sldMkLst>
-          <pc:docMk/>
-          <pc:sldMk cId="3358319154" sldId="274"/>
-        </pc:sldMkLst>
-        <pc:spChg chg="mod">
-          <ac:chgData name="שיר וולץ" userId="aefb9a7725becb63" providerId="LiveId" clId="{3C1D2FA1-F37F-4B22-9416-0109067D85DA}" dt="2023-11-27T06:39:34.568" v="41" actId="20577"/>
-          <ac:spMkLst>
-            <pc:docMk/>
-            <pc:sldMk cId="3358319154" sldId="274"/>
-            <ac:spMk id="3" creationId="{71200041-4D1E-4989-BD14-297CC7957621}"/>
-          </ac:spMkLst>
-        </pc:spChg>
-      </pc:sldChg>
-    </pc:docChg>
-  </pc:docChgLst>
-  <pc:docChgLst>
-    <pc:chgData name="שיר וולץ" userId="aefb9a7725becb63" providerId="LiveId" clId="{2B805E9A-1E52-47F1-B520-3D082B06BBBB}"/>
-    <pc:docChg chg="undo custSel addSld delSld modSld sldOrd">
-      <pc:chgData name="שיר וולץ" userId="aefb9a7725becb63" providerId="LiveId" clId="{2B805E9A-1E52-47F1-B520-3D082B06BBBB}" dt="2023-11-27T05:16:17.060" v="3059" actId="20577"/>
-      <pc:docMkLst>
-        <pc:docMk/>
-      </pc:docMkLst>
-      <pc:sldChg chg="del ord">
-        <pc:chgData name="שיר וולץ" userId="aefb9a7725becb63" providerId="LiveId" clId="{2B805E9A-1E52-47F1-B520-3D082B06BBBB}" dt="2023-11-25T09:34:05.809" v="727" actId="2696"/>
-        <pc:sldMkLst>
-          <pc:docMk/>
-          <pc:sldMk cId="1500568211" sldId="256"/>
-        </pc:sldMkLst>
-      </pc:sldChg>
-      <pc:sldChg chg="del">
-        <pc:chgData name="שיר וולץ" userId="aefb9a7725becb63" providerId="LiveId" clId="{2B805E9A-1E52-47F1-B520-3D082B06BBBB}" dt="2023-11-25T09:01:18.415" v="197" actId="2696"/>
-        <pc:sldMkLst>
-          <pc:docMk/>
-          <pc:sldMk cId="1838031687" sldId="257"/>
-        </pc:sldMkLst>
-      </pc:sldChg>
-      <pc:sldChg chg="delSp modSp del mod">
-        <pc:chgData name="שיר וולץ" userId="aefb9a7725becb63" providerId="LiveId" clId="{2B805E9A-1E52-47F1-B520-3D082B06BBBB}" dt="2023-11-25T09:22:49.575" v="693" actId="2696"/>
-        <pc:sldMkLst>
-          <pc:docMk/>
-          <pc:sldMk cId="2799490979" sldId="258"/>
-        </pc:sldMkLst>
-        <pc:spChg chg="mod">
-          <ac:chgData name="שיר וולץ" userId="aefb9a7725becb63" providerId="LiveId" clId="{2B805E9A-1E52-47F1-B520-3D082B06BBBB}" dt="2023-11-25T08:52:16.643" v="92" actId="20577"/>
-          <ac:spMkLst>
-            <pc:docMk/>
-            <pc:sldMk cId="2799490979" sldId="258"/>
-            <ac:spMk id="2" creationId="{00000000-0000-0000-0000-000000000000}"/>
-          </ac:spMkLst>
-        </pc:spChg>
-        <pc:spChg chg="mod">
-          <ac:chgData name="שיר וולץ" userId="aefb9a7725becb63" providerId="LiveId" clId="{2B805E9A-1E52-47F1-B520-3D082B06BBBB}" dt="2023-11-25T08:58:13.508" v="195" actId="20577"/>
-          <ac:spMkLst>
-            <pc:docMk/>
-            <pc:sldMk cId="2799490979" sldId="258"/>
-            <ac:spMk id="22" creationId="{72117225-5AEB-2E87-A7FD-085F8B330459}"/>
-          </ac:spMkLst>
-        </pc:spChg>
-        <pc:picChg chg="del mod">
-          <ac:chgData name="שיר וולץ" userId="aefb9a7725becb63" providerId="LiveId" clId="{2B805E9A-1E52-47F1-B520-3D082B06BBBB}" dt="2023-11-25T08:51:02.392" v="52" actId="21"/>
-          <ac:picMkLst>
-            <pc:docMk/>
-            <pc:sldMk cId="2799490979" sldId="258"/>
-            <ac:picMk id="7" creationId="{00000000-0000-0000-0000-000000000000}"/>
-          </ac:picMkLst>
-        </pc:picChg>
-        <pc:picChg chg="mod">
-          <ac:chgData name="שיר וולץ" userId="aefb9a7725becb63" providerId="LiveId" clId="{2B805E9A-1E52-47F1-B520-3D082B06BBBB}" dt="2023-11-25T08:49:58.519" v="40" actId="1076"/>
-          <ac:picMkLst>
-            <pc:docMk/>
-            <pc:sldMk cId="2799490979" sldId="258"/>
-            <ac:picMk id="8" creationId="{00000000-0000-0000-0000-000000000000}"/>
-          </ac:picMkLst>
-        </pc:picChg>
-      </pc:sldChg>
-      <pc:sldChg chg="del">
-        <pc:chgData name="שיר וולץ" userId="aefb9a7725becb63" providerId="LiveId" clId="{2B805E9A-1E52-47F1-B520-3D082B06BBBB}" dt="2023-11-25T08:47:36.841" v="0" actId="2696"/>
-        <pc:sldMkLst>
-          <pc:docMk/>
-          <pc:sldMk cId="3741636359" sldId="260"/>
-        </pc:sldMkLst>
-      </pc:sldChg>
-      <pc:sldChg chg="del">
-        <pc:chgData name="שיר וולץ" userId="aefb9a7725becb63" providerId="LiveId" clId="{2B805E9A-1E52-47F1-B520-3D082B06BBBB}" dt="2023-11-25T09:01:29.070" v="198" actId="2696"/>
-        <pc:sldMkLst>
-          <pc:docMk/>
-          <pc:sldMk cId="1325601046" sldId="261"/>
-        </pc:sldMkLst>
-      </pc:sldChg>
-      <pc:sldChg chg="addSp delSp modSp del mod modNotesTx">
-        <pc:chgData name="שיר וולץ" userId="aefb9a7725becb63" providerId="LiveId" clId="{2B805E9A-1E52-47F1-B520-3D082B06BBBB}" dt="2023-11-25T09:29:07.848" v="705" actId="2696"/>
-        <pc:sldMkLst>
-          <pc:docMk/>
-          <pc:sldMk cId="3765089580" sldId="262"/>
-        </pc:sldMkLst>
-        <pc:spChg chg="del mod">
-          <ac:chgData name="שיר וולץ" userId="aefb9a7725becb63" providerId="LiveId" clId="{2B805E9A-1E52-47F1-B520-3D082B06BBBB}" dt="2023-11-25T09:02:31.105" v="205" actId="21"/>
-          <ac:spMkLst>
-            <pc:docMk/>
-            <pc:sldMk cId="3765089580" sldId="262"/>
-            <ac:spMk id="2" creationId="{00000000-0000-0000-0000-000000000000}"/>
-          </ac:spMkLst>
-        </pc:spChg>
-        <pc:spChg chg="del">
-          <ac:chgData name="שיר וולץ" userId="aefb9a7725becb63" providerId="LiveId" clId="{2B805E9A-1E52-47F1-B520-3D082B06BBBB}" dt="2023-11-25T09:02:15.252" v="200" actId="21"/>
-          <ac:spMkLst>
-            <pc:docMk/>
-            <pc:sldMk cId="3765089580" sldId="262"/>
-            <ac:spMk id="3" creationId="{00000000-0000-0000-0000-000000000000}"/>
-          </ac:spMkLst>
-        </pc:spChg>
-        <pc:spChg chg="add del mod">
-          <ac:chgData name="שיר וולץ" userId="aefb9a7725becb63" providerId="LiveId" clId="{2B805E9A-1E52-47F1-B520-3D082B06BBBB}" dt="2023-11-25T09:02:18.320" v="201" actId="21"/>
-          <ac:spMkLst>
-            <pc:docMk/>
-            <pc:sldMk cId="3765089580" sldId="262"/>
-            <ac:spMk id="7" creationId="{0BEA8780-B450-55F7-92D4-2815FA4AD839}"/>
-          </ac:spMkLst>
-        </pc:spChg>
-        <pc:spChg chg="add del mod">
-          <ac:chgData name="שיר וולץ" userId="aefb9a7725becb63" providerId="LiveId" clId="{2B805E9A-1E52-47F1-B520-3D082B06BBBB}" dt="2023-11-25T09:02:34.573" v="206" actId="21"/>
-          <ac:spMkLst>
-            <pc:docMk/>
-            <pc:sldMk cId="3765089580" sldId="262"/>
-            <ac:spMk id="9" creationId="{05EC70E7-97F1-6782-4FFB-6123463638FF}"/>
-          </ac:spMkLst>
-        </pc:spChg>
-        <pc:spChg chg="add mod">
-          <ac:chgData name="שיר וולץ" userId="aefb9a7725becb63" providerId="LiveId" clId="{2B805E9A-1E52-47F1-B520-3D082B06BBBB}" dt="2023-11-25T09:06:55.765" v="297" actId="1076"/>
-          <ac:spMkLst>
-            <pc:docMk/>
-            <pc:sldMk cId="3765089580" sldId="262"/>
-            <ac:spMk id="10" creationId="{D0338E28-4DC3-3D4F-AD8E-8EFE605B99E7}"/>
-          </ac:spMkLst>
-        </pc:spChg>
-        <pc:spChg chg="add mod">
-          <ac:chgData name="שיר וולץ" userId="aefb9a7725becb63" providerId="LiveId" clId="{2B805E9A-1E52-47F1-B520-3D082B06BBBB}" dt="2023-11-25T09:06:51.259" v="296" actId="1076"/>
-          <ac:spMkLst>
-            <pc:docMk/>
-            <pc:sldMk cId="3765089580" sldId="262"/>
-            <ac:spMk id="11" creationId="{760C1180-8CE1-F7E5-16EA-7C862D6CD844}"/>
-          </ac:spMkLst>
-        </pc:spChg>
-        <pc:picChg chg="del">
-          <ac:chgData name="שיר וולץ" userId="aefb9a7725becb63" providerId="LiveId" clId="{2B805E9A-1E52-47F1-B520-3D082B06BBBB}" dt="2023-11-25T09:02:23.107" v="202" actId="21"/>
-          <ac:picMkLst>
-            <pc:docMk/>
-            <pc:sldMk cId="3765089580" sldId="262"/>
-            <ac:picMk id="5" creationId="{00000000-0000-0000-0000-000000000000}"/>
-          </ac:picMkLst>
-        </pc:picChg>
-        <pc:picChg chg="mod">
-          <ac:chgData name="שיר וולץ" userId="aefb9a7725becb63" providerId="LiveId" clId="{2B805E9A-1E52-47F1-B520-3D082B06BBBB}" dt="2023-11-25T09:02:26.182" v="203" actId="1076"/>
-          <ac:picMkLst>
-            <pc:docMk/>
-            <pc:sldMk cId="3765089580" sldId="262"/>
-            <ac:picMk id="6" creationId="{00000000-0000-0000-0000-000000000000}"/>
-          </ac:picMkLst>
-        </pc:picChg>
-      </pc:sldChg>
-      <pc:sldChg chg="del">
-        <pc:chgData name="שיר וולץ" userId="aefb9a7725becb63" providerId="LiveId" clId="{2B805E9A-1E52-47F1-B520-3D082B06BBBB}" dt="2023-11-25T09:01:35.050" v="199" actId="2696"/>
-        <pc:sldMkLst>
-          <pc:docMk/>
-          <pc:sldMk cId="3349130413" sldId="263"/>
-        </pc:sldMkLst>
-      </pc:sldChg>
-      <pc:sldChg chg="delSp modSp del mod">
-        <pc:chgData name="שיר וולץ" userId="aefb9a7725becb63" providerId="LiveId" clId="{2B805E9A-1E52-47F1-B520-3D082B06BBBB}" dt="2023-11-25T12:50:15.919" v="2619" actId="2696"/>
-        <pc:sldMkLst>
-          <pc:docMk/>
-          <pc:sldMk cId="1517909165" sldId="264"/>
-        </pc:sldMkLst>
-        <pc:spChg chg="mod">
-          <ac:chgData name="שיר וולץ" userId="aefb9a7725becb63" providerId="LiveId" clId="{2B805E9A-1E52-47F1-B520-3D082B06BBBB}" dt="2023-11-25T09:30:32.385" v="719" actId="255"/>
-          <ac:spMkLst>
-            <pc:docMk/>
-            <pc:sldMk cId="1517909165" sldId="264"/>
-            <ac:spMk id="14" creationId="{51F5F346-1955-D11E-006B-3246160EE0C9}"/>
-          </ac:spMkLst>
-        </pc:spChg>
-        <pc:picChg chg="del">
-          <ac:chgData name="שיר וולץ" userId="aefb9a7725becb63" providerId="LiveId" clId="{2B805E9A-1E52-47F1-B520-3D082B06BBBB}" dt="2023-11-25T08:48:05.945" v="1" actId="21"/>
-          <ac:picMkLst>
-            <pc:docMk/>
-            <pc:sldMk cId="1517909165" sldId="264"/>
-            <ac:picMk id="7" creationId="{00000000-0000-0000-0000-000000000000}"/>
-          </ac:picMkLst>
-        </pc:picChg>
-        <pc:picChg chg="mod">
-          <ac:chgData name="שיר וולץ" userId="aefb9a7725becb63" providerId="LiveId" clId="{2B805E9A-1E52-47F1-B520-3D082B06BBBB}" dt="2023-11-25T09:27:53.959" v="695" actId="1076"/>
-          <ac:picMkLst>
-            <pc:docMk/>
-            <pc:sldMk cId="1517909165" sldId="264"/>
-            <ac:picMk id="8" creationId="{00000000-0000-0000-0000-000000000000}"/>
-          </ac:picMkLst>
-        </pc:picChg>
-      </pc:sldChg>
-      <pc:sldChg chg="addSp delSp modSp add mod">
-        <pc:chgData name="שיר וולץ" userId="aefb9a7725becb63" providerId="LiveId" clId="{2B805E9A-1E52-47F1-B520-3D082B06BBBB}" dt="2023-11-25T12:53:28.106" v="2631" actId="14100"/>
-        <pc:sldMkLst>
-          <pc:docMk/>
-          <pc:sldMk cId="1777895238" sldId="265"/>
-        </pc:sldMkLst>
-        <pc:spChg chg="mod">
-          <ac:chgData name="שיר וולץ" userId="aefb9a7725becb63" providerId="LiveId" clId="{2B805E9A-1E52-47F1-B520-3D082B06BBBB}" dt="2023-11-25T09:21:06.727" v="629" actId="14100"/>
-          <ac:spMkLst>
-            <pc:docMk/>
-            <pc:sldMk cId="1777895238" sldId="265"/>
-            <ac:spMk id="2" creationId="{00000000-0000-0000-0000-000000000000}"/>
-          </ac:spMkLst>
-        </pc:spChg>
-        <pc:spChg chg="add del">
-          <ac:chgData name="שיר וולץ" userId="aefb9a7725becb63" providerId="LiveId" clId="{2B805E9A-1E52-47F1-B520-3D082B06BBBB}" dt="2023-11-25T09:22:09.451" v="683" actId="21"/>
-          <ac:spMkLst>
-            <pc:docMk/>
-            <pc:sldMk cId="1777895238" sldId="265"/>
-            <ac:spMk id="4" creationId="{3B79466D-CB5A-B3A5-9D0D-4D641F5AA6B3}"/>
-          </ac:spMkLst>
-        </pc:spChg>
-        <pc:spChg chg="mod">
-          <ac:chgData name="שיר וולץ" userId="aefb9a7725becb63" providerId="LiveId" clId="{2B805E9A-1E52-47F1-B520-3D082B06BBBB}" dt="2023-11-25T12:53:28.106" v="2631" actId="14100"/>
-          <ac:spMkLst>
-            <pc:docMk/>
-            <pc:sldMk cId="1777895238" sldId="265"/>
-            <ac:spMk id="22" creationId="{72117225-5AEB-2E87-A7FD-085F8B330459}"/>
-          </ac:spMkLst>
-        </pc:spChg>
-        <pc:picChg chg="mod">
-          <ac:chgData name="שיר וולץ" userId="aefb9a7725becb63" providerId="LiveId" clId="{2B805E9A-1E52-47F1-B520-3D082B06BBBB}" dt="2023-11-25T09:18:11.876" v="553" actId="1076"/>
-          <ac:picMkLst>
-            <pc:docMk/>
-            <pc:sldMk cId="1777895238" sldId="265"/>
-            <ac:picMk id="8" creationId="{00000000-0000-0000-0000-000000000000}"/>
-          </ac:picMkLst>
-        </pc:picChg>
-      </pc:sldChg>
-      <pc:sldChg chg="modSp add del mod">
-        <pc:chgData name="שיר וולץ" userId="aefb9a7725becb63" providerId="LiveId" clId="{2B805E9A-1E52-47F1-B520-3D082B06BBBB}" dt="2023-11-25T09:19:23.569" v="584" actId="2696"/>
-        <pc:sldMkLst>
-          <pc:docMk/>
-          <pc:sldMk cId="254750234" sldId="266"/>
-        </pc:sldMkLst>
-        <pc:spChg chg="mod">
-          <ac:chgData name="שיר וולץ" userId="aefb9a7725becb63" providerId="LiveId" clId="{2B805E9A-1E52-47F1-B520-3D082B06BBBB}" dt="2023-11-25T09:14:43.299" v="506" actId="1076"/>
-          <ac:spMkLst>
-            <pc:docMk/>
-            <pc:sldMk cId="254750234" sldId="266"/>
-            <ac:spMk id="2" creationId="{00000000-0000-0000-0000-000000000000}"/>
-          </ac:spMkLst>
-        </pc:spChg>
-        <pc:spChg chg="mod ord">
-          <ac:chgData name="שיר וולץ" userId="aefb9a7725becb63" providerId="LiveId" clId="{2B805E9A-1E52-47F1-B520-3D082B06BBBB}" dt="2023-11-25T09:17:33.308" v="549" actId="20577"/>
-          <ac:spMkLst>
-            <pc:docMk/>
-            <pc:sldMk cId="254750234" sldId="266"/>
-            <ac:spMk id="22" creationId="{72117225-5AEB-2E87-A7FD-085F8B330459}"/>
-          </ac:spMkLst>
-        </pc:spChg>
-        <pc:picChg chg="mod">
-          <ac:chgData name="שיר וולץ" userId="aefb9a7725becb63" providerId="LiveId" clId="{2B805E9A-1E52-47F1-B520-3D082B06BBBB}" dt="2023-11-25T09:14:54.703" v="509" actId="1076"/>
-          <ac:picMkLst>
-            <pc:docMk/>
-            <pc:sldMk cId="254750234" sldId="266"/>
-            <ac:picMk id="8" creationId="{00000000-0000-0000-0000-000000000000}"/>
-          </ac:picMkLst>
-        </pc:picChg>
-      </pc:sldChg>
-      <pc:sldChg chg="new del">
-        <pc:chgData name="שיר וולץ" userId="aefb9a7725becb63" providerId="LiveId" clId="{2B805E9A-1E52-47F1-B520-3D082B06BBBB}" dt="2023-11-25T09:11:21.331" v="454" actId="680"/>
-        <pc:sldMkLst>
-          <pc:docMk/>
-          <pc:sldMk cId="4151910966" sldId="266"/>
-        </pc:sldMkLst>
-      </pc:sldChg>
-      <pc:sldChg chg="addSp delSp modSp add mod">
-        <pc:chgData name="שיר וולץ" userId="aefb9a7725becb63" providerId="LiveId" clId="{2B805E9A-1E52-47F1-B520-3D082B06BBBB}" dt="2023-11-27T05:16:17.060" v="3059" actId="20577"/>
-        <pc:sldMkLst>
-          <pc:docMk/>
-          <pc:sldMk cId="4232584337" sldId="267"/>
-        </pc:sldMkLst>
-        <pc:spChg chg="mod">
-          <ac:chgData name="שיר וולץ" userId="aefb9a7725becb63" providerId="LiveId" clId="{2B805E9A-1E52-47F1-B520-3D082B06BBBB}" dt="2023-11-25T09:18:53.892" v="578" actId="20577"/>
-          <ac:spMkLst>
-            <pc:docMk/>
-            <pc:sldMk cId="4232584337" sldId="267"/>
-            <ac:spMk id="2" creationId="{00000000-0000-0000-0000-000000000000}"/>
-          </ac:spMkLst>
-        </pc:spChg>
-        <pc:spChg chg="add mod">
-          <ac:chgData name="שיר וולץ" userId="aefb9a7725becb63" providerId="LiveId" clId="{2B805E9A-1E52-47F1-B520-3D082B06BBBB}" dt="2023-11-27T05:16:17.060" v="3059" actId="20577"/>
-          <ac:spMkLst>
-            <pc:docMk/>
-            <pc:sldMk cId="4232584337" sldId="267"/>
-            <ac:spMk id="3" creationId="{CD819408-1CBA-3D89-DF10-4E3D1647D6B8}"/>
-          </ac:spMkLst>
-        </pc:spChg>
-        <pc:spChg chg="add del mod">
-          <ac:chgData name="שיר וולץ" userId="aefb9a7725becb63" providerId="LiveId" clId="{2B805E9A-1E52-47F1-B520-3D082B06BBBB}" dt="2023-11-25T09:19:12.383" v="582" actId="21"/>
-          <ac:spMkLst>
-            <pc:docMk/>
-            <pc:sldMk cId="4232584337" sldId="267"/>
-            <ac:spMk id="5" creationId="{6FE720FA-13B8-7749-88AC-35BD96478C9B}"/>
-          </ac:spMkLst>
-        </pc:spChg>
-        <pc:spChg chg="del">
-          <ac:chgData name="שיר וולץ" userId="aefb9a7725becb63" providerId="LiveId" clId="{2B805E9A-1E52-47F1-B520-3D082B06BBBB}" dt="2023-11-25T09:19:09.751" v="581" actId="21"/>
-          <ac:spMkLst>
-            <pc:docMk/>
-            <pc:sldMk cId="4232584337" sldId="267"/>
-            <ac:spMk id="22" creationId="{72117225-5AEB-2E87-A7FD-085F8B330459}"/>
-          </ac:spMkLst>
-        </pc:spChg>
-      </pc:sldChg>
-      <pc:sldChg chg="addSp delSp modSp add mod">
-        <pc:chgData name="שיר וולץ" userId="aefb9a7725becb63" providerId="LiveId" clId="{2B805E9A-1E52-47F1-B520-3D082B06BBBB}" dt="2023-11-25T12:53:17.458" v="2630" actId="14100"/>
-        <pc:sldMkLst>
-          <pc:docMk/>
-          <pc:sldMk cId="716002139" sldId="268"/>
-        </pc:sldMkLst>
-        <pc:spChg chg="mod">
-          <ac:chgData name="שיר וולץ" userId="aefb9a7725becb63" providerId="LiveId" clId="{2B805E9A-1E52-47F1-B520-3D082B06BBBB}" dt="2023-11-25T09:34:41.861" v="780" actId="14100"/>
-          <ac:spMkLst>
-            <pc:docMk/>
-            <pc:sldMk cId="716002139" sldId="268"/>
-            <ac:spMk id="2" creationId="{00000000-0000-0000-0000-000000000000}"/>
-          </ac:spMkLst>
-        </pc:spChg>
-        <pc:spChg chg="add mod">
-          <ac:chgData name="שיר וולץ" userId="aefb9a7725becb63" providerId="LiveId" clId="{2B805E9A-1E52-47F1-B520-3D082B06BBBB}" dt="2023-11-25T09:37:39.683" v="1069" actId="20577"/>
-          <ac:spMkLst>
-            <pc:docMk/>
-            <pc:sldMk cId="716002139" sldId="268"/>
-            <ac:spMk id="4" creationId="{E8229164-54FE-1BFE-B907-BD75C11A6828}"/>
-          </ac:spMkLst>
-        </pc:spChg>
-        <pc:spChg chg="add mod">
-          <ac:chgData name="שיר וולץ" userId="aefb9a7725becb63" providerId="LiveId" clId="{2B805E9A-1E52-47F1-B520-3D082B06BBBB}" dt="2023-11-25T12:53:10.771" v="2629" actId="14100"/>
-          <ac:spMkLst>
-            <pc:docMk/>
-            <pc:sldMk cId="716002139" sldId="268"/>
-            <ac:spMk id="5" creationId="{465F2521-23C4-504B-6C6F-22A9755A5D1A}"/>
-          </ac:spMkLst>
-        </pc:spChg>
-        <pc:spChg chg="mod">
-          <ac:chgData name="שיר וולץ" userId="aefb9a7725becb63" providerId="LiveId" clId="{2B805E9A-1E52-47F1-B520-3D082B06BBBB}" dt="2023-11-25T12:53:17.458" v="2630" actId="14100"/>
-          <ac:spMkLst>
-            <pc:docMk/>
-            <pc:sldMk cId="716002139" sldId="268"/>
-            <ac:spMk id="22" creationId="{72117225-5AEB-2E87-A7FD-085F8B330459}"/>
-          </ac:spMkLst>
-        </pc:spChg>
-        <pc:picChg chg="add mod">
-          <ac:chgData name="שיר וולץ" userId="aefb9a7725becb63" providerId="LiveId" clId="{2B805E9A-1E52-47F1-B520-3D082B06BBBB}" dt="2023-11-25T09:38:02.323" v="1075" actId="1076"/>
-          <ac:picMkLst>
-            <pc:docMk/>
-            <pc:sldMk cId="716002139" sldId="268"/>
-            <ac:picMk id="3" creationId="{92C04113-1E5E-A7CF-F893-961D4734DB7B}"/>
-          </ac:picMkLst>
-        </pc:picChg>
-        <pc:picChg chg="add mod">
-          <ac:chgData name="שיר וולץ" userId="aefb9a7725becb63" providerId="LiveId" clId="{2B805E9A-1E52-47F1-B520-3D082B06BBBB}" dt="2023-11-25T09:42:26.607" v="1105" actId="1076"/>
-          <ac:picMkLst>
-            <pc:docMk/>
-            <pc:sldMk cId="716002139" sldId="268"/>
-            <ac:picMk id="6" creationId="{884F1D2C-AB14-D90A-EE0A-04132E91A39A}"/>
-          </ac:picMkLst>
-        </pc:picChg>
-        <pc:picChg chg="add del">
-          <ac:chgData name="שיר וולץ" userId="aefb9a7725becb63" providerId="LiveId" clId="{2B805E9A-1E52-47F1-B520-3D082B06BBBB}" dt="2023-11-25T09:42:05.428" v="1099"/>
-          <ac:picMkLst>
-            <pc:docMk/>
-            <pc:sldMk cId="716002139" sldId="268"/>
-            <ac:picMk id="1026" creationId="{B4A2FA05-7F18-5E28-EB26-9B714DAD83C1}"/>
-          </ac:picMkLst>
-        </pc:picChg>
-      </pc:sldChg>
-      <pc:sldChg chg="addSp delSp modSp add mod ord">
-        <pc:chgData name="שיר וולץ" userId="aefb9a7725becb63" providerId="LiveId" clId="{2B805E9A-1E52-47F1-B520-3D082B06BBBB}" dt="2023-11-25T09:29:03.307" v="704"/>
-        <pc:sldMkLst>
-          <pc:docMk/>
-          <pc:sldMk cId="2950196399" sldId="269"/>
-        </pc:sldMkLst>
-        <pc:spChg chg="del">
-          <ac:chgData name="שיר וולץ" userId="aefb9a7725becb63" providerId="LiveId" clId="{2B805E9A-1E52-47F1-B520-3D082B06BBBB}" dt="2023-11-25T09:28:45.475" v="701" actId="21"/>
-          <ac:spMkLst>
-            <pc:docMk/>
-            <pc:sldMk cId="2950196399" sldId="269"/>
-            <ac:spMk id="2" creationId="{00000000-0000-0000-0000-000000000000}"/>
-          </ac:spMkLst>
-        </pc:spChg>
-        <pc:spChg chg="add del mod">
-          <ac:chgData name="שיר וולץ" userId="aefb9a7725becb63" providerId="LiveId" clId="{2B805E9A-1E52-47F1-B520-3D082B06BBBB}" dt="2023-11-25T09:28:43.002" v="700" actId="21"/>
-          <ac:spMkLst>
-            <pc:docMk/>
-            <pc:sldMk cId="2950196399" sldId="269"/>
-            <ac:spMk id="4" creationId="{5ECB62BB-C205-81E7-8861-D2DF18832E33}"/>
-          </ac:spMkLst>
-        </pc:spChg>
-        <pc:spChg chg="add del mod">
-          <ac:chgData name="שיר וולץ" userId="aefb9a7725becb63" providerId="LiveId" clId="{2B805E9A-1E52-47F1-B520-3D082B06BBBB}" dt="2023-11-25T09:28:50.540" v="702" actId="21"/>
-          <ac:spMkLst>
-            <pc:docMk/>
-            <pc:sldMk cId="2950196399" sldId="269"/>
-            <ac:spMk id="6" creationId="{BB7849FB-2A2A-81F8-B78C-4015832F432D}"/>
-          </ac:spMkLst>
-        </pc:spChg>
-        <pc:spChg chg="add mod">
-          <ac:chgData name="שיר וולץ" userId="aefb9a7725becb63" providerId="LiveId" clId="{2B805E9A-1E52-47F1-B520-3D082B06BBBB}" dt="2023-11-25T09:28:57.621" v="703"/>
-          <ac:spMkLst>
-            <pc:docMk/>
-            <pc:sldMk cId="2950196399" sldId="269"/>
-            <ac:spMk id="7" creationId="{D07B8255-2FE1-10E9-07CC-6AB3413267EA}"/>
-          </ac:spMkLst>
-        </pc:spChg>
-        <pc:spChg chg="add mod">
-          <ac:chgData name="שיר וולץ" userId="aefb9a7725becb63" providerId="LiveId" clId="{2B805E9A-1E52-47F1-B520-3D082B06BBBB}" dt="2023-11-25T09:29:03.307" v="704"/>
-          <ac:spMkLst>
-            <pc:docMk/>
-            <pc:sldMk cId="2950196399" sldId="269"/>
-            <ac:spMk id="9" creationId="{22BE6800-063D-BB92-65E5-D5723998ADE4}"/>
-          </ac:spMkLst>
-        </pc:spChg>
-        <pc:spChg chg="del">
-          <ac:chgData name="שיר וולץ" userId="aefb9a7725becb63" providerId="LiveId" clId="{2B805E9A-1E52-47F1-B520-3D082B06BBBB}" dt="2023-11-25T09:28:40.329" v="699" actId="21"/>
-          <ac:spMkLst>
-            <pc:docMk/>
-            <pc:sldMk cId="2950196399" sldId="269"/>
-            <ac:spMk id="22" creationId="{72117225-5AEB-2E87-A7FD-085F8B330459}"/>
-          </ac:spMkLst>
-        </pc:spChg>
-      </pc:sldChg>
-      <pc:sldChg chg="addSp delSp modSp add mod">
-        <pc:chgData name="שיר וולץ" userId="aefb9a7725becb63" providerId="LiveId" clId="{2B805E9A-1E52-47F1-B520-3D082B06BBBB}" dt="2023-11-25T19:23:05.478" v="2847" actId="122"/>
-        <pc:sldMkLst>
-          <pc:docMk/>
-          <pc:sldMk cId="2238981874" sldId="270"/>
-        </pc:sldMkLst>
-        <pc:spChg chg="mod">
-          <ac:chgData name="שיר וולץ" userId="aefb9a7725becb63" providerId="LiveId" clId="{2B805E9A-1E52-47F1-B520-3D082B06BBBB}" dt="2023-11-25T11:41:44.838" v="1682" actId="1076"/>
-          <ac:spMkLst>
-            <pc:docMk/>
-            <pc:sldMk cId="2238981874" sldId="270"/>
-            <ac:spMk id="2" creationId="{00000000-0000-0000-0000-000000000000}"/>
-          </ac:spMkLst>
-        </pc:spChg>
-        <pc:spChg chg="add mod">
-          <ac:chgData name="שיר וולץ" userId="aefb9a7725becb63" providerId="LiveId" clId="{2B805E9A-1E52-47F1-B520-3D082B06BBBB}" dt="2023-11-25T11:38:19.950" v="1643" actId="1076"/>
-          <ac:spMkLst>
-            <pc:docMk/>
-            <pc:sldMk cId="2238981874" sldId="270"/>
-            <ac:spMk id="3" creationId="{17088BA8-C298-8DC4-1A98-E1243971BAF4}"/>
-          </ac:spMkLst>
-        </pc:spChg>
-        <pc:spChg chg="add mod">
-          <ac:chgData name="שיר וולץ" userId="aefb9a7725becb63" providerId="LiveId" clId="{2B805E9A-1E52-47F1-B520-3D082B06BBBB}" dt="2023-11-25T19:21:53.424" v="2826" actId="20577"/>
-          <ac:spMkLst>
-            <pc:docMk/>
-            <pc:sldMk cId="2238981874" sldId="270"/>
-            <ac:spMk id="4" creationId="{20D35749-7FF8-B5F9-1AFC-F6F892099519}"/>
-          </ac:spMkLst>
-        </pc:spChg>
-        <pc:spChg chg="add mod">
-          <ac:chgData name="שיר וולץ" userId="aefb9a7725becb63" providerId="LiveId" clId="{2B805E9A-1E52-47F1-B520-3D082B06BBBB}" dt="2023-11-25T11:41:38.456" v="1680" actId="1076"/>
-          <ac:spMkLst>
-            <pc:docMk/>
-            <pc:sldMk cId="2238981874" sldId="270"/>
-            <ac:spMk id="5" creationId="{14B39A6B-EFEF-F49B-11EA-28DD56FD3BC3}"/>
-          </ac:spMkLst>
-        </pc:spChg>
-        <pc:spChg chg="add mod">
-          <ac:chgData name="שיר וולץ" userId="aefb9a7725becb63" providerId="LiveId" clId="{2B805E9A-1E52-47F1-B520-3D082B06BBBB}" dt="2023-11-25T19:22:08.208" v="2828" actId="14100"/>
-          <ac:spMkLst>
-            <pc:docMk/>
-            <pc:sldMk cId="2238981874" sldId="270"/>
-            <ac:spMk id="6" creationId="{B2564B07-8279-B5B1-8E52-6016C40A8259}"/>
-          </ac:spMkLst>
-        </pc:spChg>
-        <pc:spChg chg="mod">
-          <ac:chgData name="שיר וולץ" userId="aefb9a7725becb63" providerId="LiveId" clId="{2B805E9A-1E52-47F1-B520-3D082B06BBBB}" dt="2023-11-25T19:23:05.478" v="2847" actId="122"/>
-          <ac:spMkLst>
-            <pc:docMk/>
-            <pc:sldMk cId="2238981874" sldId="270"/>
-            <ac:spMk id="22" creationId="{72117225-5AEB-2E87-A7FD-085F8B330459}"/>
-          </ac:spMkLst>
-        </pc:spChg>
-        <pc:picChg chg="add del mod">
-          <ac:chgData name="שיר וולץ" userId="aefb9a7725becb63" providerId="LiveId" clId="{2B805E9A-1E52-47F1-B520-3D082B06BBBB}" dt="2023-11-25T11:33:45.372" v="1520"/>
-          <ac:picMkLst>
-            <pc:docMk/>
-            <pc:sldMk cId="2238981874" sldId="270"/>
-            <ac:picMk id="1026" creationId="{4CB77483-B1C1-38DD-E692-EF7CBB0CEC14}"/>
-          </ac:picMkLst>
-        </pc:picChg>
-        <pc:picChg chg="add mod">
-          <ac:chgData name="שיר וולץ" userId="aefb9a7725becb63" providerId="LiveId" clId="{2B805E9A-1E52-47F1-B520-3D082B06BBBB}" dt="2023-11-25T11:46:25.538" v="1729" actId="1076"/>
-          <ac:picMkLst>
-            <pc:docMk/>
-            <pc:sldMk cId="2238981874" sldId="270"/>
-            <ac:picMk id="1028" creationId="{9BC73EBD-83ED-269D-F3B4-A397AA789FC2}"/>
-          </ac:picMkLst>
-        </pc:picChg>
-      </pc:sldChg>
-      <pc:sldChg chg="addSp delSp modSp add mod">
-        <pc:chgData name="שיר וולץ" userId="aefb9a7725becb63" providerId="LiveId" clId="{2B805E9A-1E52-47F1-B520-3D082B06BBBB}" dt="2023-11-27T05:08:22.462" v="2930" actId="20577"/>
-        <pc:sldMkLst>
-          <pc:docMk/>
-          <pc:sldMk cId="3979115751" sldId="271"/>
-        </pc:sldMkLst>
-        <pc:spChg chg="mod">
-          <ac:chgData name="שיר וולץ" userId="aefb9a7725becb63" providerId="LiveId" clId="{2B805E9A-1E52-47F1-B520-3D082B06BBBB}" dt="2023-11-25T11:59:26.610" v="2149" actId="1076"/>
-          <ac:spMkLst>
-            <pc:docMk/>
-            <pc:sldMk cId="3979115751" sldId="271"/>
-            <ac:spMk id="2" creationId="{00000000-0000-0000-0000-000000000000}"/>
-          </ac:spMkLst>
-        </pc:spChg>
-        <pc:spChg chg="add mod">
-          <ac:chgData name="שיר וולץ" userId="aefb9a7725becb63" providerId="LiveId" clId="{2B805E9A-1E52-47F1-B520-3D082B06BBBB}" dt="2023-11-27T05:08:22.462" v="2930" actId="20577"/>
-          <ac:spMkLst>
-            <pc:docMk/>
-            <pc:sldMk cId="3979115751" sldId="271"/>
-            <ac:spMk id="5" creationId="{6A87851E-57F1-0ADA-ECE1-00AC36696523}"/>
-          </ac:spMkLst>
-        </pc:spChg>
-        <pc:spChg chg="add del mod">
-          <ac:chgData name="שיר וולץ" userId="aefb9a7725becb63" providerId="LiveId" clId="{2B805E9A-1E52-47F1-B520-3D082B06BBBB}" dt="2023-11-25T11:56:17.461" v="2114" actId="21"/>
-          <ac:spMkLst>
-            <pc:docMk/>
-            <pc:sldMk cId="3979115751" sldId="271"/>
-            <ac:spMk id="9" creationId="{B1285F5A-E463-E4D4-8712-5D6E60A8D11A}"/>
-          </ac:spMkLst>
-        </pc:spChg>
-        <pc:spChg chg="del mod">
-          <ac:chgData name="שיר וולץ" userId="aefb9a7725becb63" providerId="LiveId" clId="{2B805E9A-1E52-47F1-B520-3D082B06BBBB}" dt="2023-11-25T09:44:35.501" v="1109" actId="21"/>
-          <ac:spMkLst>
-            <pc:docMk/>
-            <pc:sldMk cId="3979115751" sldId="271"/>
-            <ac:spMk id="22" creationId="{72117225-5AEB-2E87-A7FD-085F8B330459}"/>
-          </ac:spMkLst>
-        </pc:spChg>
-        <pc:picChg chg="add del">
-          <ac:chgData name="שיר וולץ" userId="aefb9a7725becb63" providerId="LiveId" clId="{2B805E9A-1E52-47F1-B520-3D082B06BBBB}" dt="2023-11-25T11:55:47.527" v="2112" actId="21"/>
-          <ac:picMkLst>
-            <pc:docMk/>
-            <pc:sldMk cId="3979115751" sldId="271"/>
-            <ac:picMk id="3" creationId="{F688FD60-73CE-7AFB-7149-C9B87BA0BCDB}"/>
-          </ac:picMkLst>
-        </pc:picChg>
-        <pc:picChg chg="add mod">
-          <ac:chgData name="שיר וולץ" userId="aefb9a7725becb63" providerId="LiveId" clId="{2B805E9A-1E52-47F1-B520-3D082B06BBBB}" dt="2023-11-25T11:58:42.717" v="2145" actId="14100"/>
-          <ac:picMkLst>
-            <pc:docMk/>
-            <pc:sldMk cId="3979115751" sldId="271"/>
-            <ac:picMk id="7" creationId="{1AA6979D-6FEC-BF14-3B44-732E12B33052}"/>
-          </ac:picMkLst>
-        </pc:picChg>
-      </pc:sldChg>
-      <pc:sldChg chg="addSp delSp modSp add mod">
-        <pc:chgData name="שיר וולץ" userId="aefb9a7725becb63" providerId="LiveId" clId="{2B805E9A-1E52-47F1-B520-3D082B06BBBB}" dt="2023-11-27T05:11:31.984" v="2976" actId="20577"/>
-        <pc:sldMkLst>
-          <pc:docMk/>
-          <pc:sldMk cId="632009448" sldId="272"/>
-        </pc:sldMkLst>
-        <pc:spChg chg="mod">
-          <ac:chgData name="שיר וולץ" userId="aefb9a7725becb63" providerId="LiveId" clId="{2B805E9A-1E52-47F1-B520-3D082B06BBBB}" dt="2023-11-27T05:11:31.984" v="2976" actId="20577"/>
-          <ac:spMkLst>
-            <pc:docMk/>
-            <pc:sldMk cId="632009448" sldId="272"/>
-            <ac:spMk id="5" creationId="{6A87851E-57F1-0ADA-ECE1-00AC36696523}"/>
-          </ac:spMkLst>
-        </pc:spChg>
-        <pc:picChg chg="add mod">
-          <ac:chgData name="שיר וולץ" userId="aefb9a7725becb63" providerId="LiveId" clId="{2B805E9A-1E52-47F1-B520-3D082B06BBBB}" dt="2023-11-27T05:11:26.164" v="2973" actId="1076"/>
-          <ac:picMkLst>
-            <pc:docMk/>
-            <pc:sldMk cId="632009448" sldId="272"/>
-            <ac:picMk id="3" creationId="{4425DFB3-CDE6-B803-E9F6-E82939EC4E1B}"/>
-          </ac:picMkLst>
-        </pc:picChg>
-        <pc:picChg chg="del">
-          <ac:chgData name="שיר וולץ" userId="aefb9a7725becb63" providerId="LiveId" clId="{2B805E9A-1E52-47F1-B520-3D082B06BBBB}" dt="2023-11-25T11:59:55.426" v="2157" actId="21"/>
-          <ac:picMkLst>
-            <pc:docMk/>
-            <pc:sldMk cId="632009448" sldId="272"/>
-            <ac:picMk id="7" creationId="{1AA6979D-6FEC-BF14-3B44-732E12B33052}"/>
-          </ac:picMkLst>
-        </pc:picChg>
-      </pc:sldChg>
-      <pc:sldChg chg="delSp modSp add del mod">
-        <pc:chgData name="שיר וולץ" userId="aefb9a7725becb63" providerId="LiveId" clId="{2B805E9A-1E52-47F1-B520-3D082B06BBBB}" dt="2023-11-25T11:59:17.145" v="2148" actId="2696"/>
-        <pc:sldMkLst>
-          <pc:docMk/>
-          <pc:sldMk cId="3102673944" sldId="272"/>
-        </pc:sldMkLst>
-        <pc:spChg chg="del">
-          <ac:chgData name="שיר וולץ" userId="aefb9a7725becb63" providerId="LiveId" clId="{2B805E9A-1E52-47F1-B520-3D082B06BBBB}" dt="2023-11-25T11:56:52.216" v="2120" actId="21"/>
-          <ac:spMkLst>
-            <pc:docMk/>
-            <pc:sldMk cId="3102673944" sldId="272"/>
-            <ac:spMk id="5" creationId="{6A87851E-57F1-0ADA-ECE1-00AC36696523}"/>
-          </ac:spMkLst>
-        </pc:spChg>
-        <pc:spChg chg="mod">
-          <ac:chgData name="שיר וולץ" userId="aefb9a7725becb63" providerId="LiveId" clId="{2B805E9A-1E52-47F1-B520-3D082B06BBBB}" dt="2023-11-25T11:59:08.167" v="2147" actId="21"/>
-          <ac:spMkLst>
-            <pc:docMk/>
-            <pc:sldMk cId="3102673944" sldId="272"/>
-            <ac:spMk id="9" creationId="{B1285F5A-E463-E4D4-8712-5D6E60A8D11A}"/>
-          </ac:spMkLst>
-        </pc:spChg>
-        <pc:picChg chg="del">
-          <ac:chgData name="שיר וולץ" userId="aefb9a7725becb63" providerId="LiveId" clId="{2B805E9A-1E52-47F1-B520-3D082B06BBBB}" dt="2023-11-25T11:56:54.867" v="2121" actId="21"/>
-          <ac:picMkLst>
-            <pc:docMk/>
-            <pc:sldMk cId="3102673944" sldId="272"/>
-            <ac:picMk id="7" creationId="{1AA6979D-6FEC-BF14-3B44-732E12B33052}"/>
-          </ac:picMkLst>
-        </pc:picChg>
-      </pc:sldChg>
-      <pc:sldChg chg="addSp delSp modSp add mod modNotesTx">
-        <pc:chgData name="שיר וולץ" userId="aefb9a7725becb63" providerId="LiveId" clId="{2B805E9A-1E52-47F1-B520-3D082B06BBBB}" dt="2023-11-27T05:15:24.791" v="3055" actId="115"/>
-        <pc:sldMkLst>
-          <pc:docMk/>
-          <pc:sldMk cId="3124295061" sldId="273"/>
-        </pc:sldMkLst>
-        <pc:spChg chg="add del">
-          <ac:chgData name="שיר וולץ" userId="aefb9a7725becb63" providerId="LiveId" clId="{2B805E9A-1E52-47F1-B520-3D082B06BBBB}" dt="2023-11-25T12:33:46.220" v="2337"/>
-          <ac:spMkLst>
-            <pc:docMk/>
-            <pc:sldMk cId="3124295061" sldId="273"/>
-            <ac:spMk id="4" creationId="{0725BF03-4C3C-EF8A-E75E-B1D23472B913}"/>
-          </ac:spMkLst>
-        </pc:spChg>
-        <pc:spChg chg="mod">
-          <ac:chgData name="שיר וולץ" userId="aefb9a7725becb63" providerId="LiveId" clId="{2B805E9A-1E52-47F1-B520-3D082B06BBBB}" dt="2023-11-27T05:15:01.138" v="3048" actId="20577"/>
-          <ac:spMkLst>
-            <pc:docMk/>
-            <pc:sldMk cId="3124295061" sldId="273"/>
-            <ac:spMk id="5" creationId="{6A87851E-57F1-0ADA-ECE1-00AC36696523}"/>
-          </ac:spMkLst>
-        </pc:spChg>
-        <pc:spChg chg="add del">
-          <ac:chgData name="שיר וולץ" userId="aefb9a7725becb63" providerId="LiveId" clId="{2B805E9A-1E52-47F1-B520-3D082B06BBBB}" dt="2023-11-25T12:33:50.792" v="2339"/>
-          <ac:spMkLst>
-            <pc:docMk/>
-            <pc:sldMk cId="3124295061" sldId="273"/>
-            <ac:spMk id="6" creationId="{645D3F2B-02F2-8789-5DFD-1BD630E0FEA6}"/>
-          </ac:spMkLst>
-        </pc:spChg>
-        <pc:spChg chg="add mod">
-          <ac:chgData name="שיר וולץ" userId="aefb9a7725becb63" providerId="LiveId" clId="{2B805E9A-1E52-47F1-B520-3D082B06BBBB}" dt="2023-11-27T05:15:06.977" v="3052" actId="20577"/>
-          <ac:spMkLst>
-            <pc:docMk/>
-            <pc:sldMk cId="3124295061" sldId="273"/>
-            <ac:spMk id="7" creationId="{88E7C451-8226-DC8E-26F8-3FF4754BC144}"/>
-          </ac:spMkLst>
-        </pc:spChg>
-        <pc:spChg chg="add mod">
-          <ac:chgData name="שיר וולץ" userId="aefb9a7725becb63" providerId="LiveId" clId="{2B805E9A-1E52-47F1-B520-3D082B06BBBB}" dt="2023-11-27T05:15:24.791" v="3055" actId="115"/>
-          <ac:spMkLst>
-            <pc:docMk/>
-            <pc:sldMk cId="3124295061" sldId="273"/>
-            <ac:spMk id="9" creationId="{06525356-D9EF-16DE-A4A4-B0E938A35276}"/>
-          </ac:spMkLst>
-        </pc:spChg>
-        <pc:picChg chg="del">
-          <ac:chgData name="שיר וולץ" userId="aefb9a7725becb63" providerId="LiveId" clId="{2B805E9A-1E52-47F1-B520-3D082B06BBBB}" dt="2023-11-25T12:30:05.429" v="2211" actId="478"/>
-          <ac:picMkLst>
-            <pc:docMk/>
-            <pc:sldMk cId="3124295061" sldId="273"/>
-            <ac:picMk id="3" creationId="{4425DFB3-CDE6-B803-E9F6-E82939EC4E1B}"/>
-          </ac:picMkLst>
-        </pc:picChg>
-        <pc:picChg chg="add mod">
-          <ac:chgData name="שיר וולץ" userId="aefb9a7725becb63" providerId="LiveId" clId="{2B805E9A-1E52-47F1-B520-3D082B06BBBB}" dt="2023-11-26T22:13:43.255" v="2907" actId="14100"/>
-          <ac:picMkLst>
-            <pc:docMk/>
-            <pc:sldMk cId="3124295061" sldId="273"/>
-            <ac:picMk id="3" creationId="{5974D7CC-A46C-BCE4-A962-2F27880D0BBA}"/>
-          </ac:picMkLst>
-        </pc:picChg>
-        <pc:picChg chg="add del mod">
-          <ac:chgData name="שיר וולץ" userId="aefb9a7725becb63" providerId="LiveId" clId="{2B805E9A-1E52-47F1-B520-3D082B06BBBB}" dt="2023-11-25T12:34:58.951" v="2346" actId="21"/>
-          <ac:picMkLst>
-            <pc:docMk/>
-            <pc:sldMk cId="3124295061" sldId="273"/>
-            <ac:picMk id="2052" creationId="{B578BFC2-492F-8FC3-B678-D71E701F45E7}"/>
-          </ac:picMkLst>
-        </pc:picChg>
-        <pc:picChg chg="add del mod">
-          <ac:chgData name="שיר וולץ" userId="aefb9a7725becb63" providerId="LiveId" clId="{2B805E9A-1E52-47F1-B520-3D082B06BBBB}" dt="2023-11-25T12:38:11.513" v="2434" actId="21"/>
-          <ac:picMkLst>
-            <pc:docMk/>
-            <pc:sldMk cId="3124295061" sldId="273"/>
-            <ac:picMk id="2054" creationId="{C458412E-EE04-6B16-1226-05CDEEE2EA92}"/>
-          </ac:picMkLst>
-        </pc:picChg>
-        <pc:picChg chg="add del mod">
-          <ac:chgData name="שיר וולץ" userId="aefb9a7725becb63" providerId="LiveId" clId="{2B805E9A-1E52-47F1-B520-3D082B06BBBB}" dt="2023-11-26T22:13:24.502" v="2902" actId="478"/>
-          <ac:picMkLst>
-            <pc:docMk/>
-            <pc:sldMk cId="3124295061" sldId="273"/>
-            <ac:picMk id="2056" creationId="{0BD715B5-506A-0A90-13E5-1EC432DF4DEE}"/>
-          </ac:picMkLst>
-        </pc:picChg>
-      </pc:sldChg>
-      <pc:sldChg chg="addSp delSp modSp add mod ord">
-        <pc:chgData name="שיר וולץ" userId="aefb9a7725becb63" providerId="LiveId" clId="{2B805E9A-1E52-47F1-B520-3D082B06BBBB}" dt="2023-11-25T12:50:18.490" v="2621"/>
-        <pc:sldMkLst>
-          <pc:docMk/>
-          <pc:sldMk cId="3358319154" sldId="274"/>
-        </pc:sldMkLst>
-        <pc:spChg chg="del">
-          <ac:chgData name="שיר וולץ" userId="aefb9a7725becb63" providerId="LiveId" clId="{2B805E9A-1E52-47F1-B520-3D082B06BBBB}" dt="2023-11-25T12:49:53.561" v="2614" actId="21"/>
-          <ac:spMkLst>
-            <pc:docMk/>
-            <pc:sldMk cId="3358319154" sldId="274"/>
-            <ac:spMk id="2" creationId="{00000000-0000-0000-0000-000000000000}"/>
-          </ac:spMkLst>
-        </pc:spChg>
-        <pc:spChg chg="add mod">
-          <ac:chgData name="שיר וולץ" userId="aefb9a7725becb63" providerId="LiveId" clId="{2B805E9A-1E52-47F1-B520-3D082B06BBBB}" dt="2023-11-25T12:50:09.749" v="2618" actId="1076"/>
-          <ac:spMkLst>
-            <pc:docMk/>
-            <pc:sldMk cId="3358319154" sldId="274"/>
-            <ac:spMk id="3" creationId="{71200041-4D1E-4989-BD14-297CC7957621}"/>
-          </ac:spMkLst>
-        </pc:spChg>
-        <pc:spChg chg="add del mod">
-          <ac:chgData name="שיר וולץ" userId="aefb9a7725becb63" providerId="LiveId" clId="{2B805E9A-1E52-47F1-B520-3D082B06BBBB}" dt="2023-11-25T12:49:57.285" v="2615" actId="21"/>
-          <ac:spMkLst>
-            <pc:docMk/>
-            <pc:sldMk cId="3358319154" sldId="274"/>
-            <ac:spMk id="5" creationId="{35284D07-8583-8045-D49D-30BD558AD25B}"/>
-          </ac:spMkLst>
-        </pc:spChg>
-        <pc:spChg chg="add del mod">
-          <ac:chgData name="שיר וולץ" userId="aefb9a7725becb63" providerId="LiveId" clId="{2B805E9A-1E52-47F1-B520-3D082B06BBBB}" dt="2023-11-25T12:50:06.580" v="2617" actId="21"/>
-          <ac:spMkLst>
-            <pc:docMk/>
-            <pc:sldMk cId="3358319154" sldId="274"/>
-            <ac:spMk id="7" creationId="{5B1D7D55-801D-20D4-F8DE-014B2B1AAE71}"/>
-          </ac:spMkLst>
-        </pc:spChg>
-        <pc:spChg chg="del">
-          <ac:chgData name="שיר וולץ" userId="aefb9a7725becb63" providerId="LiveId" clId="{2B805E9A-1E52-47F1-B520-3D082B06BBBB}" dt="2023-11-25T12:50:02.356" v="2616" actId="21"/>
-          <ac:spMkLst>
-            <pc:docMk/>
-            <pc:sldMk cId="3358319154" sldId="274"/>
-            <ac:spMk id="22" creationId="{72117225-5AEB-2E87-A7FD-085F8B330459}"/>
-          </ac:spMkLst>
-        </pc:spChg>
       </pc:sldChg>
     </pc:docChg>
   </pc:docChgLst>
@@ -1712,7 +433,7 @@
           <a:p>
             <a:fld id="{27F2CB4F-678B-4847-BCA7-E4F55087CAE7}" type="datetimeFigureOut">
               <a:rPr lang="en-IL" smtClean="0"/>
-              <a:t>12/01/2023</a:t>
+              <a:t>12/02/2023</a:t>
             </a:fld>
             <a:endParaRPr lang="en-IL"/>
           </a:p>
@@ -3035,7 +1756,7 @@
           <a:p>
             <a:fld id="{B7A24698-AE2D-43E6-BD25-8D09F11DD6B8}" type="datetimeFigureOut">
               <a:rPr lang="en-US" smtClean="0"/>
-              <a:t>12/1/2023</a:t>
+              <a:t>12/2/2023</a:t>
             </a:fld>
             <a:endParaRPr lang="en-US"/>
           </a:p>
@@ -3205,7 +1926,7 @@
           <a:p>
             <a:fld id="{B7A24698-AE2D-43E6-BD25-8D09F11DD6B8}" type="datetimeFigureOut">
               <a:rPr lang="en-US" smtClean="0"/>
-              <a:t>12/1/2023</a:t>
+              <a:t>12/2/2023</a:t>
             </a:fld>
             <a:endParaRPr lang="en-US"/>
           </a:p>
@@ -3385,7 +2106,7 @@
           <a:p>
             <a:fld id="{B7A24698-AE2D-43E6-BD25-8D09F11DD6B8}" type="datetimeFigureOut">
               <a:rPr lang="en-US" smtClean="0"/>
-              <a:t>12/1/2023</a:t>
+              <a:t>12/2/2023</a:t>
             </a:fld>
             <a:endParaRPr lang="en-US"/>
           </a:p>
@@ -3555,7 +2276,7 @@
           <a:p>
             <a:fld id="{B7A24698-AE2D-43E6-BD25-8D09F11DD6B8}" type="datetimeFigureOut">
               <a:rPr lang="en-US" smtClean="0"/>
-              <a:t>12/1/2023</a:t>
+              <a:t>12/2/2023</a:t>
             </a:fld>
             <a:endParaRPr lang="en-US"/>
           </a:p>
@@ -3801,7 +2522,7 @@
           <a:p>
             <a:fld id="{B7A24698-AE2D-43E6-BD25-8D09F11DD6B8}" type="datetimeFigureOut">
               <a:rPr lang="en-US" smtClean="0"/>
-              <a:t>12/1/2023</a:t>
+              <a:t>12/2/2023</a:t>
             </a:fld>
             <a:endParaRPr lang="en-US"/>
           </a:p>
@@ -4033,7 +2754,7 @@
           <a:p>
             <a:fld id="{B7A24698-AE2D-43E6-BD25-8D09F11DD6B8}" type="datetimeFigureOut">
               <a:rPr lang="en-US" smtClean="0"/>
-              <a:t>12/1/2023</a:t>
+              <a:t>12/2/2023</a:t>
             </a:fld>
             <a:endParaRPr lang="en-US"/>
           </a:p>
@@ -4400,7 +3121,7 @@
           <a:p>
             <a:fld id="{B7A24698-AE2D-43E6-BD25-8D09F11DD6B8}" type="datetimeFigureOut">
               <a:rPr lang="en-US" smtClean="0"/>
-              <a:t>12/1/2023</a:t>
+              <a:t>12/2/2023</a:t>
             </a:fld>
             <a:endParaRPr lang="en-US"/>
           </a:p>
@@ -4518,7 +3239,7 @@
           <a:p>
             <a:fld id="{B7A24698-AE2D-43E6-BD25-8D09F11DD6B8}" type="datetimeFigureOut">
               <a:rPr lang="en-US" smtClean="0"/>
-              <a:t>12/1/2023</a:t>
+              <a:t>12/2/2023</a:t>
             </a:fld>
             <a:endParaRPr lang="en-US"/>
           </a:p>
@@ -4613,7 +3334,7 @@
           <a:p>
             <a:fld id="{B7A24698-AE2D-43E6-BD25-8D09F11DD6B8}" type="datetimeFigureOut">
               <a:rPr lang="en-US" smtClean="0"/>
-              <a:t>12/1/2023</a:t>
+              <a:t>12/2/2023</a:t>
             </a:fld>
             <a:endParaRPr lang="en-US"/>
           </a:p>
@@ -4890,7 +3611,7 @@
           <a:p>
             <a:fld id="{B7A24698-AE2D-43E6-BD25-8D09F11DD6B8}" type="datetimeFigureOut">
               <a:rPr lang="en-US" smtClean="0"/>
-              <a:t>12/1/2023</a:t>
+              <a:t>12/2/2023</a:t>
             </a:fld>
             <a:endParaRPr lang="en-US"/>
           </a:p>
@@ -5143,7 +3864,7 @@
           <a:p>
             <a:fld id="{B7A24698-AE2D-43E6-BD25-8D09F11DD6B8}" type="datetimeFigureOut">
               <a:rPr lang="en-US" smtClean="0"/>
-              <a:t>12/1/2023</a:t>
+              <a:t>12/2/2023</a:t>
             </a:fld>
             <a:endParaRPr lang="en-US"/>
           </a:p>
@@ -5356,7 +4077,7 @@
           <a:p>
             <a:fld id="{B7A24698-AE2D-43E6-BD25-8D09F11DD6B8}" type="datetimeFigureOut">
               <a:rPr lang="en-US" smtClean="0"/>
-              <a:t>12/1/2023</a:t>
+              <a:t>12/2/2023</a:t>
             </a:fld>
             <a:endParaRPr lang="en-US"/>
           </a:p>
@@ -6239,7 +4960,7 @@
         </p:nvSpPr>
         <p:spPr>
           <a:xfrm>
-            <a:off x="1382108" y="1537878"/>
+            <a:off x="1382108" y="1750304"/>
             <a:ext cx="10131974" cy="788916"/>
           </a:xfrm>
           <a:prstGeom prst="rect">
@@ -6272,22 +4993,31 @@
           <a:p>
             <a:pPr algn="l" rtl="0"/>
             <a:r>
-              <a:rPr lang="en-US" sz="3200" b="1" dirty="0">
+              <a:rPr lang="en-US" sz="2900" b="1" dirty="0">
                 <a:cs typeface="+mn-cs"/>
               </a:rPr>
-              <a:t>Stage B: Analyzing the entire filtered Properties’ population</a:t>
+              <a:t>Route B: </a:t>
             </a:r>
           </a:p>
           <a:p>
             <a:pPr algn="l" rtl="0"/>
             <a:r>
-              <a:rPr lang="en-US" sz="2000" b="1" u="sng" dirty="0">
+              <a:rPr lang="en-US" sz="2900" b="1" dirty="0">
+                <a:cs typeface="+mn-cs"/>
+              </a:rPr>
+              <a:t>Analyzing the entire filtered Properties’ population</a:t>
+            </a:r>
+          </a:p>
+          <a:p>
+            <a:pPr algn="l" rtl="0"/>
+            <a:r>
+              <a:rPr lang="en-US" sz="2900" b="1" u="sng" dirty="0">
                 <a:cs typeface="+mn-cs"/>
               </a:rPr>
               <a:t>Remark</a:t>
             </a:r>
             <a:r>
-              <a:rPr lang="en-US" sz="2000" b="1" dirty="0">
+              <a:rPr lang="en-US" sz="2900" b="1" dirty="0">
                 <a:cs typeface="+mn-cs"/>
               </a:rPr>
               <a:t>: The depended variable on the x-axis for convenience </a:t>
@@ -6324,8 +5054,8 @@
         </p:blipFill>
         <p:spPr bwMode="auto">
           <a:xfrm>
-            <a:off x="2732313" y="2459442"/>
-            <a:ext cx="7004957" cy="3829730"/>
+            <a:off x="2732313" y="2666282"/>
+            <a:ext cx="7004957" cy="3622890"/>
           </a:xfrm>
           <a:prstGeom prst="rect">
             <a:avLst/>
@@ -6900,7 +5630,7 @@
         </p:nvSpPr>
         <p:spPr>
           <a:xfrm>
-            <a:off x="1382108" y="1537878"/>
+            <a:off x="1334812" y="1782547"/>
             <a:ext cx="10131974" cy="788916"/>
           </a:xfrm>
           <a:prstGeom prst="rect">
@@ -6933,22 +5663,31 @@
           <a:p>
             <a:pPr algn="l" rtl="0"/>
             <a:r>
-              <a:rPr lang="en-US" sz="3200" b="1" dirty="0">
+              <a:rPr lang="en-US" sz="2900" b="1" dirty="0">
                 <a:cs typeface="+mn-cs"/>
               </a:rPr>
-              <a:t>Stage B: Analyzing the entire filtered Properties’ population</a:t>
+              <a:t>Route B: </a:t>
             </a:r>
           </a:p>
           <a:p>
             <a:pPr algn="l" rtl="0"/>
             <a:r>
-              <a:rPr lang="en-US" sz="2000" b="1" u="sng" dirty="0">
+              <a:rPr lang="en-US" sz="2900" b="1" dirty="0">
+                <a:cs typeface="+mn-cs"/>
+              </a:rPr>
+              <a:t>Analyzing the entire filtered Properties’ population</a:t>
+            </a:r>
+          </a:p>
+          <a:p>
+            <a:pPr algn="l" rtl="0"/>
+            <a:r>
+              <a:rPr lang="en-US" sz="2900" b="1" u="sng" dirty="0">
                 <a:cs typeface="+mn-cs"/>
               </a:rPr>
               <a:t>Remark</a:t>
             </a:r>
             <a:r>
-              <a:rPr lang="en-US" sz="2000" b="1" dirty="0">
+              <a:rPr lang="en-US" sz="2900" b="1" dirty="0">
                 <a:cs typeface="+mn-cs"/>
               </a:rPr>
               <a:t>: The depended variable on the x-axis for convenience </a:t>
@@ -6985,8 +5724,8 @@
         </p:blipFill>
         <p:spPr bwMode="auto">
           <a:xfrm>
-            <a:off x="2732313" y="2326795"/>
-            <a:ext cx="7581900" cy="4000434"/>
+            <a:off x="2732313" y="2688771"/>
+            <a:ext cx="7581900" cy="3638458"/>
           </a:xfrm>
           <a:prstGeom prst="rect">
             <a:avLst/>
@@ -7429,7 +6168,7 @@
         </p:nvSpPr>
         <p:spPr>
           <a:xfrm>
-            <a:off x="1382108" y="1537878"/>
+            <a:off x="1382108" y="1749025"/>
             <a:ext cx="10131974" cy="788916"/>
           </a:xfrm>
           <a:prstGeom prst="rect">
@@ -7462,22 +6201,31 @@
           <a:p>
             <a:pPr algn="l" rtl="0"/>
             <a:r>
-              <a:rPr lang="en-US" sz="3200" b="1" dirty="0">
+              <a:rPr lang="en-US" sz="2900" b="1" dirty="0">
                 <a:cs typeface="+mn-cs"/>
               </a:rPr>
-              <a:t>Stage B: Analyzing the entire filtered Properties’ population</a:t>
+              <a:t>Route B: </a:t>
             </a:r>
           </a:p>
           <a:p>
             <a:pPr algn="l" rtl="0"/>
             <a:r>
-              <a:rPr lang="en-US" sz="2000" b="1" u="sng" dirty="0">
+              <a:rPr lang="en-US" sz="2900" b="1" dirty="0">
+                <a:cs typeface="+mn-cs"/>
+              </a:rPr>
+              <a:t>Analyzing the entire filtered Properties’ population</a:t>
+            </a:r>
+          </a:p>
+          <a:p>
+            <a:pPr algn="l" rtl="0"/>
+            <a:r>
+              <a:rPr lang="en-US" sz="2900" b="1" u="sng" dirty="0">
                 <a:cs typeface="+mn-cs"/>
               </a:rPr>
               <a:t>Remark</a:t>
             </a:r>
             <a:r>
-              <a:rPr lang="en-US" sz="2000" b="1" dirty="0">
+              <a:rPr lang="en-US" sz="2900" b="1" dirty="0">
                 <a:cs typeface="+mn-cs"/>
               </a:rPr>
               <a:t>: The depended variable on the x-axis for convenience </a:t>
@@ -7514,8 +6262,8 @@
         </p:blipFill>
         <p:spPr bwMode="auto">
           <a:xfrm>
-            <a:off x="2329215" y="2326794"/>
-            <a:ext cx="8763000" cy="3932002"/>
+            <a:off x="2329215" y="2645228"/>
+            <a:ext cx="8763000" cy="3613567"/>
           </a:xfrm>
           <a:prstGeom prst="rect">
             <a:avLst/>
@@ -7958,7 +6706,7 @@
         </p:nvSpPr>
         <p:spPr>
           <a:xfrm>
-            <a:off x="1382108" y="1537878"/>
+            <a:off x="1382108" y="1764790"/>
             <a:ext cx="10131974" cy="788916"/>
           </a:xfrm>
           <a:prstGeom prst="rect">
@@ -7991,22 +6739,31 @@
           <a:p>
             <a:pPr algn="l" rtl="0"/>
             <a:r>
-              <a:rPr lang="en-US" sz="3200" b="1" dirty="0">
+              <a:rPr lang="en-US" sz="2900" b="1" dirty="0">
                 <a:cs typeface="+mn-cs"/>
               </a:rPr>
-              <a:t>Stage B: Analyzing the entire filtered Properties’ population</a:t>
+              <a:t>Route B:</a:t>
             </a:r>
           </a:p>
           <a:p>
             <a:pPr algn="l" rtl="0"/>
             <a:r>
-              <a:rPr lang="en-US" sz="2000" b="1" u="sng" dirty="0">
+              <a:rPr lang="en-US" sz="2900" b="1" dirty="0">
+                <a:cs typeface="+mn-cs"/>
+              </a:rPr>
+              <a:t>Analyzing the entire filtered Properties’ population</a:t>
+            </a:r>
+          </a:p>
+          <a:p>
+            <a:pPr algn="l" rtl="0"/>
+            <a:r>
+              <a:rPr lang="en-US" sz="2900" b="1" u="sng" dirty="0">
                 <a:cs typeface="+mn-cs"/>
               </a:rPr>
               <a:t>Remark</a:t>
             </a:r>
             <a:r>
-              <a:rPr lang="en-US" sz="2000" b="1" dirty="0">
+              <a:rPr lang="en-US" sz="2900" b="1" dirty="0">
                 <a:cs typeface="+mn-cs"/>
               </a:rPr>
               <a:t>: The depended variable on the x-axis for convenience </a:t>
@@ -8043,8 +6800,8 @@
         </p:blipFill>
         <p:spPr bwMode="auto">
           <a:xfrm>
-            <a:off x="3547078" y="2274627"/>
-            <a:ext cx="6296025" cy="4124325"/>
+            <a:off x="3547078" y="2780618"/>
+            <a:ext cx="6296025" cy="3618334"/>
           </a:xfrm>
           <a:prstGeom prst="rect">
             <a:avLst/>
@@ -8487,7 +7244,7 @@
         </p:nvSpPr>
         <p:spPr>
           <a:xfrm>
-            <a:off x="1382108" y="1537878"/>
+            <a:off x="1334812" y="1724309"/>
             <a:ext cx="10131974" cy="788916"/>
           </a:xfrm>
           <a:prstGeom prst="rect">
@@ -8520,22 +7277,31 @@
           <a:p>
             <a:pPr algn="l" rtl="0"/>
             <a:r>
-              <a:rPr lang="en-US" sz="3200" b="1" dirty="0">
+              <a:rPr lang="en-US" sz="2900" b="1" dirty="0">
                 <a:cs typeface="+mn-cs"/>
               </a:rPr>
-              <a:t>Stage B: Analyzing the entire filtered Properties’ population</a:t>
+              <a:t>Route B:</a:t>
             </a:r>
           </a:p>
           <a:p>
             <a:pPr algn="l" rtl="0"/>
             <a:r>
-              <a:rPr lang="en-US" sz="2000" b="1" u="sng" dirty="0">
+              <a:rPr lang="en-US" sz="2900" b="1" dirty="0">
+                <a:cs typeface="+mn-cs"/>
+              </a:rPr>
+              <a:t>Analyzing the entire filtered Properties’ population</a:t>
+            </a:r>
+          </a:p>
+          <a:p>
+            <a:pPr algn="l" rtl="0"/>
+            <a:r>
+              <a:rPr lang="en-US" sz="2900" b="1" u="sng" dirty="0">
                 <a:cs typeface="+mn-cs"/>
               </a:rPr>
               <a:t>Remark</a:t>
             </a:r>
             <a:r>
-              <a:rPr lang="en-US" sz="2000" b="1" dirty="0">
+              <a:rPr lang="en-US" sz="2900" b="1" dirty="0">
                 <a:cs typeface="+mn-cs"/>
               </a:rPr>
               <a:t>: The depended variable on the x-axis for convenience </a:t>
@@ -8572,8 +7338,8 @@
         </p:blipFill>
         <p:spPr bwMode="auto">
           <a:xfrm>
-            <a:off x="3909599" y="2326794"/>
-            <a:ext cx="5400675" cy="3904101"/>
+            <a:off x="3909599" y="2699657"/>
+            <a:ext cx="5400675" cy="3531238"/>
           </a:xfrm>
           <a:prstGeom prst="rect">
             <a:avLst/>
@@ -9349,6 +8115,53 @@
           </a:p>
         </p:txBody>
       </p:sp>
+      <p:pic>
+        <p:nvPicPr>
+          <p:cNvPr id="1026" name="Picture 2" descr="‪george washington מאת en.wikipedia.org‬‏">
+            <a:extLst>
+              <a:ext uri="{FF2B5EF4-FFF2-40B4-BE49-F238E27FC236}">
+                <a16:creationId xmlns:a16="http://schemas.microsoft.com/office/drawing/2014/main" id="{B52B831D-9F31-2D90-4078-904B26751E1E}"/>
+              </a:ext>
+            </a:extLst>
+          </p:cNvPr>
+          <p:cNvPicPr>
+            <a:picLocks noChangeAspect="1" noChangeArrowheads="1"/>
+          </p:cNvPicPr>
+          <p:nvPr/>
+        </p:nvPicPr>
+        <p:blipFill>
+          <a:blip r:embed="rId3">
+            <a:extLst>
+              <a:ext uri="{28A0092B-C50C-407E-A947-70E740481C1C}">
+                <a14:useLocalDpi xmlns:a14="http://schemas.microsoft.com/office/drawing/2010/main" val="0"/>
+              </a:ext>
+            </a:extLst>
+          </a:blip>
+          <a:srcRect/>
+          <a:stretch>
+            <a:fillRect/>
+          </a:stretch>
+        </p:blipFill>
+        <p:spPr bwMode="auto">
+          <a:xfrm>
+            <a:off x="10187808" y="2402270"/>
+            <a:ext cx="876300" cy="876300"/>
+          </a:xfrm>
+          <a:prstGeom prst="rect">
+            <a:avLst/>
+          </a:prstGeom>
+          <a:noFill/>
+          <a:extLst>
+            <a:ext uri="{909E8E84-426E-40DD-AFC4-6F175D3DCCD1}">
+              <a14:hiddenFill xmlns:a14="http://schemas.microsoft.com/office/drawing/2010/main">
+                <a:solidFill>
+                  <a:srgbClr val="FFFFFF"/>
+                </a:solidFill>
+              </a14:hiddenFill>
+            </a:ext>
+          </a:extLst>
+        </p:spPr>
+      </p:pic>
     </p:spTree>
     <p:extLst>
       <p:ext uri="{BB962C8B-B14F-4D97-AF65-F5344CB8AC3E}">
@@ -9992,7 +8805,7 @@
         </p:spPr>
         <p:txBody>
           <a:bodyPr anchor="ctr">
-            <a:normAutofit fontScale="92500"/>
+            <a:normAutofit fontScale="92500" lnSpcReduction="20000"/>
           </a:bodyPr>
           <a:lstStyle/>
           <a:p>
@@ -10006,7 +8819,36 @@
               <a:rPr lang="en-US" sz="2800" dirty="0"/>
               <a:t>Forecasted Revenue in the Coming year = Price x (365 - availability_365)</a:t>
             </a:r>
-            <a:endParaRPr lang="he-IL" dirty="0"/>
+          </a:p>
+          <a:p>
+            <a:pPr marL="0" indent="0" algn="l" rtl="0">
+              <a:lnSpc>
+                <a:spcPct val="120000"/>
+              </a:lnSpc>
+              <a:buNone/>
+            </a:pPr>
+            <a:r>
+              <a:rPr lang="en-US" sz="1600" u="sng" dirty="0"/>
+              <a:t>Remark</a:t>
+            </a:r>
+            <a:r>
+              <a:rPr lang="en-US" sz="1600" dirty="0"/>
+              <a:t>: In the absence of the </a:t>
+            </a:r>
+            <a:r>
+              <a:rPr kumimoji="0" lang="en-US" altLang="en-US" sz="1600" b="0" i="0" u="none" strike="noStrike" cap="none" normalizeH="0" baseline="0" dirty="0">
+                <a:ln>
+                  <a:noFill/>
+                </a:ln>
+                <a:solidFill>
+                  <a:srgbClr val="202124"/>
+                </a:solidFill>
+                <a:effectLst/>
+                <a:latin typeface="inherit"/>
+              </a:rPr>
+              <a:t>acquisition price of each property data.</a:t>
+            </a:r>
+            <a:endParaRPr lang="he-IL" sz="1700" dirty="0"/>
           </a:p>
         </p:txBody>
       </p:sp>
@@ -10326,10 +9168,6 @@
               <a:rPr lang="en-US" sz="7200" u="sng" dirty="0"/>
               <a:t>Coming year</a:t>
             </a:r>
-            <a:r>
-              <a:rPr lang="en-US" sz="7200" baseline="30000" dirty="0"/>
-              <a:t>*</a:t>
-            </a:r>
             <a:endParaRPr lang="en-US" sz="7200" dirty="0"/>
           </a:p>
           <a:p>
@@ -10341,12 +9179,12 @@
               <a:buNone/>
             </a:pPr>
             <a:r>
-              <a:rPr lang="en-US" sz="7200" baseline="30000" dirty="0"/>
-              <a:t>*</a:t>
+              <a:rPr lang="en-US" sz="7200" u="sng" dirty="0"/>
+              <a:t>Remark</a:t>
             </a:r>
             <a:r>
               <a:rPr lang="en-US" sz="7200" dirty="0"/>
-              <a:t>Elimination of the seasonality effect, while still being considered as a short-term period.</a:t>
+              <a:t>: Elimination of the seasonality effect, while still being considered as a short-term period.</a:t>
             </a:r>
           </a:p>
           <a:p>
@@ -10617,6 +9455,107 @@
               <a:buNone/>
             </a:pPr>
             <a:endParaRPr lang="he-IL" dirty="0"/>
+          </a:p>
+        </p:txBody>
+      </p:sp>
+      <p:sp>
+        <p:nvSpPr>
+          <p:cNvPr id="9" name="Rectangle 2">
+            <a:extLst>
+              <a:ext uri="{FF2B5EF4-FFF2-40B4-BE49-F238E27FC236}">
+                <a16:creationId xmlns:a16="http://schemas.microsoft.com/office/drawing/2014/main" id="{BF26E794-1654-01C9-6F3F-017E453B43E7}"/>
+              </a:ext>
+            </a:extLst>
+          </p:cNvPr>
+          <p:cNvSpPr>
+            <a:spLocks noChangeArrowheads="1"/>
+          </p:cNvSpPr>
+          <p:nvPr/>
+        </p:nvSpPr>
+        <p:spPr bwMode="auto">
+          <a:xfrm>
+            <a:off x="0" y="179864"/>
+            <a:ext cx="22442" cy="97471"/>
+          </a:xfrm>
+          <a:prstGeom prst="rect">
+            <a:avLst/>
+          </a:prstGeom>
+          <a:solidFill>
+            <a:srgbClr val="F8F9FA"/>
+          </a:solidFill>
+          <a:ln>
+            <a:noFill/>
+          </a:ln>
+          <a:effectLst/>
+          <a:extLst>
+            <a:ext uri="{91240B29-F687-4F45-9708-019B960494DF}">
+              <a14:hiddenLine xmlns:a14="http://schemas.microsoft.com/office/drawing/2010/main" w="9525">
+                <a:solidFill>
+                  <a:schemeClr val="tx1"/>
+                </a:solidFill>
+                <a:miter lim="800000"/>
+                <a:headEnd/>
+                <a:tailEnd/>
+              </a14:hiddenLine>
+            </a:ext>
+            <a:ext uri="{AF507438-7753-43E0-B8FC-AC1667EBCBE1}">
+              <a14:hiddenEffects xmlns:a14="http://schemas.microsoft.com/office/drawing/2010/main">
+                <a:effectLst>
+                  <a:outerShdw dist="35921" dir="2700000" algn="ctr" rotWithShape="0">
+                    <a:schemeClr val="bg2"/>
+                  </a:outerShdw>
+                </a:effectLst>
+              </a14:hiddenEffects>
+            </a:ext>
+          </a:extLst>
+        </p:spPr>
+        <p:txBody>
+          <a:bodyPr vert="horz" wrap="none" lIns="0" tIns="-12696" rIns="0" bIns="-12696" numCol="1" anchor="ctr" anchorCtr="0" compatLnSpc="1">
+            <a:prstTxWarp prst="textNoShape">
+              <a:avLst/>
+            </a:prstTxWarp>
+            <a:spAutoFit/>
+          </a:bodyPr>
+          <a:lstStyle/>
+          <a:p>
+            <a:pPr marL="0" marR="0" lvl="0" indent="0" algn="l" defTabSz="914400" rtl="0" eaLnBrk="0" fontAlgn="base" latinLnBrk="0" hangingPunct="0">
+              <a:lnSpc>
+                <a:spcPct val="100000"/>
+              </a:lnSpc>
+              <a:spcBef>
+                <a:spcPct val="0"/>
+              </a:spcBef>
+              <a:spcAft>
+                <a:spcPct val="0"/>
+              </a:spcAft>
+              <a:buClrTx/>
+              <a:buSzTx/>
+              <a:buFontTx/>
+              <a:buNone/>
+              <a:tabLst/>
+            </a:pPr>
+            <a:r>
+              <a:rPr kumimoji="0" lang="en-US" altLang="en-US" sz="800" b="0" i="0" u="none" strike="noStrike" cap="none" normalizeH="0" baseline="0" dirty="0">
+                <a:ln>
+                  <a:noFill/>
+                </a:ln>
+                <a:solidFill>
+                  <a:schemeClr val="tx1"/>
+                </a:solidFill>
+                <a:effectLst/>
+              </a:rPr>
+              <a:t> </a:t>
+            </a:r>
+            <a:endParaRPr kumimoji="0" lang="en-US" altLang="en-US" sz="1800" b="0" i="0" u="none" strike="noStrike" cap="none" normalizeH="0" baseline="0" dirty="0">
+              <a:ln>
+                <a:noFill/>
+              </a:ln>
+              <a:solidFill>
+                <a:schemeClr val="tx1"/>
+              </a:solidFill>
+              <a:effectLst/>
+              <a:latin typeface="Arial" panose="020B0604020202020204" pitchFamily="34" charset="0"/>
+            </a:endParaRPr>
           </a:p>
         </p:txBody>
       </p:sp>
@@ -11071,12 +10010,48 @@
           </a:p>
         </p:txBody>
       </p:sp>
+      <p:sp>
+        <p:nvSpPr>
+          <p:cNvPr id="4" name="TextBox 3">
+            <a:extLst>
+              <a:ext uri="{FF2B5EF4-FFF2-40B4-BE49-F238E27FC236}">
+                <a16:creationId xmlns:a16="http://schemas.microsoft.com/office/drawing/2014/main" id="{BA6DED7E-03A3-44FA-0A99-97940350ACBD}"/>
+              </a:ext>
+            </a:extLst>
+          </p:cNvPr>
+          <p:cNvSpPr txBox="1"/>
+          <p:nvPr/>
+        </p:nvSpPr>
+        <p:spPr>
+          <a:xfrm>
+            <a:off x="3042815" y="3656133"/>
+            <a:ext cx="721108" cy="369332"/>
+          </a:xfrm>
+          <a:prstGeom prst="rect">
+            <a:avLst/>
+          </a:prstGeom>
+          <a:noFill/>
+        </p:spPr>
+        <p:txBody>
+          <a:bodyPr wrap="square" rtlCol="0">
+            <a:spAutoFit/>
+          </a:bodyPr>
+          <a:lstStyle/>
+          <a:p>
+            <a:pPr algn="l"/>
+            <a:r>
+              <a:rPr lang="en-US" dirty="0"/>
+              <a:t>-44%</a:t>
+            </a:r>
+          </a:p>
+        </p:txBody>
+      </p:sp>
       <p:grpSp>
         <p:nvGrpSpPr>
-          <p:cNvPr id="3" name="Group 2">
+          <p:cNvPr id="7" name="Group 6">
             <a:extLst>
               <a:ext uri="{FF2B5EF4-FFF2-40B4-BE49-F238E27FC236}">
-                <a16:creationId xmlns:a16="http://schemas.microsoft.com/office/drawing/2014/main" id="{F4A32983-DF18-2EF9-CD96-0A7A12E0578C}"/>
+                <a16:creationId xmlns:a16="http://schemas.microsoft.com/office/drawing/2014/main" id="{8210F35F-7C60-9FB9-2771-AA9D492A7F43}"/>
               </a:ext>
             </a:extLst>
           </p:cNvPr>
@@ -11091,112 +10066,169 @@
             <a:chExt cx="3657643" cy="1510615"/>
           </a:xfrm>
         </p:grpSpPr>
-        <p:pic>
-          <p:nvPicPr>
-            <p:cNvPr id="16" name="Picture 15">
+        <p:grpSp>
+          <p:nvGrpSpPr>
+            <p:cNvPr id="3" name="Group 2">
               <a:extLst>
                 <a:ext uri="{FF2B5EF4-FFF2-40B4-BE49-F238E27FC236}">
-                  <a16:creationId xmlns:a16="http://schemas.microsoft.com/office/drawing/2014/main" id="{D5C31AB6-35AA-B996-57C4-A960D9894FCB}"/>
+                  <a16:creationId xmlns:a16="http://schemas.microsoft.com/office/drawing/2014/main" id="{F4A32983-DF18-2EF9-CD96-0A7A12E0578C}"/>
                 </a:ext>
               </a:extLst>
             </p:cNvPr>
-            <p:cNvPicPr>
-              <a:picLocks noChangeAspect="1"/>
-            </p:cNvPicPr>
+            <p:cNvGrpSpPr/>
             <p:nvPr/>
-          </p:nvPicPr>
-          <p:blipFill>
-            <a:blip r:embed="rId7"/>
-            <a:stretch>
-              <a:fillRect/>
-            </a:stretch>
-          </p:blipFill>
+          </p:nvGrpSpPr>
+          <p:grpSpPr>
+            <a:xfrm>
+              <a:off x="1492469" y="4856594"/>
+              <a:ext cx="3657643" cy="1510615"/>
+              <a:chOff x="1492469" y="4856594"/>
+              <a:chExt cx="3657643" cy="1510615"/>
+            </a:xfrm>
+          </p:grpSpPr>
+          <p:pic>
+            <p:nvPicPr>
+              <p:cNvPr id="16" name="Picture 15">
+                <a:extLst>
+                  <a:ext uri="{FF2B5EF4-FFF2-40B4-BE49-F238E27FC236}">
+                    <a16:creationId xmlns:a16="http://schemas.microsoft.com/office/drawing/2014/main" id="{D5C31AB6-35AA-B996-57C4-A960D9894FCB}"/>
+                  </a:ext>
+                </a:extLst>
+              </p:cNvPr>
+              <p:cNvPicPr>
+                <a:picLocks noChangeAspect="1"/>
+              </p:cNvPicPr>
+              <p:nvPr/>
+            </p:nvPicPr>
+            <p:blipFill>
+              <a:blip r:embed="rId7"/>
+              <a:stretch>
+                <a:fillRect/>
+              </a:stretch>
+            </p:blipFill>
+            <p:spPr>
+              <a:xfrm>
+                <a:off x="1492469" y="4856594"/>
+                <a:ext cx="1676443" cy="1463614"/>
+              </a:xfrm>
+              <a:prstGeom prst="rect">
+                <a:avLst/>
+              </a:prstGeom>
+            </p:spPr>
+          </p:pic>
+          <p:sp>
+            <p:nvSpPr>
+              <p:cNvPr id="17" name="Arrow: Right 16">
+                <a:extLst>
+                  <a:ext uri="{FF2B5EF4-FFF2-40B4-BE49-F238E27FC236}">
+                    <a16:creationId xmlns:a16="http://schemas.microsoft.com/office/drawing/2014/main" id="{B7BE009E-07D3-37F3-E3F4-3FA8941583E1}"/>
+                  </a:ext>
+                </a:extLst>
+              </p:cNvPr>
+              <p:cNvSpPr/>
+              <p:nvPr/>
+            </p:nvSpPr>
+            <p:spPr>
+              <a:xfrm>
+                <a:off x="3247741" y="5588401"/>
+                <a:ext cx="292848" cy="144772"/>
+              </a:xfrm>
+              <a:prstGeom prst="rightArrow">
+                <a:avLst/>
+              </a:prstGeom>
+            </p:spPr>
+            <p:style>
+              <a:lnRef idx="2">
+                <a:schemeClr val="dk1">
+                  <a:shade val="15000"/>
+                </a:schemeClr>
+              </a:lnRef>
+              <a:fillRef idx="1">
+                <a:schemeClr val="dk1"/>
+              </a:fillRef>
+              <a:effectRef idx="0">
+                <a:schemeClr val="dk1"/>
+              </a:effectRef>
+              <a:fontRef idx="minor">
+                <a:schemeClr val="lt1"/>
+              </a:fontRef>
+            </p:style>
+            <p:txBody>
+              <a:bodyPr rtlCol="0" anchor="ctr"/>
+              <a:lstStyle/>
+              <a:p>
+                <a:pPr algn="ctr"/>
+                <a:endParaRPr lang="en-US"/>
+              </a:p>
+            </p:txBody>
+          </p:sp>
+          <p:pic>
+            <p:nvPicPr>
+              <p:cNvPr id="19" name="Picture 18">
+                <a:extLst>
+                  <a:ext uri="{FF2B5EF4-FFF2-40B4-BE49-F238E27FC236}">
+                    <a16:creationId xmlns:a16="http://schemas.microsoft.com/office/drawing/2014/main" id="{68E62EB7-FB10-0976-D1C3-C6AC97BBC1DA}"/>
+                  </a:ext>
+                </a:extLst>
+              </p:cNvPr>
+              <p:cNvPicPr>
+                <a:picLocks noChangeAspect="1"/>
+              </p:cNvPicPr>
+              <p:nvPr/>
+            </p:nvPicPr>
+            <p:blipFill>
+              <a:blip r:embed="rId8"/>
+              <a:stretch>
+                <a:fillRect/>
+              </a:stretch>
+            </p:blipFill>
+            <p:spPr>
+              <a:xfrm>
+                <a:off x="3619418" y="4856594"/>
+                <a:ext cx="1530694" cy="1510615"/>
+              </a:xfrm>
+              <a:prstGeom prst="rect">
+                <a:avLst/>
+              </a:prstGeom>
+            </p:spPr>
+          </p:pic>
+        </p:grpSp>
+        <p:sp>
+          <p:nvSpPr>
+            <p:cNvPr id="6" name="TextBox 5">
+              <a:extLst>
+                <a:ext uri="{FF2B5EF4-FFF2-40B4-BE49-F238E27FC236}">
+                  <a16:creationId xmlns:a16="http://schemas.microsoft.com/office/drawing/2014/main" id="{4E46FCE6-3013-F356-E566-EA730F64D1ED}"/>
+                </a:ext>
+              </a:extLst>
+            </p:cNvPr>
+            <p:cNvSpPr txBox="1"/>
+            <p:nvPr/>
+          </p:nvSpPr>
           <p:spPr>
             <a:xfrm>
-              <a:off x="1492469" y="4856594"/>
-              <a:ext cx="1676443" cy="1463614"/>
+              <a:off x="3042815" y="5230113"/>
+              <a:ext cx="721108" cy="369332"/>
             </a:xfrm>
             <a:prstGeom prst="rect">
               <a:avLst/>
             </a:prstGeom>
+            <a:noFill/>
           </p:spPr>
-        </p:pic>
-        <p:sp>
-          <p:nvSpPr>
-            <p:cNvPr id="17" name="Arrow: Right 16">
-              <a:extLst>
-                <a:ext uri="{FF2B5EF4-FFF2-40B4-BE49-F238E27FC236}">
-                  <a16:creationId xmlns:a16="http://schemas.microsoft.com/office/drawing/2014/main" id="{B7BE009E-07D3-37F3-E3F4-3FA8941583E1}"/>
-                </a:ext>
-              </a:extLst>
-            </p:cNvPr>
-            <p:cNvSpPr/>
-            <p:nvPr/>
-          </p:nvSpPr>
-          <p:spPr>
-            <a:xfrm>
-              <a:off x="3247741" y="5588401"/>
-              <a:ext cx="292848" cy="144772"/>
-            </a:xfrm>
-            <a:prstGeom prst="rightArrow">
-              <a:avLst/>
-            </a:prstGeom>
-          </p:spPr>
-          <p:style>
-            <a:lnRef idx="2">
-              <a:schemeClr val="dk1">
-                <a:shade val="15000"/>
-              </a:schemeClr>
-            </a:lnRef>
-            <a:fillRef idx="1">
-              <a:schemeClr val="dk1"/>
-            </a:fillRef>
-            <a:effectRef idx="0">
-              <a:schemeClr val="dk1"/>
-            </a:effectRef>
-            <a:fontRef idx="minor">
-              <a:schemeClr val="lt1"/>
-            </a:fontRef>
-          </p:style>
           <p:txBody>
-            <a:bodyPr rtlCol="0" anchor="ctr"/>
+            <a:bodyPr wrap="square" rtlCol="0">
+              <a:spAutoFit/>
+            </a:bodyPr>
             <a:lstStyle/>
             <a:p>
               <a:pPr algn="ctr"/>
-              <a:endParaRPr lang="en-US"/>
+              <a:r>
+                <a:rPr lang="en-US" dirty="0"/>
+                <a:t>-27%</a:t>
+              </a:r>
             </a:p>
           </p:txBody>
         </p:sp>
-        <p:pic>
-          <p:nvPicPr>
-            <p:cNvPr id="19" name="Picture 18">
-              <a:extLst>
-                <a:ext uri="{FF2B5EF4-FFF2-40B4-BE49-F238E27FC236}">
-                  <a16:creationId xmlns:a16="http://schemas.microsoft.com/office/drawing/2014/main" id="{68E62EB7-FB10-0976-D1C3-C6AC97BBC1DA}"/>
-                </a:ext>
-              </a:extLst>
-            </p:cNvPr>
-            <p:cNvPicPr>
-              <a:picLocks noChangeAspect="1"/>
-            </p:cNvPicPr>
-            <p:nvPr/>
-          </p:nvPicPr>
-          <p:blipFill>
-            <a:blip r:embed="rId8"/>
-            <a:stretch>
-              <a:fillRect/>
-            </a:stretch>
-          </p:blipFill>
-          <p:spPr>
-            <a:xfrm>
-              <a:off x="3619418" y="4856594"/>
-              <a:ext cx="1530694" cy="1510615"/>
-            </a:xfrm>
-            <a:prstGeom prst="rect">
-              <a:avLst/>
-            </a:prstGeom>
-          </p:spPr>
-        </p:pic>
       </p:grpSp>
     </p:spTree>
     <p:extLst>
@@ -11242,7 +10274,7 @@
                                           </p:stCondLst>
                                         </p:cTn>
                                         <p:tgtEl>
-                                          <p:spTgt spid="3"/>
+                                          <p:spTgt spid="7"/>
                                         </p:tgtEl>
                                         <p:attrNameLst>
                                           <p:attrName>style.visibility</p:attrName>
@@ -11967,8 +10999,8 @@
         </p:nvSpPr>
         <p:spPr>
           <a:xfrm>
-            <a:off x="1334812" y="1638046"/>
-            <a:ext cx="9948044" cy="788916"/>
+            <a:off x="1334812" y="1638045"/>
+            <a:ext cx="10226566" cy="788916"/>
           </a:xfrm>
           <a:prstGeom prst="rect">
             <a:avLst/>
@@ -12003,7 +11035,16 @@
               <a:rPr lang="en-US" sz="3200" b="1" dirty="0">
                 <a:cs typeface="+mn-cs"/>
               </a:rPr>
-              <a:t>Stage A: Trial to specify the KPI’s filtered properties population Top 25% (Q1) </a:t>
+              <a:t>Route A: </a:t>
+            </a:r>
+          </a:p>
+          <a:p>
+            <a:pPr algn="l" rtl="0"/>
+            <a:r>
+              <a:rPr lang="en-US" sz="2900" b="1" dirty="0">
+                <a:cs typeface="+mn-cs"/>
+              </a:rPr>
+              <a:t>Trial to specify the KPI’s filtered properties population Top 25% (Q1) </a:t>
             </a:r>
           </a:p>
         </p:txBody>
@@ -12398,10 +11439,19 @@
           <a:p>
             <a:pPr algn="l" rtl="0"/>
             <a:r>
-              <a:rPr lang="en-US" sz="3200" b="1" dirty="0">
+              <a:rPr lang="en-US" sz="2900" b="1" dirty="0">
                 <a:cs typeface="+mn-cs"/>
               </a:rPr>
-              <a:t>Stage A: resulted in insignificant outcomes </a:t>
+              <a:t>Route A: </a:t>
+            </a:r>
+          </a:p>
+          <a:p>
+            <a:pPr algn="l" rtl="0"/>
+            <a:r>
+              <a:rPr lang="en-US" sz="2900" b="1" dirty="0">
+                <a:cs typeface="+mn-cs"/>
+              </a:rPr>
+              <a:t>Insignificant outcomes </a:t>
             </a:r>
           </a:p>
         </p:txBody>
@@ -12421,7 +11471,7 @@
           <p:nvPr/>
         </p:nvPicPr>
         <p:blipFill>
-          <a:blip r:embed="rId4">
+          <a:blip r:embed="rId4" cstate="print">
             <a:extLst>
               <a:ext uri="{28A0092B-C50C-407E-A947-70E740481C1C}">
                 <a14:useLocalDpi xmlns:a14="http://schemas.microsoft.com/office/drawing/2010/main" val="0"/>
@@ -12468,7 +11518,7 @@
           <p:nvPr/>
         </p:nvPicPr>
         <p:blipFill>
-          <a:blip r:embed="rId5">
+          <a:blip r:embed="rId5" cstate="print">
             <a:extLst>
               <a:ext uri="{28A0092B-C50C-407E-A947-70E740481C1C}">
                 <a14:useLocalDpi xmlns:a14="http://schemas.microsoft.com/office/drawing/2010/main" val="0"/>
@@ -12515,7 +11565,7 @@
           <p:nvPr/>
         </p:nvPicPr>
         <p:blipFill>
-          <a:blip r:embed="rId6">
+          <a:blip r:embed="rId6" cstate="print">
             <a:extLst>
               <a:ext uri="{28A0092B-C50C-407E-A947-70E740481C1C}">
                 <a14:useLocalDpi xmlns:a14="http://schemas.microsoft.com/office/drawing/2010/main" val="0"/>
@@ -12562,7 +11612,7 @@
           <p:nvPr/>
         </p:nvPicPr>
         <p:blipFill>
-          <a:blip r:embed="rId7">
+          <a:blip r:embed="rId7" cstate="print">
             <a:extLst>
               <a:ext uri="{28A0092B-C50C-407E-A947-70E740481C1C}">
                 <a14:useLocalDpi xmlns:a14="http://schemas.microsoft.com/office/drawing/2010/main" val="0"/>
@@ -12609,7 +11659,7 @@
           <p:nvPr/>
         </p:nvPicPr>
         <p:blipFill>
-          <a:blip r:embed="rId8">
+          <a:blip r:embed="rId8" cstate="print">
             <a:extLst>
               <a:ext uri="{28A0092B-C50C-407E-A947-70E740481C1C}">
                 <a14:useLocalDpi xmlns:a14="http://schemas.microsoft.com/office/drawing/2010/main" val="0"/>
@@ -12656,7 +11706,7 @@
           <p:nvPr/>
         </p:nvPicPr>
         <p:blipFill>
-          <a:blip r:embed="rId9">
+          <a:blip r:embed="rId9" cstate="print">
             <a:extLst>
               <a:ext uri="{28A0092B-C50C-407E-A947-70E740481C1C}">
                 <a14:useLocalDpi xmlns:a14="http://schemas.microsoft.com/office/drawing/2010/main" val="0"/>
@@ -12703,7 +11753,7 @@
           <p:nvPr/>
         </p:nvPicPr>
         <p:blipFill>
-          <a:blip r:embed="rId10">
+          <a:blip r:embed="rId10" cstate="print">
             <a:extLst>
               <a:ext uri="{28A0092B-C50C-407E-A947-70E740481C1C}">
                 <a14:useLocalDpi xmlns:a14="http://schemas.microsoft.com/office/drawing/2010/main" val="0"/>
@@ -13095,10 +12145,19 @@
           <a:p>
             <a:pPr algn="l" rtl="0"/>
             <a:r>
-              <a:rPr lang="en-US" sz="3200" b="1" dirty="0">
+              <a:rPr lang="en-US" sz="2900" b="1" dirty="0">
                 <a:cs typeface="+mn-cs"/>
               </a:rPr>
-              <a:t>Stage A: resulted in insignificant outcomes </a:t>
+              <a:t>Route A: </a:t>
+            </a:r>
+          </a:p>
+          <a:p>
+            <a:pPr algn="l" rtl="0"/>
+            <a:r>
+              <a:rPr lang="en-US" sz="2900" b="1" dirty="0">
+                <a:cs typeface="+mn-cs"/>
+              </a:rPr>
+              <a:t>Summary Table </a:t>
             </a:r>
           </a:p>
         </p:txBody>

--- a/Final Project Data Analyst Program Hebrew University of Jerusalem Class No. 4 Group 2.pptx
+++ b/Final Project Data Analyst Program Hebrew University of Jerusalem Class No. 4 Group 2.pptx
@@ -133,7 +133,7 @@
 <file path=ppt/revisionInfo.xml><?xml version="1.0" encoding="utf-8"?>
 <p1510:revInfo xmlns:a="http://schemas.openxmlformats.org/drawingml/2006/main" xmlns:r="http://schemas.openxmlformats.org/officeDocument/2006/relationships" xmlns:p1510="http://schemas.microsoft.com/office/powerpoint/2015/10/main">
   <p1510:revLst>
-    <p1510:client id="{5D952ADB-1579-4CB5-A5D8-2E248B0950CA}" v="10" dt="2023-12-02T14:59:11.888"/>
+    <p1510:client id="{5D952ADB-1579-4CB5-A5D8-2E248B0950CA}" v="12" dt="2023-12-02T17:31:10.228"/>
   </p1510:revLst>
 </p1510:revInfo>
 </file>
@@ -143,7 +143,7 @@
   <pc:docChgLst>
     <pc:chgData name="שיר וולץ" userId="aefb9a7725becb63" providerId="LiveId" clId="{5D952ADB-1579-4CB5-A5D8-2E248B0950CA}"/>
     <pc:docChg chg="undo custSel modSld">
-      <pc:chgData name="שיר וולץ" userId="aefb9a7725becb63" providerId="LiveId" clId="{5D952ADB-1579-4CB5-A5D8-2E248B0950CA}" dt="2023-12-02T15:00:26.245" v="212" actId="6549"/>
+      <pc:chgData name="שיר וולץ" userId="aefb9a7725becb63" providerId="LiveId" clId="{5D952ADB-1579-4CB5-A5D8-2E248B0950CA}" dt="2023-12-02T17:32:24.782" v="220" actId="14100"/>
       <pc:docMkLst>
         <pc:docMk/>
       </pc:docMkLst>
@@ -232,7 +232,7 @@
         </pc:spChg>
       </pc:sldChg>
       <pc:sldChg chg="modSp mod">
-        <pc:chgData name="שיר וולץ" userId="aefb9a7725becb63" providerId="LiveId" clId="{5D952ADB-1579-4CB5-A5D8-2E248B0950CA}" dt="2023-12-02T14:56:26.720" v="100" actId="1076"/>
+        <pc:chgData name="שיר וולץ" userId="aefb9a7725becb63" providerId="LiveId" clId="{5D952ADB-1579-4CB5-A5D8-2E248B0950CA}" dt="2023-12-02T17:32:24.782" v="220" actId="14100"/>
         <pc:sldMkLst>
           <pc:docMk/>
           <pc:sldMk cId="3112131851" sldId="279"/>
@@ -245,6 +245,14 @@
             <ac:spMk id="4" creationId="{18C13FE4-332D-2C92-6AF2-2F31660F39AF}"/>
           </ac:spMkLst>
         </pc:spChg>
+        <pc:spChg chg="mod">
+          <ac:chgData name="שיר וולץ" userId="aefb9a7725becb63" providerId="LiveId" clId="{5D952ADB-1579-4CB5-A5D8-2E248B0950CA}" dt="2023-12-02T17:32:24.782" v="220" actId="14100"/>
+          <ac:spMkLst>
+            <pc:docMk/>
+            <pc:sldMk cId="3112131851" sldId="279"/>
+            <ac:spMk id="9" creationId="{31C22BAA-1001-479E-9971-E279C3CE9891}"/>
+          </ac:spMkLst>
+        </pc:spChg>
         <pc:picChg chg="mod">
           <ac:chgData name="שיר וולץ" userId="aefb9a7725becb63" providerId="LiveId" clId="{5D952ADB-1579-4CB5-A5D8-2E248B0950CA}" dt="2023-12-02T14:56:09.605" v="98" actId="14100"/>
           <ac:picMkLst>
@@ -255,7 +263,7 @@
         </pc:picChg>
       </pc:sldChg>
       <pc:sldChg chg="modSp mod">
-        <pc:chgData name="שיר וולץ" userId="aefb9a7725becb63" providerId="LiveId" clId="{5D952ADB-1579-4CB5-A5D8-2E248B0950CA}" dt="2023-12-02T14:57:46.657" v="128" actId="1076"/>
+        <pc:chgData name="שיר וולץ" userId="aefb9a7725becb63" providerId="LiveId" clId="{5D952ADB-1579-4CB5-A5D8-2E248B0950CA}" dt="2023-12-02T17:31:01.381" v="215" actId="1076"/>
         <pc:sldMkLst>
           <pc:docMk/>
           <pc:sldMk cId="2080365302" sldId="280"/>
@@ -268,6 +276,14 @@
             <ac:spMk id="4" creationId="{18C13FE4-332D-2C92-6AF2-2F31660F39AF}"/>
           </ac:spMkLst>
         </pc:spChg>
+        <pc:spChg chg="mod">
+          <ac:chgData name="שיר וולץ" userId="aefb9a7725becb63" providerId="LiveId" clId="{5D952ADB-1579-4CB5-A5D8-2E248B0950CA}" dt="2023-12-02T17:31:01.381" v="215" actId="1076"/>
+          <ac:spMkLst>
+            <pc:docMk/>
+            <pc:sldMk cId="2080365302" sldId="280"/>
+            <ac:spMk id="9" creationId="{5F348188-86CF-27E6-C696-D57827BF0F69}"/>
+          </ac:spMkLst>
+        </pc:spChg>
         <pc:picChg chg="mod">
           <ac:chgData name="שיר וולץ" userId="aefb9a7725becb63" providerId="LiveId" clId="{5D952ADB-1579-4CB5-A5D8-2E248B0950CA}" dt="2023-12-02T14:57:41.345" v="127" actId="14100"/>
           <ac:picMkLst>
@@ -278,7 +294,7 @@
         </pc:picChg>
       </pc:sldChg>
       <pc:sldChg chg="modSp mod">
-        <pc:chgData name="שיר וולץ" userId="aefb9a7725becb63" providerId="LiveId" clId="{5D952ADB-1579-4CB5-A5D8-2E248B0950CA}" dt="2023-12-02T14:59:11.888" v="161" actId="14100"/>
+        <pc:chgData name="שיר וולץ" userId="aefb9a7725becb63" providerId="LiveId" clId="{5D952ADB-1579-4CB5-A5D8-2E248B0950CA}" dt="2023-12-02T17:30:54.327" v="214" actId="1076"/>
         <pc:sldMkLst>
           <pc:docMk/>
           <pc:sldMk cId="558379904" sldId="281"/>
@@ -291,6 +307,14 @@
             <ac:spMk id="4" creationId="{18C13FE4-332D-2C92-6AF2-2F31660F39AF}"/>
           </ac:spMkLst>
         </pc:spChg>
+        <pc:spChg chg="mod">
+          <ac:chgData name="שיר וולץ" userId="aefb9a7725becb63" providerId="LiveId" clId="{5D952ADB-1579-4CB5-A5D8-2E248B0950CA}" dt="2023-12-02T17:30:54.327" v="214" actId="1076"/>
+          <ac:spMkLst>
+            <pc:docMk/>
+            <pc:sldMk cId="558379904" sldId="281"/>
+            <ac:spMk id="9" creationId="{5F348188-86CF-27E6-C696-D57827BF0F69}"/>
+          </ac:spMkLst>
+        </pc:spChg>
         <pc:picChg chg="mod">
           <ac:chgData name="שיר וולץ" userId="aefb9a7725becb63" providerId="LiveId" clId="{5D952ADB-1579-4CB5-A5D8-2E248B0950CA}" dt="2023-12-02T14:59:11.888" v="161" actId="14100"/>
           <ac:picMkLst>
@@ -301,7 +325,7 @@
         </pc:picChg>
       </pc:sldChg>
       <pc:sldChg chg="modSp mod">
-        <pc:chgData name="שיר וולץ" userId="aefb9a7725becb63" providerId="LiveId" clId="{5D952ADB-1579-4CB5-A5D8-2E248B0950CA}" dt="2023-12-02T15:00:26.245" v="212" actId="6549"/>
+        <pc:chgData name="שיר וולץ" userId="aefb9a7725becb63" providerId="LiveId" clId="{5D952ADB-1579-4CB5-A5D8-2E248B0950CA}" dt="2023-12-02T17:30:48.480" v="213" actId="1076"/>
         <pc:sldMkLst>
           <pc:docMk/>
           <pc:sldMk cId="3560181366" sldId="282"/>
@@ -314,6 +338,14 @@
             <ac:spMk id="4" creationId="{18C13FE4-332D-2C92-6AF2-2F31660F39AF}"/>
           </ac:spMkLst>
         </pc:spChg>
+        <pc:spChg chg="mod">
+          <ac:chgData name="שיר וולץ" userId="aefb9a7725becb63" providerId="LiveId" clId="{5D952ADB-1579-4CB5-A5D8-2E248B0950CA}" dt="2023-12-02T17:30:48.480" v="213" actId="1076"/>
+          <ac:spMkLst>
+            <pc:docMk/>
+            <pc:sldMk cId="3560181366" sldId="282"/>
+            <ac:spMk id="9" creationId="{5F348188-86CF-27E6-C696-D57827BF0F69}"/>
+          </ac:spMkLst>
+        </pc:spChg>
         <pc:picChg chg="mod">
           <ac:chgData name="שיר וולץ" userId="aefb9a7725becb63" providerId="LiveId" clId="{5D952ADB-1579-4CB5-A5D8-2E248B0950CA}" dt="2023-12-02T14:58:30.507" v="143" actId="14100"/>
           <ac:picMkLst>
@@ -324,7 +356,7 @@
         </pc:picChg>
       </pc:sldChg>
       <pc:sldChg chg="modSp mod">
-        <pc:chgData name="שיר וולץ" userId="aefb9a7725becb63" providerId="LiveId" clId="{5D952ADB-1579-4CB5-A5D8-2E248B0950CA}" dt="2023-12-02T14:57:09.876" v="114" actId="20577"/>
+        <pc:chgData name="שיר וולץ" userId="aefb9a7725becb63" providerId="LiveId" clId="{5D952ADB-1579-4CB5-A5D8-2E248B0950CA}" dt="2023-12-02T17:31:14.678" v="218" actId="1076"/>
         <pc:sldMkLst>
           <pc:docMk/>
           <pc:sldMk cId="2365412575" sldId="283"/>
@@ -337,8 +369,16 @@
             <ac:spMk id="4" creationId="{18C13FE4-332D-2C92-6AF2-2F31660F39AF}"/>
           </ac:spMkLst>
         </pc:spChg>
+        <pc:spChg chg="mod">
+          <ac:chgData name="שיר וולץ" userId="aefb9a7725becb63" providerId="LiveId" clId="{5D952ADB-1579-4CB5-A5D8-2E248B0950CA}" dt="2023-12-02T17:31:14.678" v="218" actId="1076"/>
+          <ac:spMkLst>
+            <pc:docMk/>
+            <pc:sldMk cId="2365412575" sldId="283"/>
+            <ac:spMk id="9" creationId="{31C22BAA-1001-479E-9971-E279C3CE9891}"/>
+          </ac:spMkLst>
+        </pc:spChg>
         <pc:picChg chg="mod">
-          <ac:chgData name="שיר וולץ" userId="aefb9a7725becb63" providerId="LiveId" clId="{5D952ADB-1579-4CB5-A5D8-2E248B0950CA}" dt="2023-12-02T14:56:54.608" v="104" actId="14100"/>
+          <ac:chgData name="שיר וולץ" userId="aefb9a7725becb63" providerId="LiveId" clId="{5D952ADB-1579-4CB5-A5D8-2E248B0950CA}" dt="2023-12-02T17:31:10.228" v="217" actId="1076"/>
           <ac:picMkLst>
             <pc:docMk/>
             <pc:sldMk cId="2365412575" sldId="283"/>
@@ -5133,8 +5173,8 @@
         </p:nvSpPr>
         <p:spPr>
           <a:xfrm>
-            <a:off x="2732313" y="3605048"/>
-            <a:ext cx="336708" cy="1219200"/>
+            <a:off x="2732313" y="3762702"/>
+            <a:ext cx="336708" cy="1145629"/>
           </a:xfrm>
           <a:prstGeom prst="ellipse">
             <a:avLst/>
@@ -5756,7 +5796,7 @@
         </p:nvSpPr>
         <p:spPr>
           <a:xfrm>
-            <a:off x="2732313" y="3605048"/>
+            <a:off x="2732313" y="3735676"/>
             <a:ext cx="336708" cy="1219200"/>
           </a:xfrm>
           <a:prstGeom prst="ellipse">
@@ -6341,7 +6381,7 @@
         </p:nvSpPr>
         <p:spPr>
           <a:xfrm>
-            <a:off x="2329215" y="3538004"/>
+            <a:off x="2329215" y="3690404"/>
             <a:ext cx="336708" cy="1219200"/>
           </a:xfrm>
           <a:prstGeom prst="ellipse">
@@ -6832,7 +6872,7 @@
         </p:nvSpPr>
         <p:spPr>
           <a:xfrm>
-            <a:off x="3547078" y="3569535"/>
+            <a:off x="3547078" y="3798135"/>
             <a:ext cx="336708" cy="1219200"/>
           </a:xfrm>
           <a:prstGeom prst="ellipse">
@@ -7370,7 +7410,7 @@
         </p:nvSpPr>
         <p:spPr>
           <a:xfrm>
-            <a:off x="3909599" y="3474769"/>
+            <a:off x="3909599" y="3703369"/>
             <a:ext cx="273269" cy="1219200"/>
           </a:xfrm>
           <a:prstGeom prst="ellipse">

--- a/Final Project Data Analyst Program Hebrew University of Jerusalem Class No. 4 Group 2.pptx
+++ b/Final Project Data Analyst Program Hebrew University of Jerusalem Class No. 4 Group 2.pptx
@@ -143,22 +143,30 @@
   <pc:docChgLst>
     <pc:chgData name="שיר וולץ" userId="aefb9a7725becb63" providerId="LiveId" clId="{5D952ADB-1579-4CB5-A5D8-2E248B0950CA}"/>
     <pc:docChg chg="undo custSel modSld">
-      <pc:chgData name="שיר וולץ" userId="aefb9a7725becb63" providerId="LiveId" clId="{5D952ADB-1579-4CB5-A5D8-2E248B0950CA}" dt="2023-12-02T17:32:24.782" v="220" actId="14100"/>
+      <pc:chgData name="שיר וולץ" userId="aefb9a7725becb63" providerId="LiveId" clId="{5D952ADB-1579-4CB5-A5D8-2E248B0950CA}" dt="2023-12-02T18:55:23.805" v="320" actId="1076"/>
       <pc:docMkLst>
         <pc:docMk/>
       </pc:docMkLst>
       <pc:sldChg chg="addSp modSp mod modAnim">
-        <pc:chgData name="שיר וולץ" userId="aefb9a7725becb63" providerId="LiveId" clId="{5D952ADB-1579-4CB5-A5D8-2E248B0950CA}" dt="2023-12-02T14:05:28.119" v="17"/>
+        <pc:chgData name="שיר וולץ" userId="aefb9a7725becb63" providerId="LiveId" clId="{5D952ADB-1579-4CB5-A5D8-2E248B0950CA}" dt="2023-12-02T18:55:23.805" v="320" actId="1076"/>
         <pc:sldMkLst>
           <pc:docMk/>
           <pc:sldMk cId="3979115751" sldId="271"/>
         </pc:sldMkLst>
         <pc:spChg chg="add mod">
-          <ac:chgData name="שיר וולץ" userId="aefb9a7725becb63" providerId="LiveId" clId="{5D952ADB-1579-4CB5-A5D8-2E248B0950CA}" dt="2023-12-02T14:03:41.021" v="7" actId="1076"/>
+          <ac:chgData name="שיר וולץ" userId="aefb9a7725becb63" providerId="LiveId" clId="{5D952ADB-1579-4CB5-A5D8-2E248B0950CA}" dt="2023-12-02T18:55:21.899" v="319" actId="1076"/>
           <ac:spMkLst>
             <pc:docMk/>
             <pc:sldMk cId="3979115751" sldId="271"/>
             <ac:spMk id="4" creationId="{BA6DED7E-03A3-44FA-0A99-97940350ACBD}"/>
+          </ac:spMkLst>
+        </pc:spChg>
+        <pc:spChg chg="mod">
+          <ac:chgData name="שיר וולץ" userId="aefb9a7725becb63" providerId="LiveId" clId="{5D952ADB-1579-4CB5-A5D8-2E248B0950CA}" dt="2023-12-02T18:55:09.630" v="315" actId="255"/>
+          <ac:spMkLst>
+            <pc:docMk/>
+            <pc:sldMk cId="3979115751" sldId="271"/>
+            <ac:spMk id="5" creationId="{6A87851E-57F1-0ADA-ECE1-00AC36696523}"/>
           </ac:spMkLst>
         </pc:spChg>
         <pc:spChg chg="add mod">
@@ -185,15 +193,39 @@
             <ac:grpSpMk id="7" creationId="{8210F35F-7C60-9FB9-2771-AA9D492A7F43}"/>
           </ac:grpSpMkLst>
         </pc:grpChg>
+        <pc:picChg chg="mod">
+          <ac:chgData name="שיר וולץ" userId="aefb9a7725becb63" providerId="LiveId" clId="{5D952ADB-1579-4CB5-A5D8-2E248B0950CA}" dt="2023-12-02T18:55:23.805" v="320" actId="1076"/>
+          <ac:picMkLst>
+            <pc:docMk/>
+            <pc:sldMk cId="3979115751" sldId="271"/>
+            <ac:picMk id="9" creationId="{60FE019A-7D46-E958-642D-7E38A7347BD0}"/>
+          </ac:picMkLst>
+        </pc:picChg>
+        <pc:picChg chg="mod">
+          <ac:chgData name="שיר וולץ" userId="aefb9a7725becb63" providerId="LiveId" clId="{5D952ADB-1579-4CB5-A5D8-2E248B0950CA}" dt="2023-12-02T18:55:18.115" v="318" actId="1076"/>
+          <ac:picMkLst>
+            <pc:docMk/>
+            <pc:sldMk cId="3979115751" sldId="271"/>
+            <ac:picMk id="11" creationId="{3C36CA63-E0FF-D349-741F-3D5612B1DFE9}"/>
+          </ac:picMkLst>
+        </pc:picChg>
+        <pc:picChg chg="mod">
+          <ac:chgData name="שיר וולץ" userId="aefb9a7725becb63" providerId="LiveId" clId="{5D952ADB-1579-4CB5-A5D8-2E248B0950CA}" dt="2023-12-02T18:55:15.738" v="317" actId="1076"/>
+          <ac:picMkLst>
+            <pc:docMk/>
+            <pc:sldMk cId="3979115751" sldId="271"/>
+            <ac:picMk id="13" creationId="{EEC44B3F-D26F-444C-97ED-D394691B143C}"/>
+          </ac:picMkLst>
+        </pc:picChg>
       </pc:sldChg>
       <pc:sldChg chg="modSp mod">
-        <pc:chgData name="שיר וולץ" userId="aefb9a7725becb63" providerId="LiveId" clId="{5D952ADB-1579-4CB5-A5D8-2E248B0950CA}" dt="2023-12-02T14:54:14.738" v="63" actId="1076"/>
+        <pc:chgData name="שיר וולץ" userId="aefb9a7725becb63" providerId="LiveId" clId="{5D952ADB-1579-4CB5-A5D8-2E248B0950CA}" dt="2023-12-02T18:54:42.164" v="313" actId="255"/>
         <pc:sldMkLst>
           <pc:docMk/>
           <pc:sldMk cId="632009448" sldId="272"/>
         </pc:sldMkLst>
         <pc:spChg chg="mod">
-          <ac:chgData name="שיר וולץ" userId="aefb9a7725becb63" providerId="LiveId" clId="{5D952ADB-1579-4CB5-A5D8-2E248B0950CA}" dt="2023-12-02T14:54:14.738" v="63" actId="1076"/>
+          <ac:chgData name="שיר וולץ" userId="aefb9a7725becb63" providerId="LiveId" clId="{5D952ADB-1579-4CB5-A5D8-2E248B0950CA}" dt="2023-12-02T18:54:42.164" v="313" actId="255"/>
           <ac:spMkLst>
             <pc:docMk/>
             <pc:sldMk cId="632009448" sldId="272"/>
@@ -202,13 +234,28 @@
         </pc:spChg>
       </pc:sldChg>
       <pc:sldChg chg="modSp mod">
-        <pc:chgData name="שיר וולץ" userId="aefb9a7725becb63" providerId="LiveId" clId="{5D952ADB-1579-4CB5-A5D8-2E248B0950CA}" dt="2023-12-02T14:55:03.843" v="81" actId="20577"/>
+        <pc:chgData name="שיר וולץ" userId="aefb9a7725becb63" providerId="LiveId" clId="{5D952ADB-1579-4CB5-A5D8-2E248B0950CA}" dt="2023-12-02T18:54:56.163" v="314" actId="255"/>
+        <pc:sldMkLst>
+          <pc:docMk/>
+          <pc:sldMk cId="246616096" sldId="276"/>
+        </pc:sldMkLst>
+        <pc:spChg chg="mod">
+          <ac:chgData name="שיר וולץ" userId="aefb9a7725becb63" providerId="LiveId" clId="{5D952ADB-1579-4CB5-A5D8-2E248B0950CA}" dt="2023-12-02T18:54:56.163" v="314" actId="255"/>
+          <ac:spMkLst>
+            <pc:docMk/>
+            <pc:sldMk cId="246616096" sldId="276"/>
+            <ac:spMk id="5" creationId="{6A87851E-57F1-0ADA-ECE1-00AC36696523}"/>
+          </ac:spMkLst>
+        </pc:spChg>
+      </pc:sldChg>
+      <pc:sldChg chg="modSp mod">
+        <pc:chgData name="שיר וולץ" userId="aefb9a7725becb63" providerId="LiveId" clId="{5D952ADB-1579-4CB5-A5D8-2E248B0950CA}" dt="2023-12-02T18:54:31.805" v="312" actId="255"/>
         <pc:sldMkLst>
           <pc:docMk/>
           <pc:sldMk cId="2396002602" sldId="277"/>
         </pc:sldMkLst>
         <pc:spChg chg="mod">
-          <ac:chgData name="שיר וולץ" userId="aefb9a7725becb63" providerId="LiveId" clId="{5D952ADB-1579-4CB5-A5D8-2E248B0950CA}" dt="2023-12-02T14:55:03.843" v="81" actId="20577"/>
+          <ac:chgData name="שיר וולץ" userId="aefb9a7725becb63" providerId="LiveId" clId="{5D952ADB-1579-4CB5-A5D8-2E248B0950CA}" dt="2023-12-02T18:54:31.805" v="312" actId="255"/>
           <ac:spMkLst>
             <pc:docMk/>
             <pc:sldMk cId="2396002602" sldId="277"/>
@@ -217,13 +264,13 @@
         </pc:spChg>
       </pc:sldChg>
       <pc:sldChg chg="modSp mod">
-        <pc:chgData name="שיר וולץ" userId="aefb9a7725becb63" providerId="LiveId" clId="{5D952ADB-1579-4CB5-A5D8-2E248B0950CA}" dt="2023-12-02T14:59:53.946" v="210" actId="20577"/>
+        <pc:chgData name="שיר וולץ" userId="aefb9a7725becb63" providerId="LiveId" clId="{5D952ADB-1579-4CB5-A5D8-2E248B0950CA}" dt="2023-12-02T18:54:19.413" v="311" actId="255"/>
         <pc:sldMkLst>
           <pc:docMk/>
           <pc:sldMk cId="2889183720" sldId="278"/>
         </pc:sldMkLst>
         <pc:spChg chg="mod">
-          <ac:chgData name="שיר וולץ" userId="aefb9a7725becb63" providerId="LiveId" clId="{5D952ADB-1579-4CB5-A5D8-2E248B0950CA}" dt="2023-12-02T14:59:53.946" v="210" actId="20577"/>
+          <ac:chgData name="שיר וולץ" userId="aefb9a7725becb63" providerId="LiveId" clId="{5D952ADB-1579-4CB5-A5D8-2E248B0950CA}" dt="2023-12-02T18:54:19.413" v="311" actId="255"/>
           <ac:spMkLst>
             <pc:docMk/>
             <pc:sldMk cId="2889183720" sldId="278"/>
@@ -232,13 +279,13 @@
         </pc:spChg>
       </pc:sldChg>
       <pc:sldChg chg="modSp mod">
-        <pc:chgData name="שיר וולץ" userId="aefb9a7725becb63" providerId="LiveId" clId="{5D952ADB-1579-4CB5-A5D8-2E248B0950CA}" dt="2023-12-02T17:32:24.782" v="220" actId="14100"/>
+        <pc:chgData name="שיר וולץ" userId="aefb9a7725becb63" providerId="LiveId" clId="{5D952ADB-1579-4CB5-A5D8-2E248B0950CA}" dt="2023-12-02T18:54:11.264" v="310" actId="255"/>
         <pc:sldMkLst>
           <pc:docMk/>
           <pc:sldMk cId="3112131851" sldId="279"/>
         </pc:sldMkLst>
         <pc:spChg chg="mod">
-          <ac:chgData name="שיר וולץ" userId="aefb9a7725becb63" providerId="LiveId" clId="{5D952ADB-1579-4CB5-A5D8-2E248B0950CA}" dt="2023-12-02T14:56:26.720" v="100" actId="1076"/>
+          <ac:chgData name="שיר וולץ" userId="aefb9a7725becb63" providerId="LiveId" clId="{5D952ADB-1579-4CB5-A5D8-2E248B0950CA}" dt="2023-12-02T18:54:11.264" v="310" actId="255"/>
           <ac:spMkLst>
             <pc:docMk/>
             <pc:sldMk cId="3112131851" sldId="279"/>
@@ -263,13 +310,13 @@
         </pc:picChg>
       </pc:sldChg>
       <pc:sldChg chg="modSp mod">
-        <pc:chgData name="שיר וולץ" userId="aefb9a7725becb63" providerId="LiveId" clId="{5D952ADB-1579-4CB5-A5D8-2E248B0950CA}" dt="2023-12-02T17:31:01.381" v="215" actId="1076"/>
+        <pc:chgData name="שיר וולץ" userId="aefb9a7725becb63" providerId="LiveId" clId="{5D952ADB-1579-4CB5-A5D8-2E248B0950CA}" dt="2023-12-02T18:51:49.906" v="243" actId="33524"/>
         <pc:sldMkLst>
           <pc:docMk/>
           <pc:sldMk cId="2080365302" sldId="280"/>
         </pc:sldMkLst>
         <pc:spChg chg="mod">
-          <ac:chgData name="שיר וולץ" userId="aefb9a7725becb63" providerId="LiveId" clId="{5D952ADB-1579-4CB5-A5D8-2E248B0950CA}" dt="2023-12-02T14:57:46.657" v="128" actId="1076"/>
+          <ac:chgData name="שיר וולץ" userId="aefb9a7725becb63" providerId="LiveId" clId="{5D952ADB-1579-4CB5-A5D8-2E248B0950CA}" dt="2023-12-02T18:51:49.906" v="243" actId="33524"/>
           <ac:spMkLst>
             <pc:docMk/>
             <pc:sldMk cId="2080365302" sldId="280"/>
@@ -294,13 +341,13 @@
         </pc:picChg>
       </pc:sldChg>
       <pc:sldChg chg="modSp mod">
-        <pc:chgData name="שיר וולץ" userId="aefb9a7725becb63" providerId="LiveId" clId="{5D952ADB-1579-4CB5-A5D8-2E248B0950CA}" dt="2023-12-02T17:30:54.327" v="214" actId="1076"/>
+        <pc:chgData name="שיר וולץ" userId="aefb9a7725becb63" providerId="LiveId" clId="{5D952ADB-1579-4CB5-A5D8-2E248B0950CA}" dt="2023-12-02T18:53:22.612" v="309" actId="255"/>
         <pc:sldMkLst>
           <pc:docMk/>
           <pc:sldMk cId="558379904" sldId="281"/>
         </pc:sldMkLst>
         <pc:spChg chg="mod">
-          <ac:chgData name="שיר וולץ" userId="aefb9a7725becb63" providerId="LiveId" clId="{5D952ADB-1579-4CB5-A5D8-2E248B0950CA}" dt="2023-12-02T14:59:10.186" v="160" actId="1076"/>
+          <ac:chgData name="שיר וולץ" userId="aefb9a7725becb63" providerId="LiveId" clId="{5D952ADB-1579-4CB5-A5D8-2E248B0950CA}" dt="2023-12-02T18:53:22.612" v="309" actId="255"/>
           <ac:spMkLst>
             <pc:docMk/>
             <pc:sldMk cId="558379904" sldId="281"/>
@@ -325,13 +372,13 @@
         </pc:picChg>
       </pc:sldChg>
       <pc:sldChg chg="modSp mod">
-        <pc:chgData name="שיר וולץ" userId="aefb9a7725becb63" providerId="LiveId" clId="{5D952ADB-1579-4CB5-A5D8-2E248B0950CA}" dt="2023-12-02T17:30:48.480" v="213" actId="1076"/>
+        <pc:chgData name="שיר וולץ" userId="aefb9a7725becb63" providerId="LiveId" clId="{5D952ADB-1579-4CB5-A5D8-2E248B0950CA}" dt="2023-12-02T18:52:49.598" v="287" actId="255"/>
         <pc:sldMkLst>
           <pc:docMk/>
           <pc:sldMk cId="3560181366" sldId="282"/>
         </pc:sldMkLst>
         <pc:spChg chg="mod">
-          <ac:chgData name="שיר וולץ" userId="aefb9a7725becb63" providerId="LiveId" clId="{5D952ADB-1579-4CB5-A5D8-2E248B0950CA}" dt="2023-12-02T15:00:26.245" v="212" actId="6549"/>
+          <ac:chgData name="שיר וולץ" userId="aefb9a7725becb63" providerId="LiveId" clId="{5D952ADB-1579-4CB5-A5D8-2E248B0950CA}" dt="2023-12-02T18:52:49.598" v="287" actId="255"/>
           <ac:spMkLst>
             <pc:docMk/>
             <pc:sldMk cId="3560181366" sldId="282"/>
@@ -356,13 +403,13 @@
         </pc:picChg>
       </pc:sldChg>
       <pc:sldChg chg="modSp mod">
-        <pc:chgData name="שיר וולץ" userId="aefb9a7725becb63" providerId="LiveId" clId="{5D952ADB-1579-4CB5-A5D8-2E248B0950CA}" dt="2023-12-02T17:31:14.678" v="218" actId="1076"/>
+        <pc:chgData name="שיר וולץ" userId="aefb9a7725becb63" providerId="LiveId" clId="{5D952ADB-1579-4CB5-A5D8-2E248B0950CA}" dt="2023-12-02T18:52:19.743" v="265" actId="20577"/>
         <pc:sldMkLst>
           <pc:docMk/>
           <pc:sldMk cId="2365412575" sldId="283"/>
         </pc:sldMkLst>
         <pc:spChg chg="mod">
-          <ac:chgData name="שיר וולץ" userId="aefb9a7725becb63" providerId="LiveId" clId="{5D952ADB-1579-4CB5-A5D8-2E248B0950CA}" dt="2023-12-02T14:57:09.876" v="114" actId="20577"/>
+          <ac:chgData name="שיר וולץ" userId="aefb9a7725becb63" providerId="LiveId" clId="{5D952ADB-1579-4CB5-A5D8-2E248B0950CA}" dt="2023-12-02T18:52:19.743" v="265" actId="20577"/>
           <ac:spMkLst>
             <pc:docMk/>
             <pc:sldMk cId="2365412575" sldId="283"/>
@@ -5033,7 +5080,7 @@
           <a:p>
             <a:pPr algn="l" rtl="0"/>
             <a:r>
-              <a:rPr lang="en-US" sz="2900" b="1" dirty="0">
+              <a:rPr lang="en-US" sz="2800" b="1" dirty="0">
                 <a:cs typeface="+mn-cs"/>
               </a:rPr>
               <a:t>Route B: </a:t>
@@ -5042,7 +5089,7 @@
           <a:p>
             <a:pPr algn="l" rtl="0"/>
             <a:r>
-              <a:rPr lang="en-US" sz="2900" b="1" dirty="0">
+              <a:rPr lang="en-US" sz="2800" b="1" dirty="0">
                 <a:cs typeface="+mn-cs"/>
               </a:rPr>
               <a:t>Analyzing the entire filtered Properties’ population</a:t>
@@ -5051,13 +5098,13 @@
           <a:p>
             <a:pPr algn="l" rtl="0"/>
             <a:r>
-              <a:rPr lang="en-US" sz="2900" b="1" u="sng" dirty="0">
+              <a:rPr lang="en-US" sz="2800" b="1" u="sng" dirty="0">
                 <a:cs typeface="+mn-cs"/>
               </a:rPr>
               <a:t>Remark</a:t>
             </a:r>
             <a:r>
-              <a:rPr lang="en-US" sz="2900" b="1" dirty="0">
+              <a:rPr lang="en-US" sz="2800" b="1" dirty="0">
                 <a:cs typeface="+mn-cs"/>
               </a:rPr>
               <a:t>: The depended variable on the x-axis for convenience </a:t>
@@ -5703,7 +5750,7 @@
           <a:p>
             <a:pPr algn="l" rtl="0"/>
             <a:r>
-              <a:rPr lang="en-US" sz="2900" b="1" dirty="0">
+              <a:rPr lang="en-US" sz="2800" b="1" dirty="0">
                 <a:cs typeface="+mn-cs"/>
               </a:rPr>
               <a:t>Route B: </a:t>
@@ -5712,22 +5759,22 @@
           <a:p>
             <a:pPr algn="l" rtl="0"/>
             <a:r>
-              <a:rPr lang="en-US" sz="2900" b="1" dirty="0">
+              <a:rPr lang="en-US" sz="2800" b="1" dirty="0">
                 <a:cs typeface="+mn-cs"/>
               </a:rPr>
-              <a:t>Analyzing the entire filtered Properties’ population</a:t>
+              <a:t>Analyzing the entire filtered Properties’ population (outliers’ removal)</a:t>
             </a:r>
           </a:p>
           <a:p>
             <a:pPr algn="l" rtl="0"/>
             <a:r>
-              <a:rPr lang="en-US" sz="2900" b="1" u="sng" dirty="0">
+              <a:rPr lang="en-US" sz="2800" b="1" u="sng" dirty="0">
                 <a:cs typeface="+mn-cs"/>
               </a:rPr>
               <a:t>Remark</a:t>
             </a:r>
             <a:r>
-              <a:rPr lang="en-US" sz="2900" b="1" dirty="0">
+              <a:rPr lang="en-US" sz="2800" b="1" dirty="0">
                 <a:cs typeface="+mn-cs"/>
               </a:rPr>
               <a:t>: The depended variable on the x-axis for convenience </a:t>
@@ -6241,7 +6288,7 @@
           <a:p>
             <a:pPr algn="l" rtl="0"/>
             <a:r>
-              <a:rPr lang="en-US" sz="2900" b="1" dirty="0">
+              <a:rPr lang="en-US" sz="2800" b="1" dirty="0">
                 <a:cs typeface="+mn-cs"/>
               </a:rPr>
               <a:t>Route B: </a:t>
@@ -6250,25 +6297,31 @@
           <a:p>
             <a:pPr algn="l" rtl="0"/>
             <a:r>
-              <a:rPr lang="en-US" sz="2900" b="1" dirty="0">
+              <a:rPr lang="en-US" sz="2800" b="1" dirty="0">
                 <a:cs typeface="+mn-cs"/>
               </a:rPr>
-              <a:t>Analyzing the entire filtered Properties’ population</a:t>
+              <a:t>Analyzing the entire filtered Properties’ population (outliers' removal)</a:t>
             </a:r>
           </a:p>
           <a:p>
             <a:pPr algn="l" rtl="0"/>
             <a:r>
-              <a:rPr lang="en-US" sz="2900" b="1" u="sng" dirty="0">
+              <a:rPr lang="en-US" sz="2800" b="1" u="sng" dirty="0">
                 <a:cs typeface="+mn-cs"/>
               </a:rPr>
               <a:t>Remark</a:t>
             </a:r>
             <a:r>
+              <a:rPr lang="en-US" sz="2800" b="1" dirty="0">
+                <a:cs typeface="+mn-cs"/>
+              </a:rPr>
+              <a:t>: The</a:t>
+            </a:r>
+            <a:r>
               <a:rPr lang="en-US" sz="2900" b="1" dirty="0">
                 <a:cs typeface="+mn-cs"/>
               </a:rPr>
-              <a:t>: The depended variable on the x-axis for convenience </a:t>
+              <a:t> depended variable on the x-axis for convenience </a:t>
             </a:r>
           </a:p>
         </p:txBody>
@@ -6779,7 +6832,7 @@
           <a:p>
             <a:pPr algn="l" rtl="0"/>
             <a:r>
-              <a:rPr lang="en-US" sz="2900" b="1" dirty="0">
+              <a:rPr lang="en-US" sz="2800" b="1" dirty="0">
                 <a:cs typeface="+mn-cs"/>
               </a:rPr>
               <a:t>Route B:</a:t>
@@ -6788,22 +6841,22 @@
           <a:p>
             <a:pPr algn="l" rtl="0"/>
             <a:r>
-              <a:rPr lang="en-US" sz="2900" b="1" dirty="0">
+              <a:rPr lang="en-US" sz="2800" b="1" dirty="0">
                 <a:cs typeface="+mn-cs"/>
               </a:rPr>
-              <a:t>Analyzing the entire filtered Properties’ population</a:t>
+              <a:t>Analyzing the entire filtered Properties’ population (outliers’ removal)</a:t>
             </a:r>
           </a:p>
           <a:p>
             <a:pPr algn="l" rtl="0"/>
             <a:r>
-              <a:rPr lang="en-US" sz="2900" b="1" u="sng" dirty="0">
+              <a:rPr lang="en-US" sz="2800" b="1" u="sng" dirty="0">
                 <a:cs typeface="+mn-cs"/>
               </a:rPr>
               <a:t>Remark</a:t>
             </a:r>
             <a:r>
-              <a:rPr lang="en-US" sz="2900" b="1" dirty="0">
+              <a:rPr lang="en-US" sz="2800" b="1" dirty="0">
                 <a:cs typeface="+mn-cs"/>
               </a:rPr>
               <a:t>: The depended variable on the x-axis for convenience </a:t>
@@ -7317,7 +7370,7 @@
           <a:p>
             <a:pPr algn="l" rtl="0"/>
             <a:r>
-              <a:rPr lang="en-US" sz="2900" b="1" dirty="0">
+              <a:rPr lang="en-US" sz="2800" b="1" dirty="0">
                 <a:cs typeface="+mn-cs"/>
               </a:rPr>
               <a:t>Route B:</a:t>
@@ -7326,22 +7379,22 @@
           <a:p>
             <a:pPr algn="l" rtl="0"/>
             <a:r>
-              <a:rPr lang="en-US" sz="2900" b="1" dirty="0">
+              <a:rPr lang="en-US" sz="2800" b="1" dirty="0">
                 <a:cs typeface="+mn-cs"/>
               </a:rPr>
-              <a:t>Analyzing the entire filtered Properties’ population</a:t>
+              <a:t>Analyzing the entire filtered Properties’ population (outliers’ removal)</a:t>
             </a:r>
           </a:p>
           <a:p>
             <a:pPr algn="l" rtl="0"/>
             <a:r>
-              <a:rPr lang="en-US" sz="2900" b="1" u="sng" dirty="0">
+              <a:rPr lang="en-US" sz="2800" b="1" u="sng" dirty="0">
                 <a:cs typeface="+mn-cs"/>
               </a:rPr>
               <a:t>Remark</a:t>
             </a:r>
             <a:r>
-              <a:rPr lang="en-US" sz="2900" b="1" dirty="0">
+              <a:rPr lang="en-US" sz="2800" b="1" dirty="0">
                 <a:cs typeface="+mn-cs"/>
               </a:rPr>
               <a:t>: The depended variable on the x-axis for convenience </a:t>
@@ -9907,7 +9960,7 @@
               <a:buNone/>
             </a:pPr>
             <a:r>
-              <a:rPr lang="en-US" sz="3600" dirty="0"/>
+              <a:rPr lang="en-US" dirty="0"/>
               <a:t>1. Removing Duplicated records (rows) and irrelevant fields (columns) resulted also in null entries decrease:</a:t>
             </a:r>
             <a:endParaRPr lang="he-IL" dirty="0"/>
@@ -9936,8 +9989,8 @@
         </p:blipFill>
         <p:spPr>
           <a:xfrm>
-            <a:off x="2087480" y="2804538"/>
-            <a:ext cx="9236240" cy="3414056"/>
+            <a:off x="2119011" y="2448910"/>
+            <a:ext cx="9236240" cy="3769684"/>
           </a:xfrm>
           <a:prstGeom prst="rect">
             <a:avLst/>
@@ -9966,7 +10019,7 @@
         </p:blipFill>
         <p:spPr>
           <a:xfrm>
-            <a:off x="1492469" y="3195932"/>
+            <a:off x="1531883" y="3019405"/>
             <a:ext cx="1676443" cy="1565943"/>
           </a:xfrm>
           <a:prstGeom prst="rect">
@@ -9996,7 +10049,7 @@
         </p:blipFill>
         <p:spPr>
           <a:xfrm>
-            <a:off x="3619417" y="3272776"/>
+            <a:off x="3619418" y="3096249"/>
             <a:ext cx="1530694" cy="1489099"/>
           </a:xfrm>
           <a:prstGeom prst="rect">
@@ -10064,7 +10117,7 @@
         </p:nvSpPr>
         <p:spPr>
           <a:xfrm>
-            <a:off x="3042815" y="3656133"/>
+            <a:off x="3082229" y="3625604"/>
             <a:ext cx="721108" cy="369332"/>
           </a:xfrm>
           <a:prstGeom prst="rect">
@@ -10653,7 +10706,7 @@
               <a:buNone/>
             </a:pPr>
             <a:r>
-              <a:rPr lang="en-US" sz="3600" dirty="0"/>
+              <a:rPr lang="en-US" dirty="0"/>
               <a:t>2. Filtration of only properties which are located in the state of Washington, based on the ‘neighborhood’ filed:</a:t>
             </a:r>
           </a:p>
@@ -11072,7 +11125,7 @@
           <a:p>
             <a:pPr algn="l" rtl="0"/>
             <a:r>
-              <a:rPr lang="en-US" sz="3200" b="1" dirty="0">
+              <a:rPr lang="en-US" sz="2800" b="1" dirty="0">
                 <a:cs typeface="+mn-cs"/>
               </a:rPr>
               <a:t>Route A: </a:t>
@@ -11081,7 +11134,7 @@
           <a:p>
             <a:pPr algn="l" rtl="0"/>
             <a:r>
-              <a:rPr lang="en-US" sz="2900" b="1" dirty="0">
+              <a:rPr lang="en-US" sz="2800" b="1" dirty="0">
                 <a:cs typeface="+mn-cs"/>
               </a:rPr>
               <a:t>Trial to specify the KPI’s filtered properties population Top 25% (Q1) </a:t>
@@ -11479,7 +11532,7 @@
           <a:p>
             <a:pPr algn="l" rtl="0"/>
             <a:r>
-              <a:rPr lang="en-US" sz="2900" b="1" dirty="0">
+              <a:rPr lang="en-US" sz="2800" b="1" dirty="0">
                 <a:cs typeface="+mn-cs"/>
               </a:rPr>
               <a:t>Route A: </a:t>
@@ -11488,7 +11541,7 @@
           <a:p>
             <a:pPr algn="l" rtl="0"/>
             <a:r>
-              <a:rPr lang="en-US" sz="2900" b="1" dirty="0">
+              <a:rPr lang="en-US" sz="2800" b="1" dirty="0">
                 <a:cs typeface="+mn-cs"/>
               </a:rPr>
               <a:t>Insignificant outcomes </a:t>
@@ -12185,7 +12238,7 @@
           <a:p>
             <a:pPr algn="l" rtl="0"/>
             <a:r>
-              <a:rPr lang="en-US" sz="2900" b="1" dirty="0">
+              <a:rPr lang="en-US" sz="2800" b="1" dirty="0">
                 <a:cs typeface="+mn-cs"/>
               </a:rPr>
               <a:t>Route A: </a:t>
@@ -12194,7 +12247,7 @@
           <a:p>
             <a:pPr algn="l" rtl="0"/>
             <a:r>
-              <a:rPr lang="en-US" sz="2900" b="1" dirty="0">
+              <a:rPr lang="en-US" sz="2800" b="1" dirty="0">
                 <a:cs typeface="+mn-cs"/>
               </a:rPr>
               <a:t>Summary Table </a:t>

--- a/Final Project Data Analyst Program Hebrew University of Jerusalem Class No. 4 Group 2.pptx
+++ b/Final Project Data Analyst Program Hebrew University of Jerusalem Class No. 4 Group 2.pptx
@@ -136,7 +136,7 @@
 <file path=ppt/revisionInfo.xml><?xml version="1.0" encoding="utf-8"?>
 <p1510:revInfo xmlns:a="http://schemas.openxmlformats.org/drawingml/2006/main" xmlns:r="http://schemas.openxmlformats.org/officeDocument/2006/relationships" xmlns:p1510="http://schemas.microsoft.com/office/powerpoint/2015/10/main">
   <p1510:revLst>
-    <p1510:client id="{5D952ADB-1579-4CB5-A5D8-2E248B0950CA}" v="104" dt="2023-12-03T21:05:00.456"/>
+    <p1510:client id="{5D952ADB-1579-4CB5-A5D8-2E248B0950CA}" v="130" dt="2023-12-04T05:20:59.061"/>
   </p1510:revLst>
 </p1510:revInfo>
 </file>
@@ -146,7 +146,7 @@
   <pc:docChgLst>
     <pc:chgData name="שיר וולץ" userId="aefb9a7725becb63" providerId="LiveId" clId="{5D952ADB-1579-4CB5-A5D8-2E248B0950CA}"/>
     <pc:docChg chg="undo redo custSel addSld delSld modSld sldOrd">
-      <pc:chgData name="שיר וולץ" userId="aefb9a7725becb63" providerId="LiveId" clId="{5D952ADB-1579-4CB5-A5D8-2E248B0950CA}" dt="2023-12-03T21:20:03.275" v="2166" actId="20577"/>
+      <pc:chgData name="שיר וולץ" userId="aefb9a7725becb63" providerId="LiveId" clId="{5D952ADB-1579-4CB5-A5D8-2E248B0950CA}" dt="2023-12-04T05:20:59.061" v="2739"/>
       <pc:docMkLst>
         <pc:docMk/>
       </pc:docMkLst>
@@ -197,7 +197,7 @@
         </pc:spChg>
       </pc:sldChg>
       <pc:sldChg chg="addSp delSp modSp mod modAnim">
-        <pc:chgData name="שיר וולץ" userId="aefb9a7725becb63" providerId="LiveId" clId="{5D952ADB-1579-4CB5-A5D8-2E248B0950CA}" dt="2023-12-03T18:41:14.599" v="346"/>
+        <pc:chgData name="שיר וולץ" userId="aefb9a7725becb63" providerId="LiveId" clId="{5D952ADB-1579-4CB5-A5D8-2E248B0950CA}" dt="2023-12-04T05:15:10.385" v="2715" actId="20577"/>
         <pc:sldMkLst>
           <pc:docMk/>
           <pc:sldMk cId="3979115751" sldId="271"/>
@@ -211,7 +211,7 @@
           </ac:spMkLst>
         </pc:spChg>
         <pc:spChg chg="mod">
-          <ac:chgData name="שיר וולץ" userId="aefb9a7725becb63" providerId="LiveId" clId="{5D952ADB-1579-4CB5-A5D8-2E248B0950CA}" dt="2023-12-02T18:55:09.630" v="315" actId="255"/>
+          <ac:chgData name="שיר וולץ" userId="aefb9a7725becb63" providerId="LiveId" clId="{5D952ADB-1579-4CB5-A5D8-2E248B0950CA}" dt="2023-12-04T05:15:10.385" v="2715" actId="20577"/>
           <ac:spMkLst>
             <pc:docMk/>
             <pc:sldMk cId="3979115751" sldId="271"/>
@@ -308,19 +308,27 @@
         </pc:picChg>
       </pc:sldChg>
       <pc:sldChg chg="modSp mod">
-        <pc:chgData name="שיר וולץ" userId="aefb9a7725becb63" providerId="LiveId" clId="{5D952ADB-1579-4CB5-A5D8-2E248B0950CA}" dt="2023-12-02T18:54:42.164" v="313" actId="255"/>
+        <pc:chgData name="שיר וולץ" userId="aefb9a7725becb63" providerId="LiveId" clId="{5D952ADB-1579-4CB5-A5D8-2E248B0950CA}" dt="2023-12-04T05:12:33.289" v="2687" actId="21"/>
         <pc:sldMkLst>
           <pc:docMk/>
           <pc:sldMk cId="632009448" sldId="272"/>
         </pc:sldMkLst>
         <pc:spChg chg="mod">
-          <ac:chgData name="שיר וולץ" userId="aefb9a7725becb63" providerId="LiveId" clId="{5D952ADB-1579-4CB5-A5D8-2E248B0950CA}" dt="2023-12-02T18:54:42.164" v="313" actId="255"/>
+          <ac:chgData name="שיר וולץ" userId="aefb9a7725becb63" providerId="LiveId" clId="{5D952ADB-1579-4CB5-A5D8-2E248B0950CA}" dt="2023-12-04T05:12:33.289" v="2687" actId="21"/>
           <ac:spMkLst>
             <pc:docMk/>
             <pc:sldMk cId="632009448" sldId="272"/>
             <ac:spMk id="4" creationId="{18C13FE4-332D-2C92-6AF2-2F31660F39AF}"/>
           </ac:spMkLst>
         </pc:spChg>
+        <pc:picChg chg="mod">
+          <ac:chgData name="שיר וולץ" userId="aefb9a7725becb63" providerId="LiveId" clId="{5D952ADB-1579-4CB5-A5D8-2E248B0950CA}" dt="2023-12-04T04:48:54.372" v="2186" actId="14100"/>
+          <ac:picMkLst>
+            <pc:docMk/>
+            <pc:sldMk cId="632009448" sldId="272"/>
+            <ac:picMk id="7" creationId="{ADCE4600-A0AD-2092-5416-463BAF61AA64}"/>
+          </ac:picMkLst>
+        </pc:picChg>
       </pc:sldChg>
       <pc:sldChg chg="addSp delSp modSp mod">
         <pc:chgData name="שיר וולץ" userId="aefb9a7725becb63" providerId="LiveId" clId="{5D952ADB-1579-4CB5-A5D8-2E248B0950CA}" dt="2023-12-03T21:08:15.462" v="2148" actId="20577"/>
@@ -362,13 +370,21 @@
         </pc:picChg>
       </pc:sldChg>
       <pc:sldChg chg="addSp delSp modSp mod">
-        <pc:chgData name="שיר וולץ" userId="aefb9a7725becb63" providerId="LiveId" clId="{5D952ADB-1579-4CB5-A5D8-2E248B0950CA}" dt="2023-12-03T19:49:11.647" v="1405" actId="123"/>
+        <pc:chgData name="שיר וולץ" userId="aefb9a7725becb63" providerId="LiveId" clId="{5D952ADB-1579-4CB5-A5D8-2E248B0950CA}" dt="2023-12-04T05:11:25.914" v="2667" actId="20577"/>
         <pc:sldMkLst>
           <pc:docMk/>
           <pc:sldMk cId="2396002602" sldId="277"/>
         </pc:sldMkLst>
         <pc:spChg chg="mod">
-          <ac:chgData name="שיר וולץ" userId="aefb9a7725becb63" providerId="LiveId" clId="{5D952ADB-1579-4CB5-A5D8-2E248B0950CA}" dt="2023-12-03T19:49:11.647" v="1405" actId="123"/>
+          <ac:chgData name="שיר וולץ" userId="aefb9a7725becb63" providerId="LiveId" clId="{5D952ADB-1579-4CB5-A5D8-2E248B0950CA}" dt="2023-12-04T04:50:15.600" v="2198" actId="6549"/>
+          <ac:spMkLst>
+            <pc:docMk/>
+            <pc:sldMk cId="2396002602" sldId="277"/>
+            <ac:spMk id="2" creationId="{00000000-0000-0000-0000-000000000000}"/>
+          </ac:spMkLst>
+        </pc:spChg>
+        <pc:spChg chg="mod">
+          <ac:chgData name="שיר וולץ" userId="aefb9a7725becb63" providerId="LiveId" clId="{5D952ADB-1579-4CB5-A5D8-2E248B0950CA}" dt="2023-12-04T05:11:25.914" v="2667" actId="20577"/>
           <ac:spMkLst>
             <pc:docMk/>
             <pc:sldMk cId="2396002602" sldId="277"/>
@@ -560,12 +576,20 @@
           </ac:picMkLst>
         </pc:picChg>
       </pc:sldChg>
-      <pc:sldChg chg="modSp mod">
-        <pc:chgData name="שיר וולץ" userId="aefb9a7725becb63" providerId="LiveId" clId="{5D952ADB-1579-4CB5-A5D8-2E248B0950CA}" dt="2023-12-02T18:54:19.413" v="311" actId="255"/>
+      <pc:sldChg chg="addSp delSp modSp mod">
+        <pc:chgData name="שיר וולץ" userId="aefb9a7725becb63" providerId="LiveId" clId="{5D952ADB-1579-4CB5-A5D8-2E248B0950CA}" dt="2023-12-04T05:14:26.843" v="2713" actId="20577"/>
         <pc:sldMkLst>
           <pc:docMk/>
           <pc:sldMk cId="2889183720" sldId="278"/>
         </pc:sldMkLst>
+        <pc:spChg chg="del">
+          <ac:chgData name="שיר וולץ" userId="aefb9a7725becb63" providerId="LiveId" clId="{5D952ADB-1579-4CB5-A5D8-2E248B0950CA}" dt="2023-12-04T04:51:45.999" v="2208" actId="478"/>
+          <ac:spMkLst>
+            <pc:docMk/>
+            <pc:sldMk cId="2889183720" sldId="278"/>
+            <ac:spMk id="2" creationId="{00000000-0000-0000-0000-000000000000}"/>
+          </ac:spMkLst>
+        </pc:spChg>
         <pc:spChg chg="mod">
           <ac:chgData name="שיר וולץ" userId="aefb9a7725becb63" providerId="LiveId" clId="{5D952ADB-1579-4CB5-A5D8-2E248B0950CA}" dt="2023-12-02T18:54:19.413" v="311" actId="255"/>
           <ac:spMkLst>
@@ -574,13 +598,53 @@
             <ac:spMk id="4" creationId="{18C13FE4-332D-2C92-6AF2-2F31660F39AF}"/>
           </ac:spMkLst>
         </pc:spChg>
+        <pc:spChg chg="add del mod">
+          <ac:chgData name="שיר וולץ" userId="aefb9a7725becb63" providerId="LiveId" clId="{5D952ADB-1579-4CB5-A5D8-2E248B0950CA}" dt="2023-12-04T04:51:49.748" v="2209" actId="21"/>
+          <ac:spMkLst>
+            <pc:docMk/>
+            <pc:sldMk cId="2889183720" sldId="278"/>
+            <ac:spMk id="7" creationId="{031778F9-DB22-562A-A654-6B6F97E86430}"/>
+          </ac:spMkLst>
+        </pc:spChg>
+        <pc:spChg chg="add mod">
+          <ac:chgData name="שיר וולץ" userId="aefb9a7725becb63" providerId="LiveId" clId="{5D952ADB-1579-4CB5-A5D8-2E248B0950CA}" dt="2023-12-04T04:52:12.056" v="2210"/>
+          <ac:spMkLst>
+            <pc:docMk/>
+            <pc:sldMk cId="2889183720" sldId="278"/>
+            <ac:spMk id="9" creationId="{405461D4-906E-A76C-6FC2-ACAB5DF5D8FC}"/>
+          </ac:spMkLst>
+        </pc:spChg>
+        <pc:spChg chg="add mod">
+          <ac:chgData name="שיר וולץ" userId="aefb9a7725becb63" providerId="LiveId" clId="{5D952ADB-1579-4CB5-A5D8-2E248B0950CA}" dt="2023-12-04T05:14:26.843" v="2713" actId="20577"/>
+          <ac:spMkLst>
+            <pc:docMk/>
+            <pc:sldMk cId="2889183720" sldId="278"/>
+            <ac:spMk id="10" creationId="{497EF5A8-F681-4900-8149-AAE8B6098941}"/>
+          </ac:spMkLst>
+        </pc:spChg>
+        <pc:graphicFrameChg chg="mod modGraphic">
+          <ac:chgData name="שיר וולץ" userId="aefb9a7725becb63" providerId="LiveId" clId="{5D952ADB-1579-4CB5-A5D8-2E248B0950CA}" dt="2023-12-04T05:10:17.721" v="2663" actId="1076"/>
+          <ac:graphicFrameMkLst>
+            <pc:docMk/>
+            <pc:sldMk cId="2889183720" sldId="278"/>
+            <ac:graphicFrameMk id="6" creationId="{A1688815-74C7-03C3-DDE2-45AA286597BE}"/>
+          </ac:graphicFrameMkLst>
+        </pc:graphicFrameChg>
       </pc:sldChg>
-      <pc:sldChg chg="modSp mod">
-        <pc:chgData name="שיר וולץ" userId="aefb9a7725becb63" providerId="LiveId" clId="{5D952ADB-1579-4CB5-A5D8-2E248B0950CA}" dt="2023-12-02T18:54:11.264" v="310" actId="255"/>
+      <pc:sldChg chg="addSp delSp modSp mod">
+        <pc:chgData name="שיר וולץ" userId="aefb9a7725becb63" providerId="LiveId" clId="{5D952ADB-1579-4CB5-A5D8-2E248B0950CA}" dt="2023-12-04T04:57:54.271" v="2302"/>
         <pc:sldMkLst>
           <pc:docMk/>
           <pc:sldMk cId="3112131851" sldId="279"/>
         </pc:sldMkLst>
+        <pc:spChg chg="del">
+          <ac:chgData name="שיר וולץ" userId="aefb9a7725becb63" providerId="LiveId" clId="{5D952ADB-1579-4CB5-A5D8-2E248B0950CA}" dt="2023-12-04T04:56:51.928" v="2290" actId="21"/>
+          <ac:spMkLst>
+            <pc:docMk/>
+            <pc:sldMk cId="3112131851" sldId="279"/>
+            <ac:spMk id="2" creationId="{00000000-0000-0000-0000-000000000000}"/>
+          </ac:spMkLst>
+        </pc:spChg>
         <pc:spChg chg="mod">
           <ac:chgData name="שיר וולץ" userId="aefb9a7725becb63" providerId="LiveId" clId="{5D952ADB-1579-4CB5-A5D8-2E248B0950CA}" dt="2023-12-02T18:54:11.264" v="310" actId="255"/>
           <ac:spMkLst>
@@ -589,12 +653,28 @@
             <ac:spMk id="4" creationId="{18C13FE4-332D-2C92-6AF2-2F31660F39AF}"/>
           </ac:spMkLst>
         </pc:spChg>
+        <pc:spChg chg="add del mod">
+          <ac:chgData name="שיר וולץ" userId="aefb9a7725becb63" providerId="LiveId" clId="{5D952ADB-1579-4CB5-A5D8-2E248B0950CA}" dt="2023-12-04T04:56:55.075" v="2291" actId="21"/>
+          <ac:spMkLst>
+            <pc:docMk/>
+            <pc:sldMk cId="3112131851" sldId="279"/>
+            <ac:spMk id="6" creationId="{D7FE9BBD-6D21-D40B-4865-F2A752C74C6C}"/>
+          </ac:spMkLst>
+        </pc:spChg>
         <pc:spChg chg="mod">
           <ac:chgData name="שיר וולץ" userId="aefb9a7725becb63" providerId="LiveId" clId="{5D952ADB-1579-4CB5-A5D8-2E248B0950CA}" dt="2023-12-02T17:32:24.782" v="220" actId="14100"/>
           <ac:spMkLst>
             <pc:docMk/>
             <pc:sldMk cId="3112131851" sldId="279"/>
             <ac:spMk id="9" creationId="{31C22BAA-1001-479E-9971-E279C3CE9891}"/>
+          </ac:spMkLst>
+        </pc:spChg>
+        <pc:spChg chg="add mod">
+          <ac:chgData name="שיר וולץ" userId="aefb9a7725becb63" providerId="LiveId" clId="{5D952ADB-1579-4CB5-A5D8-2E248B0950CA}" dt="2023-12-04T04:57:54.271" v="2302"/>
+          <ac:spMkLst>
+            <pc:docMk/>
+            <pc:sldMk cId="3112131851" sldId="279"/>
+            <ac:spMk id="11" creationId="{AA02AF61-A24D-E693-6AA2-708C1E6EB3A5}"/>
           </ac:spMkLst>
         </pc:spChg>
         <pc:picChg chg="mod">
@@ -606,14 +686,22 @@
           </ac:picMkLst>
         </pc:picChg>
       </pc:sldChg>
-      <pc:sldChg chg="addSp modSp mod">
-        <pc:chgData name="שיר וולץ" userId="aefb9a7725becb63" providerId="LiveId" clId="{5D952ADB-1579-4CB5-A5D8-2E248B0950CA}" dt="2023-12-03T20:02:22.646" v="1670" actId="1076"/>
+      <pc:sldChg chg="addSp delSp modSp mod">
+        <pc:chgData name="שיר וולץ" userId="aefb9a7725becb63" providerId="LiveId" clId="{5D952ADB-1579-4CB5-A5D8-2E248B0950CA}" dt="2023-12-04T05:19:04.443" v="2735" actId="1076"/>
         <pc:sldMkLst>
           <pc:docMk/>
           <pc:sldMk cId="2080365302" sldId="280"/>
         </pc:sldMkLst>
+        <pc:spChg chg="del">
+          <ac:chgData name="שיר וולץ" userId="aefb9a7725becb63" providerId="LiveId" clId="{5D952ADB-1579-4CB5-A5D8-2E248B0950CA}" dt="2023-12-04T04:57:11.974" v="2294" actId="21"/>
+          <ac:spMkLst>
+            <pc:docMk/>
+            <pc:sldMk cId="2080365302" sldId="280"/>
+            <ac:spMk id="2" creationId="{00000000-0000-0000-0000-000000000000}"/>
+          </ac:spMkLst>
+        </pc:spChg>
         <pc:spChg chg="mod">
-          <ac:chgData name="שיר וולץ" userId="aefb9a7725becb63" providerId="LiveId" clId="{5D952ADB-1579-4CB5-A5D8-2E248B0950CA}" dt="2023-12-02T18:51:49.906" v="243" actId="33524"/>
+          <ac:chgData name="שיר וולץ" userId="aefb9a7725becb63" providerId="LiveId" clId="{5D952ADB-1579-4CB5-A5D8-2E248B0950CA}" dt="2023-12-04T05:00:00.417" v="2320" actId="1076"/>
           <ac:spMkLst>
             <pc:docMk/>
             <pc:sldMk cId="2080365302" sldId="280"/>
@@ -621,7 +709,7 @@
           </ac:spMkLst>
         </pc:spChg>
         <pc:spChg chg="add mod">
-          <ac:chgData name="שיר וולץ" userId="aefb9a7725becb63" providerId="LiveId" clId="{5D952ADB-1579-4CB5-A5D8-2E248B0950CA}" dt="2023-12-03T20:02:13.670" v="1668" actId="1076"/>
+          <ac:chgData name="שיר וולץ" userId="aefb9a7725becb63" providerId="LiveId" clId="{5D952ADB-1579-4CB5-A5D8-2E248B0950CA}" dt="2023-12-04T05:13:24.728" v="2691" actId="1076"/>
           <ac:spMkLst>
             <pc:docMk/>
             <pc:sldMk cId="2080365302" sldId="280"/>
@@ -629,15 +717,39 @@
           </ac:spMkLst>
         </pc:spChg>
         <pc:spChg chg="mod">
-          <ac:chgData name="שיר וולץ" userId="aefb9a7725becb63" providerId="LiveId" clId="{5D952ADB-1579-4CB5-A5D8-2E248B0950CA}" dt="2023-12-03T20:02:19.039" v="1669" actId="14100"/>
+          <ac:chgData name="שיר וולץ" userId="aefb9a7725becb63" providerId="LiveId" clId="{5D952ADB-1579-4CB5-A5D8-2E248B0950CA}" dt="2023-12-04T05:00:39.577" v="2327" actId="1076"/>
           <ac:spMkLst>
             <pc:docMk/>
             <pc:sldMk cId="2080365302" sldId="280"/>
             <ac:spMk id="9" creationId="{5F348188-86CF-27E6-C696-D57827BF0F69}"/>
           </ac:spMkLst>
         </pc:spChg>
+        <pc:spChg chg="add del mod">
+          <ac:chgData name="שיר וולץ" userId="aefb9a7725becb63" providerId="LiveId" clId="{5D952ADB-1579-4CB5-A5D8-2E248B0950CA}" dt="2023-12-04T04:57:14.750" v="2295" actId="21"/>
+          <ac:spMkLst>
+            <pc:docMk/>
+            <pc:sldMk cId="2080365302" sldId="280"/>
+            <ac:spMk id="10" creationId="{3A708434-1B4B-B7F0-C6BF-6374AC4DA87C}"/>
+          </ac:spMkLst>
+        </pc:spChg>
+        <pc:spChg chg="add mod">
+          <ac:chgData name="שיר וולץ" userId="aefb9a7725becb63" providerId="LiveId" clId="{5D952ADB-1579-4CB5-A5D8-2E248B0950CA}" dt="2023-12-04T04:58:06.539" v="2305"/>
+          <ac:spMkLst>
+            <pc:docMk/>
+            <pc:sldMk cId="2080365302" sldId="280"/>
+            <ac:spMk id="11" creationId="{B6F0E58E-623C-5B44-FEB1-6497CD78025E}"/>
+          </ac:spMkLst>
+        </pc:spChg>
+        <pc:spChg chg="add mod">
+          <ac:chgData name="שיר וולץ" userId="aefb9a7725becb63" providerId="LiveId" clId="{5D952ADB-1579-4CB5-A5D8-2E248B0950CA}" dt="2023-12-04T05:19:04.443" v="2735" actId="1076"/>
+          <ac:spMkLst>
+            <pc:docMk/>
+            <pc:sldMk cId="2080365302" sldId="280"/>
+            <ac:spMk id="12" creationId="{B0FED977-F0E4-3024-F2DD-9F55C48D3AB4}"/>
+          </ac:spMkLst>
+        </pc:spChg>
         <pc:picChg chg="mod">
-          <ac:chgData name="שיר וולץ" userId="aefb9a7725becb63" providerId="LiveId" clId="{5D952ADB-1579-4CB5-A5D8-2E248B0950CA}" dt="2023-12-03T20:02:08.974" v="1667" actId="14100"/>
+          <ac:chgData name="שיר וולץ" userId="aefb9a7725becb63" providerId="LiveId" clId="{5D952ADB-1579-4CB5-A5D8-2E248B0950CA}" dt="2023-12-04T05:00:52.456" v="2330" actId="14100"/>
           <ac:picMkLst>
             <pc:docMk/>
             <pc:sldMk cId="2080365302" sldId="280"/>
@@ -645,7 +757,7 @@
           </ac:picMkLst>
         </pc:picChg>
         <pc:cxnChg chg="mod">
-          <ac:chgData name="שיר וולץ" userId="aefb9a7725becb63" providerId="LiveId" clId="{5D952ADB-1579-4CB5-A5D8-2E248B0950CA}" dt="2023-12-03T20:02:22.646" v="1670" actId="1076"/>
+          <ac:chgData name="שיר וולץ" userId="aefb9a7725becb63" providerId="LiveId" clId="{5D952ADB-1579-4CB5-A5D8-2E248B0950CA}" dt="2023-12-04T05:00:49.329" v="2329" actId="1076"/>
           <ac:cxnSpMkLst>
             <pc:docMk/>
             <pc:sldMk cId="2080365302" sldId="280"/>
@@ -653,22 +765,38 @@
           </ac:cxnSpMkLst>
         </pc:cxnChg>
       </pc:sldChg>
-      <pc:sldChg chg="addSp modSp mod ord">
-        <pc:chgData name="שיר וולץ" userId="aefb9a7725becb63" providerId="LiveId" clId="{5D952ADB-1579-4CB5-A5D8-2E248B0950CA}" dt="2023-12-03T20:07:21.298" v="1769"/>
+      <pc:sldChg chg="addSp delSp modSp mod ord">
+        <pc:chgData name="שיר וולץ" userId="aefb9a7725becb63" providerId="LiveId" clId="{5D952ADB-1579-4CB5-A5D8-2E248B0950CA}" dt="2023-12-04T05:20:59.061" v="2739"/>
         <pc:sldMkLst>
           <pc:docMk/>
           <pc:sldMk cId="558379904" sldId="281"/>
         </pc:sldMkLst>
+        <pc:spChg chg="del">
+          <ac:chgData name="שיר וולץ" userId="aefb9a7725becb63" providerId="LiveId" clId="{5D952ADB-1579-4CB5-A5D8-2E248B0950CA}" dt="2023-12-04T04:57:20.455" v="2296" actId="21"/>
+          <ac:spMkLst>
+            <pc:docMk/>
+            <pc:sldMk cId="558379904" sldId="281"/>
+            <ac:spMk id="2" creationId="{00000000-0000-0000-0000-000000000000}"/>
+          </ac:spMkLst>
+        </pc:spChg>
         <pc:spChg chg="mod">
-          <ac:chgData name="שיר וולץ" userId="aefb9a7725becb63" providerId="LiveId" clId="{5D952ADB-1579-4CB5-A5D8-2E248B0950CA}" dt="2023-12-02T18:53:22.612" v="309" actId="255"/>
+          <ac:chgData name="שיר וולץ" userId="aefb9a7725becb63" providerId="LiveId" clId="{5D952ADB-1579-4CB5-A5D8-2E248B0950CA}" dt="2023-12-04T05:02:07.100" v="2336" actId="1076"/>
           <ac:spMkLst>
             <pc:docMk/>
             <pc:sldMk cId="558379904" sldId="281"/>
             <ac:spMk id="4" creationId="{18C13FE4-332D-2C92-6AF2-2F31660F39AF}"/>
           </ac:spMkLst>
         </pc:spChg>
+        <pc:spChg chg="mod">
+          <ac:chgData name="שיר וולץ" userId="aefb9a7725becb63" providerId="LiveId" clId="{5D952ADB-1579-4CB5-A5D8-2E248B0950CA}" dt="2023-12-04T05:02:48.825" v="2343" actId="1076"/>
+          <ac:spMkLst>
+            <pc:docMk/>
+            <pc:sldMk cId="558379904" sldId="281"/>
+            <ac:spMk id="5" creationId="{6A87851E-57F1-0ADA-ECE1-00AC36696523}"/>
+          </ac:spMkLst>
+        </pc:spChg>
         <pc:spChg chg="add mod">
-          <ac:chgData name="שיר וולץ" userId="aefb9a7725becb63" providerId="LiveId" clId="{5D952ADB-1579-4CB5-A5D8-2E248B0950CA}" dt="2023-12-03T20:00:06.171" v="1605" actId="692"/>
+          <ac:chgData name="שיר וולץ" userId="aefb9a7725becb63" providerId="LiveId" clId="{5D952ADB-1579-4CB5-A5D8-2E248B0950CA}" dt="2023-12-04T05:13:17.727" v="2690" actId="1076"/>
           <ac:spMkLst>
             <pc:docMk/>
             <pc:sldMk cId="558379904" sldId="281"/>
@@ -676,15 +804,39 @@
           </ac:spMkLst>
         </pc:spChg>
         <pc:spChg chg="mod">
-          <ac:chgData name="שיר וולץ" userId="aefb9a7725becb63" providerId="LiveId" clId="{5D952ADB-1579-4CB5-A5D8-2E248B0950CA}" dt="2023-12-03T20:02:34.631" v="1673" actId="14100"/>
+          <ac:chgData name="שיר וולץ" userId="aefb9a7725becb63" providerId="LiveId" clId="{5D952ADB-1579-4CB5-A5D8-2E248B0950CA}" dt="2023-12-04T05:02:14.035" v="2338" actId="1076"/>
           <ac:spMkLst>
             <pc:docMk/>
             <pc:sldMk cId="558379904" sldId="281"/>
             <ac:spMk id="9" creationId="{5F348188-86CF-27E6-C696-D57827BF0F69}"/>
           </ac:spMkLst>
         </pc:spChg>
+        <pc:spChg chg="add del mod">
+          <ac:chgData name="שיר וולץ" userId="aefb9a7725becb63" providerId="LiveId" clId="{5D952ADB-1579-4CB5-A5D8-2E248B0950CA}" dt="2023-12-04T04:57:23.259" v="2297" actId="21"/>
+          <ac:spMkLst>
+            <pc:docMk/>
+            <pc:sldMk cId="558379904" sldId="281"/>
+            <ac:spMk id="10" creationId="{67FC2FAD-A52E-BFD7-0752-F5A774C18040}"/>
+          </ac:spMkLst>
+        </pc:spChg>
+        <pc:spChg chg="add mod">
+          <ac:chgData name="שיר וולץ" userId="aefb9a7725becb63" providerId="LiveId" clId="{5D952ADB-1579-4CB5-A5D8-2E248B0950CA}" dt="2023-12-04T05:19:26.790" v="2737" actId="113"/>
+          <ac:spMkLst>
+            <pc:docMk/>
+            <pc:sldMk cId="558379904" sldId="281"/>
+            <ac:spMk id="11" creationId="{A2D6DC08-58F4-9135-3D19-3E06754EFF2B}"/>
+          </ac:spMkLst>
+        </pc:spChg>
+        <pc:spChg chg="add mod">
+          <ac:chgData name="שיר וולץ" userId="aefb9a7725becb63" providerId="LiveId" clId="{5D952ADB-1579-4CB5-A5D8-2E248B0950CA}" dt="2023-12-04T05:20:59.061" v="2739"/>
+          <ac:spMkLst>
+            <pc:docMk/>
+            <pc:sldMk cId="558379904" sldId="281"/>
+            <ac:spMk id="12" creationId="{0D3F0D56-4484-5424-6C8D-C5DF336F365A}"/>
+          </ac:spMkLst>
+        </pc:spChg>
         <pc:picChg chg="mod">
-          <ac:chgData name="שיר וולץ" userId="aefb9a7725becb63" providerId="LiveId" clId="{5D952ADB-1579-4CB5-A5D8-2E248B0950CA}" dt="2023-12-03T19:56:03.944" v="1433" actId="1076"/>
+          <ac:chgData name="שיר וולץ" userId="aefb9a7725becb63" providerId="LiveId" clId="{5D952ADB-1579-4CB5-A5D8-2E248B0950CA}" dt="2023-12-04T05:02:10.474" v="2337" actId="1076"/>
           <ac:picMkLst>
             <pc:docMk/>
             <pc:sldMk cId="558379904" sldId="281"/>
@@ -692,7 +844,7 @@
           </ac:picMkLst>
         </pc:picChg>
         <pc:cxnChg chg="mod">
-          <ac:chgData name="שיר וולץ" userId="aefb9a7725becb63" providerId="LiveId" clId="{5D952ADB-1579-4CB5-A5D8-2E248B0950CA}" dt="2023-12-03T20:02:40.888" v="1674" actId="1076"/>
+          <ac:chgData name="שיר וולץ" userId="aefb9a7725becb63" providerId="LiveId" clId="{5D952ADB-1579-4CB5-A5D8-2E248B0950CA}" dt="2023-12-04T05:02:16.169" v="2339" actId="1076"/>
           <ac:cxnSpMkLst>
             <pc:docMk/>
             <pc:sldMk cId="558379904" sldId="281"/>
@@ -700,12 +852,20 @@
           </ac:cxnSpMkLst>
         </pc:cxnChg>
       </pc:sldChg>
-      <pc:sldChg chg="addSp modSp mod">
-        <pc:chgData name="שיר וולץ" userId="aefb9a7725becb63" providerId="LiveId" clId="{5D952ADB-1579-4CB5-A5D8-2E248B0950CA}" dt="2023-12-03T20:09:11.930" v="1770" actId="14100"/>
+      <pc:sldChg chg="addSp delSp modSp mod">
+        <pc:chgData name="שיר וולץ" userId="aefb9a7725becb63" providerId="LiveId" clId="{5D952ADB-1579-4CB5-A5D8-2E248B0950CA}" dt="2023-12-04T05:19:16.605" v="2736" actId="1076"/>
         <pc:sldMkLst>
           <pc:docMk/>
           <pc:sldMk cId="3560181366" sldId="282"/>
         </pc:sldMkLst>
+        <pc:spChg chg="del">
+          <ac:chgData name="שיר וולץ" userId="aefb9a7725becb63" providerId="LiveId" clId="{5D952ADB-1579-4CB5-A5D8-2E248B0950CA}" dt="2023-12-04T04:57:02.646" v="2292" actId="21"/>
+          <ac:spMkLst>
+            <pc:docMk/>
+            <pc:sldMk cId="3560181366" sldId="282"/>
+            <ac:spMk id="2" creationId="{00000000-0000-0000-0000-000000000000}"/>
+          </ac:spMkLst>
+        </pc:spChg>
         <pc:spChg chg="add mod">
           <ac:chgData name="שיר וולץ" userId="aefb9a7725becb63" providerId="LiveId" clId="{5D952ADB-1579-4CB5-A5D8-2E248B0950CA}" dt="2023-12-03T20:04:13.248" v="1749" actId="20577"/>
           <ac:spMkLst>
@@ -715,23 +875,55 @@
           </ac:spMkLst>
         </pc:spChg>
         <pc:spChg chg="mod">
-          <ac:chgData name="שיר וולץ" userId="aefb9a7725becb63" providerId="LiveId" clId="{5D952ADB-1579-4CB5-A5D8-2E248B0950CA}" dt="2023-12-02T18:52:49.598" v="287" actId="255"/>
+          <ac:chgData name="שיר וולץ" userId="aefb9a7725becb63" providerId="LiveId" clId="{5D952ADB-1579-4CB5-A5D8-2E248B0950CA}" dt="2023-12-04T04:58:44.250" v="2309" actId="1076"/>
           <ac:spMkLst>
             <pc:docMk/>
             <pc:sldMk cId="3560181366" sldId="282"/>
             <ac:spMk id="4" creationId="{18C13FE4-332D-2C92-6AF2-2F31660F39AF}"/>
           </ac:spMkLst>
         </pc:spChg>
+        <pc:spChg chg="add del mod">
+          <ac:chgData name="שיר וולץ" userId="aefb9a7725becb63" providerId="LiveId" clId="{5D952ADB-1579-4CB5-A5D8-2E248B0950CA}" dt="2023-12-04T04:57:06.475" v="2293" actId="21"/>
+          <ac:spMkLst>
+            <pc:docMk/>
+            <pc:sldMk cId="3560181366" sldId="282"/>
+            <ac:spMk id="7" creationId="{0D135FE6-3DD4-BF48-DB7F-65139E5A9B4C}"/>
+          </ac:spMkLst>
+        </pc:spChg>
         <pc:spChg chg="mod">
-          <ac:chgData name="שיר וולץ" userId="aefb9a7725becb63" providerId="LiveId" clId="{5D952ADB-1579-4CB5-A5D8-2E248B0950CA}" dt="2023-12-03T20:03:13.616" v="1678" actId="1076"/>
+          <ac:chgData name="שיר וולץ" userId="aefb9a7725becb63" providerId="LiveId" clId="{5D952ADB-1579-4CB5-A5D8-2E248B0950CA}" dt="2023-12-04T05:01:44.275" v="2334" actId="1076"/>
           <ac:spMkLst>
             <pc:docMk/>
             <pc:sldMk cId="3560181366" sldId="282"/>
             <ac:spMk id="9" creationId="{5F348188-86CF-27E6-C696-D57827BF0F69}"/>
           </ac:spMkLst>
         </pc:spChg>
+        <pc:spChg chg="add mod">
+          <ac:chgData name="שיר וולץ" userId="aefb9a7725becb63" providerId="LiveId" clId="{5D952ADB-1579-4CB5-A5D8-2E248B0950CA}" dt="2023-12-04T04:58:10.582" v="2306"/>
+          <ac:spMkLst>
+            <pc:docMk/>
+            <pc:sldMk cId="3560181366" sldId="282"/>
+            <ac:spMk id="10" creationId="{BCB4754F-9752-2D86-673D-63999EB1C4CD}"/>
+          </ac:spMkLst>
+        </pc:spChg>
+        <pc:spChg chg="add mod">
+          <ac:chgData name="שיר וולץ" userId="aefb9a7725becb63" providerId="LiveId" clId="{5D952ADB-1579-4CB5-A5D8-2E248B0950CA}" dt="2023-12-04T05:19:16.605" v="2736" actId="1076"/>
+          <ac:spMkLst>
+            <pc:docMk/>
+            <pc:sldMk cId="3560181366" sldId="282"/>
+            <ac:spMk id="12" creationId="{BE347A98-C766-F5AF-37CD-0E17BD720045}"/>
+          </ac:spMkLst>
+        </pc:spChg>
+        <pc:spChg chg="add del mod">
+          <ac:chgData name="שיר וולץ" userId="aefb9a7725becb63" providerId="LiveId" clId="{5D952ADB-1579-4CB5-A5D8-2E248B0950CA}" dt="2023-12-04T04:59:18.443" v="2316"/>
+          <ac:spMkLst>
+            <pc:docMk/>
+            <pc:sldMk cId="3560181366" sldId="282"/>
+            <ac:spMk id="13" creationId="{3A8943FB-D21E-5A9C-94EB-253A6FC07841}"/>
+          </ac:spMkLst>
+        </pc:spChg>
         <pc:picChg chg="mod">
-          <ac:chgData name="שיר וולץ" userId="aefb9a7725becb63" providerId="LiveId" clId="{5D952ADB-1579-4CB5-A5D8-2E248B0950CA}" dt="2023-12-03T20:09:11.930" v="1770" actId="14100"/>
+          <ac:chgData name="שיר וולץ" userId="aefb9a7725becb63" providerId="LiveId" clId="{5D952ADB-1579-4CB5-A5D8-2E248B0950CA}" dt="2023-12-04T05:01:22.312" v="2332" actId="14100"/>
           <ac:picMkLst>
             <pc:docMk/>
             <pc:sldMk cId="3560181366" sldId="282"/>
@@ -740,11 +932,19 @@
         </pc:picChg>
       </pc:sldChg>
       <pc:sldChg chg="addSp delSp modSp mod">
-        <pc:chgData name="שיר וולץ" userId="aefb9a7725becb63" providerId="LiveId" clId="{5D952ADB-1579-4CB5-A5D8-2E248B0950CA}" dt="2023-12-03T20:11:22.424" v="1821" actId="20577"/>
+        <pc:chgData name="שיר וולץ" userId="aefb9a7725becb63" providerId="LiveId" clId="{5D952ADB-1579-4CB5-A5D8-2E248B0950CA}" dt="2023-12-04T05:19:44.399" v="2738" actId="113"/>
         <pc:sldMkLst>
           <pc:docMk/>
           <pc:sldMk cId="2365412575" sldId="283"/>
         </pc:sldMkLst>
+        <pc:spChg chg="del">
+          <ac:chgData name="שיר וולץ" userId="aefb9a7725becb63" providerId="LiveId" clId="{5D952ADB-1579-4CB5-A5D8-2E248B0950CA}" dt="2023-12-04T04:57:29.550" v="2298" actId="21"/>
+          <ac:spMkLst>
+            <pc:docMk/>
+            <pc:sldMk cId="2365412575" sldId="283"/>
+            <ac:spMk id="2" creationId="{00000000-0000-0000-0000-000000000000}"/>
+          </ac:spMkLst>
+        </pc:spChg>
         <pc:spChg chg="add del mod">
           <ac:chgData name="שיר וולץ" userId="aefb9a7725becb63" providerId="LiveId" clId="{5D952ADB-1579-4CB5-A5D8-2E248B0950CA}" dt="2023-12-03T20:10:49.310" v="1793" actId="21"/>
           <ac:spMkLst>
@@ -754,7 +954,7 @@
           </ac:spMkLst>
         </pc:spChg>
         <pc:spChg chg="mod">
-          <ac:chgData name="שיר וולץ" userId="aefb9a7725becb63" providerId="LiveId" clId="{5D952ADB-1579-4CB5-A5D8-2E248B0950CA}" dt="2023-12-02T18:52:19.743" v="265" actId="20577"/>
+          <ac:chgData name="שיר וולץ" userId="aefb9a7725becb63" providerId="LiveId" clId="{5D952ADB-1579-4CB5-A5D8-2E248B0950CA}" dt="2023-12-04T05:03:49.106" v="2345" actId="1076"/>
           <ac:spMkLst>
             <pc:docMk/>
             <pc:sldMk cId="2365412575" sldId="283"/>
@@ -762,7 +962,7 @@
           </ac:spMkLst>
         </pc:spChg>
         <pc:spChg chg="add mod">
-          <ac:chgData name="שיר וולץ" userId="aefb9a7725becb63" providerId="LiveId" clId="{5D952ADB-1579-4CB5-A5D8-2E248B0950CA}" dt="2023-12-03T20:11:22.424" v="1821" actId="20577"/>
+          <ac:chgData name="שיר וולץ" userId="aefb9a7725becb63" providerId="LiveId" clId="{5D952ADB-1579-4CB5-A5D8-2E248B0950CA}" dt="2023-12-04T05:12:52.077" v="2688" actId="1076"/>
           <ac:spMkLst>
             <pc:docMk/>
             <pc:sldMk cId="2365412575" sldId="283"/>
@@ -770,15 +970,39 @@
           </ac:spMkLst>
         </pc:spChg>
         <pc:spChg chg="mod">
-          <ac:chgData name="שיר וולץ" userId="aefb9a7725becb63" providerId="LiveId" clId="{5D952ADB-1579-4CB5-A5D8-2E248B0950CA}" dt="2023-12-03T20:05:28.860" v="1760" actId="14100"/>
+          <ac:chgData name="שיר וולץ" userId="aefb9a7725becb63" providerId="LiveId" clId="{5D952ADB-1579-4CB5-A5D8-2E248B0950CA}" dt="2023-12-04T05:04:03.100" v="2349" actId="1076"/>
           <ac:spMkLst>
             <pc:docMk/>
             <pc:sldMk cId="2365412575" sldId="283"/>
             <ac:spMk id="9" creationId="{31C22BAA-1001-479E-9971-E279C3CE9891}"/>
           </ac:spMkLst>
         </pc:spChg>
+        <pc:spChg chg="add del mod">
+          <ac:chgData name="שיר וולץ" userId="aefb9a7725becb63" providerId="LiveId" clId="{5D952ADB-1579-4CB5-A5D8-2E248B0950CA}" dt="2023-12-04T04:57:32.779" v="2299" actId="21"/>
+          <ac:spMkLst>
+            <pc:docMk/>
+            <pc:sldMk cId="2365412575" sldId="283"/>
+            <ac:spMk id="10" creationId="{3005E538-ADBF-6371-DB43-9557A302CE83}"/>
+          </ac:spMkLst>
+        </pc:spChg>
+        <pc:spChg chg="add mod">
+          <ac:chgData name="שיר וולץ" userId="aefb9a7725becb63" providerId="LiveId" clId="{5D952ADB-1579-4CB5-A5D8-2E248B0950CA}" dt="2023-12-04T04:58:00.818" v="2304"/>
+          <ac:spMkLst>
+            <pc:docMk/>
+            <pc:sldMk cId="2365412575" sldId="283"/>
+            <ac:spMk id="11" creationId="{57C01C23-E27D-11FF-8E31-CFF0AEA0737C}"/>
+          </ac:spMkLst>
+        </pc:spChg>
+        <pc:spChg chg="add mod">
+          <ac:chgData name="שיר וולץ" userId="aefb9a7725becb63" providerId="LiveId" clId="{5D952ADB-1579-4CB5-A5D8-2E248B0950CA}" dt="2023-12-04T05:19:44.399" v="2738" actId="113"/>
+          <ac:spMkLst>
+            <pc:docMk/>
+            <pc:sldMk cId="2365412575" sldId="283"/>
+            <ac:spMk id="12" creationId="{5C28E680-F53A-EE64-71AF-B6A116724CA6}"/>
+          </ac:spMkLst>
+        </pc:spChg>
         <pc:picChg chg="mod">
-          <ac:chgData name="שיר וולץ" userId="aefb9a7725becb63" providerId="LiveId" clId="{5D952ADB-1579-4CB5-A5D8-2E248B0950CA}" dt="2023-12-03T20:05:36.377" v="1762" actId="14100"/>
+          <ac:chgData name="שיר וולץ" userId="aefb9a7725becb63" providerId="LiveId" clId="{5D952ADB-1579-4CB5-A5D8-2E248B0950CA}" dt="2023-12-04T05:03:58.582" v="2348" actId="1076"/>
           <ac:picMkLst>
             <pc:docMk/>
             <pc:sldMk cId="2365412575" sldId="283"/>
@@ -786,7 +1010,7 @@
           </ac:picMkLst>
         </pc:picChg>
         <pc:cxnChg chg="mod">
-          <ac:chgData name="שיר וולץ" userId="aefb9a7725becb63" providerId="LiveId" clId="{5D952ADB-1579-4CB5-A5D8-2E248B0950CA}" dt="2023-12-03T20:05:39.621" v="1763" actId="1076"/>
+          <ac:chgData name="שיר וולץ" userId="aefb9a7725becb63" providerId="LiveId" clId="{5D952ADB-1579-4CB5-A5D8-2E248B0950CA}" dt="2023-12-04T05:03:56.121" v="2347" actId="1076"/>
           <ac:cxnSpMkLst>
             <pc:docMk/>
             <pc:sldMk cId="2365412575" sldId="283"/>
@@ -795,17 +1019,33 @@
         </pc:cxnChg>
       </pc:sldChg>
       <pc:sldChg chg="addSp delSp modSp add del mod">
-        <pc:chgData name="שיר וולץ" userId="aefb9a7725becb63" providerId="LiveId" clId="{5D952ADB-1579-4CB5-A5D8-2E248B0950CA}" dt="2023-12-03T19:54:42.362" v="1428" actId="14100"/>
+        <pc:chgData name="שיר וולץ" userId="aefb9a7725becb63" providerId="LiveId" clId="{5D952ADB-1579-4CB5-A5D8-2E248B0950CA}" dt="2023-12-04T05:11:18.277" v="2665" actId="20577"/>
         <pc:sldMkLst>
           <pc:docMk/>
           <pc:sldMk cId="1438901795" sldId="284"/>
         </pc:sldMkLst>
+        <pc:spChg chg="del">
+          <ac:chgData name="שיר וולץ" userId="aefb9a7725becb63" providerId="LiveId" clId="{5D952ADB-1579-4CB5-A5D8-2E248B0950CA}" dt="2023-12-04T04:50:46.003" v="2199" actId="21"/>
+          <ac:spMkLst>
+            <pc:docMk/>
+            <pc:sldMk cId="1438901795" sldId="284"/>
+            <ac:spMk id="2" creationId="{00000000-0000-0000-0000-000000000000}"/>
+          </ac:spMkLst>
+        </pc:spChg>
         <pc:spChg chg="mod">
-          <ac:chgData name="שיר וולץ" userId="aefb9a7725becb63" providerId="LiveId" clId="{5D952ADB-1579-4CB5-A5D8-2E248B0950CA}" dt="2023-12-03T19:49:55.307" v="1414" actId="14100"/>
+          <ac:chgData name="שיר וולץ" userId="aefb9a7725becb63" providerId="LiveId" clId="{5D952ADB-1579-4CB5-A5D8-2E248B0950CA}" dt="2023-12-04T05:11:18.277" v="2665" actId="20577"/>
           <ac:spMkLst>
             <pc:docMk/>
             <pc:sldMk cId="1438901795" sldId="284"/>
             <ac:spMk id="4" creationId="{18C13FE4-332D-2C92-6AF2-2F31660F39AF}"/>
+          </ac:spMkLst>
+        </pc:spChg>
+        <pc:spChg chg="add del mod">
+          <ac:chgData name="שיר וולץ" userId="aefb9a7725becb63" providerId="LiveId" clId="{5D952ADB-1579-4CB5-A5D8-2E248B0950CA}" dt="2023-12-04T04:50:55.323" v="2200" actId="478"/>
+          <ac:spMkLst>
+            <pc:docMk/>
+            <pc:sldMk cId="1438901795" sldId="284"/>
+            <ac:spMk id="6" creationId="{4A276F39-D1D7-A93A-77F3-9AA0CCE82A22}"/>
           </ac:spMkLst>
         </pc:spChg>
         <pc:spChg chg="add mod">
@@ -814,6 +1054,14 @@
             <pc:docMk/>
             <pc:sldMk cId="1438901795" sldId="284"/>
             <ac:spMk id="7" creationId="{1C2154FF-CD4E-BDA0-2FAF-AB83A2757579}"/>
+          </ac:spMkLst>
+        </pc:spChg>
+        <pc:spChg chg="add mod">
+          <ac:chgData name="שיר וולץ" userId="aefb9a7725becb63" providerId="LiveId" clId="{5D952ADB-1579-4CB5-A5D8-2E248B0950CA}" dt="2023-12-04T04:50:57.754" v="2201"/>
+          <ac:spMkLst>
+            <pc:docMk/>
+            <pc:sldMk cId="1438901795" sldId="284"/>
+            <ac:spMk id="7" creationId="{E2AE8FBA-3FD7-5631-93E9-EA3774763C9C}"/>
           </ac:spMkLst>
         </pc:spChg>
         <pc:spChg chg="add mod">
@@ -897,7 +1145,7 @@
           </ac:picMkLst>
         </pc:picChg>
         <pc:picChg chg="add mod">
-          <ac:chgData name="שיר וולץ" userId="aefb9a7725becb63" providerId="LiveId" clId="{5D952ADB-1579-4CB5-A5D8-2E248B0950CA}" dt="2023-12-03T19:54:42.362" v="1428" actId="14100"/>
+          <ac:chgData name="שיר וולץ" userId="aefb9a7725becb63" providerId="LiveId" clId="{5D952ADB-1579-4CB5-A5D8-2E248B0950CA}" dt="2023-12-04T04:47:17.783" v="2181" actId="14100"/>
           <ac:picMkLst>
             <pc:docMk/>
             <pc:sldMk cId="1438901795" sldId="284"/>
@@ -905,7 +1153,7 @@
           </ac:picMkLst>
         </pc:picChg>
         <pc:picChg chg="add mod">
-          <ac:chgData name="שיר וולץ" userId="aefb9a7725becb63" providerId="LiveId" clId="{5D952ADB-1579-4CB5-A5D8-2E248B0950CA}" dt="2023-12-03T19:54:34.609" v="1426" actId="14100"/>
+          <ac:chgData name="שיר וולץ" userId="aefb9a7725becb63" providerId="LiveId" clId="{5D952ADB-1579-4CB5-A5D8-2E248B0950CA}" dt="2023-12-04T04:47:20.761" v="2182" actId="14100"/>
           <ac:picMkLst>
             <pc:docMk/>
             <pc:sldMk cId="1438901795" sldId="284"/>
@@ -969,14 +1217,22 @@
           </ac:picMkLst>
         </pc:picChg>
       </pc:sldChg>
-      <pc:sldChg chg="addSp modSp add mod">
-        <pc:chgData name="שיר וולץ" userId="aefb9a7725becb63" providerId="LiveId" clId="{5D952ADB-1579-4CB5-A5D8-2E248B0950CA}" dt="2023-12-03T19:48:52.462" v="1403" actId="123"/>
+      <pc:sldChg chg="addSp delSp modSp add mod">
+        <pc:chgData name="שיר וולץ" userId="aefb9a7725becb63" providerId="LiveId" clId="{5D952ADB-1579-4CB5-A5D8-2E248B0950CA}" dt="2023-12-04T05:17:54.344" v="2731" actId="20577"/>
         <pc:sldMkLst>
           <pc:docMk/>
           <pc:sldMk cId="4086002149" sldId="285"/>
         </pc:sldMkLst>
+        <pc:spChg chg="del mod">
+          <ac:chgData name="שיר וולץ" userId="aefb9a7725becb63" providerId="LiveId" clId="{5D952ADB-1579-4CB5-A5D8-2E248B0950CA}" dt="2023-12-04T04:51:19.257" v="2203" actId="478"/>
+          <ac:spMkLst>
+            <pc:docMk/>
+            <pc:sldMk cId="4086002149" sldId="285"/>
+            <ac:spMk id="2" creationId="{00000000-0000-0000-0000-000000000000}"/>
+          </ac:spMkLst>
+        </pc:spChg>
         <pc:spChg chg="mod">
-          <ac:chgData name="שיר וולץ" userId="aefb9a7725becb63" providerId="LiveId" clId="{5D952ADB-1579-4CB5-A5D8-2E248B0950CA}" dt="2023-12-03T19:48:52.462" v="1403" actId="123"/>
+          <ac:chgData name="שיר וולץ" userId="aefb9a7725becb63" providerId="LiveId" clId="{5D952ADB-1579-4CB5-A5D8-2E248B0950CA}" dt="2023-12-04T05:17:54.344" v="2731" actId="20577"/>
           <ac:spMkLst>
             <pc:docMk/>
             <pc:sldMk cId="4086002149" sldId="285"/>
@@ -991,6 +1247,14 @@
             <ac:spMk id="5" creationId="{6A87851E-57F1-0ADA-ECE1-00AC36696523}"/>
           </ac:spMkLst>
         </pc:spChg>
+        <pc:spChg chg="add del mod">
+          <ac:chgData name="שיר וולץ" userId="aefb9a7725becb63" providerId="LiveId" clId="{5D952ADB-1579-4CB5-A5D8-2E248B0950CA}" dt="2023-12-04T04:51:22.269" v="2204" actId="21"/>
+          <ac:spMkLst>
+            <pc:docMk/>
+            <pc:sldMk cId="4086002149" sldId="285"/>
+            <ac:spMk id="14" creationId="{66520059-52A5-8072-5D34-20070D4FBC7A}"/>
+          </ac:spMkLst>
+        </pc:spChg>
         <pc:spChg chg="mod">
           <ac:chgData name="שיר וולץ" userId="aefb9a7725becb63" providerId="LiveId" clId="{5D952ADB-1579-4CB5-A5D8-2E248B0950CA}" dt="2023-12-03T19:45:52.176" v="1169" actId="164"/>
           <ac:spMkLst>
@@ -999,12 +1263,36 @@
             <ac:spMk id="16" creationId="{7526EB05-B761-18A1-BE89-2AECE1DF1B63}"/>
           </ac:spMkLst>
         </pc:spChg>
+        <pc:spChg chg="add del mod">
+          <ac:chgData name="שיר וולץ" userId="aefb9a7725becb63" providerId="LiveId" clId="{5D952ADB-1579-4CB5-A5D8-2E248B0950CA}" dt="2023-12-04T04:51:27.226" v="2206" actId="21"/>
+          <ac:spMkLst>
+            <pc:docMk/>
+            <pc:sldMk cId="4086002149" sldId="285"/>
+            <ac:spMk id="20" creationId="{38032B81-88B6-FDD0-5F8A-AA79F9A7ED05}"/>
+          </ac:spMkLst>
+        </pc:spChg>
+        <pc:spChg chg="add mod">
+          <ac:chgData name="שיר וולץ" userId="aefb9a7725becb63" providerId="LiveId" clId="{5D952ADB-1579-4CB5-A5D8-2E248B0950CA}" dt="2023-12-04T04:51:35.846" v="2207"/>
+          <ac:spMkLst>
+            <pc:docMk/>
+            <pc:sldMk cId="4086002149" sldId="285"/>
+            <ac:spMk id="21" creationId="{9A7AEBF5-85D3-8C9E-A460-55CE01B3421A}"/>
+          </ac:spMkLst>
+        </pc:spChg>
         <pc:grpChg chg="add mod">
           <ac:chgData name="שיר וולץ" userId="aefb9a7725becb63" providerId="LiveId" clId="{5D952ADB-1579-4CB5-A5D8-2E248B0950CA}" dt="2023-12-03T19:45:52.176" v="1169" actId="164"/>
           <ac:grpSpMkLst>
             <pc:docMk/>
             <pc:sldMk cId="4086002149" sldId="285"/>
             <ac:grpSpMk id="3" creationId="{7A4811F4-1752-EA27-3589-B7E4DC344557}"/>
+          </ac:grpSpMkLst>
+        </pc:grpChg>
+        <pc:grpChg chg="mod">
+          <ac:chgData name="שיר וולץ" userId="aefb9a7725becb63" providerId="LiveId" clId="{5D952ADB-1579-4CB5-A5D8-2E248B0950CA}" dt="2023-12-04T05:09:08.420" v="2602" actId="14100"/>
+          <ac:grpSpMkLst>
+            <pc:docMk/>
+            <pc:sldMk cId="4086002149" sldId="285"/>
+            <ac:grpSpMk id="9" creationId="{D5B8A231-DCE6-615E-E769-ADDD5EEEC8E7}"/>
           </ac:grpSpMkLst>
         </pc:grpChg>
         <pc:picChg chg="mod">
@@ -1017,11 +1305,19 @@
         </pc:picChg>
       </pc:sldChg>
       <pc:sldChg chg="addSp delSp modSp add mod">
-        <pc:chgData name="שיר וולץ" userId="aefb9a7725becb63" providerId="LiveId" clId="{5D952ADB-1579-4CB5-A5D8-2E248B0950CA}" dt="2023-12-03T21:10:54.590" v="2158" actId="20577"/>
+        <pc:chgData name="שיר וולץ" userId="aefb9a7725becb63" providerId="LiveId" clId="{5D952ADB-1579-4CB5-A5D8-2E248B0950CA}" dt="2023-12-04T04:57:56.929" v="2303"/>
         <pc:sldMkLst>
           <pc:docMk/>
           <pc:sldMk cId="782542545" sldId="286"/>
         </pc:sldMkLst>
+        <pc:spChg chg="del">
+          <ac:chgData name="שיר וולץ" userId="aefb9a7725becb63" providerId="LiveId" clId="{5D952ADB-1579-4CB5-A5D8-2E248B0950CA}" dt="2023-12-04T04:57:43.450" v="2300" actId="21"/>
+          <ac:spMkLst>
+            <pc:docMk/>
+            <pc:sldMk cId="782542545" sldId="286"/>
+            <ac:spMk id="2" creationId="{00000000-0000-0000-0000-000000000000}"/>
+          </ac:spMkLst>
+        </pc:spChg>
         <pc:spChg chg="mod">
           <ac:chgData name="שיר וולץ" userId="aefb9a7725becb63" providerId="LiveId" clId="{5D952ADB-1579-4CB5-A5D8-2E248B0950CA}" dt="2023-12-03T21:10:54.590" v="2158" actId="20577"/>
           <ac:spMkLst>
@@ -1030,12 +1326,28 @@
             <ac:spMk id="4" creationId="{18C13FE4-332D-2C92-6AF2-2F31660F39AF}"/>
           </ac:spMkLst>
         </pc:spChg>
+        <pc:spChg chg="add del mod">
+          <ac:chgData name="שיר וולץ" userId="aefb9a7725becb63" providerId="LiveId" clId="{5D952ADB-1579-4CB5-A5D8-2E248B0950CA}" dt="2023-12-04T04:57:46.434" v="2301" actId="21"/>
+          <ac:spMkLst>
+            <pc:docMk/>
+            <pc:sldMk cId="782542545" sldId="286"/>
+            <ac:spMk id="7" creationId="{3B005BB6-7025-6BB5-5C12-30FAEF2358A8}"/>
+          </ac:spMkLst>
+        </pc:spChg>
         <pc:spChg chg="del">
           <ac:chgData name="שיר וולץ" userId="aefb9a7725becb63" providerId="LiveId" clId="{5D952ADB-1579-4CB5-A5D8-2E248B0950CA}" dt="2023-12-03T20:33:48.965" v="1976" actId="21"/>
           <ac:spMkLst>
             <pc:docMk/>
             <pc:sldMk cId="782542545" sldId="286"/>
             <ac:spMk id="9" creationId="{31C22BAA-1001-479E-9971-E279C3CE9891}"/>
+          </ac:spMkLst>
+        </pc:spChg>
+        <pc:spChg chg="add mod">
+          <ac:chgData name="שיר וולץ" userId="aefb9a7725becb63" providerId="LiveId" clId="{5D952ADB-1579-4CB5-A5D8-2E248B0950CA}" dt="2023-12-04T04:57:56.929" v="2303"/>
+          <ac:spMkLst>
+            <pc:docMk/>
+            <pc:sldMk cId="782542545" sldId="286"/>
+            <ac:spMk id="9" creationId="{3E5719DD-74E3-4FFC-110D-AA09F3AC549F}"/>
           </ac:spMkLst>
         </pc:spChg>
         <pc:spChg chg="del">
@@ -1174,7 +1486,7 @@
           <a:p>
             <a:fld id="{27F2CB4F-678B-4847-BCA7-E4F55087CAE7}" type="datetimeFigureOut">
               <a:rPr lang="en-IL" smtClean="0"/>
-              <a:t>12/03/2023</a:t>
+              <a:t>12/04/2023</a:t>
             </a:fld>
             <a:endParaRPr lang="en-IL"/>
           </a:p>
@@ -2833,7 +3145,7 @@
           <a:p>
             <a:fld id="{B7A24698-AE2D-43E6-BD25-8D09F11DD6B8}" type="datetimeFigureOut">
               <a:rPr lang="en-US" smtClean="0"/>
-              <a:t>12/3/2023</a:t>
+              <a:t>12/4/2023</a:t>
             </a:fld>
             <a:endParaRPr lang="en-US"/>
           </a:p>
@@ -3003,7 +3315,7 @@
           <a:p>
             <a:fld id="{B7A24698-AE2D-43E6-BD25-8D09F11DD6B8}" type="datetimeFigureOut">
               <a:rPr lang="en-US" smtClean="0"/>
-              <a:t>12/3/2023</a:t>
+              <a:t>12/4/2023</a:t>
             </a:fld>
             <a:endParaRPr lang="en-US"/>
           </a:p>
@@ -3183,7 +3495,7 @@
           <a:p>
             <a:fld id="{B7A24698-AE2D-43E6-BD25-8D09F11DD6B8}" type="datetimeFigureOut">
               <a:rPr lang="en-US" smtClean="0"/>
-              <a:t>12/3/2023</a:t>
+              <a:t>12/4/2023</a:t>
             </a:fld>
             <a:endParaRPr lang="en-US"/>
           </a:p>
@@ -3353,7 +3665,7 @@
           <a:p>
             <a:fld id="{B7A24698-AE2D-43E6-BD25-8D09F11DD6B8}" type="datetimeFigureOut">
               <a:rPr lang="en-US" smtClean="0"/>
-              <a:t>12/3/2023</a:t>
+              <a:t>12/4/2023</a:t>
             </a:fld>
             <a:endParaRPr lang="en-US"/>
           </a:p>
@@ -3599,7 +3911,7 @@
           <a:p>
             <a:fld id="{B7A24698-AE2D-43E6-BD25-8D09F11DD6B8}" type="datetimeFigureOut">
               <a:rPr lang="en-US" smtClean="0"/>
-              <a:t>12/3/2023</a:t>
+              <a:t>12/4/2023</a:t>
             </a:fld>
             <a:endParaRPr lang="en-US"/>
           </a:p>
@@ -3831,7 +4143,7 @@
           <a:p>
             <a:fld id="{B7A24698-AE2D-43E6-BD25-8D09F11DD6B8}" type="datetimeFigureOut">
               <a:rPr lang="en-US" smtClean="0"/>
-              <a:t>12/3/2023</a:t>
+              <a:t>12/4/2023</a:t>
             </a:fld>
             <a:endParaRPr lang="en-US"/>
           </a:p>
@@ -4198,7 +4510,7 @@
           <a:p>
             <a:fld id="{B7A24698-AE2D-43E6-BD25-8D09F11DD6B8}" type="datetimeFigureOut">
               <a:rPr lang="en-US" smtClean="0"/>
-              <a:t>12/3/2023</a:t>
+              <a:t>12/4/2023</a:t>
             </a:fld>
             <a:endParaRPr lang="en-US"/>
           </a:p>
@@ -4316,7 +4628,7 @@
           <a:p>
             <a:fld id="{B7A24698-AE2D-43E6-BD25-8D09F11DD6B8}" type="datetimeFigureOut">
               <a:rPr lang="en-US" smtClean="0"/>
-              <a:t>12/3/2023</a:t>
+              <a:t>12/4/2023</a:t>
             </a:fld>
             <a:endParaRPr lang="en-US"/>
           </a:p>
@@ -4411,7 +4723,7 @@
           <a:p>
             <a:fld id="{B7A24698-AE2D-43E6-BD25-8D09F11DD6B8}" type="datetimeFigureOut">
               <a:rPr lang="en-US" smtClean="0"/>
-              <a:t>12/3/2023</a:t>
+              <a:t>12/4/2023</a:t>
             </a:fld>
             <a:endParaRPr lang="en-US"/>
           </a:p>
@@ -4688,7 +5000,7 @@
           <a:p>
             <a:fld id="{B7A24698-AE2D-43E6-BD25-8D09F11DD6B8}" type="datetimeFigureOut">
               <a:rPr lang="en-US" smtClean="0"/>
-              <a:t>12/3/2023</a:t>
+              <a:t>12/4/2023</a:t>
             </a:fld>
             <a:endParaRPr lang="en-US"/>
           </a:p>
@@ -4941,7 +5253,7 @@
           <a:p>
             <a:fld id="{B7A24698-AE2D-43E6-BD25-8D09F11DD6B8}" type="datetimeFigureOut">
               <a:rPr lang="en-US" smtClean="0"/>
-              <a:t>12/3/2023</a:t>
+              <a:t>12/4/2023</a:t>
             </a:fld>
             <a:endParaRPr lang="en-US"/>
           </a:p>
@@ -5154,7 +5466,7 @@
           <a:p>
             <a:fld id="{B7A24698-AE2D-43E6-BD25-8D09F11DD6B8}" type="datetimeFigureOut">
               <a:rPr lang="en-US" smtClean="0"/>
-              <a:t>12/3/2023</a:t>
+              <a:t>12/4/2023</a:t>
             </a:fld>
             <a:endParaRPr lang="en-US"/>
           </a:p>
@@ -5740,38 +6052,6 @@
           <a:chExt cx="0" cy="0"/>
         </a:xfrm>
       </p:grpSpPr>
-      <p:sp>
-        <p:nvSpPr>
-          <p:cNvPr id="2" name="כותרת 1"/>
-          <p:cNvSpPr>
-            <a:spLocks noGrp="1"/>
-          </p:cNvSpPr>
-          <p:nvPr>
-            <p:ph type="title"/>
-          </p:nvPr>
-        </p:nvSpPr>
-        <p:spPr>
-          <a:xfrm>
-            <a:off x="1334812" y="748962"/>
-            <a:ext cx="3846787" cy="788916"/>
-          </a:xfrm>
-        </p:spPr>
-        <p:txBody>
-          <a:bodyPr>
-            <a:noAutofit/>
-          </a:bodyPr>
-          <a:lstStyle/>
-          <a:p>
-            <a:pPr algn="l" rtl="0"/>
-            <a:r>
-              <a:rPr lang="en-US" sz="5100" b="1" dirty="0">
-                <a:cs typeface="+mn-cs"/>
-              </a:rPr>
-              <a:t>Data Analysis:</a:t>
-            </a:r>
-          </a:p>
-        </p:txBody>
-      </p:sp>
       <p:pic>
         <p:nvPicPr>
           <p:cNvPr id="8" name="Picture 8" descr="File:Hebrew University Logo.svg - Wikimedia Commons"/>
@@ -6082,16 +6362,7 @@
               <a:rPr lang="en-US" sz="2800" b="1" dirty="0">
                 <a:cs typeface="+mn-cs"/>
               </a:rPr>
-              <a:t>The most common Number of Accommodates in Q1, Q2 is 6 and in Q3</a:t>
-            </a:r>
-          </a:p>
-          <a:p>
-            <a:pPr algn="just" rtl="0"/>
-            <a:r>
-              <a:rPr lang="en-US" sz="2800" b="1" dirty="0">
-                <a:cs typeface="+mn-cs"/>
-              </a:rPr>
-              <a:t>is 4 → Non-discriminative! </a:t>
+              <a:t>The most common Number of Accommodates in Q1, Q2 is 6, while in Q3 it is 4 → Non-Discriminative! </a:t>
             </a:r>
           </a:p>
           <a:p>
@@ -6513,6 +6784,44 @@
           </a:p>
         </p:txBody>
       </p:sp>
+      <p:sp>
+        <p:nvSpPr>
+          <p:cNvPr id="21" name="כותרת 1">
+            <a:extLst>
+              <a:ext uri="{FF2B5EF4-FFF2-40B4-BE49-F238E27FC236}">
+                <a16:creationId xmlns:a16="http://schemas.microsoft.com/office/drawing/2014/main" id="{9A7AEBF5-85D3-8C9E-A460-55CE01B3421A}"/>
+              </a:ext>
+            </a:extLst>
+          </p:cNvPr>
+          <p:cNvSpPr>
+            <a:spLocks noGrp="1"/>
+          </p:cNvSpPr>
+          <p:nvPr>
+            <p:ph type="title"/>
+          </p:nvPr>
+        </p:nvSpPr>
+        <p:spPr>
+          <a:xfrm>
+            <a:off x="1334812" y="748962"/>
+            <a:ext cx="5675588" cy="788916"/>
+          </a:xfrm>
+        </p:spPr>
+        <p:txBody>
+          <a:bodyPr>
+            <a:noAutofit/>
+          </a:bodyPr>
+          <a:lstStyle/>
+          <a:p>
+            <a:pPr algn="l" rtl="0"/>
+            <a:r>
+              <a:rPr lang="en-US" sz="5100" b="1" dirty="0">
+                <a:cs typeface="+mn-cs"/>
+              </a:rPr>
+              <a:t>Data Analysis (cont.):</a:t>
+            </a:r>
+          </a:p>
+        </p:txBody>
+      </p:sp>
     </p:spTree>
     <p:extLst>
       <p:ext uri="{BB962C8B-B14F-4D97-AF65-F5344CB8AC3E}">
@@ -6543,38 +6852,6 @@
           <a:chExt cx="0" cy="0"/>
         </a:xfrm>
       </p:grpSpPr>
-      <p:sp>
-        <p:nvSpPr>
-          <p:cNvPr id="2" name="כותרת 1"/>
-          <p:cNvSpPr>
-            <a:spLocks noGrp="1"/>
-          </p:cNvSpPr>
-          <p:nvPr>
-            <p:ph type="title"/>
-          </p:nvPr>
-        </p:nvSpPr>
-        <p:spPr>
-          <a:xfrm>
-            <a:off x="1334812" y="748962"/>
-            <a:ext cx="3846787" cy="788916"/>
-          </a:xfrm>
-        </p:spPr>
-        <p:txBody>
-          <a:bodyPr>
-            <a:noAutofit/>
-          </a:bodyPr>
-          <a:lstStyle/>
-          <a:p>
-            <a:pPr algn="l" rtl="0"/>
-            <a:r>
-              <a:rPr lang="en-US" sz="5100" b="1" dirty="0">
-                <a:cs typeface="+mn-cs"/>
-              </a:rPr>
-              <a:t>Data Analysis:</a:t>
-            </a:r>
-          </a:p>
-        </p:txBody>
-      </p:sp>
       <p:pic>
         <p:nvPicPr>
           <p:cNvPr id="8" name="Picture 8" descr="File:Hebrew University Logo.svg - Wikimedia Commons"/>
@@ -6905,14 +7182,14 @@
           <p:nvPr>
             <p:extLst>
               <p:ext uri="{D42A27DB-BD31-4B8C-83A1-F6EECF244321}">
-                <p14:modId xmlns:p14="http://schemas.microsoft.com/office/powerpoint/2010/main" val="3538800812"/>
+                <p14:modId xmlns:p14="http://schemas.microsoft.com/office/powerpoint/2010/main" val="3093317750"/>
               </p:ext>
             </p:extLst>
           </p:nvPr>
         </p:nvGraphicFramePr>
         <p:xfrm>
-          <a:off x="2401616" y="2702799"/>
-          <a:ext cx="8881240" cy="2984676"/>
+          <a:off x="1421526" y="2527130"/>
+          <a:ext cx="6616261" cy="2893160"/>
         </p:xfrm>
         <a:graphic>
           <a:graphicData uri="http://schemas.openxmlformats.org/drawingml/2006/table">
@@ -6921,35 +7198,35 @@
                 <a:tableStyleId>{5C22544A-7EE6-4342-B048-85BDC9FD1C3A}</a:tableStyleId>
               </a:tblPr>
               <a:tblGrid>
-                <a:gridCol w="1618594">
+                <a:gridCol w="1487449">
                   <a:extLst>
                     <a:ext uri="{9D8B030D-6E8A-4147-A177-3AD203B41FA5}">
                       <a16:colId xmlns:a16="http://schemas.microsoft.com/office/drawing/2014/main" val="3926741695"/>
                     </a:ext>
                   </a:extLst>
                 </a:gridCol>
-                <a:gridCol w="1755228">
+                <a:gridCol w="1239984">
                   <a:extLst>
                     <a:ext uri="{9D8B030D-6E8A-4147-A177-3AD203B41FA5}">
                       <a16:colId xmlns:a16="http://schemas.microsoft.com/office/drawing/2014/main" val="4273390761"/>
                     </a:ext>
                   </a:extLst>
                 </a:gridCol>
-                <a:gridCol w="1891862">
+                <a:gridCol w="1229711">
                   <a:extLst>
                     <a:ext uri="{9D8B030D-6E8A-4147-A177-3AD203B41FA5}">
                       <a16:colId xmlns:a16="http://schemas.microsoft.com/office/drawing/2014/main" val="851118952"/>
                     </a:ext>
                   </a:extLst>
                 </a:gridCol>
-                <a:gridCol w="1797269">
+                <a:gridCol w="1220143">
                   <a:extLst>
                     <a:ext uri="{9D8B030D-6E8A-4147-A177-3AD203B41FA5}">
                       <a16:colId xmlns:a16="http://schemas.microsoft.com/office/drawing/2014/main" val="899351367"/>
                     </a:ext>
                   </a:extLst>
                 </a:gridCol>
-                <a:gridCol w="1818287">
+                <a:gridCol w="1438974">
                   <a:extLst>
                     <a:ext uri="{9D8B030D-6E8A-4147-A177-3AD203B41FA5}">
                       <a16:colId xmlns:a16="http://schemas.microsoft.com/office/drawing/2014/main" val="2416177908"/>
@@ -6957,14 +7234,14 @@
                   </a:extLst>
                 </a:gridCol>
               </a:tblGrid>
-              <a:tr h="586149">
+              <a:tr h="570252">
                 <a:tc>
                   <a:txBody>
                     <a:bodyPr/>
                     <a:lstStyle/>
                     <a:p>
                       <a:pPr algn="ctr"/>
-                      <a:endParaRPr lang="en-US" dirty="0"/>
+                      <a:endParaRPr lang="en-US" sz="1600" dirty="0"/>
                     </a:p>
                   </a:txBody>
                   <a:tcPr anchor="ctr"/>
@@ -6976,7 +7253,7 @@
                     <a:p>
                       <a:pPr algn="ctr" rtl="0"/>
                       <a:r>
-                        <a:rPr lang="en-US" sz="3600" dirty="0"/>
+                        <a:rPr lang="en-US" sz="1600" dirty="0"/>
                         <a:t>Q1</a:t>
                       </a:r>
                     </a:p>
@@ -6990,7 +7267,7 @@
                     <a:p>
                       <a:pPr algn="ctr" rtl="0"/>
                       <a:r>
-                        <a:rPr lang="en-US" sz="3600" dirty="0"/>
+                        <a:rPr lang="en-US" sz="1600" dirty="0"/>
                         <a:t>Q2</a:t>
                       </a:r>
                     </a:p>
@@ -7004,7 +7281,7 @@
                     <a:p>
                       <a:pPr algn="ctr" rtl="0"/>
                       <a:r>
-                        <a:rPr lang="en-US" sz="3600" dirty="0"/>
+                        <a:rPr lang="en-US" sz="1600" dirty="0"/>
                         <a:t>Q3</a:t>
                       </a:r>
                     </a:p>
@@ -7018,7 +7295,7 @@
                     <a:p>
                       <a:pPr algn="ctr" rtl="0"/>
                       <a:r>
-                        <a:rPr lang="en-US" sz="3600" dirty="0"/>
+                        <a:rPr lang="en-US" sz="1600" dirty="0"/>
                         <a:t>Q4</a:t>
                       </a:r>
                     </a:p>
@@ -7031,7 +7308,7 @@
                   </a:ext>
                 </a:extLst>
               </a:tr>
-              <a:tr h="586149">
+              <a:tr h="591202">
                 <a:tc>
                   <a:txBody>
                     <a:bodyPr/>
@@ -7039,7 +7316,7 @@
                     <a:p>
                       <a:pPr algn="l" rtl="0"/>
                       <a:r>
-                        <a:rPr lang="en-US" dirty="0"/>
+                        <a:rPr lang="en-US" sz="1600" dirty="0"/>
                         <a:t>Property Type</a:t>
                       </a:r>
                     </a:p>
@@ -7053,7 +7330,7 @@
                     <a:p>
                       <a:pPr algn="ctr" rtl="0"/>
                       <a:r>
-                        <a:rPr lang="en-US" dirty="0"/>
+                        <a:rPr lang="en-US" sz="1600" dirty="0"/>
                         <a:t>Entire home</a:t>
                       </a:r>
                     </a:p>
@@ -7067,7 +7344,7 @@
                     <a:p>
                       <a:pPr algn="ctr" rtl="0"/>
                       <a:r>
-                        <a:rPr lang="en-US" dirty="0"/>
+                        <a:rPr lang="en-US" sz="1600" dirty="0"/>
                         <a:t>Entire home</a:t>
                       </a:r>
                     </a:p>
@@ -7081,7 +7358,7 @@
                     <a:p>
                       <a:pPr algn="ctr" rtl="0"/>
                       <a:r>
-                        <a:rPr lang="en-US" dirty="0"/>
+                        <a:rPr lang="en-US" sz="1600" dirty="0"/>
                         <a:t>Entire home</a:t>
                       </a:r>
                     </a:p>
@@ -7095,7 +7372,7 @@
                     <a:p>
                       <a:pPr algn="ctr" rtl="0"/>
                       <a:r>
-                        <a:rPr lang="en-US" dirty="0">
+                        <a:rPr lang="en-US" sz="1600" dirty="0">
                           <a:solidFill>
                             <a:srgbClr val="FF0000"/>
                           </a:solidFill>
@@ -7112,7 +7389,7 @@
                   </a:ext>
                 </a:extLst>
               </a:tr>
-              <a:tr h="586149">
+              <a:tr h="591202">
                 <a:tc>
                   <a:txBody>
                     <a:bodyPr/>
@@ -7120,7 +7397,7 @@
                     <a:p>
                       <a:pPr algn="l" rtl="0"/>
                       <a:r>
-                        <a:rPr lang="en-US" dirty="0"/>
+                        <a:rPr lang="en-US" sz="1600" dirty="0"/>
                         <a:t>Room Type</a:t>
                       </a:r>
                     </a:p>
@@ -7134,7 +7411,7 @@
                     <a:p>
                       <a:pPr algn="ctr" rtl="0"/>
                       <a:r>
-                        <a:rPr lang="en-US" dirty="0"/>
+                        <a:rPr lang="en-US" sz="1600" dirty="0"/>
                         <a:t>Entire home/apt</a:t>
                       </a:r>
                     </a:p>
@@ -7164,7 +7441,7 @@
                         <a:defRPr/>
                       </a:pPr>
                       <a:r>
-                        <a:rPr lang="en-US" dirty="0"/>
+                        <a:rPr lang="en-US" sz="1600" dirty="0"/>
                         <a:t>Entire home/apt</a:t>
                       </a:r>
                     </a:p>
@@ -7194,7 +7471,7 @@
                         <a:defRPr/>
                       </a:pPr>
                       <a:r>
-                        <a:rPr lang="en-US" dirty="0"/>
+                        <a:rPr lang="en-US" sz="1600" dirty="0"/>
                         <a:t>Entire home/apt</a:t>
                       </a:r>
                     </a:p>
@@ -7207,7 +7484,7 @@
                     <a:lstStyle/>
                     <a:p>
                       <a:pPr algn="ctr" rtl="0"/>
-                      <a:endParaRPr lang="en-US" dirty="0"/>
+                      <a:endParaRPr lang="en-US" sz="1600" dirty="0"/>
                     </a:p>
                   </a:txBody>
                   <a:tcPr anchor="ctr"/>
@@ -7218,7 +7495,7 @@
                   </a:ext>
                 </a:extLst>
               </a:tr>
-              <a:tr h="586149">
+              <a:tr h="570252">
                 <a:tc>
                   <a:txBody>
                     <a:bodyPr/>
@@ -7242,7 +7519,7 @@
                         <a:defRPr/>
                       </a:pPr>
                       <a:r>
-                        <a:rPr lang="en-US" dirty="0"/>
+                        <a:rPr lang="en-US" sz="1600" dirty="0"/>
                         <a:t>Neighborhood</a:t>
                       </a:r>
                     </a:p>
@@ -7256,7 +7533,7 @@
                     <a:p>
                       <a:pPr algn="ctr" rtl="0"/>
                       <a:r>
-                        <a:rPr lang="en-US" dirty="0"/>
+                        <a:rPr lang="en-US" sz="1600" dirty="0"/>
                         <a:t>Seattle</a:t>
                       </a:r>
                     </a:p>
@@ -7286,7 +7563,7 @@
                         <a:defRPr/>
                       </a:pPr>
                       <a:r>
-                        <a:rPr lang="en-US" dirty="0"/>
+                        <a:rPr lang="en-US" sz="1600" dirty="0"/>
                         <a:t>Seattle</a:t>
                       </a:r>
                     </a:p>
@@ -7316,7 +7593,7 @@
                         <a:defRPr/>
                       </a:pPr>
                       <a:r>
-                        <a:rPr lang="en-US" dirty="0"/>
+                        <a:rPr lang="en-US" sz="1600" dirty="0"/>
                         <a:t>Seattle</a:t>
                       </a:r>
                     </a:p>
@@ -7329,7 +7606,7 @@
                     <a:lstStyle/>
                     <a:p>
                       <a:pPr algn="ctr" rtl="0"/>
-                      <a:endParaRPr lang="en-US" dirty="0"/>
+                      <a:endParaRPr lang="en-US" sz="1600" dirty="0"/>
                     </a:p>
                   </a:txBody>
                   <a:tcPr anchor="ctr"/>
@@ -7340,7 +7617,7 @@
                   </a:ext>
                 </a:extLst>
               </a:tr>
-              <a:tr h="586149">
+              <a:tr h="570252">
                 <a:tc>
                   <a:txBody>
                     <a:bodyPr/>
@@ -7348,7 +7625,7 @@
                     <a:p>
                       <a:pPr algn="l" rtl="0"/>
                       <a:r>
-                        <a:rPr lang="en-US" dirty="0"/>
+                        <a:rPr lang="en-US" sz="1600" dirty="0"/>
                         <a:t>Accommodates</a:t>
                       </a:r>
                     </a:p>
@@ -7362,7 +7639,7 @@
                     <a:p>
                       <a:pPr algn="ctr" rtl="0"/>
                       <a:r>
-                        <a:rPr lang="en-US" dirty="0"/>
+                        <a:rPr lang="en-US" sz="1600" dirty="0"/>
                         <a:t>6</a:t>
                       </a:r>
                     </a:p>
@@ -7376,7 +7653,7 @@
                     <a:p>
                       <a:pPr algn="ctr" rtl="0"/>
                       <a:r>
-                        <a:rPr lang="en-US" dirty="0"/>
+                        <a:rPr lang="en-US" sz="1600" dirty="0"/>
                         <a:t>6</a:t>
                       </a:r>
                     </a:p>
@@ -7390,7 +7667,7 @@
                     <a:p>
                       <a:pPr algn="ctr" rtl="0"/>
                       <a:r>
-                        <a:rPr lang="en-US" dirty="0">
+                        <a:rPr lang="en-US" sz="1600" dirty="0">
                           <a:solidFill>
                             <a:srgbClr val="FF0000"/>
                           </a:solidFill>
@@ -7407,7 +7684,7 @@
                     <a:lstStyle/>
                     <a:p>
                       <a:pPr algn="ctr" rtl="0"/>
-                      <a:endParaRPr lang="en-US" dirty="0"/>
+                      <a:endParaRPr lang="en-US" sz="1600" dirty="0"/>
                     </a:p>
                   </a:txBody>
                   <a:tcPr anchor="ctr"/>
@@ -7422,6 +7699,98 @@
           </a:graphicData>
         </a:graphic>
       </p:graphicFrame>
+      <p:sp>
+        <p:nvSpPr>
+          <p:cNvPr id="9" name="כותרת 1">
+            <a:extLst>
+              <a:ext uri="{FF2B5EF4-FFF2-40B4-BE49-F238E27FC236}">
+                <a16:creationId xmlns:a16="http://schemas.microsoft.com/office/drawing/2014/main" id="{405461D4-906E-A76C-6FC2-ACAB5DF5D8FC}"/>
+              </a:ext>
+            </a:extLst>
+          </p:cNvPr>
+          <p:cNvSpPr>
+            <a:spLocks noGrp="1"/>
+          </p:cNvSpPr>
+          <p:nvPr>
+            <p:ph type="title"/>
+          </p:nvPr>
+        </p:nvSpPr>
+        <p:spPr>
+          <a:xfrm>
+            <a:off x="1334812" y="748962"/>
+            <a:ext cx="5675588" cy="788916"/>
+          </a:xfrm>
+        </p:spPr>
+        <p:txBody>
+          <a:bodyPr>
+            <a:noAutofit/>
+          </a:bodyPr>
+          <a:lstStyle/>
+          <a:p>
+            <a:pPr algn="l" rtl="0"/>
+            <a:r>
+              <a:rPr lang="en-US" sz="5100" b="1" dirty="0">
+                <a:cs typeface="+mn-cs"/>
+              </a:rPr>
+              <a:t>Data Analysis (cont.):</a:t>
+            </a:r>
+          </a:p>
+        </p:txBody>
+      </p:sp>
+      <p:sp>
+        <p:nvSpPr>
+          <p:cNvPr id="10" name="TextBox 9">
+            <a:extLst>
+              <a:ext uri="{FF2B5EF4-FFF2-40B4-BE49-F238E27FC236}">
+                <a16:creationId xmlns:a16="http://schemas.microsoft.com/office/drawing/2014/main" id="{497EF5A8-F681-4900-8149-AAE8B6098941}"/>
+              </a:ext>
+            </a:extLst>
+          </p:cNvPr>
+          <p:cNvSpPr txBox="1"/>
+          <p:nvPr/>
+        </p:nvSpPr>
+        <p:spPr>
+          <a:xfrm>
+            <a:off x="8470024" y="2819548"/>
+            <a:ext cx="2659117" cy="2308324"/>
+          </a:xfrm>
+          <a:prstGeom prst="rect">
+            <a:avLst/>
+          </a:prstGeom>
+          <a:noFill/>
+          <a:ln w="38100">
+            <a:solidFill>
+              <a:srgbClr val="00B0F0"/>
+            </a:solidFill>
+          </a:ln>
+        </p:spPr>
+        <p:txBody>
+          <a:bodyPr wrap="square" rtlCol="0">
+            <a:spAutoFit/>
+          </a:bodyPr>
+          <a:lstStyle/>
+          <a:p>
+            <a:pPr algn="just" rtl="0"/>
+            <a:r>
+              <a:rPr lang="en-US" u="sng" dirty="0"/>
+              <a:t>Conclusion</a:t>
+            </a:r>
+            <a:r>
+              <a:rPr lang="en-US" dirty="0"/>
+              <a:t>:</a:t>
+            </a:r>
+          </a:p>
+          <a:p>
+            <a:pPr algn="just" rtl="0"/>
+            <a:r>
+              <a:rPr lang="en-US" sz="1800" dirty="0">
+                <a:cs typeface="+mn-cs"/>
+              </a:rPr>
+              <a:t>Trial to specify the TOP 25% (Q1) of the filtered properties according to their Forecasted Revenue in the Coming Year resulted in a Non-Discriminative outcome.  </a:t>
+            </a:r>
+          </a:p>
+        </p:txBody>
+      </p:sp>
     </p:spTree>
     <p:extLst>
       <p:ext uri="{BB962C8B-B14F-4D97-AF65-F5344CB8AC3E}">
@@ -7452,38 +7821,6 @@
           <a:chExt cx="0" cy="0"/>
         </a:xfrm>
       </p:grpSpPr>
-      <p:sp>
-        <p:nvSpPr>
-          <p:cNvPr id="2" name="כותרת 1"/>
-          <p:cNvSpPr>
-            <a:spLocks noGrp="1"/>
-          </p:cNvSpPr>
-          <p:nvPr>
-            <p:ph type="title"/>
-          </p:nvPr>
-        </p:nvSpPr>
-        <p:spPr>
-          <a:xfrm>
-            <a:off x="1334812" y="748962"/>
-            <a:ext cx="3846787" cy="788916"/>
-          </a:xfrm>
-        </p:spPr>
-        <p:txBody>
-          <a:bodyPr>
-            <a:noAutofit/>
-          </a:bodyPr>
-          <a:lstStyle/>
-          <a:p>
-            <a:pPr algn="l" rtl="0"/>
-            <a:r>
-              <a:rPr lang="en-US" sz="5100" b="1" dirty="0">
-                <a:cs typeface="+mn-cs"/>
-              </a:rPr>
-              <a:t>Data Analysis:</a:t>
-            </a:r>
-          </a:p>
-        </p:txBody>
-      </p:sp>
       <p:pic>
         <p:nvPicPr>
           <p:cNvPr id="8" name="Picture 8" descr="File:Hebrew University Logo.svg - Wikimedia Commons"/>
@@ -8092,6 +8429,44 @@
           </a:fontRef>
         </p:style>
       </p:cxnSp>
+      <p:sp>
+        <p:nvSpPr>
+          <p:cNvPr id="11" name="כותרת 1">
+            <a:extLst>
+              <a:ext uri="{FF2B5EF4-FFF2-40B4-BE49-F238E27FC236}">
+                <a16:creationId xmlns:a16="http://schemas.microsoft.com/office/drawing/2014/main" id="{AA02AF61-A24D-E693-6AA2-708C1E6EB3A5}"/>
+              </a:ext>
+            </a:extLst>
+          </p:cNvPr>
+          <p:cNvSpPr>
+            <a:spLocks noGrp="1"/>
+          </p:cNvSpPr>
+          <p:nvPr>
+            <p:ph type="title"/>
+          </p:nvPr>
+        </p:nvSpPr>
+        <p:spPr>
+          <a:xfrm>
+            <a:off x="1334812" y="748962"/>
+            <a:ext cx="5675588" cy="788916"/>
+          </a:xfrm>
+        </p:spPr>
+        <p:txBody>
+          <a:bodyPr>
+            <a:noAutofit/>
+          </a:bodyPr>
+          <a:lstStyle/>
+          <a:p>
+            <a:pPr algn="l" rtl="0"/>
+            <a:r>
+              <a:rPr lang="en-US" sz="5100" b="1" dirty="0">
+                <a:cs typeface="+mn-cs"/>
+              </a:rPr>
+              <a:t>Data Analysis (cont.):</a:t>
+            </a:r>
+          </a:p>
+        </p:txBody>
+      </p:sp>
     </p:spTree>
     <p:extLst>
       <p:ext uri="{BB962C8B-B14F-4D97-AF65-F5344CB8AC3E}">
@@ -8122,38 +8497,6 @@
           <a:chExt cx="0" cy="0"/>
         </a:xfrm>
       </p:grpSpPr>
-      <p:sp>
-        <p:nvSpPr>
-          <p:cNvPr id="2" name="כותרת 1"/>
-          <p:cNvSpPr>
-            <a:spLocks noGrp="1"/>
-          </p:cNvSpPr>
-          <p:nvPr>
-            <p:ph type="title"/>
-          </p:nvPr>
-        </p:nvSpPr>
-        <p:spPr>
-          <a:xfrm>
-            <a:off x="1334812" y="748962"/>
-            <a:ext cx="3846787" cy="788916"/>
-          </a:xfrm>
-        </p:spPr>
-        <p:txBody>
-          <a:bodyPr>
-            <a:noAutofit/>
-          </a:bodyPr>
-          <a:lstStyle/>
-          <a:p>
-            <a:pPr algn="l" rtl="0"/>
-            <a:r>
-              <a:rPr lang="en-US" sz="5100" b="1" dirty="0">
-                <a:cs typeface="+mn-cs"/>
-              </a:rPr>
-              <a:t>Data Analysis:</a:t>
-            </a:r>
-          </a:p>
-        </p:txBody>
-      </p:sp>
       <p:pic>
         <p:nvPicPr>
           <p:cNvPr id="8" name="Picture 8" descr="File:Hebrew University Logo.svg - Wikimedia Commons"/>
@@ -8508,6 +8851,44 @@
           </a:prstGeom>
         </p:spPr>
       </p:pic>
+      <p:sp>
+        <p:nvSpPr>
+          <p:cNvPr id="9" name="כותרת 1">
+            <a:extLst>
+              <a:ext uri="{FF2B5EF4-FFF2-40B4-BE49-F238E27FC236}">
+                <a16:creationId xmlns:a16="http://schemas.microsoft.com/office/drawing/2014/main" id="{3E5719DD-74E3-4FFC-110D-AA09F3AC549F}"/>
+              </a:ext>
+            </a:extLst>
+          </p:cNvPr>
+          <p:cNvSpPr>
+            <a:spLocks noGrp="1"/>
+          </p:cNvSpPr>
+          <p:nvPr>
+            <p:ph type="title"/>
+          </p:nvPr>
+        </p:nvSpPr>
+        <p:spPr>
+          <a:xfrm>
+            <a:off x="1334812" y="748962"/>
+            <a:ext cx="5675588" cy="788916"/>
+          </a:xfrm>
+        </p:spPr>
+        <p:txBody>
+          <a:bodyPr>
+            <a:noAutofit/>
+          </a:bodyPr>
+          <a:lstStyle/>
+          <a:p>
+            <a:pPr algn="l" rtl="0"/>
+            <a:r>
+              <a:rPr lang="en-US" sz="5100" b="1" dirty="0">
+                <a:cs typeface="+mn-cs"/>
+              </a:rPr>
+              <a:t>Data Analysis (cont.):</a:t>
+            </a:r>
+          </a:p>
+        </p:txBody>
+      </p:sp>
     </p:spTree>
     <p:extLst>
       <p:ext uri="{BB962C8B-B14F-4D97-AF65-F5344CB8AC3E}">
@@ -8538,38 +8919,6 @@
           <a:chExt cx="0" cy="0"/>
         </a:xfrm>
       </p:grpSpPr>
-      <p:sp>
-        <p:nvSpPr>
-          <p:cNvPr id="2" name="כותרת 1"/>
-          <p:cNvSpPr>
-            <a:spLocks noGrp="1"/>
-          </p:cNvSpPr>
-          <p:nvPr>
-            <p:ph type="title"/>
-          </p:nvPr>
-        </p:nvSpPr>
-        <p:spPr>
-          <a:xfrm>
-            <a:off x="1334812" y="748962"/>
-            <a:ext cx="3846787" cy="788916"/>
-          </a:xfrm>
-        </p:spPr>
-        <p:txBody>
-          <a:bodyPr>
-            <a:noAutofit/>
-          </a:bodyPr>
-          <a:lstStyle/>
-          <a:p>
-            <a:pPr algn="l" rtl="0"/>
-            <a:r>
-              <a:rPr lang="en-US" sz="5100" b="1" dirty="0">
-                <a:cs typeface="+mn-cs"/>
-              </a:rPr>
-              <a:t>Data Analysis:</a:t>
-            </a:r>
-          </a:p>
-        </p:txBody>
-      </p:sp>
       <p:pic>
         <p:nvPicPr>
           <p:cNvPr id="8" name="Picture 8" descr="File:Hebrew University Logo.svg - Wikimedia Commons"/>
@@ -8835,7 +9184,7 @@
         </p:nvSpPr>
         <p:spPr>
           <a:xfrm>
-            <a:off x="1334812" y="1782547"/>
+            <a:off x="1334812" y="1641978"/>
             <a:ext cx="10131974" cy="788916"/>
           </a:xfrm>
           <a:prstGeom prst="rect">
@@ -8881,21 +9230,6 @@
                 <a:cs typeface="+mn-cs"/>
               </a:rPr>
               <a:t>Analyzing the entire filtered Properties’ population (outliers’ removal)</a:t>
-            </a:r>
-          </a:p>
-          <a:p>
-            <a:pPr algn="l" rtl="0"/>
-            <a:r>
-              <a:rPr lang="en-US" sz="2800" b="1" u="sng" dirty="0">
-                <a:cs typeface="+mn-cs"/>
-              </a:rPr>
-              <a:t>Remark</a:t>
-            </a:r>
-            <a:r>
-              <a:rPr lang="en-US" sz="2800" b="1" dirty="0">
-                <a:cs typeface="+mn-cs"/>
-              </a:rPr>
-              <a:t>: The depended variable on the x-axis for convenience </a:t>
             </a:r>
           </a:p>
         </p:txBody>
@@ -8929,7 +9263,7 @@
         </p:blipFill>
         <p:spPr bwMode="auto">
           <a:xfrm>
-            <a:off x="1537796" y="2890345"/>
+            <a:off x="1537796" y="2571028"/>
             <a:ext cx="6271390" cy="3425526"/>
           </a:xfrm>
           <a:prstGeom prst="rect">
@@ -8961,7 +9295,7 @@
         </p:nvSpPr>
         <p:spPr>
           <a:xfrm>
-            <a:off x="1537796" y="3809248"/>
+            <a:off x="1537796" y="3625167"/>
             <a:ext cx="301514" cy="1219200"/>
           </a:xfrm>
           <a:prstGeom prst="ellipse">
@@ -9015,7 +9349,7 @@
         </p:nvCxnSpPr>
         <p:spPr>
           <a:xfrm flipV="1">
-            <a:off x="3181348" y="5901743"/>
+            <a:off x="3149817" y="5512861"/>
             <a:ext cx="119368" cy="311402"/>
           </a:xfrm>
           <a:prstGeom prst="straightConnector1">
@@ -9060,7 +9394,7 @@
         </p:nvSpPr>
         <p:spPr>
           <a:xfrm>
-            <a:off x="8313683" y="3090041"/>
+            <a:off x="8198071" y="3102686"/>
             <a:ext cx="2659117" cy="1754326"/>
           </a:xfrm>
           <a:prstGeom prst="rect">
@@ -9102,6 +9436,94 @@
             <a:r>
               <a:rPr lang="en-US" dirty="0"/>
               <a:t>. </a:t>
+            </a:r>
+          </a:p>
+        </p:txBody>
+      </p:sp>
+      <p:sp>
+        <p:nvSpPr>
+          <p:cNvPr id="11" name="כותרת 1">
+            <a:extLst>
+              <a:ext uri="{FF2B5EF4-FFF2-40B4-BE49-F238E27FC236}">
+                <a16:creationId xmlns:a16="http://schemas.microsoft.com/office/drawing/2014/main" id="{57C01C23-E27D-11FF-8E31-CFF0AEA0737C}"/>
+              </a:ext>
+            </a:extLst>
+          </p:cNvPr>
+          <p:cNvSpPr>
+            <a:spLocks noGrp="1"/>
+          </p:cNvSpPr>
+          <p:nvPr>
+            <p:ph type="title"/>
+          </p:nvPr>
+        </p:nvSpPr>
+        <p:spPr>
+          <a:xfrm>
+            <a:off x="1334812" y="748962"/>
+            <a:ext cx="5675588" cy="788916"/>
+          </a:xfrm>
+        </p:spPr>
+        <p:txBody>
+          <a:bodyPr>
+            <a:noAutofit/>
+          </a:bodyPr>
+          <a:lstStyle/>
+          <a:p>
+            <a:pPr algn="l" rtl="0"/>
+            <a:r>
+              <a:rPr lang="en-US" sz="5100" b="1" dirty="0">
+                <a:cs typeface="+mn-cs"/>
+              </a:rPr>
+              <a:t>Data Analysis (cont.):</a:t>
+            </a:r>
+          </a:p>
+        </p:txBody>
+      </p:sp>
+      <p:sp>
+        <p:nvSpPr>
+          <p:cNvPr id="12" name="TextBox 11">
+            <a:extLst>
+              <a:ext uri="{FF2B5EF4-FFF2-40B4-BE49-F238E27FC236}">
+                <a16:creationId xmlns:a16="http://schemas.microsoft.com/office/drawing/2014/main" id="{5C28E680-F53A-EE64-71AF-B6A116724CA6}"/>
+              </a:ext>
+            </a:extLst>
+          </p:cNvPr>
+          <p:cNvSpPr txBox="1"/>
+          <p:nvPr/>
+        </p:nvSpPr>
+        <p:spPr>
+          <a:xfrm>
+            <a:off x="1537796" y="6008139"/>
+            <a:ext cx="6258910" cy="369332"/>
+          </a:xfrm>
+          <a:prstGeom prst="rect">
+            <a:avLst/>
+          </a:prstGeom>
+          <a:noFill/>
+        </p:spPr>
+        <p:txBody>
+          <a:bodyPr wrap="square" rtlCol="0">
+            <a:spAutoFit/>
+          </a:bodyPr>
+          <a:lstStyle/>
+          <a:p>
+            <a:pPr algn="l" rtl="0"/>
+            <a:r>
+              <a:rPr lang="en-US" sz="1600" u="sng" dirty="0">
+                <a:cs typeface="+mn-cs"/>
+              </a:rPr>
+              <a:t>Remark</a:t>
+            </a:r>
+            <a:r>
+              <a:rPr lang="en-US" sz="1600" dirty="0">
+                <a:cs typeface="+mn-cs"/>
+              </a:rPr>
+              <a:t>: The</a:t>
+            </a:r>
+            <a:r>
+              <a:rPr lang="en-US" sz="1800" dirty="0">
+                <a:cs typeface="+mn-cs"/>
+              </a:rPr>
+              <a:t> depended variable on the x-axis for convenience </a:t>
             </a:r>
           </a:p>
         </p:txBody>
@@ -9136,38 +9558,6 @@
           <a:chExt cx="0" cy="0"/>
         </a:xfrm>
       </p:grpSpPr>
-      <p:sp>
-        <p:nvSpPr>
-          <p:cNvPr id="2" name="כותרת 1"/>
-          <p:cNvSpPr>
-            <a:spLocks noGrp="1"/>
-          </p:cNvSpPr>
-          <p:nvPr>
-            <p:ph type="title"/>
-          </p:nvPr>
-        </p:nvSpPr>
-        <p:spPr>
-          <a:xfrm>
-            <a:off x="1334812" y="748962"/>
-            <a:ext cx="3846787" cy="788916"/>
-          </a:xfrm>
-        </p:spPr>
-        <p:txBody>
-          <a:bodyPr>
-            <a:noAutofit/>
-          </a:bodyPr>
-          <a:lstStyle/>
-          <a:p>
-            <a:pPr algn="l" rtl="0"/>
-            <a:r>
-              <a:rPr lang="en-US" sz="5100" b="1" dirty="0">
-                <a:cs typeface="+mn-cs"/>
-              </a:rPr>
-              <a:t>Data Analysis:</a:t>
-            </a:r>
-          </a:p>
-        </p:txBody>
-      </p:sp>
       <p:pic>
         <p:nvPicPr>
           <p:cNvPr id="8" name="Picture 8" descr="File:Hebrew University Logo.svg - Wikimedia Commons"/>
@@ -9225,7 +9615,7 @@
         </p:nvSpPr>
         <p:spPr>
           <a:xfrm>
-            <a:off x="1334812" y="1537878"/>
+            <a:off x="1287515" y="1572350"/>
             <a:ext cx="10226567" cy="4883943"/>
           </a:xfrm>
           <a:prstGeom prst="rect">
@@ -9433,7 +9823,7 @@
         </p:nvSpPr>
         <p:spPr>
           <a:xfrm>
-            <a:off x="1382108" y="1764790"/>
+            <a:off x="1382108" y="1699724"/>
             <a:ext cx="10131974" cy="788916"/>
           </a:xfrm>
           <a:prstGeom prst="rect">
@@ -9479,21 +9869,6 @@
                 <a:cs typeface="+mn-cs"/>
               </a:rPr>
               <a:t>Analyzing the entire filtered Properties’ population (outliers’ removal)</a:t>
-            </a:r>
-          </a:p>
-          <a:p>
-            <a:pPr algn="l" rtl="0"/>
-            <a:r>
-              <a:rPr lang="en-US" sz="2800" b="1" u="sng" dirty="0">
-                <a:cs typeface="+mn-cs"/>
-              </a:rPr>
-              <a:t>Remark</a:t>
-            </a:r>
-            <a:r>
-              <a:rPr lang="en-US" sz="2800" b="1" dirty="0">
-                <a:cs typeface="+mn-cs"/>
-              </a:rPr>
-              <a:t>: The depended variable on the x-axis for convenience </a:t>
             </a:r>
           </a:p>
         </p:txBody>
@@ -9527,7 +9902,7 @@
         </p:blipFill>
         <p:spPr bwMode="auto">
           <a:xfrm>
-            <a:off x="1382108" y="2780618"/>
+            <a:off x="1382108" y="2488640"/>
             <a:ext cx="6296025" cy="3618334"/>
           </a:xfrm>
           <a:prstGeom prst="rect">
@@ -9559,7 +9934,7 @@
         </p:nvSpPr>
         <p:spPr>
           <a:xfrm>
-            <a:off x="1382108" y="3983421"/>
+            <a:off x="1382108" y="3753278"/>
             <a:ext cx="299547" cy="935420"/>
           </a:xfrm>
           <a:prstGeom prst="ellipse">
@@ -9613,7 +9988,7 @@
         </p:nvCxnSpPr>
         <p:spPr>
           <a:xfrm flipV="1">
-            <a:off x="2282795" y="5953337"/>
+            <a:off x="2156671" y="5659047"/>
             <a:ext cx="119368" cy="311402"/>
           </a:xfrm>
           <a:prstGeom prst="straightConnector1">
@@ -9658,7 +10033,7 @@
         </p:nvSpPr>
         <p:spPr>
           <a:xfrm>
-            <a:off x="8313683" y="3090041"/>
+            <a:off x="8266549" y="3137158"/>
             <a:ext cx="2659117" cy="1754326"/>
           </a:xfrm>
           <a:prstGeom prst="rect">
@@ -9700,6 +10075,88 @@
             <a:r>
               <a:rPr lang="en-US" dirty="0"/>
               <a:t>. </a:t>
+            </a:r>
+          </a:p>
+        </p:txBody>
+      </p:sp>
+      <p:sp>
+        <p:nvSpPr>
+          <p:cNvPr id="11" name="TextBox 10">
+            <a:extLst>
+              <a:ext uri="{FF2B5EF4-FFF2-40B4-BE49-F238E27FC236}">
+                <a16:creationId xmlns:a16="http://schemas.microsoft.com/office/drawing/2014/main" id="{A2D6DC08-58F4-9135-3D19-3E06754EFF2B}"/>
+              </a:ext>
+            </a:extLst>
+          </p:cNvPr>
+          <p:cNvSpPr txBox="1"/>
+          <p:nvPr/>
+        </p:nvSpPr>
+        <p:spPr>
+          <a:xfrm>
+            <a:off x="1472071" y="6025247"/>
+            <a:ext cx="6116098" cy="369332"/>
+          </a:xfrm>
+          <a:prstGeom prst="rect">
+            <a:avLst/>
+          </a:prstGeom>
+          <a:noFill/>
+        </p:spPr>
+        <p:txBody>
+          <a:bodyPr wrap="none" rtlCol="0">
+            <a:spAutoFit/>
+          </a:bodyPr>
+          <a:lstStyle/>
+          <a:p>
+            <a:pPr algn="l" rtl="0"/>
+            <a:r>
+              <a:rPr lang="en-US" sz="1800" u="sng" dirty="0">
+                <a:cs typeface="+mn-cs"/>
+              </a:rPr>
+              <a:t>Remark</a:t>
+            </a:r>
+            <a:r>
+              <a:rPr lang="en-US" sz="1800" dirty="0">
+                <a:cs typeface="+mn-cs"/>
+              </a:rPr>
+              <a:t>: The depended variable on the x-axis for convenience </a:t>
+            </a:r>
+          </a:p>
+        </p:txBody>
+      </p:sp>
+      <p:sp>
+        <p:nvSpPr>
+          <p:cNvPr id="12" name="כותרת 1">
+            <a:extLst>
+              <a:ext uri="{FF2B5EF4-FFF2-40B4-BE49-F238E27FC236}">
+                <a16:creationId xmlns:a16="http://schemas.microsoft.com/office/drawing/2014/main" id="{0D3F0D56-4484-5424-6C8D-C5DF336F365A}"/>
+              </a:ext>
+            </a:extLst>
+          </p:cNvPr>
+          <p:cNvSpPr>
+            <a:spLocks noGrp="1"/>
+          </p:cNvSpPr>
+          <p:nvPr>
+            <p:ph type="title"/>
+          </p:nvPr>
+        </p:nvSpPr>
+        <p:spPr>
+          <a:xfrm>
+            <a:off x="1334812" y="748962"/>
+            <a:ext cx="5675588" cy="788916"/>
+          </a:xfrm>
+        </p:spPr>
+        <p:txBody>
+          <a:bodyPr>
+            <a:noAutofit/>
+          </a:bodyPr>
+          <a:lstStyle/>
+          <a:p>
+            <a:pPr algn="l" rtl="0"/>
+            <a:r>
+              <a:rPr lang="en-US" sz="5100" b="1" dirty="0">
+                <a:cs typeface="+mn-cs"/>
+              </a:rPr>
+              <a:t>Data Analysis (cont.):</a:t>
             </a:r>
           </a:p>
         </p:txBody>
@@ -9734,38 +10191,6 @@
           <a:chExt cx="0" cy="0"/>
         </a:xfrm>
       </p:grpSpPr>
-      <p:sp>
-        <p:nvSpPr>
-          <p:cNvPr id="2" name="כותרת 1"/>
-          <p:cNvSpPr>
-            <a:spLocks noGrp="1"/>
-          </p:cNvSpPr>
-          <p:nvPr>
-            <p:ph type="title"/>
-          </p:nvPr>
-        </p:nvSpPr>
-        <p:spPr>
-          <a:xfrm>
-            <a:off x="1334812" y="748962"/>
-            <a:ext cx="3846787" cy="788916"/>
-          </a:xfrm>
-        </p:spPr>
-        <p:txBody>
-          <a:bodyPr>
-            <a:noAutofit/>
-          </a:bodyPr>
-          <a:lstStyle/>
-          <a:p>
-            <a:pPr algn="l" rtl="0"/>
-            <a:r>
-              <a:rPr lang="en-US" sz="5100" b="1" dirty="0">
-                <a:cs typeface="+mn-cs"/>
-              </a:rPr>
-              <a:t>Data Analysis:</a:t>
-            </a:r>
-          </a:p>
-        </p:txBody>
-      </p:sp>
       <p:pic>
         <p:nvPicPr>
           <p:cNvPr id="8" name="Picture 8" descr="File:Hebrew University Logo.svg - Wikimedia Commons"/>
@@ -10031,7 +10456,7 @@
         </p:nvSpPr>
         <p:spPr>
           <a:xfrm>
-            <a:off x="1382108" y="1749025"/>
+            <a:off x="1382108" y="1579999"/>
             <a:ext cx="10131974" cy="788916"/>
           </a:xfrm>
           <a:prstGeom prst="rect">
@@ -10077,27 +10502,6 @@
                 <a:cs typeface="+mn-cs"/>
               </a:rPr>
               <a:t>Analyzing the entire filtered Properties’ population (outliers' removal)</a:t>
-            </a:r>
-          </a:p>
-          <a:p>
-            <a:pPr algn="l" rtl="0"/>
-            <a:r>
-              <a:rPr lang="en-US" sz="2800" b="1" u="sng" dirty="0">
-                <a:cs typeface="+mn-cs"/>
-              </a:rPr>
-              <a:t>Remark</a:t>
-            </a:r>
-            <a:r>
-              <a:rPr lang="en-US" sz="2800" b="1" dirty="0">
-                <a:cs typeface="+mn-cs"/>
-              </a:rPr>
-              <a:t>: The</a:t>
-            </a:r>
-            <a:r>
-              <a:rPr lang="en-US" sz="2900" b="1" dirty="0">
-                <a:cs typeface="+mn-cs"/>
-              </a:rPr>
-              <a:t> depended variable on the x-axis for convenience </a:t>
             </a:r>
           </a:p>
         </p:txBody>
@@ -10131,8 +10535,8 @@
         </p:blipFill>
         <p:spPr bwMode="auto">
           <a:xfrm>
-            <a:off x="1382108" y="2631318"/>
-            <a:ext cx="6542692" cy="3613567"/>
+            <a:off x="1505605" y="2326794"/>
+            <a:ext cx="6542692" cy="3782244"/>
           </a:xfrm>
           <a:prstGeom prst="rect">
             <a:avLst/>
@@ -10165,7 +10569,7 @@
         </p:nvCxnSpPr>
         <p:spPr>
           <a:xfrm flipV="1">
-            <a:off x="2527735" y="5797636"/>
+            <a:off x="2611818" y="5681491"/>
             <a:ext cx="119368" cy="311402"/>
           </a:xfrm>
           <a:prstGeom prst="straightConnector1">
@@ -10210,7 +10614,7 @@
         </p:nvSpPr>
         <p:spPr>
           <a:xfrm>
-            <a:off x="1382108" y="3658873"/>
+            <a:off x="1505605" y="3445155"/>
             <a:ext cx="246995" cy="1219200"/>
           </a:xfrm>
           <a:prstGeom prst="ellipse">
@@ -10262,7 +10666,7 @@
         </p:nvSpPr>
         <p:spPr>
           <a:xfrm>
-            <a:off x="8368674" y="3123747"/>
+            <a:off x="8326632" y="3102686"/>
             <a:ext cx="2659117" cy="1754326"/>
           </a:xfrm>
           <a:prstGeom prst="rect">
@@ -10304,6 +10708,94 @@
             <a:r>
               <a:rPr lang="en-US" dirty="0"/>
               <a:t>. </a:t>
+            </a:r>
+          </a:p>
+        </p:txBody>
+      </p:sp>
+      <p:sp>
+        <p:nvSpPr>
+          <p:cNvPr id="11" name="כותרת 1">
+            <a:extLst>
+              <a:ext uri="{FF2B5EF4-FFF2-40B4-BE49-F238E27FC236}">
+                <a16:creationId xmlns:a16="http://schemas.microsoft.com/office/drawing/2014/main" id="{B6F0E58E-623C-5B44-FEB1-6497CD78025E}"/>
+              </a:ext>
+            </a:extLst>
+          </p:cNvPr>
+          <p:cNvSpPr>
+            <a:spLocks noGrp="1"/>
+          </p:cNvSpPr>
+          <p:nvPr>
+            <p:ph type="title"/>
+          </p:nvPr>
+        </p:nvSpPr>
+        <p:spPr>
+          <a:xfrm>
+            <a:off x="1334812" y="748962"/>
+            <a:ext cx="5675588" cy="788916"/>
+          </a:xfrm>
+        </p:spPr>
+        <p:txBody>
+          <a:bodyPr>
+            <a:noAutofit/>
+          </a:bodyPr>
+          <a:lstStyle/>
+          <a:p>
+            <a:pPr algn="l" rtl="0"/>
+            <a:r>
+              <a:rPr lang="en-US" sz="5100" b="1" dirty="0">
+                <a:cs typeface="+mn-cs"/>
+              </a:rPr>
+              <a:t>Data Analysis (cont.):</a:t>
+            </a:r>
+          </a:p>
+        </p:txBody>
+      </p:sp>
+      <p:sp>
+        <p:nvSpPr>
+          <p:cNvPr id="12" name="TextBox 11">
+            <a:extLst>
+              <a:ext uri="{FF2B5EF4-FFF2-40B4-BE49-F238E27FC236}">
+                <a16:creationId xmlns:a16="http://schemas.microsoft.com/office/drawing/2014/main" id="{B0FED977-F0E4-3024-F2DD-9F55C48D3AB4}"/>
+              </a:ext>
+            </a:extLst>
+          </p:cNvPr>
+          <p:cNvSpPr txBox="1"/>
+          <p:nvPr/>
+        </p:nvSpPr>
+        <p:spPr>
+          <a:xfrm>
+            <a:off x="1505605" y="5992893"/>
+            <a:ext cx="5820105" cy="369332"/>
+          </a:xfrm>
+          <a:prstGeom prst="rect">
+            <a:avLst/>
+          </a:prstGeom>
+          <a:noFill/>
+        </p:spPr>
+        <p:txBody>
+          <a:bodyPr wrap="square" rtlCol="0">
+            <a:spAutoFit/>
+          </a:bodyPr>
+          <a:lstStyle/>
+          <a:p>
+            <a:pPr algn="l" rtl="0"/>
+            <a:r>
+              <a:rPr lang="en-US" sz="1600" u="sng" dirty="0">
+                <a:cs typeface="+mn-cs"/>
+              </a:rPr>
+              <a:t>Remark</a:t>
+            </a:r>
+            <a:r>
+              <a:rPr lang="en-US" sz="1600" dirty="0">
+                <a:cs typeface="+mn-cs"/>
+              </a:rPr>
+              <a:t>: The</a:t>
+            </a:r>
+            <a:r>
+              <a:rPr lang="en-US" sz="1800" dirty="0">
+                <a:cs typeface="+mn-cs"/>
+              </a:rPr>
+              <a:t> depended variable on the x-axis for convenience </a:t>
             </a:r>
           </a:p>
         </p:txBody>
@@ -10338,38 +10830,6 @@
           <a:chExt cx="0" cy="0"/>
         </a:xfrm>
       </p:grpSpPr>
-      <p:sp>
-        <p:nvSpPr>
-          <p:cNvPr id="2" name="כותרת 1"/>
-          <p:cNvSpPr>
-            <a:spLocks noGrp="1"/>
-          </p:cNvSpPr>
-          <p:nvPr>
-            <p:ph type="title"/>
-          </p:nvPr>
-        </p:nvSpPr>
-        <p:spPr>
-          <a:xfrm>
-            <a:off x="1334812" y="748962"/>
-            <a:ext cx="3846787" cy="788916"/>
-          </a:xfrm>
-        </p:spPr>
-        <p:txBody>
-          <a:bodyPr>
-            <a:noAutofit/>
-          </a:bodyPr>
-          <a:lstStyle/>
-          <a:p>
-            <a:pPr algn="l" rtl="0"/>
-            <a:r>
-              <a:rPr lang="en-US" sz="5100" b="1" dirty="0">
-                <a:cs typeface="+mn-cs"/>
-              </a:rPr>
-              <a:t>Data Analysis:</a:t>
-            </a:r>
-          </a:p>
-        </p:txBody>
-      </p:sp>
       <p:pic>
         <p:nvPicPr>
           <p:cNvPr id="8" name="Picture 8" descr="File:Hebrew University Logo.svg - Wikimedia Commons"/>
@@ -10635,7 +11095,7 @@
         </p:nvSpPr>
         <p:spPr>
           <a:xfrm>
-            <a:off x="1334812" y="1724309"/>
+            <a:off x="1334812" y="1589908"/>
             <a:ext cx="10131974" cy="788916"/>
           </a:xfrm>
           <a:prstGeom prst="rect">
@@ -10681,21 +11141,6 @@
                 <a:cs typeface="+mn-cs"/>
               </a:rPr>
               <a:t>Analyzing the entire filtered Properties’ population (outliers’ removal)</a:t>
-            </a:r>
-          </a:p>
-          <a:p>
-            <a:pPr algn="l" rtl="0"/>
-            <a:r>
-              <a:rPr lang="en-US" sz="2800" b="1" u="sng" dirty="0">
-                <a:cs typeface="+mn-cs"/>
-              </a:rPr>
-              <a:t>Remark</a:t>
-            </a:r>
-            <a:r>
-              <a:rPr lang="en-US" sz="2800" b="1" dirty="0">
-                <a:cs typeface="+mn-cs"/>
-              </a:rPr>
-              <a:t>: The depended variable on the x-axis for convenience </a:t>
             </a:r>
           </a:p>
         </p:txBody>
@@ -10729,8 +11174,8 @@
         </p:blipFill>
         <p:spPr bwMode="auto">
           <a:xfrm>
-            <a:off x="1555281" y="2890583"/>
-            <a:ext cx="5770429" cy="3415624"/>
+            <a:off x="1555280" y="2378824"/>
+            <a:ext cx="6316469" cy="3648308"/>
           </a:xfrm>
           <a:prstGeom prst="rect">
             <a:avLst/>
@@ -10761,7 +11206,7 @@
         </p:nvSpPr>
         <p:spPr>
           <a:xfrm>
-            <a:off x="1555281" y="3857923"/>
+            <a:off x="1555279" y="3429000"/>
             <a:ext cx="273269" cy="1219200"/>
           </a:xfrm>
           <a:prstGeom prst="ellipse">
@@ -10855,6 +11300,88 @@
             <a:r>
               <a:rPr lang="en-US" dirty="0"/>
               <a:t>. </a:t>
+            </a:r>
+          </a:p>
+        </p:txBody>
+      </p:sp>
+      <p:sp>
+        <p:nvSpPr>
+          <p:cNvPr id="10" name="כותרת 1">
+            <a:extLst>
+              <a:ext uri="{FF2B5EF4-FFF2-40B4-BE49-F238E27FC236}">
+                <a16:creationId xmlns:a16="http://schemas.microsoft.com/office/drawing/2014/main" id="{BCB4754F-9752-2D86-673D-63999EB1C4CD}"/>
+              </a:ext>
+            </a:extLst>
+          </p:cNvPr>
+          <p:cNvSpPr>
+            <a:spLocks noGrp="1"/>
+          </p:cNvSpPr>
+          <p:nvPr>
+            <p:ph type="title"/>
+          </p:nvPr>
+        </p:nvSpPr>
+        <p:spPr>
+          <a:xfrm>
+            <a:off x="1334812" y="748962"/>
+            <a:ext cx="5675588" cy="788916"/>
+          </a:xfrm>
+        </p:spPr>
+        <p:txBody>
+          <a:bodyPr>
+            <a:noAutofit/>
+          </a:bodyPr>
+          <a:lstStyle/>
+          <a:p>
+            <a:pPr algn="l" rtl="0"/>
+            <a:r>
+              <a:rPr lang="en-US" sz="5100" b="1" dirty="0">
+                <a:cs typeface="+mn-cs"/>
+              </a:rPr>
+              <a:t>Data Analysis (cont.):</a:t>
+            </a:r>
+          </a:p>
+        </p:txBody>
+      </p:sp>
+      <p:sp>
+        <p:nvSpPr>
+          <p:cNvPr id="12" name="TextBox 11">
+            <a:extLst>
+              <a:ext uri="{FF2B5EF4-FFF2-40B4-BE49-F238E27FC236}">
+                <a16:creationId xmlns:a16="http://schemas.microsoft.com/office/drawing/2014/main" id="{BE347A98-C766-F5AF-37CD-0E17BD720045}"/>
+              </a:ext>
+            </a:extLst>
+          </p:cNvPr>
+          <p:cNvSpPr txBox="1"/>
+          <p:nvPr/>
+        </p:nvSpPr>
+        <p:spPr>
+          <a:xfrm>
+            <a:off x="1555279" y="6027132"/>
+            <a:ext cx="6096000" cy="369332"/>
+          </a:xfrm>
+          <a:prstGeom prst="rect">
+            <a:avLst/>
+          </a:prstGeom>
+          <a:noFill/>
+        </p:spPr>
+        <p:txBody>
+          <a:bodyPr wrap="square">
+            <a:spAutoFit/>
+          </a:bodyPr>
+          <a:lstStyle/>
+          <a:p>
+            <a:pPr algn="l" rtl="0"/>
+            <a:r>
+              <a:rPr lang="en-US" sz="1800" u="sng" dirty="0">
+                <a:cs typeface="+mn-cs"/>
+              </a:rPr>
+              <a:t>Remark</a:t>
+            </a:r>
+            <a:r>
+              <a:rPr lang="en-US" sz="1800" dirty="0">
+                <a:cs typeface="+mn-cs"/>
+              </a:rPr>
+              <a:t>: The depended variable on the x-axis for convenience </a:t>
             </a:r>
           </a:p>
         </p:txBody>
@@ -13319,7 +13846,7 @@
             </a:pPr>
             <a:r>
               <a:rPr lang="en-US" dirty="0"/>
-              <a:t>1. Removing Duplicated records (rows) and irrelevant fields (columns) resulted also in null entries decrease:</a:t>
+              <a:t>1. Removing duplicated records (rows) and irrelevant fields (columns) resulted also in null entries decrease:</a:t>
             </a:r>
             <a:endParaRPr lang="he-IL" dirty="0"/>
           </a:p>
@@ -14578,8 +15105,8 @@
         </p:blipFill>
         <p:spPr>
           <a:xfrm>
-            <a:off x="1955194" y="3030987"/>
-            <a:ext cx="8707279" cy="2786808"/>
+            <a:off x="1955194" y="2711669"/>
+            <a:ext cx="8707279" cy="3106126"/>
           </a:xfrm>
           <a:prstGeom prst="rect">
             <a:avLst/>
@@ -14629,7 +15156,7 @@
         <p:spPr>
           <a:xfrm>
             <a:off x="1334812" y="748962"/>
-            <a:ext cx="3846787" cy="788916"/>
+            <a:ext cx="5675588" cy="788916"/>
           </a:xfrm>
         </p:spPr>
         <p:txBody>
@@ -14643,7 +15170,7 @@
               <a:rPr lang="en-US" sz="5100" b="1" dirty="0">
                 <a:cs typeface="+mn-cs"/>
               </a:rPr>
-              <a:t>Data Analysis:</a:t>
+              <a:t>Data Analysis (cont.):</a:t>
             </a:r>
           </a:p>
         </p:txBody>
@@ -14967,7 +15494,7 @@
               <a:rPr lang="en-US" sz="2800" b="1" dirty="0">
                 <a:cs typeface="+mn-cs"/>
               </a:rPr>
-              <a:t>Non-discriminative! </a:t>
+              <a:t>Non-Discriminative! </a:t>
             </a:r>
           </a:p>
         </p:txBody>
@@ -15550,38 +16077,6 @@
           <a:chExt cx="0" cy="0"/>
         </a:xfrm>
       </p:grpSpPr>
-      <p:sp>
-        <p:nvSpPr>
-          <p:cNvPr id="2" name="כותרת 1"/>
-          <p:cNvSpPr>
-            <a:spLocks noGrp="1"/>
-          </p:cNvSpPr>
-          <p:nvPr>
-            <p:ph type="title"/>
-          </p:nvPr>
-        </p:nvSpPr>
-        <p:spPr>
-          <a:xfrm>
-            <a:off x="1334812" y="748962"/>
-            <a:ext cx="3846787" cy="788916"/>
-          </a:xfrm>
-        </p:spPr>
-        <p:txBody>
-          <a:bodyPr>
-            <a:noAutofit/>
-          </a:bodyPr>
-          <a:lstStyle/>
-          <a:p>
-            <a:pPr algn="l" rtl="0"/>
-            <a:r>
-              <a:rPr lang="en-US" sz="5100" b="1" dirty="0">
-                <a:cs typeface="+mn-cs"/>
-              </a:rPr>
-              <a:t>Data Analysis:</a:t>
-            </a:r>
-          </a:p>
-        </p:txBody>
-      </p:sp>
       <p:pic>
         <p:nvPicPr>
           <p:cNvPr id="8" name="Picture 8" descr="File:Hebrew University Logo.svg - Wikimedia Commons"/>
@@ -15892,16 +16387,7 @@
               <a:rPr lang="en-US" sz="2800" b="1" dirty="0">
                 <a:cs typeface="+mn-cs"/>
               </a:rPr>
-              <a:t>All of the properties in Q1 which their Property type is Entire home, their Room type is Entire home/apt. and they are located in Seattle → </a:t>
-            </a:r>
-          </a:p>
-          <a:p>
-            <a:pPr algn="just" rtl="0"/>
-            <a:r>
-              <a:rPr lang="en-US" sz="2800" b="1" dirty="0">
-                <a:cs typeface="+mn-cs"/>
-              </a:rPr>
-              <a:t>Non-discriminative! </a:t>
+              <a:t>All the properties in Q1, Q2 and Q3 which their Property type is Entire home, their Room type is Entire home/apt., and they are located in Seattle → Non-Discriminative! </a:t>
             </a:r>
           </a:p>
           <a:p>
@@ -15934,8 +16420,8 @@
         </p:blipFill>
         <p:spPr>
           <a:xfrm>
-            <a:off x="4435364" y="3037490"/>
-            <a:ext cx="3472153" cy="3279227"/>
+            <a:off x="4435364" y="3233057"/>
+            <a:ext cx="3472153" cy="3083660"/>
           </a:xfrm>
           <a:prstGeom prst="rect">
             <a:avLst/>
@@ -15964,14 +16450,52 @@
         </p:blipFill>
         <p:spPr>
           <a:xfrm>
-            <a:off x="8172571" y="3083473"/>
-            <a:ext cx="3123754" cy="3233244"/>
+            <a:off x="8172571" y="3233057"/>
+            <a:ext cx="3123754" cy="3083660"/>
           </a:xfrm>
           <a:prstGeom prst="rect">
             <a:avLst/>
           </a:prstGeom>
         </p:spPr>
       </p:pic>
+      <p:sp>
+        <p:nvSpPr>
+          <p:cNvPr id="7" name="כותרת 1">
+            <a:extLst>
+              <a:ext uri="{FF2B5EF4-FFF2-40B4-BE49-F238E27FC236}">
+                <a16:creationId xmlns:a16="http://schemas.microsoft.com/office/drawing/2014/main" id="{E2AE8FBA-3FD7-5631-93E9-EA3774763C9C}"/>
+              </a:ext>
+            </a:extLst>
+          </p:cNvPr>
+          <p:cNvSpPr>
+            <a:spLocks noGrp="1"/>
+          </p:cNvSpPr>
+          <p:nvPr>
+            <p:ph type="title"/>
+          </p:nvPr>
+        </p:nvSpPr>
+        <p:spPr>
+          <a:xfrm>
+            <a:off x="1334812" y="748962"/>
+            <a:ext cx="5675588" cy="788916"/>
+          </a:xfrm>
+        </p:spPr>
+        <p:txBody>
+          <a:bodyPr>
+            <a:noAutofit/>
+          </a:bodyPr>
+          <a:lstStyle/>
+          <a:p>
+            <a:pPr algn="l" rtl="0"/>
+            <a:r>
+              <a:rPr lang="en-US" sz="5100" b="1" dirty="0">
+                <a:cs typeface="+mn-cs"/>
+              </a:rPr>
+              <a:t>Data Analysis (cont.):</a:t>
+            </a:r>
+          </a:p>
+        </p:txBody>
+      </p:sp>
     </p:spTree>
     <p:extLst>
       <p:ext uri="{BB962C8B-B14F-4D97-AF65-F5344CB8AC3E}">

--- a/Final Project Data Analyst Program Hebrew University of Jerusalem Class No. 4 Group 2.pptx
+++ b/Final Project Data Analyst Program Hebrew University of Jerusalem Class No. 4 Group 2.pptx
@@ -136,7 +136,7 @@
 <file path=ppt/revisionInfo.xml><?xml version="1.0" encoding="utf-8"?>
 <p1510:revInfo xmlns:a="http://schemas.openxmlformats.org/drawingml/2006/main" xmlns:r="http://schemas.openxmlformats.org/officeDocument/2006/relationships" xmlns:p1510="http://schemas.microsoft.com/office/powerpoint/2015/10/main">
   <p1510:revLst>
-    <p1510:client id="{5D952ADB-1579-4CB5-A5D8-2E248B0950CA}" v="130" dt="2023-12-04T05:20:59.061"/>
+    <p1510:client id="{5D952ADB-1579-4CB5-A5D8-2E248B0950CA}" v="135" dt="2023-12-04T08:50:55.391"/>
   </p1510:revLst>
 </p1510:revInfo>
 </file>
@@ -146,7 +146,7 @@
   <pc:docChgLst>
     <pc:chgData name="שיר וולץ" userId="aefb9a7725becb63" providerId="LiveId" clId="{5D952ADB-1579-4CB5-A5D8-2E248B0950CA}"/>
     <pc:docChg chg="undo redo custSel addSld delSld modSld sldOrd">
-      <pc:chgData name="שיר וולץ" userId="aefb9a7725becb63" providerId="LiveId" clId="{5D952ADB-1579-4CB5-A5D8-2E248B0950CA}" dt="2023-12-04T05:20:59.061" v="2739"/>
+      <pc:chgData name="שיר וולץ" userId="aefb9a7725becb63" providerId="LiveId" clId="{5D952ADB-1579-4CB5-A5D8-2E248B0950CA}" dt="2023-12-04T08:51:29.324" v="2761" actId="14100"/>
       <pc:docMkLst>
         <pc:docMk/>
       </pc:docMkLst>
@@ -632,7 +632,7 @@
         </pc:graphicFrameChg>
       </pc:sldChg>
       <pc:sldChg chg="addSp delSp modSp mod">
-        <pc:chgData name="שיר וולץ" userId="aefb9a7725becb63" providerId="LiveId" clId="{5D952ADB-1579-4CB5-A5D8-2E248B0950CA}" dt="2023-12-04T04:57:54.271" v="2302"/>
+        <pc:chgData name="שיר וולץ" userId="aefb9a7725becb63" providerId="LiveId" clId="{5D952ADB-1579-4CB5-A5D8-2E248B0950CA}" dt="2023-12-04T08:49:17.870" v="2756" actId="14100"/>
         <pc:sldMkLst>
           <pc:docMk/>
           <pc:sldMk cId="3112131851" sldId="279"/>
@@ -645,8 +645,16 @@
             <ac:spMk id="2" creationId="{00000000-0000-0000-0000-000000000000}"/>
           </ac:spMkLst>
         </pc:spChg>
+        <pc:spChg chg="add mod">
+          <ac:chgData name="שיר וולץ" userId="aefb9a7725becb63" providerId="LiveId" clId="{5D952ADB-1579-4CB5-A5D8-2E248B0950CA}" dt="2023-12-04T08:48:20.036" v="2745" actId="113"/>
+          <ac:spMkLst>
+            <pc:docMk/>
+            <pc:sldMk cId="3112131851" sldId="279"/>
+            <ac:spMk id="3" creationId="{AD3E555F-0C0D-4A40-4974-304E2CD75CBB}"/>
+          </ac:spMkLst>
+        </pc:spChg>
         <pc:spChg chg="mod">
-          <ac:chgData name="שיר וולץ" userId="aefb9a7725becb63" providerId="LiveId" clId="{5D952ADB-1579-4CB5-A5D8-2E248B0950CA}" dt="2023-12-02T18:54:11.264" v="310" actId="255"/>
+          <ac:chgData name="שיר וולץ" userId="aefb9a7725becb63" providerId="LiveId" clId="{5D952ADB-1579-4CB5-A5D8-2E248B0950CA}" dt="2023-12-04T08:47:59.718" v="2741" actId="1076"/>
           <ac:spMkLst>
             <pc:docMk/>
             <pc:sldMk cId="3112131851" sldId="279"/>
@@ -662,11 +670,19 @@
           </ac:spMkLst>
         </pc:spChg>
         <pc:spChg chg="mod">
-          <ac:chgData name="שיר וולץ" userId="aefb9a7725becb63" providerId="LiveId" clId="{5D952ADB-1579-4CB5-A5D8-2E248B0950CA}" dt="2023-12-02T17:32:24.782" v="220" actId="14100"/>
+          <ac:chgData name="שיר וולץ" userId="aefb9a7725becb63" providerId="LiveId" clId="{5D952ADB-1579-4CB5-A5D8-2E248B0950CA}" dt="2023-12-04T08:49:02.701" v="2753" actId="1076"/>
           <ac:spMkLst>
             <pc:docMk/>
             <pc:sldMk cId="3112131851" sldId="279"/>
             <ac:spMk id="9" creationId="{31C22BAA-1001-479E-9971-E279C3CE9891}"/>
+          </ac:spMkLst>
+        </pc:spChg>
+        <pc:spChg chg="mod">
+          <ac:chgData name="שיר וולץ" userId="aefb9a7725becb63" providerId="LiveId" clId="{5D952ADB-1579-4CB5-A5D8-2E248B0950CA}" dt="2023-12-04T08:49:13.183" v="2755" actId="1076"/>
+          <ac:spMkLst>
+            <pc:docMk/>
+            <pc:sldMk cId="3112131851" sldId="279"/>
+            <ac:spMk id="10" creationId="{5AB75C87-6127-6890-3E26-2A64E04F9D50}"/>
           </ac:spMkLst>
         </pc:spChg>
         <pc:spChg chg="add mod">
@@ -677,14 +693,38 @@
             <ac:spMk id="11" creationId="{AA02AF61-A24D-E693-6AA2-708C1E6EB3A5}"/>
           </ac:spMkLst>
         </pc:spChg>
+        <pc:spChg chg="mod">
+          <ac:chgData name="שיר וולץ" userId="aefb9a7725becb63" providerId="LiveId" clId="{5D952ADB-1579-4CB5-A5D8-2E248B0950CA}" dt="2023-12-04T08:48:37.325" v="2749" actId="1076"/>
+          <ac:spMkLst>
+            <pc:docMk/>
+            <pc:sldMk cId="3112131851" sldId="279"/>
+            <ac:spMk id="13" creationId="{9041F4DF-359F-9630-12D8-DBA977BC78F0}"/>
+          </ac:spMkLst>
+        </pc:spChg>
         <pc:picChg chg="mod">
-          <ac:chgData name="שיר וולץ" userId="aefb9a7725becb63" providerId="LiveId" clId="{5D952ADB-1579-4CB5-A5D8-2E248B0950CA}" dt="2023-12-02T14:56:09.605" v="98" actId="14100"/>
+          <ac:chgData name="שיר וולץ" userId="aefb9a7725becb63" providerId="LiveId" clId="{5D952ADB-1579-4CB5-A5D8-2E248B0950CA}" dt="2023-12-04T08:48:51.588" v="2752" actId="1076"/>
           <ac:picMkLst>
             <pc:docMk/>
             <pc:sldMk cId="3112131851" sldId="279"/>
             <ac:picMk id="1026" creationId="{3B51BC27-0F12-1C9A-811D-60AC218BB492}"/>
           </ac:picMkLst>
         </pc:picChg>
+        <pc:cxnChg chg="mod">
+          <ac:chgData name="שיר וולץ" userId="aefb9a7725becb63" providerId="LiveId" clId="{5D952ADB-1579-4CB5-A5D8-2E248B0950CA}" dt="2023-12-04T08:48:25.842" v="2746" actId="1076"/>
+          <ac:cxnSpMkLst>
+            <pc:docMk/>
+            <pc:sldMk cId="3112131851" sldId="279"/>
+            <ac:cxnSpMk id="7" creationId="{F6B3E1C9-0FBD-4307-24CB-C4885784657B}"/>
+          </ac:cxnSpMkLst>
+        </pc:cxnChg>
+        <pc:cxnChg chg="mod">
+          <ac:chgData name="שיר וולץ" userId="aefb9a7725becb63" providerId="LiveId" clId="{5D952ADB-1579-4CB5-A5D8-2E248B0950CA}" dt="2023-12-04T08:49:17.870" v="2756" actId="14100"/>
+          <ac:cxnSpMkLst>
+            <pc:docMk/>
+            <pc:sldMk cId="3112131851" sldId="279"/>
+            <ac:cxnSpMk id="15" creationId="{7774AAA3-DEA4-D493-FF5F-7C1EAE3EF8B9}"/>
+          </ac:cxnSpMkLst>
+        </pc:cxnChg>
       </pc:sldChg>
       <pc:sldChg chg="addSp delSp modSp mod">
         <pc:chgData name="שיר וולץ" userId="aefb9a7725becb63" providerId="LiveId" clId="{5D952ADB-1579-4CB5-A5D8-2E248B0950CA}" dt="2023-12-04T05:19:04.443" v="2735" actId="1076"/>
@@ -766,7 +806,7 @@
         </pc:cxnChg>
       </pc:sldChg>
       <pc:sldChg chg="addSp delSp modSp mod ord">
-        <pc:chgData name="שיר וולץ" userId="aefb9a7725becb63" providerId="LiveId" clId="{5D952ADB-1579-4CB5-A5D8-2E248B0950CA}" dt="2023-12-04T05:20:59.061" v="2739"/>
+        <pc:chgData name="שיר וולץ" userId="aefb9a7725becb63" providerId="LiveId" clId="{5D952ADB-1579-4CB5-A5D8-2E248B0950CA}" dt="2023-12-04T08:51:14.616" v="2759" actId="1076"/>
         <pc:sldMkLst>
           <pc:docMk/>
           <pc:sldMk cId="558379904" sldId="281"/>
@@ -804,7 +844,7 @@
           </ac:spMkLst>
         </pc:spChg>
         <pc:spChg chg="mod">
-          <ac:chgData name="שיר וולץ" userId="aefb9a7725becb63" providerId="LiveId" clId="{5D952ADB-1579-4CB5-A5D8-2E248B0950CA}" dt="2023-12-04T05:02:14.035" v="2338" actId="1076"/>
+          <ac:chgData name="שיר וולץ" userId="aefb9a7725becb63" providerId="LiveId" clId="{5D952ADB-1579-4CB5-A5D8-2E248B0950CA}" dt="2023-12-04T08:51:14.616" v="2759" actId="1076"/>
           <ac:spMkLst>
             <pc:docMk/>
             <pc:sldMk cId="558379904" sldId="281"/>
@@ -853,7 +893,7 @@
         </pc:cxnChg>
       </pc:sldChg>
       <pc:sldChg chg="addSp delSp modSp mod">
-        <pc:chgData name="שיר וולץ" userId="aefb9a7725becb63" providerId="LiveId" clId="{5D952ADB-1579-4CB5-A5D8-2E248B0950CA}" dt="2023-12-04T05:19:16.605" v="2736" actId="1076"/>
+        <pc:chgData name="שיר וולץ" userId="aefb9a7725becb63" providerId="LiveId" clId="{5D952ADB-1579-4CB5-A5D8-2E248B0950CA}" dt="2023-12-04T08:51:03.157" v="2758" actId="1076"/>
         <pc:sldMkLst>
           <pc:docMk/>
           <pc:sldMk cId="3560181366" sldId="282"/>
@@ -891,7 +931,7 @@
           </ac:spMkLst>
         </pc:spChg>
         <pc:spChg chg="mod">
-          <ac:chgData name="שיר וולץ" userId="aefb9a7725becb63" providerId="LiveId" clId="{5D952ADB-1579-4CB5-A5D8-2E248B0950CA}" dt="2023-12-04T05:01:44.275" v="2334" actId="1076"/>
+          <ac:chgData name="שיר וולץ" userId="aefb9a7725becb63" providerId="LiveId" clId="{5D952ADB-1579-4CB5-A5D8-2E248B0950CA}" dt="2023-12-04T08:51:03.157" v="2758" actId="1076"/>
           <ac:spMkLst>
             <pc:docMk/>
             <pc:sldMk cId="3560181366" sldId="282"/>
@@ -923,7 +963,7 @@
           </ac:spMkLst>
         </pc:spChg>
         <pc:picChg chg="mod">
-          <ac:chgData name="שיר וולץ" userId="aefb9a7725becb63" providerId="LiveId" clId="{5D952ADB-1579-4CB5-A5D8-2E248B0950CA}" dt="2023-12-04T05:01:22.312" v="2332" actId="14100"/>
+          <ac:chgData name="שיר וולץ" userId="aefb9a7725becb63" providerId="LiveId" clId="{5D952ADB-1579-4CB5-A5D8-2E248B0950CA}" dt="2023-12-04T08:50:55.391" v="2757" actId="1076"/>
           <ac:picMkLst>
             <pc:docMk/>
             <pc:sldMk cId="3560181366" sldId="282"/>
@@ -932,7 +972,7 @@
         </pc:picChg>
       </pc:sldChg>
       <pc:sldChg chg="addSp delSp modSp mod">
-        <pc:chgData name="שיר וולץ" userId="aefb9a7725becb63" providerId="LiveId" clId="{5D952ADB-1579-4CB5-A5D8-2E248B0950CA}" dt="2023-12-04T05:19:44.399" v="2738" actId="113"/>
+        <pc:chgData name="שיר וולץ" userId="aefb9a7725becb63" providerId="LiveId" clId="{5D952ADB-1579-4CB5-A5D8-2E248B0950CA}" dt="2023-12-04T08:51:29.324" v="2761" actId="14100"/>
         <pc:sldMkLst>
           <pc:docMk/>
           <pc:sldMk cId="2365412575" sldId="283"/>
@@ -970,7 +1010,7 @@
           </ac:spMkLst>
         </pc:spChg>
         <pc:spChg chg="mod">
-          <ac:chgData name="שיר וולץ" userId="aefb9a7725becb63" providerId="LiveId" clId="{5D952ADB-1579-4CB5-A5D8-2E248B0950CA}" dt="2023-12-04T05:04:03.100" v="2349" actId="1076"/>
+          <ac:chgData name="שיר וולץ" userId="aefb9a7725becb63" providerId="LiveId" clId="{5D952ADB-1579-4CB5-A5D8-2E248B0950CA}" dt="2023-12-04T08:51:29.324" v="2761" actId="14100"/>
           <ac:spMkLst>
             <pc:docMk/>
             <pc:sldMk cId="2365412575" sldId="283"/>
@@ -8086,7 +8126,7 @@
         </p:nvSpPr>
         <p:spPr>
           <a:xfrm>
-            <a:off x="1382108" y="1750304"/>
+            <a:off x="1382108" y="1697232"/>
             <a:ext cx="10131974" cy="788916"/>
           </a:xfrm>
           <a:prstGeom prst="rect">
@@ -8132,21 +8172,6 @@
                 <a:cs typeface="+mn-cs"/>
               </a:rPr>
               <a:t>Analyzing the entire filtered Properties’ population</a:t>
-            </a:r>
-          </a:p>
-          <a:p>
-            <a:pPr algn="l" rtl="0"/>
-            <a:r>
-              <a:rPr lang="en-US" sz="2800" b="1" u="sng" dirty="0">
-                <a:cs typeface="+mn-cs"/>
-              </a:rPr>
-              <a:t>Remark</a:t>
-            </a:r>
-            <a:r>
-              <a:rPr lang="en-US" sz="2800" b="1" dirty="0">
-                <a:cs typeface="+mn-cs"/>
-              </a:rPr>
-              <a:t>: The depended variable on the x-axis for convenience </a:t>
             </a:r>
           </a:p>
         </p:txBody>
@@ -8180,7 +8205,7 @@
         </p:blipFill>
         <p:spPr bwMode="auto">
           <a:xfrm>
-            <a:off x="2732313" y="2666282"/>
+            <a:off x="2724839" y="2431739"/>
             <a:ext cx="7004957" cy="3622890"/>
           </a:xfrm>
           <a:prstGeom prst="rect">
@@ -8214,7 +8239,7 @@
         </p:nvCxnSpPr>
         <p:spPr>
           <a:xfrm flipV="1">
-            <a:off x="4550979" y="5797636"/>
+            <a:off x="4561490" y="5574959"/>
             <a:ext cx="119368" cy="311402"/>
           </a:xfrm>
           <a:prstGeom prst="straightConnector1">
@@ -8259,7 +8284,7 @@
         </p:nvSpPr>
         <p:spPr>
           <a:xfrm>
-            <a:off x="2732313" y="3762702"/>
+            <a:off x="2724839" y="3530354"/>
             <a:ext cx="336708" cy="1145629"/>
           </a:xfrm>
           <a:prstGeom prst="ellipse">
@@ -8311,8 +8336,8 @@
         </p:nvSpPr>
         <p:spPr>
           <a:xfrm>
-            <a:off x="9307287" y="5465379"/>
-            <a:ext cx="304800" cy="332257"/>
+            <a:off x="9297217" y="5263557"/>
+            <a:ext cx="260164" cy="311402"/>
           </a:xfrm>
           <a:prstGeom prst="ellipse">
             <a:avLst/>
@@ -8363,7 +8388,7 @@
         </p:nvSpPr>
         <p:spPr>
           <a:xfrm>
-            <a:off x="8552637" y="4805115"/>
+            <a:off x="8400237" y="4659646"/>
             <a:ext cx="1014813" cy="369332"/>
           </a:xfrm>
           <a:prstGeom prst="rect">
@@ -8401,8 +8426,8 @@
         </p:nvCxnSpPr>
         <p:spPr>
           <a:xfrm>
-            <a:off x="9070930" y="5087733"/>
-            <a:ext cx="260163" cy="339590"/>
+            <a:off x="9002487" y="4994253"/>
+            <a:ext cx="294730" cy="269304"/>
           </a:xfrm>
           <a:prstGeom prst="straightConnector1">
             <a:avLst/>
@@ -8463,6 +8488,50 @@
                 <a:cs typeface="+mn-cs"/>
               </a:rPr>
               <a:t>Data Analysis (cont.):</a:t>
+            </a:r>
+          </a:p>
+        </p:txBody>
+      </p:sp>
+      <p:sp>
+        <p:nvSpPr>
+          <p:cNvPr id="3" name="TextBox 2">
+            <a:extLst>
+              <a:ext uri="{FF2B5EF4-FFF2-40B4-BE49-F238E27FC236}">
+                <a16:creationId xmlns:a16="http://schemas.microsoft.com/office/drawing/2014/main" id="{AD3E555F-0C0D-4A40-4974-304E2CD75CBB}"/>
+              </a:ext>
+            </a:extLst>
+          </p:cNvPr>
+          <p:cNvSpPr txBox="1"/>
+          <p:nvPr/>
+        </p:nvSpPr>
+        <p:spPr>
+          <a:xfrm>
+            <a:off x="1382108" y="6000219"/>
+            <a:ext cx="6096000" cy="369332"/>
+          </a:xfrm>
+          <a:prstGeom prst="rect">
+            <a:avLst/>
+          </a:prstGeom>
+          <a:noFill/>
+        </p:spPr>
+        <p:txBody>
+          <a:bodyPr wrap="square">
+            <a:spAutoFit/>
+          </a:bodyPr>
+          <a:lstStyle/>
+          <a:p>
+            <a:pPr algn="l" rtl="0"/>
+            <a:r>
+              <a:rPr lang="en-US" sz="1800" u="sng" dirty="0">
+                <a:cs typeface="+mn-cs"/>
+              </a:rPr>
+              <a:t>Remark</a:t>
+            </a:r>
+            <a:r>
+              <a:rPr lang="en-US" sz="1800" dirty="0">
+                <a:cs typeface="+mn-cs"/>
+              </a:rPr>
+              <a:t>: The depended variable on the x-axis for convenience </a:t>
             </a:r>
           </a:p>
         </p:txBody>
@@ -9296,7 +9365,7 @@
         <p:spPr>
           <a:xfrm>
             <a:off x="1537796" y="3625167"/>
-            <a:ext cx="301514" cy="1219200"/>
+            <a:ext cx="248963" cy="1062447"/>
           </a:xfrm>
           <a:prstGeom prst="ellipse">
             <a:avLst/>
@@ -9934,7 +10003,7 @@
         </p:nvSpPr>
         <p:spPr>
           <a:xfrm>
-            <a:off x="1382108" y="3753278"/>
+            <a:off x="1382108" y="3679706"/>
             <a:ext cx="299547" cy="935420"/>
           </a:xfrm>
           <a:prstGeom prst="ellipse">
@@ -11174,7 +11243,7 @@
         </p:blipFill>
         <p:spPr bwMode="auto">
           <a:xfrm>
-            <a:off x="1555280" y="2378824"/>
+            <a:off x="1545393" y="2378824"/>
             <a:ext cx="6316469" cy="3648308"/>
           </a:xfrm>
           <a:prstGeom prst="rect">
@@ -11206,7 +11275,7 @@
         </p:nvSpPr>
         <p:spPr>
           <a:xfrm>
-            <a:off x="1555279" y="3429000"/>
+            <a:off x="1555279" y="3438350"/>
             <a:ext cx="273269" cy="1219200"/>
           </a:xfrm>
           <a:prstGeom prst="ellipse">
